--- a/Notizen/Präsentation_EssentialBlog.pptx
+++ b/Notizen/Präsentation_EssentialBlog.pptx
@@ -420,12 +420,12 @@
         </c:dLbls>
         <c:gapWidth val="150"/>
         <c:shape val="cylinder"/>
-        <c:axId val="348879248"/>
-        <c:axId val="348879640"/>
+        <c:axId val="259117944"/>
+        <c:axId val="259118336"/>
         <c:axId val="0"/>
       </c:bar3DChart>
       <c:catAx>
-        <c:axId val="348879248"/>
+        <c:axId val="259117944"/>
         <c:scaling>
           <c:orientation val="minMax"/>
         </c:scaling>
@@ -460,7 +460,7 @@
             <a:endParaRPr lang="de-DE"/>
           </a:p>
         </c:txPr>
-        <c:crossAx val="348879640"/>
+        <c:crossAx val="259118336"/>
         <c:crosses val="autoZero"/>
         <c:auto val="1"/>
         <c:lblAlgn val="ctr"/>
@@ -468,7 +468,7 @@
         <c:noMultiLvlLbl val="0"/>
       </c:catAx>
       <c:valAx>
-        <c:axId val="348879640"/>
+        <c:axId val="259118336"/>
         <c:scaling>
           <c:orientation val="minMax"/>
         </c:scaling>
@@ -513,7 +513,7 @@
             <a:endParaRPr lang="de-DE"/>
           </a:p>
         </c:txPr>
-        <c:crossAx val="348879248"/>
+        <c:crossAx val="259117944"/>
         <c:crosses val="autoZero"/>
         <c:crossBetween val="between"/>
         <c:majorUnit val="1"/>
@@ -521,7 +521,6 @@
     </c:plotArea>
     <c:legend>
       <c:legendPos val="r"/>
-      <c:layout/>
       <c:overlay val="0"/>
       <c:txPr>
         <a:bodyPr/>
@@ -577,7 +576,6 @@
   </mc:AlternateContent>
   <c:chart>
     <c:title>
-      <c:layout/>
       <c:overlay val="0"/>
       <c:txPr>
         <a:bodyPr/>
@@ -670,9 +668,7 @@
             <c:showBubbleSize val="0"/>
             <c:showLeaderLines val="1"/>
             <c:extLst>
-              <c:ext xmlns:c15="http://schemas.microsoft.com/office/drawing/2012/chart" uri="{CE6537A1-D6FC-4f65-9D91-7224C49458BB}">
-                <c15:layout/>
-              </c:ext>
+              <c:ext xmlns:c15="http://schemas.microsoft.com/office/drawing/2012/chart" uri="{CE6537A1-D6FC-4f65-9D91-7224C49458BB}"/>
             </c:extLst>
           </c:dLbls>
           <c:cat>
@@ -862,7 +858,7 @@
           <a:p>
             <a:fld id="{5AB3429A-4996-4E8A-9907-26EBCB65C05D}" type="datetimeFigureOut">
               <a:rPr lang="en-US" smtClean="0"/>
-              <a:t>1/20/2015</a:t>
+              <a:t>1/24/2015</a:t>
             </a:fld>
             <a:endParaRPr lang="en-US"/>
           </a:p>
@@ -1225,7 +1221,7 @@
                 <a:ea typeface="+mn-ea"/>
                 <a:cs typeface="+mn-cs"/>
               </a:rPr>
-              <a:t>1/20/2015 9:48 PM</a:t>
+              <a:t>1/24/2015 12:07 PM</a:t>
             </a:fld>
             <a:endParaRPr lang="en-US" sz="1200" b="0" i="0">
               <a:latin typeface="Calibri"/>
@@ -1460,7 +1456,7 @@
                 <a:ea typeface="+mn-ea"/>
                 <a:cs typeface="+mn-cs"/>
               </a:rPr>
-              <a:t>1/20/2015 9:45 PM</a:t>
+              <a:t>1/24/2015 12:07 PM</a:t>
             </a:fld>
             <a:endParaRPr lang="en-US" sz="1200" b="0" i="0">
               <a:latin typeface="Calibri"/>
@@ -1685,7 +1681,7 @@
                 <a:ea typeface="+mn-ea"/>
                 <a:cs typeface="+mn-cs"/>
               </a:rPr>
-              <a:t>1/20/2015 9:45 PM</a:t>
+              <a:t>1/24/2015 12:07 PM</a:t>
             </a:fld>
             <a:endParaRPr lang="en-US" sz="1200" b="0" i="0">
               <a:latin typeface="Calibri"/>
@@ -2007,7 +2003,7 @@
                 <a:ea typeface="+mn-ea"/>
                 <a:cs typeface="+mn-cs"/>
               </a:rPr>
-              <a:t>1/20/2015 9:45 PM</a:t>
+              <a:t>1/24/2015 12:07 PM</a:t>
             </a:fld>
             <a:endParaRPr lang="en-US" sz="1200" b="0" i="0">
               <a:latin typeface="Calibri"/>
@@ -5837,11 +5833,6 @@
               </a:rPr>
               <a:t>Ein Vortrag von Team Schwarz</a:t>
             </a:r>
-            <a:endParaRPr lang="de-DE" dirty="0">
-              <a:solidFill>
-                <a:srgbClr val="000000"/>
-              </a:solidFill>
-            </a:endParaRPr>
           </a:p>
         </p:txBody>
       </p:sp>
@@ -7908,8 +7899,17 @@
             </a:pPr>
             <a:r>
               <a:rPr lang="de-DE" dirty="0"/>
-              <a:t>Das Team</a:t>
-            </a:r>
+              <a:t>Das </a:t>
+            </a:r>
+            <a:r>
+              <a:rPr lang="de-DE" dirty="0" smtClean="0"/>
+              <a:t>Team - </a:t>
+            </a:r>
+            <a:r>
+              <a:rPr lang="de-DE" dirty="0" err="1" smtClean="0"/>
+              <a:t>nfe</a:t>
+            </a:r>
+            <a:endParaRPr lang="de-DE" dirty="0"/>
           </a:p>
           <a:p>
             <a:pPr marL="514350" indent="-514350">
@@ -7918,8 +7918,17 @@
             </a:pPr>
             <a:r>
               <a:rPr lang="de-DE" dirty="0"/>
-              <a:t>Unser Thema</a:t>
-            </a:r>
+              <a:t>Unser </a:t>
+            </a:r>
+            <a:r>
+              <a:rPr lang="de-DE" dirty="0" smtClean="0"/>
+              <a:t>Thema -</a:t>
+            </a:r>
+            <a:r>
+              <a:rPr lang="de-DE" dirty="0" err="1" smtClean="0"/>
+              <a:t>nfe</a:t>
+            </a:r>
+            <a:endParaRPr lang="de-DE" dirty="0"/>
           </a:p>
           <a:p>
             <a:pPr marL="514350" indent="-514350">
@@ -7927,9 +7936,14 @@
               <a:buAutoNum type="arabicPeriod"/>
             </a:pPr>
             <a:r>
-              <a:rPr lang="de-DE" dirty="0"/>
-              <a:t>Anforderungen</a:t>
-            </a:r>
+              <a:rPr lang="de-DE" dirty="0" smtClean="0"/>
+              <a:t>Anforderungen - </a:t>
+            </a:r>
+            <a:r>
+              <a:rPr lang="de-DE" dirty="0" err="1" smtClean="0"/>
+              <a:t>nfe</a:t>
+            </a:r>
+            <a:endParaRPr lang="de-DE" dirty="0"/>
           </a:p>
           <a:p>
             <a:pPr marL="514350" indent="-514350">
@@ -7937,9 +7951,14 @@
               <a:buAutoNum type="arabicPeriod"/>
             </a:pPr>
             <a:r>
-              <a:rPr lang="de-DE" dirty="0"/>
-              <a:t>Vorgehen</a:t>
-            </a:r>
+              <a:rPr lang="de-DE" dirty="0" smtClean="0"/>
+              <a:t>Vorgehen - </a:t>
+            </a:r>
+            <a:r>
+              <a:rPr lang="de-DE" dirty="0" err="1" smtClean="0"/>
+              <a:t>mkerk</a:t>
+            </a:r>
+            <a:endParaRPr lang="de-DE" dirty="0"/>
           </a:p>
           <a:p>
             <a:pPr marL="514350" indent="-514350">
@@ -7947,9 +7966,14 @@
               <a:buAutoNum type="arabicPeriod"/>
             </a:pPr>
             <a:r>
-              <a:rPr lang="de-DE" dirty="0"/>
-              <a:t>Herausforderungen</a:t>
-            </a:r>
+              <a:rPr lang="de-DE" dirty="0" smtClean="0"/>
+              <a:t>Herausforderungen -</a:t>
+            </a:r>
+            <a:r>
+              <a:rPr lang="de-DE" dirty="0" err="1" smtClean="0"/>
+              <a:t>soch</a:t>
+            </a:r>
+            <a:endParaRPr lang="de-DE" dirty="0"/>
           </a:p>
           <a:p>
             <a:pPr marL="514350" indent="-514350">
@@ -7957,9 +7981,10 @@
               <a:buAutoNum type="arabicPeriod"/>
             </a:pPr>
             <a:r>
-              <a:rPr lang="de-DE" dirty="0"/>
-              <a:t>Ergebnis</a:t>
-            </a:r>
+              <a:rPr lang="de-DE" dirty="0" smtClean="0"/>
+              <a:t>Ergebnis - alle</a:t>
+            </a:r>
+            <a:endParaRPr lang="de-DE" dirty="0"/>
           </a:p>
           <a:p>
             <a:pPr marL="514350" indent="-514350">
@@ -7967,9 +7992,14 @@
               <a:buAutoNum type="arabicPeriod"/>
             </a:pPr>
             <a:r>
-              <a:rPr lang="de-DE" dirty="0"/>
-              <a:t>Reflektion</a:t>
-            </a:r>
+              <a:rPr lang="de-DE" dirty="0" smtClean="0"/>
+              <a:t>Reflektion - </a:t>
+            </a:r>
+            <a:r>
+              <a:rPr lang="de-DE" dirty="0" err="1" smtClean="0"/>
+              <a:t>lhu</a:t>
+            </a:r>
+            <a:endParaRPr lang="de-DE" dirty="0"/>
           </a:p>
           <a:p>
             <a:pPr marL="514350" indent="-514350">
@@ -7978,7 +8008,11 @@
             </a:pPr>
             <a:r>
               <a:rPr lang="de-DE" dirty="0" smtClean="0"/>
-              <a:t>Rückmeldung</a:t>
+              <a:t>Rückmeldung - </a:t>
+            </a:r>
+            <a:r>
+              <a:rPr lang="de-DE" dirty="0" err="1" smtClean="0"/>
+              <a:t>lhu</a:t>
             </a:r>
             <a:endParaRPr lang="de-DE" dirty="0"/>
           </a:p>
@@ -8868,7 +8902,7 @@
         <p:spPr>
           <a:xfrm>
             <a:off x="381000" y="1772816"/>
-            <a:ext cx="8382000" cy="443198"/>
+            <a:ext cx="8382000" cy="984885"/>
           </a:xfrm>
         </p:spPr>
         <p:txBody>
@@ -8877,8 +8911,17 @@
           <a:p>
             <a:r>
               <a:rPr lang="de-DE" dirty="0" smtClean="0"/>
-              <a:t>Vorstellung des Projektteams</a:t>
-            </a:r>
+              <a:t>Vorstellung des </a:t>
+            </a:r>
+            <a:r>
+              <a:rPr lang="de-DE" dirty="0" smtClean="0"/>
+              <a:t>Projektteams</a:t>
+            </a:r>
+          </a:p>
+          <a:p>
+            <a:pPr marL="0" indent="0">
+              <a:buNone/>
+            </a:pPr>
             <a:endParaRPr lang="de-DE" dirty="0"/>
           </a:p>
         </p:txBody>

--- a/Notizen/Präsentation_EssentialBlog.pptx
+++ b/Notizen/Präsentation_EssentialBlog.pptx
@@ -142,7 +142,7 @@
   </p:defaultTextStyle>
   <p:extLst>
     <p:ext uri="{EFAFB233-063F-42B5-8137-9DF3F51BA10A}">
-      <p15:sldGuideLst xmlns:p15="http://schemas.microsoft.com/office/powerpoint/2012/main" xmlns="">
+      <p15:sldGuideLst xmlns:p15="http://schemas.microsoft.com/office/powerpoint/2012/main">
         <p15:guide id="1" orient="horz" pos="2160">
           <p15:clr>
             <a:srgbClr val="A4A3A4"/>
@@ -167,13 +167,26 @@
 
 <file path=ppt/charts/chart1.xml><?xml version="1.0" encoding="utf-8"?>
 <c:chartSpace xmlns:c="http://schemas.openxmlformats.org/drawingml/2006/chart" xmlns:a="http://schemas.openxmlformats.org/drawingml/2006/main" xmlns:r="http://schemas.openxmlformats.org/officeDocument/2006/relationships">
+  <c:date1904 val="0"/>
   <c:lang val="de-DE"/>
-  <c:style val="18"/>
+  <c:roundedCorners val="0"/>
+  <mc:AlternateContent xmlns:mc="http://schemas.openxmlformats.org/markup-compatibility/2006">
+    <mc:Choice xmlns:c14="http://schemas.microsoft.com/office/drawing/2007/8/2/chart" Requires="c14">
+      <c14:style val="118"/>
+    </mc:Choice>
+    <mc:Fallback>
+      <c:style val="18"/>
+    </mc:Fallback>
+  </mc:AlternateContent>
   <c:chart>
+    <c:autoTitleDeleted val="0"/>
     <c:view3D>
+      <c:rotX val="15"/>
+      <c:rotY val="20"/>
       <c:rAngAx val="1"/>
     </c:view3D>
     <c:floor>
+      <c:thickness val="0"/>
       <c:spPr>
         <a:solidFill>
           <a:srgbClr val="000000">
@@ -188,6 +201,7 @@
       </c:spPr>
     </c:floor>
     <c:sideWall>
+      <c:thickness val="0"/>
       <c:spPr>
         <a:gradFill>
           <a:gsLst>
@@ -212,6 +226,7 @@
       </c:spPr>
     </c:sideWall>
     <c:backWall>
+      <c:thickness val="0"/>
       <c:spPr>
         <a:gradFill>
           <a:gsLst>
@@ -240,6 +255,7 @@
       <c:bar3DChart>
         <c:barDir val="col"/>
         <c:grouping val="clustered"/>
+        <c:varyColors val="0"/>
         <c:ser>
           <c:idx val="0"/>
           <c:order val="0"/>
@@ -254,6 +270,7 @@
               </c:strCache>
             </c:strRef>
           </c:tx>
+          <c:invertIfNegative val="0"/>
           <c:cat>
             <c:strRef>
               <c:f>Sheet1!$A$2:$A$5</c:f>
@@ -310,6 +327,7 @@
               </c:strCache>
             </c:strRef>
           </c:tx>
+          <c:invertIfNegative val="0"/>
           <c:cat>
             <c:strRef>
               <c:f>Sheet1!$A$2:$A$5</c:f>
@@ -366,6 +384,7 @@
               </c:strCache>
             </c:strRef>
           </c:tx>
+          <c:invertIfNegative val="0"/>
           <c:cat>
             <c:strRef>
               <c:f>Sheet1!$A$2:$A$5</c:f>
@@ -408,19 +427,30 @@
             </c:numRef>
           </c:val>
         </c:ser>
-        <c:dLbls/>
+        <c:dLbls>
+          <c:showLegendKey val="0"/>
+          <c:showVal val="0"/>
+          <c:showCatName val="0"/>
+          <c:showSerName val="0"/>
+          <c:showPercent val="0"/>
+          <c:showBubbleSize val="0"/>
+        </c:dLbls>
+        <c:gapWidth val="150"/>
         <c:shape val="cylinder"/>
-        <c:axId val="90806912"/>
-        <c:axId val="90829184"/>
+        <c:axId val="302905680"/>
+        <c:axId val="302906072"/>
         <c:axId val="0"/>
       </c:bar3DChart>
       <c:catAx>
-        <c:axId val="90806912"/>
+        <c:axId val="302905680"/>
         <c:scaling>
           <c:orientation val="minMax"/>
         </c:scaling>
+        <c:delete val="0"/>
         <c:axPos val="b"/>
         <c:numFmt formatCode="General" sourceLinked="0"/>
+        <c:majorTickMark val="out"/>
+        <c:minorTickMark val="none"/>
         <c:tickLblPos val="nextTo"/>
         <c:spPr>
           <a:ln>
@@ -447,17 +477,19 @@
             <a:endParaRPr lang="de-DE"/>
           </a:p>
         </c:txPr>
-        <c:crossAx val="90829184"/>
+        <c:crossAx val="302906072"/>
         <c:crosses val="autoZero"/>
         <c:auto val="1"/>
         <c:lblAlgn val="ctr"/>
         <c:lblOffset val="100"/>
+        <c:noMultiLvlLbl val="0"/>
       </c:catAx>
       <c:valAx>
-        <c:axId val="90829184"/>
+        <c:axId val="302906072"/>
         <c:scaling>
           <c:orientation val="minMax"/>
         </c:scaling>
+        <c:delete val="0"/>
         <c:axPos val="l"/>
         <c:majorGridlines>
           <c:spPr>
@@ -470,6 +502,8 @@
           </c:spPr>
         </c:majorGridlines>
         <c:numFmt formatCode="General" sourceLinked="1"/>
+        <c:majorTickMark val="out"/>
+        <c:minorTickMark val="none"/>
         <c:tickLblPos val="nextTo"/>
         <c:spPr>
           <a:ln>
@@ -496,7 +530,7 @@
             <a:endParaRPr lang="de-DE"/>
           </a:p>
         </c:txPr>
-        <c:crossAx val="90806912"/>
+        <c:crossAx val="302905680"/>
         <c:crosses val="autoZero"/>
         <c:crossBetween val="between"/>
         <c:majorUnit val="1"/>
@@ -504,7 +538,7 @@
     </c:plotArea>
     <c:legend>
       <c:legendPos val="r"/>
-      <c:layout/>
+      <c:overlay val="0"/>
       <c:txPr>
         <a:bodyPr/>
         <a:lstStyle/>
@@ -526,6 +560,7 @@
     </c:legend>
     <c:plotVisOnly val="1"/>
     <c:dispBlanksAs val="gap"/>
+    <c:showDLblsOverMax val="0"/>
   </c:chart>
   <c:txPr>
     <a:bodyPr/>
@@ -537,17 +572,28 @@
       <a:endParaRPr lang="de-DE"/>
     </a:p>
   </c:txPr>
-  <c:externalData r:id="rId1"/>
+  <c:externalData r:id="rId1">
+    <c:autoUpdate val="0"/>
+  </c:externalData>
 </c:chartSpace>
 </file>
 
 <file path=ppt/charts/chart2.xml><?xml version="1.0" encoding="utf-8"?>
 <c:chartSpace xmlns:c="http://schemas.openxmlformats.org/drawingml/2006/chart" xmlns:a="http://schemas.openxmlformats.org/drawingml/2006/main" xmlns:r="http://schemas.openxmlformats.org/officeDocument/2006/relationships">
+  <c:date1904 val="0"/>
   <c:lang val="de-DE"/>
-  <c:style val="26"/>
+  <c:roundedCorners val="0"/>
+  <mc:AlternateContent xmlns:mc="http://schemas.openxmlformats.org/markup-compatibility/2006">
+    <mc:Choice xmlns:c14="http://schemas.microsoft.com/office/drawing/2007/8/2/chart" Requires="c14">
+      <c14:style val="126"/>
+    </mc:Choice>
+    <mc:Fallback>
+      <c:style val="26"/>
+    </mc:Fallback>
+  </mc:AlternateContent>
   <c:chart>
     <c:title>
-      <c:layout/>
+      <c:overlay val="0"/>
       <c:txPr>
         <a:bodyPr/>
         <a:lstStyle/>
@@ -559,12 +605,23 @@
         </a:p>
       </c:txPr>
     </c:title>
+    <c:autoTitleDeleted val="0"/>
     <c:view3D>
       <c:rotX val="30"/>
       <c:hPercent val="50"/>
+      <c:rotY val="0"/>
       <c:depthPercent val="100"/>
-      <c:perspective val="30"/>
+      <c:rAngAx val="0"/>
     </c:view3D>
+    <c:floor>
+      <c:thickness val="0"/>
+    </c:floor>
+    <c:sideWall>
+      <c:thickness val="0"/>
+    </c:sideWall>
+    <c:backWall>
+      <c:thickness val="0"/>
+    </c:backWall>
     <c:plotArea>
       <c:layout>
         <c:manualLayout>
@@ -620,7 +677,12 @@
                 <a:endParaRPr lang="de-DE"/>
               </a:p>
             </c:txPr>
+            <c:showLegendKey val="0"/>
+            <c:showVal val="0"/>
+            <c:showCatName val="0"/>
+            <c:showSerName val="0"/>
             <c:showPercent val="1"/>
+            <c:showBubbleSize val="0"/>
             <c:showLeaderLines val="1"/>
             <c:extLst>
               <c:ext xmlns:c15="http://schemas.microsoft.com/office/drawing/2012/chart" uri="{CE6537A1-D6FC-4f65-9D91-7224C49458BB}"/>
@@ -668,7 +730,15 @@
             </c:numRef>
           </c:val>
         </c:ser>
-        <c:dLbls/>
+        <c:dLbls>
+          <c:showLegendKey val="0"/>
+          <c:showVal val="0"/>
+          <c:showCatName val="0"/>
+          <c:showSerName val="0"/>
+          <c:showPercent val="0"/>
+          <c:showBubbleSize val="0"/>
+          <c:showLeaderLines val="1"/>
+        </c:dLbls>
       </c:pie3DChart>
     </c:plotArea>
     <c:legend>
@@ -683,6 +753,7 @@
           <c:h val="0.42146170730846966"/>
         </c:manualLayout>
       </c:layout>
+      <c:overlay val="0"/>
       <c:txPr>
         <a:bodyPr/>
         <a:lstStyle/>
@@ -704,6 +775,7 @@
     </c:legend>
     <c:plotVisOnly val="1"/>
     <c:dispBlanksAs val="zero"/>
+    <c:showDLblsOverMax val="0"/>
   </c:chart>
   <c:txPr>
     <a:bodyPr/>
@@ -715,7 +787,9 @@
       <a:endParaRPr lang="de-DE"/>
     </a:p>
   </c:txPr>
-  <c:externalData r:id="rId1"/>
+  <c:externalData r:id="rId1">
+    <c:autoUpdate val="0"/>
+  </c:externalData>
 </c:chartSpace>
 </file>
 
@@ -1795,6 +1869,13 @@
         </dgm:presLayoutVars>
       </dgm:prSet>
       <dgm:spPr/>
+      <dgm:t>
+        <a:bodyPr/>
+        <a:lstStyle/>
+        <a:p>
+          <a:endParaRPr lang="de-DE"/>
+        </a:p>
+      </dgm:t>
     </dgm:pt>
     <dgm:pt modelId="{79C2CDB1-4F33-459A-BE08-A1A3E742F58F}" type="pres">
       <dgm:prSet presAssocID="{91A85F16-5E07-493E-A387-B7FA6B592146}" presName="vertOne" presStyleCnt="0"/>
@@ -1956,19 +2037,19 @@
     </dgm:pt>
   </dgm:ptLst>
   <dgm:cxnLst>
-    <dgm:cxn modelId="{8AD69EAC-B46B-4FDD-8E2B-302CE3A3911E}" srcId="{42434FFF-09B6-4AF4-B95D-F1FD38E6BDEF}" destId="{91A85F16-5E07-493E-A387-B7FA6B592146}" srcOrd="0" destOrd="0" parTransId="{6726225E-0341-4980-8B8F-2EEDA5C709F3}" sibTransId="{1A42F6FE-8625-43BC-B3CB-1D7922B4D948}"/>
+    <dgm:cxn modelId="{033F5D87-82F0-45B8-9DC6-48AAAFF7849D}" srcId="{91A85F16-5E07-493E-A387-B7FA6B592146}" destId="{78C2197C-62AA-45F6-9ECB-F23BA655EFCB}" srcOrd="2" destOrd="0" parTransId="{1C98607B-A8EA-468A-897F-298483A5AFFA}" sibTransId="{A610E69E-CB76-49B9-AD2C-C801AFEA7E8C}"/>
+    <dgm:cxn modelId="{77F027A1-C739-4CD6-B272-4D217E922906}" type="presOf" srcId="{42434FFF-09B6-4AF4-B95D-F1FD38E6BDEF}" destId="{82BD8961-EFC8-4B04-9C18-666C0006E4E7}" srcOrd="0" destOrd="0" presId="urn:microsoft.com/office/officeart/2005/8/layout/hierarchy4"/>
+    <dgm:cxn modelId="{9CD012C8-91AA-4029-8178-33DD3617FEE7}" type="presOf" srcId="{4FBD60DD-B178-40DF-9BEB-1417EFFBB46C}" destId="{FE343294-F044-47CF-BABF-285852571FB3}" srcOrd="0" destOrd="0" presId="urn:microsoft.com/office/officeart/2005/8/layout/hierarchy4"/>
+    <dgm:cxn modelId="{475D25C1-A672-4911-9ECC-D946BCDB0CFE}" srcId="{91A85F16-5E07-493E-A387-B7FA6B592146}" destId="{E221003B-7BCD-4B6E-B448-DFB764DFE205}" srcOrd="4" destOrd="0" parTransId="{777CFA6E-DC17-4641-B4F1-DAD2DE0047A0}" sibTransId="{FF800003-597F-4C17-B434-CD77B6E5504F}"/>
+    <dgm:cxn modelId="{44191267-DCEB-47C4-963B-4272847CD001}" type="presOf" srcId="{E221003B-7BCD-4B6E-B448-DFB764DFE205}" destId="{8978EF0D-6E73-4312-B512-C07F7D6F590D}" srcOrd="0" destOrd="0" presId="urn:microsoft.com/office/officeart/2005/8/layout/hierarchy4"/>
     <dgm:cxn modelId="{7E6DC4D2-27B7-4A88-9184-B8851C817B41}" srcId="{91A85F16-5E07-493E-A387-B7FA6B592146}" destId="{CC7F6CCA-F35F-46A3-9F83-AC7FEFB24D5B}" srcOrd="0" destOrd="0" parTransId="{652FF422-66C0-456D-8985-6B86A63DDFE1}" sibTransId="{E478B1DB-F74D-48E0-9C4A-E782099C56B0}"/>
-    <dgm:cxn modelId="{475D25C1-A672-4911-9ECC-D946BCDB0CFE}" srcId="{91A85F16-5E07-493E-A387-B7FA6B592146}" destId="{E221003B-7BCD-4B6E-B448-DFB764DFE205}" srcOrd="4" destOrd="0" parTransId="{777CFA6E-DC17-4641-B4F1-DAD2DE0047A0}" sibTransId="{FF800003-597F-4C17-B434-CD77B6E5504F}"/>
+    <dgm:cxn modelId="{A0B1954B-7A00-403F-814F-06381C4451C3}" srcId="{91A85F16-5E07-493E-A387-B7FA6B592146}" destId="{15B51F5D-36E0-4181-AA5F-212AFA53FC38}" srcOrd="3" destOrd="0" parTransId="{7A0B0457-EEFB-41B4-851C-10DCC265E58D}" sibTransId="{0CFD2416-6D01-4571-8118-6E43E3EBBBFF}"/>
     <dgm:cxn modelId="{8EB34A7C-5431-460D-B190-B4C58D4592D0}" type="presOf" srcId="{15B51F5D-36E0-4181-AA5F-212AFA53FC38}" destId="{7A01EBD5-9E50-49A4-8DAC-20B85A7668F5}" srcOrd="0" destOrd="0" presId="urn:microsoft.com/office/officeart/2005/8/layout/hierarchy4"/>
     <dgm:cxn modelId="{A2C42033-BDF1-4F30-BE91-6B1974CD9C9B}" type="presOf" srcId="{78C2197C-62AA-45F6-9ECB-F23BA655EFCB}" destId="{626DBD90-D47A-4AF6-A56A-6A11A2533899}" srcOrd="0" destOrd="0" presId="urn:microsoft.com/office/officeart/2005/8/layout/hierarchy4"/>
+    <dgm:cxn modelId="{8AD69EAC-B46B-4FDD-8E2B-302CE3A3911E}" srcId="{42434FFF-09B6-4AF4-B95D-F1FD38E6BDEF}" destId="{91A85F16-5E07-493E-A387-B7FA6B592146}" srcOrd="0" destOrd="0" parTransId="{6726225E-0341-4980-8B8F-2EEDA5C709F3}" sibTransId="{1A42F6FE-8625-43BC-B3CB-1D7922B4D948}"/>
+    <dgm:cxn modelId="{9108667B-5172-45C5-98DE-8CCFA0492082}" srcId="{91A85F16-5E07-493E-A387-B7FA6B592146}" destId="{4FBD60DD-B178-40DF-9BEB-1417EFFBB46C}" srcOrd="1" destOrd="0" parTransId="{944A50E6-632F-422D-A1A6-45F91997E31A}" sibTransId="{CD9625B5-F386-44E8-97EF-31921E44CDFD}"/>
     <dgm:cxn modelId="{A50D03EE-6EF4-49C2-83D8-6732D9418D73}" type="presOf" srcId="{91A85F16-5E07-493E-A387-B7FA6B592146}" destId="{5C9AFDC9-63CF-44D3-A7C2-223CA1565391}" srcOrd="0" destOrd="0" presId="urn:microsoft.com/office/officeart/2005/8/layout/hierarchy4"/>
-    <dgm:cxn modelId="{9108667B-5172-45C5-98DE-8CCFA0492082}" srcId="{91A85F16-5E07-493E-A387-B7FA6B592146}" destId="{4FBD60DD-B178-40DF-9BEB-1417EFFBB46C}" srcOrd="1" destOrd="0" parTransId="{944A50E6-632F-422D-A1A6-45F91997E31A}" sibTransId="{CD9625B5-F386-44E8-97EF-31921E44CDFD}"/>
     <dgm:cxn modelId="{DAFAB343-62E3-475F-B96C-56F34351E3D4}" type="presOf" srcId="{CC7F6CCA-F35F-46A3-9F83-AC7FEFB24D5B}" destId="{78D29DC7-FB7A-4C16-B791-9E0CA401820C}" srcOrd="0" destOrd="0" presId="urn:microsoft.com/office/officeart/2005/8/layout/hierarchy4"/>
-    <dgm:cxn modelId="{9CD012C8-91AA-4029-8178-33DD3617FEE7}" type="presOf" srcId="{4FBD60DD-B178-40DF-9BEB-1417EFFBB46C}" destId="{FE343294-F044-47CF-BABF-285852571FB3}" srcOrd="0" destOrd="0" presId="urn:microsoft.com/office/officeart/2005/8/layout/hierarchy4"/>
-    <dgm:cxn modelId="{033F5D87-82F0-45B8-9DC6-48AAAFF7849D}" srcId="{91A85F16-5E07-493E-A387-B7FA6B592146}" destId="{78C2197C-62AA-45F6-9ECB-F23BA655EFCB}" srcOrd="2" destOrd="0" parTransId="{1C98607B-A8EA-468A-897F-298483A5AFFA}" sibTransId="{A610E69E-CB76-49B9-AD2C-C801AFEA7E8C}"/>
-    <dgm:cxn modelId="{44191267-DCEB-47C4-963B-4272847CD001}" type="presOf" srcId="{E221003B-7BCD-4B6E-B448-DFB764DFE205}" destId="{8978EF0D-6E73-4312-B512-C07F7D6F590D}" srcOrd="0" destOrd="0" presId="urn:microsoft.com/office/officeart/2005/8/layout/hierarchy4"/>
-    <dgm:cxn modelId="{A0B1954B-7A00-403F-814F-06381C4451C3}" srcId="{91A85F16-5E07-493E-A387-B7FA6B592146}" destId="{15B51F5D-36E0-4181-AA5F-212AFA53FC38}" srcOrd="3" destOrd="0" parTransId="{7A0B0457-EEFB-41B4-851C-10DCC265E58D}" sibTransId="{0CFD2416-6D01-4571-8118-6E43E3EBBBFF}"/>
-    <dgm:cxn modelId="{77F027A1-C739-4CD6-B272-4D217E922906}" type="presOf" srcId="{42434FFF-09B6-4AF4-B95D-F1FD38E6BDEF}" destId="{82BD8961-EFC8-4B04-9C18-666C0006E4E7}" srcOrd="0" destOrd="0" presId="urn:microsoft.com/office/officeart/2005/8/layout/hierarchy4"/>
     <dgm:cxn modelId="{A2FD2697-1D00-4DC1-90F7-B1577A2BFD84}" type="presParOf" srcId="{82BD8961-EFC8-4B04-9C18-666C0006E4E7}" destId="{79C2CDB1-4F33-459A-BE08-A1A3E742F58F}" srcOrd="0" destOrd="0" presId="urn:microsoft.com/office/officeart/2005/8/layout/hierarchy4"/>
     <dgm:cxn modelId="{F447E14F-1CB2-49E8-AA39-3FCE76974213}" type="presParOf" srcId="{79C2CDB1-4F33-459A-BE08-A1A3E742F58F}" destId="{5C9AFDC9-63CF-44D3-A7C2-223CA1565391}" srcOrd="0" destOrd="0" presId="urn:microsoft.com/office/officeart/2005/8/layout/hierarchy4"/>
     <dgm:cxn modelId="{67992D5A-9954-4DAF-ADA7-5FE5877A732D}" type="presParOf" srcId="{79C2CDB1-4F33-459A-BE08-A1A3E742F58F}" destId="{5D8832EE-F85B-453F-889E-9C141929D9E4}" srcOrd="1" destOrd="0" presId="urn:microsoft.com/office/officeart/2005/8/layout/hierarchy4"/>
@@ -1997,14 +2078,14 @@
   <dgm:whole/>
   <dgm:extLst>
     <a:ext uri="http://schemas.microsoft.com/office/drawing/2008/diagram">
-      <dsp:dataModelExt xmlns:dsp="http://schemas.microsoft.com/office/drawing/2008/diagram" xmlns="" relId="rId7" minVer="http://schemas.openxmlformats.org/drawingml/2006/diagram"/>
+      <dsp:dataModelExt xmlns:dsp="http://schemas.microsoft.com/office/drawing/2008/diagram" relId="rId7" minVer="http://schemas.openxmlformats.org/drawingml/2006/diagram"/>
     </a:ext>
   </dgm:extLst>
 </dgm:dataModel>
 </file>
 
 <file path=ppt/diagrams/drawing1.xml><?xml version="1.0" encoding="utf-8"?>
-<dsp:drawing xmlns:dgm="http://schemas.openxmlformats.org/drawingml/2006/diagram" xmlns:a="http://schemas.openxmlformats.org/drawingml/2006/main" xmlns:dsp="http://schemas.microsoft.com/office/drawing/2008/diagram">
+<dsp:drawing xmlns:dgm="http://schemas.openxmlformats.org/drawingml/2006/diagram" xmlns:dsp="http://schemas.microsoft.com/office/drawing/2008/diagram" xmlns:a="http://schemas.openxmlformats.org/drawingml/2006/main">
   <dsp:spTree>
     <dsp:nvGrpSpPr>
       <dsp:cNvPr id="0" name=""/>
@@ -2086,8 +2167,8 @@
         </a:p>
       </dsp:txBody>
       <dsp:txXfrm>
-        <a:off x="2446" y="1500"/>
-        <a:ext cx="6091106" cy="1948656"/>
+        <a:off x="59520" y="58574"/>
+        <a:ext cx="5976958" cy="1834508"/>
       </dsp:txXfrm>
     </dsp:sp>
     <dsp:sp modelId="{78D29DC7-FB7A-4C16-B791-9E0CA401820C}">
@@ -2159,8 +2240,8 @@
         </a:p>
       </dsp:txBody>
       <dsp:txXfrm>
-        <a:off x="2446" y="2113843"/>
-        <a:ext cx="1141511" cy="1948656"/>
+        <a:off x="35880" y="2147277"/>
+        <a:ext cx="1074643" cy="1881788"/>
       </dsp:txXfrm>
     </dsp:sp>
     <dsp:sp modelId="{FE343294-F044-47CF-BABF-285852571FB3}">
@@ -2232,8 +2313,8 @@
         </a:p>
       </dsp:txBody>
       <dsp:txXfrm>
-        <a:off x="1239845" y="2113843"/>
-        <a:ext cx="1141511" cy="1948656"/>
+        <a:off x="1273279" y="2147277"/>
+        <a:ext cx="1074643" cy="1881788"/>
       </dsp:txXfrm>
     </dsp:sp>
     <dsp:sp modelId="{626DBD90-D47A-4AF6-A56A-6A11A2533899}">
@@ -2304,8 +2385,8 @@
         </a:p>
       </dsp:txBody>
       <dsp:txXfrm>
-        <a:off x="2477244" y="2113843"/>
-        <a:ext cx="1141511" cy="1948656"/>
+        <a:off x="2510678" y="2147277"/>
+        <a:ext cx="1074643" cy="1881788"/>
       </dsp:txXfrm>
     </dsp:sp>
     <dsp:sp modelId="{7A01EBD5-9E50-49A4-8DAC-20B85A7668F5}">
@@ -2376,8 +2457,8 @@
         </a:p>
       </dsp:txBody>
       <dsp:txXfrm>
-        <a:off x="3714642" y="2113843"/>
-        <a:ext cx="1141511" cy="1948656"/>
+        <a:off x="3748076" y="2147277"/>
+        <a:ext cx="1074643" cy="1881788"/>
       </dsp:txXfrm>
     </dsp:sp>
     <dsp:sp modelId="{8978EF0D-6E73-4312-B512-C07F7D6F590D}">
@@ -2448,8 +2529,8 @@
         </a:p>
       </dsp:txBody>
       <dsp:txXfrm>
-        <a:off x="4952041" y="2113843"/>
-        <a:ext cx="1141511" cy="1948656"/>
+        <a:off x="4985475" y="2147277"/>
+        <a:ext cx="1074643" cy="1881788"/>
       </dsp:txXfrm>
     </dsp:sp>
   </dsp:spTree>
@@ -4095,7 +4176,7 @@
             <a:fld id="{5AB3429A-4996-4E8A-9907-26EBCB65C05D}" type="datetimeFigureOut">
               <a:rPr lang="en-US" smtClean="0"/>
               <a:pPr/>
-              <a:t>1/25/2015</a:t>
+              <a:t>1/26/2015</a:t>
             </a:fld>
             <a:endParaRPr lang="en-US"/>
           </a:p>
@@ -4266,7 +4347,7 @@
     </p:spTree>
     <p:extLst>
       <p:ext uri="{BB962C8B-B14F-4D97-AF65-F5344CB8AC3E}">
-        <p14:creationId xmlns:p14="http://schemas.microsoft.com/office/powerpoint/2010/main" xmlns="" val="685702559"/>
+        <p14:creationId xmlns:p14="http://schemas.microsoft.com/office/powerpoint/2010/main" val="685702559"/>
       </p:ext>
     </p:extLst>
   </p:cSld>
@@ -4462,7 +4543,7 @@
               <a:pPr algn="r" defTabSz="914400">
                 <a:buNone/>
               </a:pPr>
-              <a:t>1/25/2015 4:08 PM</a:t>
+              <a:t>1/26/2015 7:45 PM</a:t>
             </a:fld>
             <a:endParaRPr lang="en-US" sz="1200" b="0" i="0">
               <a:latin typeface="Calibri"/>
@@ -4597,7 +4678,7 @@
     </p:spTree>
     <p:extLst>
       <p:ext uri="{BB962C8B-B14F-4D97-AF65-F5344CB8AC3E}">
-        <p14:creationId xmlns:p14="http://schemas.microsoft.com/office/powerpoint/2010/main" xmlns="" val="3303831938"/>
+        <p14:creationId xmlns:p14="http://schemas.microsoft.com/office/powerpoint/2010/main" val="3303831938"/>
       </p:ext>
     </p:extLst>
   </p:cSld>
@@ -4722,6 +4803,11 @@
         </p:txBody>
       </p:sp>
     </p:spTree>
+    <p:extLst>
+      <p:ext uri="{BB962C8B-B14F-4D97-AF65-F5344CB8AC3E}">
+        <p14:creationId xmlns:p14="http://schemas.microsoft.com/office/powerpoint/2010/main" val="3143107461"/>
+      </p:ext>
+    </p:extLst>
   </p:cSld>
   <p:clrMapOvr>
     <a:masterClrMapping/>
@@ -4844,6 +4930,11 @@
         </p:txBody>
       </p:sp>
     </p:spTree>
+    <p:extLst>
+      <p:ext uri="{BB962C8B-B14F-4D97-AF65-F5344CB8AC3E}">
+        <p14:creationId xmlns:p14="http://schemas.microsoft.com/office/powerpoint/2010/main" val="3340160494"/>
+      </p:ext>
+    </p:extLst>
   </p:cSld>
   <p:clrMapOvr>
     <a:masterClrMapping/>
@@ -4966,6 +5057,11 @@
         </p:txBody>
       </p:sp>
     </p:spTree>
+    <p:extLst>
+      <p:ext uri="{BB962C8B-B14F-4D97-AF65-F5344CB8AC3E}">
+        <p14:creationId xmlns:p14="http://schemas.microsoft.com/office/powerpoint/2010/main" val="3414368743"/>
+      </p:ext>
+    </p:extLst>
   </p:cSld>
   <p:clrMapOvr>
     <a:masterClrMapping/>
@@ -5069,7 +5165,7 @@
               <a:pPr algn="r" defTabSz="914400">
                 <a:buNone/>
               </a:pPr>
-              <a:t>1/25/2015 4:08 PM</a:t>
+              <a:t>1/26/2015 7:46 PM</a:t>
             </a:fld>
             <a:endParaRPr lang="en-US" sz="1200" b="0" i="0">
               <a:latin typeface="Calibri"/>
@@ -5194,7 +5290,7 @@
     </p:spTree>
     <p:extLst>
       <p:ext uri="{BB962C8B-B14F-4D97-AF65-F5344CB8AC3E}">
-        <p14:creationId xmlns:p14="http://schemas.microsoft.com/office/powerpoint/2010/main" xmlns="" val="3414635844"/>
+        <p14:creationId xmlns:p14="http://schemas.microsoft.com/office/powerpoint/2010/main" val="3414635844"/>
       </p:ext>
     </p:extLst>
   </p:cSld>
@@ -5300,7 +5396,7 @@
               <a:pPr algn="r" defTabSz="914400">
                 <a:buNone/>
               </a:pPr>
-              <a:t>1/25/2015 4:08 PM</a:t>
+              <a:t>1/26/2015 7:46 PM</a:t>
             </a:fld>
             <a:endParaRPr lang="en-US" sz="1200" b="0" i="0">
               <a:latin typeface="Calibri"/>
@@ -5425,7 +5521,7 @@
     </p:spTree>
     <p:extLst>
       <p:ext uri="{BB962C8B-B14F-4D97-AF65-F5344CB8AC3E}">
-        <p14:creationId xmlns:p14="http://schemas.microsoft.com/office/powerpoint/2010/main" xmlns="" val="3009110784"/>
+        <p14:creationId xmlns:p14="http://schemas.microsoft.com/office/powerpoint/2010/main" val="3009110784"/>
       </p:ext>
     </p:extLst>
   </p:cSld>
@@ -5525,7 +5621,7 @@
     </p:spTree>
     <p:extLst>
       <p:ext uri="{BB962C8B-B14F-4D97-AF65-F5344CB8AC3E}">
-        <p14:creationId xmlns:p14="http://schemas.microsoft.com/office/powerpoint/2010/main" xmlns="" val="4134735546"/>
+        <p14:creationId xmlns:p14="http://schemas.microsoft.com/office/powerpoint/2010/main" val="4134735546"/>
       </p:ext>
     </p:extLst>
   </p:cSld>
@@ -5631,7 +5727,7 @@
               <a:pPr algn="r" defTabSz="914400">
                 <a:buNone/>
               </a:pPr>
-              <a:t>1/25/2015 4:08 PM</a:t>
+              <a:t>1/26/2015 7:46 PM</a:t>
             </a:fld>
             <a:endParaRPr lang="en-US" sz="1200" b="0" i="0">
               <a:latin typeface="Calibri"/>
@@ -5756,7 +5852,7 @@
     </p:spTree>
     <p:extLst>
       <p:ext uri="{BB962C8B-B14F-4D97-AF65-F5344CB8AC3E}">
-        <p14:creationId xmlns:p14="http://schemas.microsoft.com/office/powerpoint/2010/main" xmlns="" val="526236491"/>
+        <p14:creationId xmlns:p14="http://schemas.microsoft.com/office/powerpoint/2010/main" val="526236491"/>
       </p:ext>
     </p:extLst>
   </p:cSld>
@@ -5881,6 +5977,11 @@
         </p:txBody>
       </p:sp>
     </p:spTree>
+    <p:extLst>
+      <p:ext uri="{BB962C8B-B14F-4D97-AF65-F5344CB8AC3E}">
+        <p14:creationId xmlns:p14="http://schemas.microsoft.com/office/powerpoint/2010/main" val="3541088177"/>
+      </p:ext>
+    </p:extLst>
   </p:cSld>
   <p:clrMapOvr>
     <a:masterClrMapping/>
@@ -6003,6 +6104,11 @@
         </p:txBody>
       </p:sp>
     </p:spTree>
+    <p:extLst>
+      <p:ext uri="{BB962C8B-B14F-4D97-AF65-F5344CB8AC3E}">
+        <p14:creationId xmlns:p14="http://schemas.microsoft.com/office/powerpoint/2010/main" val="1688314071"/>
+      </p:ext>
+    </p:extLst>
   </p:cSld>
   <p:clrMapOvr>
     <a:masterClrMapping/>
@@ -6125,6 +6231,11 @@
         </p:txBody>
       </p:sp>
     </p:spTree>
+    <p:extLst>
+      <p:ext uri="{BB962C8B-B14F-4D97-AF65-F5344CB8AC3E}">
+        <p14:creationId xmlns:p14="http://schemas.microsoft.com/office/powerpoint/2010/main" val="3850646948"/>
+      </p:ext>
+    </p:extLst>
   </p:cSld>
   <p:clrMapOvr>
     <a:masterClrMapping/>
@@ -6247,6 +6358,11 @@
         </p:txBody>
       </p:sp>
     </p:spTree>
+    <p:extLst>
+      <p:ext uri="{BB962C8B-B14F-4D97-AF65-F5344CB8AC3E}">
+        <p14:creationId xmlns:p14="http://schemas.microsoft.com/office/powerpoint/2010/main" val="2719430136"/>
+      </p:ext>
+    </p:extLst>
   </p:cSld>
   <p:clrMapOvr>
     <a:masterClrMapping/>
@@ -6369,6 +6485,11 @@
         </p:txBody>
       </p:sp>
     </p:spTree>
+    <p:extLst>
+      <p:ext uri="{BB962C8B-B14F-4D97-AF65-F5344CB8AC3E}">
+        <p14:creationId xmlns:p14="http://schemas.microsoft.com/office/powerpoint/2010/main" val="974127883"/>
+      </p:ext>
+    </p:extLst>
   </p:cSld>
   <p:clrMapOvr>
     <a:masterClrMapping/>
@@ -6491,6 +6612,11 @@
         </p:txBody>
       </p:sp>
     </p:spTree>
+    <p:extLst>
+      <p:ext uri="{BB962C8B-B14F-4D97-AF65-F5344CB8AC3E}">
+        <p14:creationId xmlns:p14="http://schemas.microsoft.com/office/powerpoint/2010/main" val="1184623129"/>
+      </p:ext>
+    </p:extLst>
   </p:cSld>
   <p:clrMapOvr>
     <a:masterClrMapping/>
@@ -6613,6 +6739,11 @@
         </p:txBody>
       </p:sp>
     </p:spTree>
+    <p:extLst>
+      <p:ext uri="{BB962C8B-B14F-4D97-AF65-F5344CB8AC3E}">
+        <p14:creationId xmlns:p14="http://schemas.microsoft.com/office/powerpoint/2010/main" val="142071806"/>
+      </p:ext>
+    </p:extLst>
   </p:cSld>
   <p:clrMapOvr>
     <a:masterClrMapping/>
@@ -6735,6 +6866,11 @@
         </p:txBody>
       </p:sp>
     </p:spTree>
+    <p:extLst>
+      <p:ext uri="{BB962C8B-B14F-4D97-AF65-F5344CB8AC3E}">
+        <p14:creationId xmlns:p14="http://schemas.microsoft.com/office/powerpoint/2010/main" val="3476775119"/>
+      </p:ext>
+    </p:extLst>
   </p:cSld>
   <p:clrMapOvr>
     <a:masterClrMapping/>
@@ -10567,7 +10703,6 @@
               <a:rPr lang="de-DE" dirty="0" smtClean="0"/>
               <a:t>Vorbereitung der Präsentation bis zum 30.01.2015</a:t>
             </a:r>
-            <a:endParaRPr lang="de-DE" dirty="0" smtClean="0"/>
           </a:p>
           <a:p>
             <a:r>
@@ -10578,7 +10713,6 @@
               <a:rPr lang="de-DE" b="1" dirty="0" smtClean="0"/>
               <a:t>30.01.2015</a:t>
             </a:r>
-            <a:endParaRPr lang="de-DE" b="1" dirty="0" smtClean="0"/>
           </a:p>
         </p:txBody>
       </p:sp>
@@ -10655,7 +10789,7 @@
     </p:spTree>
     <p:extLst>
       <p:ext uri="{BB962C8B-B14F-4D97-AF65-F5344CB8AC3E}">
-        <p14:creationId xmlns:p14="http://schemas.microsoft.com/office/powerpoint/2010/main" xmlns="" val="2261671502"/>
+        <p14:creationId xmlns:p14="http://schemas.microsoft.com/office/powerpoint/2010/main" val="2261671502"/>
       </p:ext>
     </p:extLst>
   </p:cSld>
@@ -10951,7 +11085,7 @@
     </p:spTree>
     <p:extLst>
       <p:ext uri="{BB962C8B-B14F-4D97-AF65-F5344CB8AC3E}">
-        <p14:creationId xmlns:p14="http://schemas.microsoft.com/office/powerpoint/2010/main" xmlns="" val="2261671502"/>
+        <p14:creationId xmlns:p14="http://schemas.microsoft.com/office/powerpoint/2010/main" val="2261671502"/>
       </p:ext>
     </p:extLst>
   </p:cSld>
@@ -11012,10 +11146,6 @@
               <a:rPr lang="de-DE" dirty="0" smtClean="0"/>
               <a:t>Aufgabenverteilung</a:t>
             </a:r>
-            <a:r>
-              <a:rPr lang="de-DE" dirty="0" smtClean="0"/>
-              <a:t/>
-            </a:r>
             <a:br>
               <a:rPr lang="de-DE" dirty="0" smtClean="0"/>
             </a:br>
@@ -11112,7 +11242,7 @@
     </p:spTree>
     <p:extLst>
       <p:ext uri="{BB962C8B-B14F-4D97-AF65-F5344CB8AC3E}">
-        <p14:creationId xmlns:p14="http://schemas.microsoft.com/office/powerpoint/2010/main" xmlns="" val="2261671502"/>
+        <p14:creationId xmlns:p14="http://schemas.microsoft.com/office/powerpoint/2010/main" val="2261671502"/>
       </p:ext>
     </p:extLst>
   </p:cSld>
@@ -11388,7 +11518,7 @@
     </p:spTree>
     <p:extLst>
       <p:ext uri="{BB962C8B-B14F-4D97-AF65-F5344CB8AC3E}">
-        <p14:creationId xmlns:p14="http://schemas.microsoft.com/office/powerpoint/2010/main" xmlns="" val="2261671502"/>
+        <p14:creationId xmlns:p14="http://schemas.microsoft.com/office/powerpoint/2010/main" val="2261671502"/>
       </p:ext>
     </p:extLst>
   </p:cSld>
@@ -11670,7 +11800,7 @@
     </p:spTree>
     <p:extLst>
       <p:ext uri="{BB962C8B-B14F-4D97-AF65-F5344CB8AC3E}">
-        <p14:creationId xmlns:p14="http://schemas.microsoft.com/office/powerpoint/2010/main" xmlns="" val="2261671502"/>
+        <p14:creationId xmlns:p14="http://schemas.microsoft.com/office/powerpoint/2010/main" val="2261671502"/>
       </p:ext>
     </p:extLst>
   </p:cSld>
@@ -11865,11 +11995,7 @@
             </a:pPr>
             <a:r>
               <a:rPr lang="de-DE" dirty="0" smtClean="0"/>
-              <a:t> </a:t>
-            </a:r>
-            <a:r>
-              <a:rPr lang="de-DE" dirty="0" smtClean="0"/>
-              <a:t>Beispieltexte erweitert</a:t>
+              <a:t> Beispieltexte erweitert</a:t>
             </a:r>
           </a:p>
           <a:p>
@@ -11957,7 +12083,7 @@
     </p:spTree>
     <p:extLst>
       <p:ext uri="{BB962C8B-B14F-4D97-AF65-F5344CB8AC3E}">
-        <p14:creationId xmlns:p14="http://schemas.microsoft.com/office/powerpoint/2010/main" xmlns="" val="2261671502"/>
+        <p14:creationId xmlns:p14="http://schemas.microsoft.com/office/powerpoint/2010/main" val="2261671502"/>
       </p:ext>
     </p:extLst>
   </p:cSld>
@@ -12292,7 +12418,7 @@
     </p:spTree>
     <p:extLst>
       <p:ext uri="{BB962C8B-B14F-4D97-AF65-F5344CB8AC3E}">
-        <p14:creationId xmlns:p14="http://schemas.microsoft.com/office/powerpoint/2010/main" xmlns="" val="2261671502"/>
+        <p14:creationId xmlns:p14="http://schemas.microsoft.com/office/powerpoint/2010/main" val="2261671502"/>
       </p:ext>
     </p:extLst>
   </p:cSld>
@@ -12534,7 +12660,7 @@
     </p:spTree>
     <p:extLst>
       <p:ext uri="{BB962C8B-B14F-4D97-AF65-F5344CB8AC3E}">
-        <p14:creationId xmlns:p14="http://schemas.microsoft.com/office/powerpoint/2010/main" xmlns="" val="2261671502"/>
+        <p14:creationId xmlns:p14="http://schemas.microsoft.com/office/powerpoint/2010/main" val="2261671502"/>
       </p:ext>
     </p:extLst>
   </p:cSld>
@@ -12805,11 +12931,7 @@
             </a:pPr>
             <a:r>
               <a:rPr lang="de-DE" dirty="0" smtClean="0"/>
-              <a:t> </a:t>
-            </a:r>
-            <a:r>
-              <a:rPr lang="de-DE" dirty="0" smtClean="0"/>
-              <a:t>Design aufarbeiten</a:t>
+              <a:t> Design aufarbeiten</a:t>
             </a:r>
           </a:p>
           <a:p>
@@ -12819,11 +12941,7 @@
             </a:pPr>
             <a:r>
               <a:rPr lang="de-DE" dirty="0" smtClean="0"/>
-              <a:t> </a:t>
-            </a:r>
-            <a:r>
-              <a:rPr lang="de-DE" dirty="0" smtClean="0"/>
-              <a:t>Demo-Daten erstellen</a:t>
+              <a:t> Demo-Daten erstellen</a:t>
             </a:r>
           </a:p>
         </p:txBody>
@@ -12831,7 +12949,7 @@
     </p:spTree>
     <p:extLst>
       <p:ext uri="{BB962C8B-B14F-4D97-AF65-F5344CB8AC3E}">
-        <p14:creationId xmlns:p14="http://schemas.microsoft.com/office/powerpoint/2010/main" xmlns="" val="2261671502"/>
+        <p14:creationId xmlns:p14="http://schemas.microsoft.com/office/powerpoint/2010/main" val="2261671502"/>
       </p:ext>
     </p:extLst>
   </p:cSld>
@@ -13108,7 +13226,7 @@
     </p:spTree>
     <p:extLst>
       <p:ext uri="{BB962C8B-B14F-4D97-AF65-F5344CB8AC3E}">
-        <p14:creationId xmlns:p14="http://schemas.microsoft.com/office/powerpoint/2010/main" xmlns="" val="2261671502"/>
+        <p14:creationId xmlns:p14="http://schemas.microsoft.com/office/powerpoint/2010/main" val="2261671502"/>
       </p:ext>
     </p:extLst>
   </p:cSld>
@@ -13391,7 +13509,7 @@
     </p:spTree>
     <p:extLst>
       <p:ext uri="{BB962C8B-B14F-4D97-AF65-F5344CB8AC3E}">
-        <p14:creationId xmlns:p14="http://schemas.microsoft.com/office/powerpoint/2010/main" xmlns="" val="176972638"/>
+        <p14:creationId xmlns:p14="http://schemas.microsoft.com/office/powerpoint/2010/main" val="176972638"/>
       </p:ext>
     </p:extLst>
   </p:cSld>
@@ -13665,7 +13783,7 @@
     </p:spTree>
     <p:extLst>
       <p:ext uri="{BB962C8B-B14F-4D97-AF65-F5344CB8AC3E}">
-        <p14:creationId xmlns:p14="http://schemas.microsoft.com/office/powerpoint/2010/main" xmlns="" val="2261671502"/>
+        <p14:creationId xmlns:p14="http://schemas.microsoft.com/office/powerpoint/2010/main" val="2261671502"/>
       </p:ext>
     </p:extLst>
   </p:cSld>
@@ -13903,7 +14021,7 @@
     </p:spTree>
     <p:extLst>
       <p:ext uri="{BB962C8B-B14F-4D97-AF65-F5344CB8AC3E}">
-        <p14:creationId xmlns:p14="http://schemas.microsoft.com/office/powerpoint/2010/main" xmlns="" val="2261671502"/>
+        <p14:creationId xmlns:p14="http://schemas.microsoft.com/office/powerpoint/2010/main" val="2261671502"/>
       </p:ext>
     </p:extLst>
   </p:cSld>
@@ -14143,7 +14261,7 @@
     </p:spTree>
     <p:extLst>
       <p:ext uri="{BB962C8B-B14F-4D97-AF65-F5344CB8AC3E}">
-        <p14:creationId xmlns:p14="http://schemas.microsoft.com/office/powerpoint/2010/main" xmlns="" val="707580364"/>
+        <p14:creationId xmlns:p14="http://schemas.microsoft.com/office/powerpoint/2010/main" val="707580364"/>
       </p:ext>
     </p:extLst>
   </p:cSld>
@@ -14309,7 +14427,7 @@
     </p:spTree>
     <p:extLst>
       <p:ext uri="{BB962C8B-B14F-4D97-AF65-F5344CB8AC3E}">
-        <p14:creationId xmlns:p14="http://schemas.microsoft.com/office/powerpoint/2010/main" xmlns="" val="1320074621"/>
+        <p14:creationId xmlns:p14="http://schemas.microsoft.com/office/powerpoint/2010/main" val="1320074621"/>
       </p:ext>
     </p:extLst>
   </p:cSld>
@@ -14549,7 +14667,7 @@
     </p:spTree>
     <p:extLst>
       <p:ext uri="{BB962C8B-B14F-4D97-AF65-F5344CB8AC3E}">
-        <p14:creationId xmlns:p14="http://schemas.microsoft.com/office/powerpoint/2010/main" xmlns="" val="1031461879"/>
+        <p14:creationId xmlns:p14="http://schemas.microsoft.com/office/powerpoint/2010/main" val="1031461879"/>
       </p:ext>
     </p:extLst>
   </p:cSld>
@@ -14714,7 +14832,7 @@
     </p:spTree>
     <p:extLst>
       <p:ext uri="{BB962C8B-B14F-4D97-AF65-F5344CB8AC3E}">
-        <p14:creationId xmlns:p14="http://schemas.microsoft.com/office/powerpoint/2010/main" xmlns="" val="1798433020"/>
+        <p14:creationId xmlns:p14="http://schemas.microsoft.com/office/powerpoint/2010/main" val="1798433020"/>
       </p:ext>
     </p:extLst>
   </p:cSld>
@@ -15179,7 +15297,7 @@
     </p:spTree>
     <p:extLst>
       <p:ext uri="{BB962C8B-B14F-4D97-AF65-F5344CB8AC3E}">
-        <p14:creationId xmlns:p14="http://schemas.microsoft.com/office/powerpoint/2010/main" xmlns="" val="5548756"/>
+        <p14:creationId xmlns:p14="http://schemas.microsoft.com/office/powerpoint/2010/main" val="5548756"/>
       </p:ext>
     </p:extLst>
   </p:cSld>
@@ -15344,7 +15462,7 @@
     </p:spTree>
     <p:extLst>
       <p:ext uri="{BB962C8B-B14F-4D97-AF65-F5344CB8AC3E}">
-        <p14:creationId xmlns:p14="http://schemas.microsoft.com/office/powerpoint/2010/main" xmlns="" val="1925820115"/>
+        <p14:creationId xmlns:p14="http://schemas.microsoft.com/office/powerpoint/2010/main" val="1925820115"/>
       </p:ext>
     </p:extLst>
   </p:cSld>
@@ -15577,7 +15695,7 @@
     </p:spTree>
     <p:extLst>
       <p:ext uri="{BB962C8B-B14F-4D97-AF65-F5344CB8AC3E}">
-        <p14:creationId xmlns:p14="http://schemas.microsoft.com/office/powerpoint/2010/main" xmlns="" val="1749249379"/>
+        <p14:creationId xmlns:p14="http://schemas.microsoft.com/office/powerpoint/2010/main" val="1749249379"/>
       </p:ext>
     </p:extLst>
   </p:cSld>
@@ -15810,7 +15928,7 @@
     </p:spTree>
     <p:extLst>
       <p:ext uri="{BB962C8B-B14F-4D97-AF65-F5344CB8AC3E}">
-        <p14:creationId xmlns:p14="http://schemas.microsoft.com/office/powerpoint/2010/main" xmlns="" val="1027063275"/>
+        <p14:creationId xmlns:p14="http://schemas.microsoft.com/office/powerpoint/2010/main" val="1027063275"/>
       </p:ext>
     </p:extLst>
   </p:cSld>
@@ -15975,7 +16093,7 @@
     </p:spTree>
     <p:extLst>
       <p:ext uri="{BB962C8B-B14F-4D97-AF65-F5344CB8AC3E}">
-        <p14:creationId xmlns:p14="http://schemas.microsoft.com/office/powerpoint/2010/main" xmlns="" val="2479122477"/>
+        <p14:creationId xmlns:p14="http://schemas.microsoft.com/office/powerpoint/2010/main" val="2479122477"/>
       </p:ext>
     </p:extLst>
   </p:cSld>
@@ -16353,7 +16471,7 @@
           <p:nvPr>
             <p:extLst>
               <p:ext uri="{D42A27DB-BD31-4B8C-83A1-F6EECF244321}">
-                <p14:modId xmlns:p14="http://schemas.microsoft.com/office/powerpoint/2010/main" xmlns="" val="3362911810"/>
+                <p14:modId xmlns:p14="http://schemas.microsoft.com/office/powerpoint/2010/main" val="3362911810"/>
               </p:ext>
             </p:extLst>
           </p:nvPr>
@@ -16464,7 +16582,7 @@
           <p:nvPr>
             <p:extLst>
               <p:ext uri="{D42A27DB-BD31-4B8C-83A1-F6EECF244321}">
-                <p14:modId xmlns:p14="http://schemas.microsoft.com/office/powerpoint/2010/main" xmlns="" val="2032501331"/>
+                <p14:modId xmlns:p14="http://schemas.microsoft.com/office/powerpoint/2010/main" val="2032501331"/>
               </p:ext>
             </p:extLst>
           </p:nvPr>
@@ -16555,17 +16673,86 @@
         <p:spPr>
           <a:xfrm>
             <a:off x="381000" y="1772816"/>
-            <a:ext cx="8382000" cy="984885"/>
+            <a:ext cx="8382000" cy="4924425"/>
           </a:xfrm>
         </p:spPr>
         <p:txBody>
           <a:bodyPr/>
           <a:lstStyle/>
           <a:p>
-            <a:r>
-              <a:rPr lang="de-DE" dirty="0" smtClean="0"/>
-              <a:t>Vorstellung des Projektteams</a:t>
-            </a:r>
+            <a:pPr marL="0" indent="0">
+              <a:buNone/>
+            </a:pPr>
+            <a:r>
+              <a:rPr lang="de-DE" b="1" dirty="0"/>
+              <a:t>Team Schwarz:</a:t>
+            </a:r>
+          </a:p>
+          <a:p>
+            <a:r>
+              <a:rPr lang="de-DE" dirty="0"/>
+              <a:t>Nadine Feldmann: Anwendungsentwicklerin bei </a:t>
+            </a:r>
+            <a:r>
+              <a:rPr lang="de-DE" dirty="0" err="1"/>
+              <a:t>GuideCom</a:t>
+            </a:r>
+            <a:r>
+              <a:rPr lang="de-DE" dirty="0"/>
+              <a:t> GmbH, Münster</a:t>
+            </a:r>
+          </a:p>
+          <a:p>
+            <a:r>
+              <a:rPr lang="de-DE" dirty="0"/>
+              <a:t> Lukas Huwe: Anwendungsentwickler bei </a:t>
+            </a:r>
+            <a:r>
+              <a:rPr lang="de-DE" dirty="0" err="1"/>
+              <a:t>GuideCom</a:t>
+            </a:r>
+            <a:r>
+              <a:rPr lang="de-DE" dirty="0"/>
+              <a:t> GmbH, Münster</a:t>
+            </a:r>
+          </a:p>
+          <a:p>
+            <a:r>
+              <a:rPr lang="de-DE" dirty="0"/>
+              <a:t>Michael Kerkhoff: Anwendungsentwickler bei </a:t>
+            </a:r>
+            <a:r>
+              <a:rPr lang="de-DE" dirty="0" err="1"/>
+              <a:t>d.velop</a:t>
+            </a:r>
+            <a:r>
+              <a:rPr lang="de-DE" dirty="0"/>
+              <a:t> AG, </a:t>
+            </a:r>
+            <a:r>
+              <a:rPr lang="de-DE" dirty="0" err="1"/>
+              <a:t>Gescher</a:t>
+            </a:r>
+            <a:endParaRPr lang="de-DE" dirty="0"/>
+          </a:p>
+          <a:p>
+            <a:r>
+              <a:rPr lang="de-DE" dirty="0"/>
+              <a:t>Sebastian Ochtrup: Anwendungsentwickler bei </a:t>
+            </a:r>
+            <a:r>
+              <a:rPr lang="de-DE" dirty="0" err="1"/>
+              <a:t>d.velop</a:t>
+            </a:r>
+            <a:r>
+              <a:rPr lang="de-DE" dirty="0"/>
+              <a:t> AG, </a:t>
+            </a:r>
+            <a:r>
+              <a:rPr lang="de-DE" dirty="0" err="1" smtClean="0"/>
+              <a:t>Gescher</a:t>
+            </a:r>
+            <a:endParaRPr lang="de-DE" dirty="0" smtClean="0"/>
           </a:p>
           <a:p>
             <a:pPr marL="0" indent="0">
@@ -16648,7 +16835,7 @@
     </p:spTree>
     <p:extLst>
       <p:ext uri="{BB962C8B-B14F-4D97-AF65-F5344CB8AC3E}">
-        <p14:creationId xmlns:p14="http://schemas.microsoft.com/office/powerpoint/2010/main" xmlns="" val="493528735"/>
+        <p14:creationId xmlns:p14="http://schemas.microsoft.com/office/powerpoint/2010/main" val="493528735"/>
       </p:ext>
     </p:extLst>
   </p:cSld>
@@ -16881,7 +17068,7 @@
     </p:spTree>
     <p:extLst>
       <p:ext uri="{BB962C8B-B14F-4D97-AF65-F5344CB8AC3E}">
-        <p14:creationId xmlns:p14="http://schemas.microsoft.com/office/powerpoint/2010/main" xmlns="" val="4010490588"/>
+        <p14:creationId xmlns:p14="http://schemas.microsoft.com/office/powerpoint/2010/main" val="4010490588"/>
       </p:ext>
     </p:extLst>
   </p:cSld>
@@ -16952,7 +17139,7 @@
         <p:spPr>
           <a:xfrm>
             <a:off x="381000" y="1772816"/>
-            <a:ext cx="8382000" cy="1428083"/>
+            <a:ext cx="8382000" cy="2948499"/>
           </a:xfrm>
         </p:spPr>
         <p:txBody>
@@ -16960,17 +17147,41 @@
           <a:lstStyle/>
           <a:p>
             <a:r>
+              <a:rPr lang="de-DE" dirty="0"/>
+              <a:t>„Essential Blog“: </a:t>
+            </a:r>
+          </a:p>
+          <a:p>
+            <a:pPr lvl="1"/>
+            <a:r>
+              <a:rPr lang="de-DE" dirty="0"/>
+              <a:t>Blog-Webseite mit rudimentären Funktionen</a:t>
+            </a:r>
+          </a:p>
+          <a:p>
+            <a:r>
+              <a:rPr lang="de-DE" dirty="0"/>
+              <a:t>Warum? </a:t>
+            </a:r>
+          </a:p>
+          <a:p>
+            <a:pPr lvl="1"/>
+            <a:r>
+              <a:rPr lang="de-DE" dirty="0"/>
+              <a:t>Alltagsbezogen</a:t>
+            </a:r>
+          </a:p>
+          <a:p>
+            <a:pPr lvl="1"/>
+            <a:r>
+              <a:rPr lang="de-DE" dirty="0"/>
+              <a:t>beliebig erweiterbar</a:t>
+            </a:r>
+          </a:p>
+          <a:p>
+            <a:r>
               <a:rPr lang="de-DE" dirty="0" smtClean="0"/>
-              <a:t>Einführung des Themas</a:t>
-            </a:r>
-          </a:p>
-          <a:p>
-            <a:pPr marL="0" indent="0">
-              <a:buNone/>
-            </a:pPr>
-            <a:r>
-              <a:rPr lang="de-DE" dirty="0" smtClean="0"/>
-              <a:t>-&gt; Worum geht es in dem Projekt? Warum dieses Thema? Welche Technologien?</a:t>
+              <a:t>Technologien:</a:t>
             </a:r>
             <a:endParaRPr lang="de-DE" dirty="0"/>
           </a:p>
@@ -17046,10 +17257,118 @@
           </a:p>
         </p:txBody>
       </p:sp>
+      <p:graphicFrame>
+        <p:nvGraphicFramePr>
+          <p:cNvPr id="7" name="Tabelle 6"/>
+          <p:cNvGraphicFramePr>
+            <a:graphicFrameLocks noGrp="1"/>
+          </p:cNvGraphicFramePr>
+          <p:nvPr>
+            <p:extLst>
+              <p:ext uri="{D42A27DB-BD31-4B8C-83A1-F6EECF244321}">
+                <p14:modId xmlns:p14="http://schemas.microsoft.com/office/powerpoint/2010/main" val="2095885831"/>
+              </p:ext>
+            </p:extLst>
+          </p:nvPr>
+        </p:nvGraphicFramePr>
+        <p:xfrm>
+          <a:off x="1043608" y="4742704"/>
+          <a:ext cx="6840760" cy="1371600"/>
+        </p:xfrm>
+        <a:graphic>
+          <a:graphicData uri="http://schemas.openxmlformats.org/drawingml/2006/table">
+            <a:tbl>
+              <a:tblPr firstRow="1" bandRow="1">
+                <a:tableStyleId>{2D5ABB26-0587-4C30-8999-92F81FD0307C}</a:tableStyleId>
+              </a:tblPr>
+              <a:tblGrid>
+                <a:gridCol w="3420380"/>
+                <a:gridCol w="3420380"/>
+              </a:tblGrid>
+              <a:tr h="370840">
+                <a:tc>
+                  <a:txBody>
+                    <a:bodyPr/>
+                    <a:lstStyle/>
+                    <a:p>
+                      <a:pPr marL="742932" lvl="1" indent="-285750">
+                        <a:buFont typeface="Arial" panose="020B0604020202020204" pitchFamily="34" charset="0"/>
+                        <a:buChar char="•"/>
+                      </a:pPr>
+                      <a:r>
+                        <a:rPr lang="de-DE" sz="2800" dirty="0" smtClean="0"/>
+                        <a:t>HTML</a:t>
+                      </a:r>
+                    </a:p>
+                    <a:p>
+                      <a:pPr marL="742932" lvl="1" indent="-285750">
+                        <a:buFont typeface="Arial" panose="020B0604020202020204" pitchFamily="34" charset="0"/>
+                        <a:buChar char="•"/>
+                      </a:pPr>
+                      <a:r>
+                        <a:rPr lang="de-DE" sz="2800" dirty="0" smtClean="0"/>
+                        <a:t>PHP</a:t>
+                      </a:r>
+                    </a:p>
+                    <a:p>
+                      <a:pPr marL="742932" lvl="1" indent="-285750">
+                        <a:buFont typeface="Arial" panose="020B0604020202020204" pitchFamily="34" charset="0"/>
+                        <a:buChar char="•"/>
+                      </a:pPr>
+                      <a:r>
+                        <a:rPr lang="de-DE" sz="2800" dirty="0" smtClean="0"/>
+                        <a:t>JavaScript</a:t>
+                      </a:r>
+                    </a:p>
+                  </a:txBody>
+                  <a:tcPr/>
+                </a:tc>
+                <a:tc>
+                  <a:txBody>
+                    <a:bodyPr/>
+                    <a:lstStyle/>
+                    <a:p>
+                      <a:pPr marL="742932" lvl="1" indent="-285750">
+                        <a:buFont typeface="Arial" panose="020B0604020202020204" pitchFamily="34" charset="0"/>
+                        <a:buChar char="•"/>
+                      </a:pPr>
+                      <a:r>
+                        <a:rPr lang="de-DE" sz="2800" dirty="0" smtClean="0"/>
+                        <a:t>CSS</a:t>
+                      </a:r>
+                    </a:p>
+                    <a:p>
+                      <a:pPr marL="742932" lvl="1" indent="-285750">
+                        <a:buFont typeface="Arial" panose="020B0604020202020204" pitchFamily="34" charset="0"/>
+                        <a:buChar char="•"/>
+                      </a:pPr>
+                      <a:r>
+                        <a:rPr lang="de-DE" sz="2800" dirty="0" smtClean="0"/>
+                        <a:t>Apache</a:t>
+                      </a:r>
+                    </a:p>
+                    <a:p>
+                      <a:pPr marL="742932" lvl="1" indent="-285750">
+                        <a:buFont typeface="Arial" panose="020B0604020202020204" pitchFamily="34" charset="0"/>
+                        <a:buChar char="•"/>
+                      </a:pPr>
+                      <a:r>
+                        <a:rPr lang="de-DE" sz="2800" dirty="0" smtClean="0"/>
+                        <a:t>MySQL</a:t>
+                      </a:r>
+                    </a:p>
+                  </a:txBody>
+                  <a:tcPr/>
+                </a:tc>
+              </a:tr>
+            </a:tbl>
+          </a:graphicData>
+        </a:graphic>
+      </p:graphicFrame>
     </p:spTree>
     <p:extLst>
       <p:ext uri="{BB962C8B-B14F-4D97-AF65-F5344CB8AC3E}">
-        <p14:creationId xmlns:p14="http://schemas.microsoft.com/office/powerpoint/2010/main" xmlns="" val="4283785290"/>
+        <p14:creationId xmlns:p14="http://schemas.microsoft.com/office/powerpoint/2010/main" val="4283785290"/>
       </p:ext>
     </p:extLst>
   </p:cSld>
@@ -17282,7 +17601,7 @@
     </p:spTree>
     <p:extLst>
       <p:ext uri="{BB962C8B-B14F-4D97-AF65-F5344CB8AC3E}">
-        <p14:creationId xmlns:p14="http://schemas.microsoft.com/office/powerpoint/2010/main" xmlns="" val="963295622"/>
+        <p14:creationId xmlns:p14="http://schemas.microsoft.com/office/powerpoint/2010/main" val="963295622"/>
       </p:ext>
     </p:extLst>
   </p:cSld>
@@ -17353,7 +17672,7 @@
         <p:spPr>
           <a:xfrm>
             <a:off x="381000" y="1772816"/>
-            <a:ext cx="8382000" cy="4050340"/>
+            <a:ext cx="8382000" cy="4502771"/>
           </a:xfrm>
         </p:spPr>
         <p:txBody>
@@ -17364,180 +17683,170 @@
               <a:buNone/>
             </a:pPr>
             <a:r>
-              <a:rPr lang="de-DE" sz="1600" b="1" dirty="0" smtClean="0"/>
-              <a:t>Anforderungen/ Pflichtenheft: Was hatten Sie sich vorgenommen? Was war optional?</a:t>
-            </a:r>
+              <a:rPr lang="de-DE" sz="1800" b="1" dirty="0"/>
+              <a:t>Funktionen:</a:t>
+            </a:r>
+          </a:p>
+          <a:p>
+            <a:pPr>
+              <a:buFont typeface="Arial" panose="020B0604020202020204" pitchFamily="34" charset="0"/>
+              <a:buChar char="•"/>
+            </a:pPr>
+            <a:r>
+              <a:rPr lang="de-DE" sz="1600" dirty="0"/>
+              <a:t>beim Öffnen der Seite Anzeige der Beiträge, Kommentare aufklappbar</a:t>
+            </a:r>
+          </a:p>
+          <a:p>
+            <a:pPr>
+              <a:buFont typeface="Arial" panose="020B0604020202020204" pitchFamily="34" charset="0"/>
+              <a:buChar char="•"/>
+            </a:pPr>
+            <a:r>
+              <a:rPr lang="de-DE" sz="1600" dirty="0"/>
+              <a:t>Erfassen von neuen Blog-Einträgen</a:t>
+            </a:r>
+          </a:p>
+          <a:p>
+            <a:pPr>
+              <a:buFont typeface="Arial" panose="020B0604020202020204" pitchFamily="34" charset="0"/>
+              <a:buChar char="•"/>
+            </a:pPr>
+            <a:r>
+              <a:rPr lang="de-DE" sz="1600" dirty="0"/>
+              <a:t>Kommentar-Funktion</a:t>
+            </a:r>
+          </a:p>
+          <a:p>
+            <a:pPr>
+              <a:buFont typeface="Arial" panose="020B0604020202020204" pitchFamily="34" charset="0"/>
+              <a:buChar char="•"/>
+            </a:pPr>
+            <a:r>
+              <a:rPr lang="de-DE" sz="1600" dirty="0"/>
+              <a:t>Speichern der Beiträge &amp; Kommentare in einer Datenbank</a:t>
+            </a:r>
+          </a:p>
+          <a:p>
+            <a:pPr>
+              <a:buFont typeface="Arial" panose="020B0604020202020204" pitchFamily="34" charset="0"/>
+              <a:buChar char="•"/>
+            </a:pPr>
+            <a:r>
+              <a:rPr lang="de-DE" sz="1600" dirty="0"/>
+              <a:t>Hitcounter</a:t>
+            </a:r>
+            <a:br>
+              <a:rPr lang="de-DE" sz="1600" dirty="0"/>
+            </a:br>
+            <a:endParaRPr lang="de-DE" sz="1600" dirty="0"/>
           </a:p>
           <a:p>
             <a:pPr marL="0" indent="0">
               <a:buNone/>
             </a:pPr>
             <a:r>
-              <a:rPr lang="de-DE" sz="1400" i="1" dirty="0" smtClean="0"/>
-              <a:t>Funktionen</a:t>
-            </a:r>
-            <a:r>
-              <a:rPr lang="de-DE" sz="1400" dirty="0" smtClean="0"/>
-              <a:t>:</a:t>
-            </a:r>
-            <a:endParaRPr lang="de-DE" sz="1400" dirty="0"/>
+              <a:rPr lang="de-DE" sz="1800" b="1" dirty="0" err="1"/>
+              <a:t>nice</a:t>
+            </a:r>
+            <a:r>
+              <a:rPr lang="de-DE" sz="1800" b="1" dirty="0"/>
+              <a:t> </a:t>
+            </a:r>
+            <a:r>
+              <a:rPr lang="de-DE" sz="1800" b="1" dirty="0" err="1"/>
+              <a:t>to</a:t>
+            </a:r>
+            <a:r>
+              <a:rPr lang="de-DE" sz="1800" b="1" dirty="0"/>
+              <a:t> </a:t>
+            </a:r>
+            <a:r>
+              <a:rPr lang="de-DE" sz="1800" b="1" dirty="0" err="1"/>
+              <a:t>have</a:t>
+            </a:r>
+            <a:r>
+              <a:rPr lang="de-DE" sz="1800" b="1" dirty="0"/>
+              <a:t> (wenn die Zeit reicht):</a:t>
+            </a:r>
+          </a:p>
+          <a:p>
+            <a:pPr>
+              <a:buFont typeface="Arial" panose="020B0604020202020204" pitchFamily="34" charset="0"/>
+              <a:buChar char="•"/>
+            </a:pPr>
+            <a:r>
+              <a:rPr lang="de-DE" sz="1600" dirty="0"/>
+              <a:t>Sprachfiles hinterlegen: Switch zwischen Deutsch &amp; Englisch (nur harte Seiteninhalte) ermöglichen</a:t>
+            </a:r>
+          </a:p>
+          <a:p>
+            <a:pPr>
+              <a:buFont typeface="Arial" panose="020B0604020202020204" pitchFamily="34" charset="0"/>
+              <a:buChar char="•"/>
+            </a:pPr>
+            <a:r>
+              <a:rPr lang="de-DE" sz="1600" dirty="0"/>
+              <a:t>Einbinden von Bildern in die Beiträge</a:t>
+            </a:r>
+            <a:br>
+              <a:rPr lang="de-DE" sz="1600" dirty="0"/>
+            </a:br>
+            <a:endParaRPr lang="de-DE" sz="1600" dirty="0"/>
           </a:p>
           <a:p>
             <a:pPr marL="0" indent="0">
               <a:buNone/>
             </a:pPr>
             <a:r>
-              <a:rPr lang="de-DE" sz="1400" dirty="0"/>
-              <a:t>- beim Öffnen der Seite Anzeige der Beiträge, Kommentare aufklappbar</a:t>
-            </a:r>
-            <a:br>
-              <a:rPr lang="de-DE" sz="1400" dirty="0"/>
-            </a:br>
-            <a:r>
-              <a:rPr lang="de-DE" sz="1400" dirty="0"/>
-              <a:t>- Erfassen von neuen Blog-Einträgen</a:t>
-            </a:r>
-          </a:p>
-          <a:p>
-            <a:pPr marL="0" indent="0">
-              <a:buNone/>
+              <a:rPr lang="de-DE" sz="1800" b="1" dirty="0"/>
+              <a:t>Abgrenzungskriterien:</a:t>
+            </a:r>
+          </a:p>
+          <a:p>
+            <a:pPr>
+              <a:buFont typeface="Arial" panose="020B0604020202020204" pitchFamily="34" charset="0"/>
+              <a:buChar char="•"/>
             </a:pPr>
             <a:r>
-              <a:rPr lang="de-DE" sz="1400" dirty="0"/>
-              <a:t>- Kommentar-Funktion</a:t>
-            </a:r>
-          </a:p>
-          <a:p>
-            <a:pPr marL="0" indent="0">
-              <a:buNone/>
+              <a:rPr lang="de-DE" sz="1600" dirty="0"/>
+              <a:t>kein Editieren von Einträgen</a:t>
+            </a:r>
+          </a:p>
+          <a:p>
+            <a:pPr>
+              <a:buFont typeface="Arial" panose="020B0604020202020204" pitchFamily="34" charset="0"/>
+              <a:buChar char="•"/>
             </a:pPr>
             <a:r>
-              <a:rPr lang="de-DE" sz="1400" dirty="0"/>
-              <a:t>- Speichern der Beiträge &amp; Kommentare in einer Datenbank</a:t>
-            </a:r>
-          </a:p>
-          <a:p>
-            <a:pPr marL="0" indent="0">
-              <a:buNone/>
+              <a:rPr lang="de-DE" sz="1600" dirty="0"/>
+              <a:t>kein Löschen von Einträgen</a:t>
+            </a:r>
+          </a:p>
+          <a:p>
+            <a:pPr>
+              <a:buFont typeface="Arial" panose="020B0604020202020204" pitchFamily="34" charset="0"/>
+              <a:buChar char="•"/>
             </a:pPr>
             <a:r>
-              <a:rPr lang="de-DE" sz="1400" dirty="0"/>
-              <a:t>- Hitcounter</a:t>
-            </a:r>
-            <a:br>
-              <a:rPr lang="de-DE" sz="1400" dirty="0"/>
-            </a:br>
-            <a:endParaRPr lang="de-DE" sz="1400" dirty="0"/>
-          </a:p>
-          <a:p>
-            <a:pPr marL="0" indent="0">
-              <a:buNone/>
+              <a:rPr lang="de-DE" sz="1600" dirty="0"/>
+              <a:t>keine Benutzerverwaltung</a:t>
+            </a:r>
+          </a:p>
+          <a:p>
+            <a:pPr>
+              <a:buFont typeface="Arial" panose="020B0604020202020204" pitchFamily="34" charset="0"/>
+              <a:buChar char="•"/>
             </a:pPr>
             <a:r>
-              <a:rPr lang="de-DE" sz="1400" i="1" dirty="0" err="1"/>
-              <a:t>nice</a:t>
-            </a:r>
-            <a:r>
-              <a:rPr lang="de-DE" sz="1400" i="1" dirty="0"/>
-              <a:t> </a:t>
-            </a:r>
-            <a:r>
-              <a:rPr lang="de-DE" sz="1400" i="1" dirty="0" err="1"/>
-              <a:t>to</a:t>
-            </a:r>
-            <a:r>
-              <a:rPr lang="de-DE" sz="1400" i="1" dirty="0"/>
-              <a:t> </a:t>
-            </a:r>
-            <a:r>
-              <a:rPr lang="de-DE" sz="1400" i="1" dirty="0" err="1"/>
-              <a:t>have</a:t>
-            </a:r>
-            <a:r>
-              <a:rPr lang="de-DE" sz="1400" i="1" dirty="0"/>
-              <a:t> (wenn die Zeit reicht):</a:t>
-            </a:r>
-            <a:endParaRPr lang="de-DE" sz="1400" dirty="0"/>
-          </a:p>
-          <a:p>
-            <a:pPr marL="0" indent="0">
-              <a:buNone/>
-            </a:pPr>
-            <a:r>
-              <a:rPr lang="de-DE" sz="1400" dirty="0"/>
-              <a:t>- Sprachfiles hinterlegen: Switch zwischen Deutsch &amp; Englisch (nur harte Seiteninhalte) ermöglichen</a:t>
-            </a:r>
-          </a:p>
-          <a:p>
-            <a:pPr marL="0" indent="0">
-              <a:buNone/>
-            </a:pPr>
-            <a:r>
-              <a:rPr lang="de-DE" sz="1400" dirty="0"/>
-              <a:t>- Einbinden von Bildern in die Beiträge</a:t>
-            </a:r>
-            <a:br>
-              <a:rPr lang="de-DE" sz="1400" dirty="0"/>
-            </a:br>
-            <a:r>
-              <a:rPr lang="de-DE" sz="1400" dirty="0"/>
-              <a:t/>
-            </a:r>
-            <a:br>
-              <a:rPr lang="de-DE" sz="1400" dirty="0"/>
-            </a:br>
-            <a:endParaRPr lang="de-DE" sz="1400" dirty="0"/>
-          </a:p>
-          <a:p>
-            <a:pPr marL="0" indent="0">
-              <a:buNone/>
-            </a:pPr>
-            <a:r>
-              <a:rPr lang="de-DE" sz="1400" i="1" dirty="0"/>
-              <a:t>Abgrenzungskriterien:</a:t>
-            </a:r>
-            <a:endParaRPr lang="de-DE" sz="1400" dirty="0"/>
-          </a:p>
-          <a:p>
-            <a:pPr marL="0" indent="0">
-              <a:buNone/>
-            </a:pPr>
-            <a:r>
-              <a:rPr lang="de-DE" sz="1400" dirty="0"/>
-              <a:t>- kein Editieren von Einträgen</a:t>
-            </a:r>
-          </a:p>
-          <a:p>
-            <a:pPr marL="0" indent="0">
-              <a:buNone/>
-            </a:pPr>
-            <a:r>
-              <a:rPr lang="de-DE" sz="1400" dirty="0"/>
-              <a:t>- kein Löschen von Einträgen</a:t>
-            </a:r>
-          </a:p>
-          <a:p>
-            <a:pPr marL="0" indent="0">
-              <a:buNone/>
-            </a:pPr>
-            <a:r>
-              <a:rPr lang="de-DE" sz="1400" dirty="0"/>
-              <a:t>- keine Benutzerverwaltung</a:t>
-            </a:r>
-          </a:p>
-          <a:p>
-            <a:pPr marL="0" indent="0">
-              <a:buNone/>
-            </a:pPr>
-            <a:r>
-              <a:rPr lang="de-DE" sz="1400" dirty="0"/>
-              <a:t>- keine </a:t>
-            </a:r>
-            <a:r>
-              <a:rPr lang="de-DE" sz="1400" dirty="0" smtClean="0"/>
+              <a:rPr lang="de-DE" sz="1600" dirty="0"/>
+              <a:t>keine </a:t>
+            </a:r>
+            <a:r>
+              <a:rPr lang="de-DE" sz="1600" dirty="0" smtClean="0"/>
               <a:t>Suchfunktion</a:t>
             </a:r>
-            <a:endParaRPr lang="de-DE" sz="1400" dirty="0"/>
+            <a:endParaRPr lang="de-DE" sz="1600" dirty="0"/>
           </a:p>
         </p:txBody>
       </p:sp>
@@ -17614,7 +17923,7 @@
     </p:spTree>
     <p:extLst>
       <p:ext uri="{BB962C8B-B14F-4D97-AF65-F5344CB8AC3E}">
-        <p14:creationId xmlns:p14="http://schemas.microsoft.com/office/powerpoint/2010/main" xmlns="" val="1102019178"/>
+        <p14:creationId xmlns:p14="http://schemas.microsoft.com/office/powerpoint/2010/main" val="1102019178"/>
       </p:ext>
     </p:extLst>
   </p:cSld>
@@ -17847,7 +18156,7 @@
     </p:spTree>
     <p:extLst>
       <p:ext uri="{BB962C8B-B14F-4D97-AF65-F5344CB8AC3E}">
-        <p14:creationId xmlns:p14="http://schemas.microsoft.com/office/powerpoint/2010/main" xmlns="" val="1788390056"/>
+        <p14:creationId xmlns:p14="http://schemas.microsoft.com/office/powerpoint/2010/main" val="1788390056"/>
       </p:ext>
     </p:extLst>
   </p:cSld>

--- a/Notizen/Präsentation_EssentialBlog.pptx
+++ b/Notizen/Präsentation_EssentialBlog.pptx
@@ -6,7 +6,7 @@
     <p:sldMasterId id="2147483674" r:id="rId3"/>
   </p:sldMasterIdLst>
   <p:notesMasterIdLst>
-    <p:notesMasterId r:id="rId37"/>
+    <p:notesMasterId r:id="rId35"/>
   </p:notesMasterIdLst>
   <p:sldIdLst>
     <p:sldId id="257" r:id="rId4"/>
@@ -17,31 +17,29 @@
     <p:sldId id="281" r:id="rId9"/>
     <p:sldId id="274" r:id="rId10"/>
     <p:sldId id="288" r:id="rId11"/>
-    <p:sldId id="275" r:id="rId12"/>
-    <p:sldId id="283" r:id="rId13"/>
-    <p:sldId id="293" r:id="rId14"/>
-    <p:sldId id="292" r:id="rId15"/>
-    <p:sldId id="294" r:id="rId16"/>
-    <p:sldId id="295" r:id="rId17"/>
-    <p:sldId id="296" r:id="rId18"/>
-    <p:sldId id="297" r:id="rId19"/>
-    <p:sldId id="298" r:id="rId20"/>
-    <p:sldId id="302" r:id="rId21"/>
-    <p:sldId id="299" r:id="rId22"/>
-    <p:sldId id="300" r:id="rId23"/>
-    <p:sldId id="301" r:id="rId24"/>
-    <p:sldId id="276" r:id="rId25"/>
-    <p:sldId id="284" r:id="rId26"/>
-    <p:sldId id="277" r:id="rId27"/>
-    <p:sldId id="285" r:id="rId28"/>
-    <p:sldId id="264" r:id="rId29"/>
+    <p:sldId id="303" r:id="rId12"/>
+    <p:sldId id="275" r:id="rId13"/>
+    <p:sldId id="283" r:id="rId14"/>
+    <p:sldId id="293" r:id="rId15"/>
+    <p:sldId id="292" r:id="rId16"/>
+    <p:sldId id="294" r:id="rId17"/>
+    <p:sldId id="295" r:id="rId18"/>
+    <p:sldId id="296" r:id="rId19"/>
+    <p:sldId id="297" r:id="rId20"/>
+    <p:sldId id="298" r:id="rId21"/>
+    <p:sldId id="302" r:id="rId22"/>
+    <p:sldId id="299" r:id="rId23"/>
+    <p:sldId id="300" r:id="rId24"/>
+    <p:sldId id="301" r:id="rId25"/>
+    <p:sldId id="276" r:id="rId26"/>
+    <p:sldId id="284" r:id="rId27"/>
+    <p:sldId id="277" r:id="rId28"/>
+    <p:sldId id="285" r:id="rId29"/>
     <p:sldId id="278" r:id="rId30"/>
-    <p:sldId id="286" r:id="rId31"/>
-    <p:sldId id="279" r:id="rId32"/>
-    <p:sldId id="287" r:id="rId33"/>
-    <p:sldId id="259" r:id="rId34"/>
-    <p:sldId id="260" r:id="rId35"/>
-    <p:sldId id="261" r:id="rId36"/>
+    <p:sldId id="304" r:id="rId31"/>
+    <p:sldId id="307" r:id="rId32"/>
+    <p:sldId id="279" r:id="rId33"/>
+    <p:sldId id="306" r:id="rId34"/>
   </p:sldIdLst>
   <p:sldSz cx="9144000" cy="6858000" type="screen4x3"/>
   <p:notesSz cx="6858000" cy="9144000"/>
@@ -163,634 +161,6 @@
 <p:cmAuthorLst xmlns:a="http://schemas.openxmlformats.org/drawingml/2006/main" xmlns:r="http://schemas.openxmlformats.org/officeDocument/2006/relationships" xmlns:p="http://schemas.openxmlformats.org/presentationml/2006/main">
   <p:cmAuthor id="0" name="Mitsch" initials="M" lastIdx="1" clrIdx="0"/>
 </p:cmAuthorLst>
-</file>
-
-<file path=ppt/charts/chart1.xml><?xml version="1.0" encoding="utf-8"?>
-<c:chartSpace xmlns:c="http://schemas.openxmlformats.org/drawingml/2006/chart" xmlns:a="http://schemas.openxmlformats.org/drawingml/2006/main" xmlns:r="http://schemas.openxmlformats.org/officeDocument/2006/relationships">
-  <c:date1904 val="0"/>
-  <c:lang val="de-DE"/>
-  <c:roundedCorners val="0"/>
-  <mc:AlternateContent xmlns:mc="http://schemas.openxmlformats.org/markup-compatibility/2006">
-    <mc:Choice xmlns:c14="http://schemas.microsoft.com/office/drawing/2007/8/2/chart" Requires="c14">
-      <c14:style val="118"/>
-    </mc:Choice>
-    <mc:Fallback>
-      <c:style val="18"/>
-    </mc:Fallback>
-  </mc:AlternateContent>
-  <c:chart>
-    <c:autoTitleDeleted val="0"/>
-    <c:view3D>
-      <c:rotX val="15"/>
-      <c:rotY val="20"/>
-      <c:rAngAx val="1"/>
-    </c:view3D>
-    <c:floor>
-      <c:thickness val="0"/>
-      <c:spPr>
-        <a:solidFill>
-          <a:srgbClr val="000000">
-            <a:alpha val="28000"/>
-          </a:srgbClr>
-        </a:solidFill>
-        <a:ln>
-          <a:solidFill>
-            <a:srgbClr val="000000"/>
-          </a:solidFill>
-        </a:ln>
-      </c:spPr>
-    </c:floor>
-    <c:sideWall>
-      <c:thickness val="0"/>
-      <c:spPr>
-        <a:gradFill>
-          <a:gsLst>
-            <a:gs pos="0">
-              <a:srgbClr val="000000">
-                <a:alpha val="0"/>
-              </a:srgbClr>
-            </a:gs>
-            <a:gs pos="50000">
-              <a:srgbClr val="000000">
-                <a:alpha val="9000"/>
-              </a:srgbClr>
-            </a:gs>
-            <a:gs pos="100000">
-              <a:srgbClr val="000000">
-                <a:alpha val="17000"/>
-              </a:srgbClr>
-            </a:gs>
-          </a:gsLst>
-          <a:lin ang="5400000" scaled="0"/>
-        </a:gradFill>
-      </c:spPr>
-    </c:sideWall>
-    <c:backWall>
-      <c:thickness val="0"/>
-      <c:spPr>
-        <a:gradFill>
-          <a:gsLst>
-            <a:gs pos="0">
-              <a:srgbClr val="000000">
-                <a:alpha val="0"/>
-              </a:srgbClr>
-            </a:gs>
-            <a:gs pos="50000">
-              <a:srgbClr val="000000">
-                <a:alpha val="9000"/>
-              </a:srgbClr>
-            </a:gs>
-            <a:gs pos="100000">
-              <a:srgbClr val="000000">
-                <a:alpha val="17000"/>
-              </a:srgbClr>
-            </a:gs>
-          </a:gsLst>
-          <a:lin ang="5400000" scaled="0"/>
-        </a:gradFill>
-      </c:spPr>
-    </c:backWall>
-    <c:plotArea>
-      <c:layout/>
-      <c:bar3DChart>
-        <c:barDir val="col"/>
-        <c:grouping val="clustered"/>
-        <c:varyColors val="0"/>
-        <c:ser>
-          <c:idx val="0"/>
-          <c:order val="0"/>
-          <c:tx>
-            <c:strRef>
-              <c:f>Sheet1!$B$1</c:f>
-              <c:strCache>
-                <c:ptCount val="1"/>
-                <c:pt idx="0">
-                  <c:v>Reihe 1</c:v>
-                </c:pt>
-              </c:strCache>
-            </c:strRef>
-          </c:tx>
-          <c:invertIfNegative val="0"/>
-          <c:cat>
-            <c:strRef>
-              <c:f>Sheet1!$A$2:$A$5</c:f>
-              <c:strCache>
-                <c:ptCount val="4"/>
-                <c:pt idx="0">
-                  <c:v>Kategorie 1</c:v>
-                </c:pt>
-                <c:pt idx="1">
-                  <c:v>Kategorie 2</c:v>
-                </c:pt>
-                <c:pt idx="2">
-                  <c:v>Kategorie 3</c:v>
-                </c:pt>
-                <c:pt idx="3">
-                  <c:v>Kategorie 4</c:v>
-                </c:pt>
-              </c:strCache>
-            </c:strRef>
-          </c:cat>
-          <c:val>
-            <c:numRef>
-              <c:f>Sheet1!$B$2:$B$5</c:f>
-              <c:numCache>
-                <c:formatCode>General</c:formatCode>
-                <c:ptCount val="4"/>
-                <c:pt idx="0">
-                  <c:v>4.3</c:v>
-                </c:pt>
-                <c:pt idx="1">
-                  <c:v>2.5</c:v>
-                </c:pt>
-                <c:pt idx="2">
-                  <c:v>3.5</c:v>
-                </c:pt>
-                <c:pt idx="3">
-                  <c:v>4.5</c:v>
-                </c:pt>
-              </c:numCache>
-            </c:numRef>
-          </c:val>
-        </c:ser>
-        <c:ser>
-          <c:idx val="1"/>
-          <c:order val="1"/>
-          <c:tx>
-            <c:strRef>
-              <c:f>Sheet1!$C$1</c:f>
-              <c:strCache>
-                <c:ptCount val="1"/>
-                <c:pt idx="0">
-                  <c:v>Reihe 2</c:v>
-                </c:pt>
-              </c:strCache>
-            </c:strRef>
-          </c:tx>
-          <c:invertIfNegative val="0"/>
-          <c:cat>
-            <c:strRef>
-              <c:f>Sheet1!$A$2:$A$5</c:f>
-              <c:strCache>
-                <c:ptCount val="4"/>
-                <c:pt idx="0">
-                  <c:v>Kategorie 1</c:v>
-                </c:pt>
-                <c:pt idx="1">
-                  <c:v>Kategorie 2</c:v>
-                </c:pt>
-                <c:pt idx="2">
-                  <c:v>Kategorie 3</c:v>
-                </c:pt>
-                <c:pt idx="3">
-                  <c:v>Kategorie 4</c:v>
-                </c:pt>
-              </c:strCache>
-            </c:strRef>
-          </c:cat>
-          <c:val>
-            <c:numRef>
-              <c:f>Sheet1!$C$2:$C$5</c:f>
-              <c:numCache>
-                <c:formatCode>General</c:formatCode>
-                <c:ptCount val="4"/>
-                <c:pt idx="0">
-                  <c:v>2.4</c:v>
-                </c:pt>
-                <c:pt idx="1">
-                  <c:v>4.4000000000000004</c:v>
-                </c:pt>
-                <c:pt idx="2">
-                  <c:v>1.8</c:v>
-                </c:pt>
-                <c:pt idx="3">
-                  <c:v>2.8</c:v>
-                </c:pt>
-              </c:numCache>
-            </c:numRef>
-          </c:val>
-        </c:ser>
-        <c:ser>
-          <c:idx val="2"/>
-          <c:order val="2"/>
-          <c:tx>
-            <c:strRef>
-              <c:f>Sheet1!$D$1</c:f>
-              <c:strCache>
-                <c:ptCount val="1"/>
-                <c:pt idx="0">
-                  <c:v>Reihe 3</c:v>
-                </c:pt>
-              </c:strCache>
-            </c:strRef>
-          </c:tx>
-          <c:invertIfNegative val="0"/>
-          <c:cat>
-            <c:strRef>
-              <c:f>Sheet1!$A$2:$A$5</c:f>
-              <c:strCache>
-                <c:ptCount val="4"/>
-                <c:pt idx="0">
-                  <c:v>Kategorie 1</c:v>
-                </c:pt>
-                <c:pt idx="1">
-                  <c:v>Kategorie 2</c:v>
-                </c:pt>
-                <c:pt idx="2">
-                  <c:v>Kategorie 3</c:v>
-                </c:pt>
-                <c:pt idx="3">
-                  <c:v>Kategorie 4</c:v>
-                </c:pt>
-              </c:strCache>
-            </c:strRef>
-          </c:cat>
-          <c:val>
-            <c:numRef>
-              <c:f>Sheet1!$D$2:$D$5</c:f>
-              <c:numCache>
-                <c:formatCode>General</c:formatCode>
-                <c:ptCount val="4"/>
-                <c:pt idx="0">
-                  <c:v>2</c:v>
-                </c:pt>
-                <c:pt idx="1">
-                  <c:v>2</c:v>
-                </c:pt>
-                <c:pt idx="2">
-                  <c:v>3</c:v>
-                </c:pt>
-                <c:pt idx="3">
-                  <c:v>5</c:v>
-                </c:pt>
-              </c:numCache>
-            </c:numRef>
-          </c:val>
-        </c:ser>
-        <c:dLbls>
-          <c:showLegendKey val="0"/>
-          <c:showVal val="0"/>
-          <c:showCatName val="0"/>
-          <c:showSerName val="0"/>
-          <c:showPercent val="0"/>
-          <c:showBubbleSize val="0"/>
-        </c:dLbls>
-        <c:gapWidth val="150"/>
-        <c:shape val="cylinder"/>
-        <c:axId val="302905680"/>
-        <c:axId val="302906072"/>
-        <c:axId val="0"/>
-      </c:bar3DChart>
-      <c:catAx>
-        <c:axId val="302905680"/>
-        <c:scaling>
-          <c:orientation val="minMax"/>
-        </c:scaling>
-        <c:delete val="0"/>
-        <c:axPos val="b"/>
-        <c:numFmt formatCode="General" sourceLinked="0"/>
-        <c:majorTickMark val="out"/>
-        <c:minorTickMark val="none"/>
-        <c:tickLblPos val="nextTo"/>
-        <c:spPr>
-          <a:ln>
-            <a:solidFill>
-              <a:schemeClr val="tx1"/>
-            </a:solidFill>
-          </a:ln>
-        </c:spPr>
-        <c:txPr>
-          <a:bodyPr/>
-          <a:lstStyle/>
-          <a:p>
-            <a:pPr>
-              <a:defRPr sz="2000">
-                <a:effectLst>
-                  <a:outerShdw blurRad="38100" dist="38100" dir="2700000" algn="tl">
-                    <a:srgbClr val="000000">
-                      <a:alpha val="43137"/>
-                    </a:srgbClr>
-                  </a:outerShdw>
-                </a:effectLst>
-              </a:defRPr>
-            </a:pPr>
-            <a:endParaRPr lang="de-DE"/>
-          </a:p>
-        </c:txPr>
-        <c:crossAx val="302906072"/>
-        <c:crosses val="autoZero"/>
-        <c:auto val="1"/>
-        <c:lblAlgn val="ctr"/>
-        <c:lblOffset val="100"/>
-        <c:noMultiLvlLbl val="0"/>
-      </c:catAx>
-      <c:valAx>
-        <c:axId val="302906072"/>
-        <c:scaling>
-          <c:orientation val="minMax"/>
-        </c:scaling>
-        <c:delete val="0"/>
-        <c:axPos val="l"/>
-        <c:majorGridlines>
-          <c:spPr>
-            <a:ln w="3175">
-              <a:solidFill>
-                <a:srgbClr val="777777"/>
-              </a:solidFill>
-            </a:ln>
-            <a:effectLst/>
-          </c:spPr>
-        </c:majorGridlines>
-        <c:numFmt formatCode="General" sourceLinked="1"/>
-        <c:majorTickMark val="out"/>
-        <c:minorTickMark val="none"/>
-        <c:tickLblPos val="nextTo"/>
-        <c:spPr>
-          <a:ln>
-            <a:solidFill>
-              <a:schemeClr val="tx1"/>
-            </a:solidFill>
-          </a:ln>
-        </c:spPr>
-        <c:txPr>
-          <a:bodyPr/>
-          <a:lstStyle/>
-          <a:p>
-            <a:pPr>
-              <a:defRPr sz="3200">
-                <a:effectLst>
-                  <a:outerShdw blurRad="38100" dist="38100" dir="2700000" algn="tl">
-                    <a:srgbClr val="000000">
-                      <a:alpha val="43137"/>
-                    </a:srgbClr>
-                  </a:outerShdw>
-                </a:effectLst>
-              </a:defRPr>
-            </a:pPr>
-            <a:endParaRPr lang="de-DE"/>
-          </a:p>
-        </c:txPr>
-        <c:crossAx val="302905680"/>
-        <c:crosses val="autoZero"/>
-        <c:crossBetween val="between"/>
-        <c:majorUnit val="1"/>
-      </c:valAx>
-    </c:plotArea>
-    <c:legend>
-      <c:legendPos val="r"/>
-      <c:overlay val="0"/>
-      <c:txPr>
-        <a:bodyPr/>
-        <a:lstStyle/>
-        <a:p>
-          <a:pPr>
-            <a:defRPr sz="2800">
-              <a:effectLst>
-                <a:outerShdw blurRad="38100" dist="38100" dir="2700000" algn="tl">
-                  <a:srgbClr val="000000">
-                    <a:alpha val="43137"/>
-                  </a:srgbClr>
-                </a:outerShdw>
-              </a:effectLst>
-            </a:defRPr>
-          </a:pPr>
-          <a:endParaRPr lang="de-DE"/>
-        </a:p>
-      </c:txPr>
-    </c:legend>
-    <c:plotVisOnly val="1"/>
-    <c:dispBlanksAs val="gap"/>
-    <c:showDLblsOverMax val="0"/>
-  </c:chart>
-  <c:txPr>
-    <a:bodyPr/>
-    <a:lstStyle/>
-    <a:p>
-      <a:pPr>
-        <a:defRPr sz="1800"/>
-      </a:pPr>
-      <a:endParaRPr lang="de-DE"/>
-    </a:p>
-  </c:txPr>
-  <c:externalData r:id="rId1">
-    <c:autoUpdate val="0"/>
-  </c:externalData>
-</c:chartSpace>
-</file>
-
-<file path=ppt/charts/chart2.xml><?xml version="1.0" encoding="utf-8"?>
-<c:chartSpace xmlns:c="http://schemas.openxmlformats.org/drawingml/2006/chart" xmlns:a="http://schemas.openxmlformats.org/drawingml/2006/main" xmlns:r="http://schemas.openxmlformats.org/officeDocument/2006/relationships">
-  <c:date1904 val="0"/>
-  <c:lang val="de-DE"/>
-  <c:roundedCorners val="0"/>
-  <mc:AlternateContent xmlns:mc="http://schemas.openxmlformats.org/markup-compatibility/2006">
-    <mc:Choice xmlns:c14="http://schemas.microsoft.com/office/drawing/2007/8/2/chart" Requires="c14">
-      <c14:style val="126"/>
-    </mc:Choice>
-    <mc:Fallback>
-      <c:style val="26"/>
-    </mc:Fallback>
-  </mc:AlternateContent>
-  <c:chart>
-    <c:title>
-      <c:overlay val="0"/>
-      <c:txPr>
-        <a:bodyPr/>
-        <a:lstStyle/>
-        <a:p>
-          <a:pPr>
-            <a:defRPr sz="4400" b="0"/>
-          </a:pPr>
-          <a:endParaRPr lang="de-DE"/>
-        </a:p>
-      </c:txPr>
-    </c:title>
-    <c:autoTitleDeleted val="0"/>
-    <c:view3D>
-      <c:rotX val="30"/>
-      <c:hPercent val="50"/>
-      <c:rotY val="0"/>
-      <c:depthPercent val="100"/>
-      <c:rAngAx val="0"/>
-    </c:view3D>
-    <c:floor>
-      <c:thickness val="0"/>
-    </c:floor>
-    <c:sideWall>
-      <c:thickness val="0"/>
-    </c:sideWall>
-    <c:backWall>
-      <c:thickness val="0"/>
-    </c:backWall>
-    <c:plotArea>
-      <c:layout>
-        <c:manualLayout>
-          <c:layoutTarget val="inner"/>
-          <c:xMode val="edge"/>
-          <c:yMode val="edge"/>
-          <c:x val="1.1711726218271831E-3"/>
-          <c:y val="0.16578725939722247"/>
-          <c:w val="0.71714774916939061"/>
-          <c:h val="0.82881511893089399"/>
-        </c:manualLayout>
-      </c:layout>
-      <c:pie3DChart>
-        <c:varyColors val="1"/>
-        <c:ser>
-          <c:idx val="0"/>
-          <c:order val="0"/>
-          <c:tx>
-            <c:strRef>
-              <c:f>Sheet1!$B$1</c:f>
-              <c:strCache>
-                <c:ptCount val="1"/>
-                <c:pt idx="0">
-                  <c:v>Diagrammtitel</c:v>
-                </c:pt>
-              </c:strCache>
-            </c:strRef>
-          </c:tx>
-          <c:dLbls>
-            <c:numFmt formatCode="General" sourceLinked="0"/>
-            <c:spPr>
-              <a:noFill/>
-              <a:ln>
-                <a:noFill/>
-              </a:ln>
-              <a:effectLst/>
-            </c:spPr>
-            <c:txPr>
-              <a:bodyPr/>
-              <a:lstStyle/>
-              <a:p>
-                <a:pPr>
-                  <a:defRPr sz="2800">
-                    <a:effectLst>
-                      <a:outerShdw blurRad="38100" dist="38100" dir="2700000" algn="tl">
-                        <a:srgbClr val="000000">
-                          <a:alpha val="43137"/>
-                        </a:srgbClr>
-                      </a:outerShdw>
-                    </a:effectLst>
-                  </a:defRPr>
-                </a:pPr>
-                <a:endParaRPr lang="de-DE"/>
-              </a:p>
-            </c:txPr>
-            <c:showLegendKey val="0"/>
-            <c:showVal val="0"/>
-            <c:showCatName val="0"/>
-            <c:showSerName val="0"/>
-            <c:showPercent val="1"/>
-            <c:showBubbleSize val="0"/>
-            <c:showLeaderLines val="1"/>
-            <c:extLst>
-              <c:ext xmlns:c15="http://schemas.microsoft.com/office/drawing/2012/chart" uri="{CE6537A1-D6FC-4f65-9D91-7224C49458BB}"/>
-            </c:extLst>
-          </c:dLbls>
-          <c:cat>
-            <c:strRef>
-              <c:f>Sheet1!$A$2:$A$5</c:f>
-              <c:strCache>
-                <c:ptCount val="4"/>
-                <c:pt idx="0">
-                  <c:v>1. Quartal</c:v>
-                </c:pt>
-                <c:pt idx="1">
-                  <c:v>2. Quartal</c:v>
-                </c:pt>
-                <c:pt idx="2">
-                  <c:v>3. Quartal</c:v>
-                </c:pt>
-                <c:pt idx="3">
-                  <c:v>4. Quartal</c:v>
-                </c:pt>
-              </c:strCache>
-            </c:strRef>
-          </c:cat>
-          <c:val>
-            <c:numRef>
-              <c:f>Sheet1!$B$2:$B$5</c:f>
-              <c:numCache>
-                <c:formatCode>General</c:formatCode>
-                <c:ptCount val="4"/>
-                <c:pt idx="0">
-                  <c:v>8.2000000000000011</c:v>
-                </c:pt>
-                <c:pt idx="1">
-                  <c:v>3.2</c:v>
-                </c:pt>
-                <c:pt idx="2">
-                  <c:v>1.4</c:v>
-                </c:pt>
-                <c:pt idx="3">
-                  <c:v>1.2</c:v>
-                </c:pt>
-              </c:numCache>
-            </c:numRef>
-          </c:val>
-        </c:ser>
-        <c:dLbls>
-          <c:showLegendKey val="0"/>
-          <c:showVal val="0"/>
-          <c:showCatName val="0"/>
-          <c:showSerName val="0"/>
-          <c:showPercent val="0"/>
-          <c:showBubbleSize val="0"/>
-          <c:showLeaderLines val="1"/>
-        </c:dLbls>
-      </c:pie3DChart>
-    </c:plotArea>
-    <c:legend>
-      <c:legendPos val="r"/>
-      <c:layout>
-        <c:manualLayout>
-          <c:xMode val="edge"/>
-          <c:yMode val="edge"/>
-          <c:x val="0.71349145773956268"/>
-          <c:y val="0.33069235618712822"/>
-          <c:w val="0.27832858316023479"/>
-          <c:h val="0.42146170730846966"/>
-        </c:manualLayout>
-      </c:layout>
-      <c:overlay val="0"/>
-      <c:txPr>
-        <a:bodyPr/>
-        <a:lstStyle/>
-        <a:p>
-          <a:pPr>
-            <a:defRPr sz="3200">
-              <a:effectLst>
-                <a:outerShdw blurRad="38100" dist="38100" dir="2700000" algn="tl">
-                  <a:srgbClr val="000000">
-                    <a:alpha val="43137"/>
-                  </a:srgbClr>
-                </a:outerShdw>
-              </a:effectLst>
-            </a:defRPr>
-          </a:pPr>
-          <a:endParaRPr lang="de-DE"/>
-        </a:p>
-      </c:txPr>
-    </c:legend>
-    <c:plotVisOnly val="1"/>
-    <c:dispBlanksAs val="zero"/>
-    <c:showDLblsOverMax val="0"/>
-  </c:chart>
-  <c:txPr>
-    <a:bodyPr/>
-    <a:lstStyle/>
-    <a:p>
-      <a:pPr>
-        <a:defRPr sz="1800"/>
-      </a:pPr>
-      <a:endParaRPr lang="de-DE"/>
-    </a:p>
-  </c:txPr>
-  <c:externalData r:id="rId1">
-    <c:autoUpdate val="0"/>
-  </c:externalData>
-</c:chartSpace>
 </file>
 
 <file path=ppt/diagrams/colors1.xml><?xml version="1.0" encoding="utf-8"?>
@@ -4543,7 +3913,7 @@
               <a:pPr algn="r" defTabSz="914400">
                 <a:buNone/>
               </a:pPr>
-              <a:t>1/26/2015 7:45 PM</a:t>
+              <a:t>1/26/2015 8:08 PM</a:t>
             </a:fld>
             <a:endParaRPr lang="en-US" sz="1200" b="0" i="0">
               <a:latin typeface="Calibri"/>
@@ -4796,7 +4166,7 @@
             <a:fld id="{E25655AF-C603-43CA-9AB9-46F21F484485}" type="slidenum">
               <a:rPr lang="en-US" smtClean="0"/>
               <a:pPr/>
-              <a:t>19</a:t>
+              <a:t>20</a:t>
             </a:fld>
             <a:endParaRPr lang="en-US"/>
           </a:p>
@@ -4923,7 +4293,7 @@
             <a:fld id="{E25655AF-C603-43CA-9AB9-46F21F484485}" type="slidenum">
               <a:rPr lang="en-US" smtClean="0"/>
               <a:pPr/>
-              <a:t>20</a:t>
+              <a:t>21</a:t>
             </a:fld>
             <a:endParaRPr lang="en-US"/>
           </a:p>
@@ -5050,7 +4420,7 @@
             <a:fld id="{E25655AF-C603-43CA-9AB9-46F21F484485}" type="slidenum">
               <a:rPr lang="en-US" smtClean="0"/>
               <a:pPr/>
-              <a:t>21</a:t>
+              <a:t>22</a:t>
             </a:fld>
             <a:endParaRPr lang="en-US"/>
           </a:p>
@@ -5060,799 +4430,6 @@
     <p:extLst>
       <p:ext uri="{BB962C8B-B14F-4D97-AF65-F5344CB8AC3E}">
         <p14:creationId xmlns:p14="http://schemas.microsoft.com/office/powerpoint/2010/main" val="3414368743"/>
-      </p:ext>
-    </p:extLst>
-  </p:cSld>
-  <p:clrMapOvr>
-    <a:masterClrMapping/>
-  </p:clrMapOvr>
-</p:notes>
-</file>
-
-<file path=ppt/notesSlides/notesSlide13.xml><?xml version="1.0" encoding="utf-8"?>
-<p:notes xmlns:a="http://schemas.openxmlformats.org/drawingml/2006/main" xmlns:r="http://schemas.openxmlformats.org/officeDocument/2006/relationships" xmlns:p="http://schemas.openxmlformats.org/presentationml/2006/main">
-  <p:cSld>
-    <p:spTree>
-      <p:nvGrpSpPr>
-        <p:cNvPr id="1" name=""/>
-        <p:cNvGrpSpPr/>
-        <p:nvPr/>
-      </p:nvGrpSpPr>
-      <p:grpSpPr>
-        <a:xfrm>
-          <a:off x="0" y="0"/>
-          <a:ext cx="0" cy="0"/>
-          <a:chOff x="0" y="0"/>
-          <a:chExt cx="0" cy="0"/>
-        </a:xfrm>
-      </p:grpSpPr>
-      <p:sp>
-        <p:nvSpPr>
-          <p:cNvPr id="2" name="Slide Image Placeholder 1"/>
-          <p:cNvSpPr>
-            <a:spLocks noGrp="1" noRot="1" noChangeAspect="1"/>
-          </p:cNvSpPr>
-          <p:nvPr>
-            <p:ph type="sldImg"/>
-          </p:nvPr>
-        </p:nvSpPr>
-        <p:spPr/>
-      </p:sp>
-      <p:sp>
-        <p:nvSpPr>
-          <p:cNvPr id="3" name="Notes Placeholder 2"/>
-          <p:cNvSpPr>
-            <a:spLocks noGrp="1"/>
-          </p:cNvSpPr>
-          <p:nvPr>
-            <p:ph type="body" idx="1"/>
-          </p:nvPr>
-        </p:nvSpPr>
-        <p:spPr/>
-        <p:txBody>
-          <a:bodyPr>
-            <a:normAutofit/>
-          </a:bodyPr>
-          <a:lstStyle/>
-          <a:p>
-            <a:endParaRPr lang="en-US" dirty="0"/>
-          </a:p>
-        </p:txBody>
-      </p:sp>
-      <p:sp>
-        <p:nvSpPr>
-          <p:cNvPr id="4" name="Header Placeholder 3"/>
-          <p:cNvSpPr>
-            <a:spLocks noGrp="1"/>
-          </p:cNvSpPr>
-          <p:nvPr>
-            <p:ph type="hdr" sz="quarter" idx="10"/>
-          </p:nvPr>
-        </p:nvSpPr>
-        <p:spPr/>
-        <p:txBody>
-          <a:bodyPr/>
-          <a:lstStyle/>
-          <a:p>
-            <a:endParaRPr lang="en-US" dirty="0"/>
-          </a:p>
-        </p:txBody>
-      </p:sp>
-      <p:sp>
-        <p:nvSpPr>
-          <p:cNvPr id="5" name="Date Placeholder 4"/>
-          <p:cNvSpPr>
-            <a:spLocks noGrp="1"/>
-          </p:cNvSpPr>
-          <p:nvPr>
-            <p:ph type="dt" idx="11"/>
-          </p:nvPr>
-        </p:nvSpPr>
-        <p:spPr/>
-        <p:txBody>
-          <a:bodyPr/>
-          <a:lstStyle/>
-          <a:p>
-            <a:pPr algn="r" defTabSz="914400">
-              <a:buNone/>
-            </a:pPr>
-            <a:fld id="{81331B57-0BE5-4F82-AA58-76F53EFF3ADA}" type="datetime8">
-              <a:rPr lang="en-US" sz="1200" b="0" i="0">
-                <a:latin typeface="Calibri"/>
-                <a:ea typeface="+mn-ea"/>
-                <a:cs typeface="+mn-cs"/>
-              </a:rPr>
-              <a:pPr algn="r" defTabSz="914400">
-                <a:buNone/>
-              </a:pPr>
-              <a:t>1/26/2015 7:46 PM</a:t>
-            </a:fld>
-            <a:endParaRPr lang="en-US" sz="1200" b="0" i="0">
-              <a:latin typeface="Calibri"/>
-              <a:ea typeface="+mn-ea"/>
-              <a:cs typeface="+mn-cs"/>
-            </a:endParaRPr>
-          </a:p>
-        </p:txBody>
-      </p:sp>
-      <p:sp>
-        <p:nvSpPr>
-          <p:cNvPr id="6" name="Footer Placeholder 5"/>
-          <p:cNvSpPr>
-            <a:spLocks noGrp="1"/>
-          </p:cNvSpPr>
-          <p:nvPr>
-            <p:ph type="ftr" sz="quarter" idx="12"/>
-          </p:nvPr>
-        </p:nvSpPr>
-        <p:spPr/>
-        <p:txBody>
-          <a:bodyPr/>
-          <a:lstStyle/>
-          <a:p>
-            <a:pPr algn="l" defTabSz="914400">
-              <a:buNone/>
-            </a:pPr>
-            <a:r>
-              <a:rPr lang="en-US" sz="1200" b="0" i="0">
-                <a:solidFill>
-                  <a:srgbClr val="000000"/>
-                </a:solidFill>
-                <a:latin typeface="Calibri"/>
-                <a:ea typeface="+mn-ea"/>
-                <a:cs typeface="+mn-cs"/>
-              </a:rPr>
-              <a:t>© 2007 Microsoft Corporation. Alle Rechte vorbehalten. Microsoft, Windows, Windows Vista und andere Produktnamen sind möglicherweise eingetragene Marken oder Marken in den USA und/oder anderen Ländern/Regionen.</a:t>
-            </a:r>
-          </a:p>
-          <a:p>
-            <a:pPr algn="l" defTabSz="914400">
-              <a:buNone/>
-            </a:pPr>
-            <a:r>
-              <a:rPr lang="en-US" sz="1200" b="0" i="0">
-                <a:solidFill>
-                  <a:srgbClr val="000000"/>
-                </a:solidFill>
-                <a:latin typeface="Calibri"/>
-                <a:ea typeface="+mn-ea"/>
-                <a:cs typeface="+mn-cs"/>
-              </a:rPr>
-              <a:t>Diese Angaben dienen nur zu Informationszwecken und entsprechen dem aktuellen Sachstand der Microsoft Corporation zum Erstellungsdatum dieser Präsentation.  Da Microsoft auf die sich ständig ändernden Marktanforderungen reagieren muss, sollten die Angaben nicht als Verpflichtung seitens Microsoft angesehen werden, und Microsoft übernimmt keine Garantie für die Genauigkeit der Angaben nach dem Datum dieser Präsentation.  </a:t>
-            </a:r>
-            <a:br>
-              <a:rPr lang="en-US" sz="1200" b="0" i="0">
-                <a:solidFill>
-                  <a:srgbClr val="000000"/>
-                </a:solidFill>
-                <a:latin typeface="Calibri"/>
-                <a:ea typeface="+mn-ea"/>
-                <a:cs typeface="+mn-cs"/>
-              </a:rPr>
-            </a:br>
-            <a:r>
-              <a:rPr lang="en-US" sz="1200" b="0" i="0">
-                <a:solidFill>
-                  <a:srgbClr val="000000"/>
-                </a:solidFill>
-                <a:latin typeface="Calibri"/>
-                <a:ea typeface="+mn-ea"/>
-                <a:cs typeface="+mn-cs"/>
-              </a:rPr>
-              <a:t>MICROSOFT MAKES NO WARRANTIES, EXPRESS, IMPLIED OR STATUTORY, AS TO THE INFORMATION IN THIS PRESENTATION.</a:t>
-            </a:r>
-          </a:p>
-          <a:p>
-            <a:pPr algn="l" defTabSz="914400">
-              <a:buNone/>
-            </a:pPr>
-            <a:endParaRPr lang="en-US" dirty="0" smtClean="0"/>
-          </a:p>
-        </p:txBody>
-      </p:sp>
-      <p:sp>
-        <p:nvSpPr>
-          <p:cNvPr id="7" name="Slide Number Placeholder 6"/>
-          <p:cNvSpPr>
-            <a:spLocks noGrp="1"/>
-          </p:cNvSpPr>
-          <p:nvPr>
-            <p:ph type="sldNum" sz="quarter" idx="13"/>
-          </p:nvPr>
-        </p:nvSpPr>
-        <p:spPr/>
-        <p:txBody>
-          <a:bodyPr/>
-          <a:lstStyle/>
-          <a:p>
-            <a:pPr algn="r" defTabSz="914400">
-              <a:buNone/>
-            </a:pPr>
-            <a:fld id="{EC87E0CF-87F6-4B58-B8B8-DCAB2DAAF3CA}" type="slidenum">
-              <a:rPr lang="en-US" sz="1200" b="0" i="0">
-                <a:latin typeface="Calibri"/>
-                <a:ea typeface="+mn-ea"/>
-                <a:cs typeface="+mn-cs"/>
-              </a:rPr>
-              <a:pPr algn="r" defTabSz="914400">
-                <a:buNone/>
-              </a:pPr>
-              <a:t>26</a:t>
-            </a:fld>
-            <a:endParaRPr lang="en-US" sz="1200" b="0" i="0">
-              <a:latin typeface="Calibri"/>
-              <a:ea typeface="+mn-ea"/>
-              <a:cs typeface="+mn-cs"/>
-            </a:endParaRPr>
-          </a:p>
-        </p:txBody>
-      </p:sp>
-    </p:spTree>
-    <p:extLst>
-      <p:ext uri="{BB962C8B-B14F-4D97-AF65-F5344CB8AC3E}">
-        <p14:creationId xmlns:p14="http://schemas.microsoft.com/office/powerpoint/2010/main" val="3414635844"/>
-      </p:ext>
-    </p:extLst>
-  </p:cSld>
-  <p:clrMapOvr>
-    <a:masterClrMapping/>
-  </p:clrMapOvr>
-</p:notes>
-</file>
-
-<file path=ppt/notesSlides/notesSlide14.xml><?xml version="1.0" encoding="utf-8"?>
-<p:notes xmlns:a="http://schemas.openxmlformats.org/drawingml/2006/main" xmlns:r="http://schemas.openxmlformats.org/officeDocument/2006/relationships" xmlns:p="http://schemas.openxmlformats.org/presentationml/2006/main">
-  <p:cSld>
-    <p:spTree>
-      <p:nvGrpSpPr>
-        <p:cNvPr id="1" name=""/>
-        <p:cNvGrpSpPr/>
-        <p:nvPr/>
-      </p:nvGrpSpPr>
-      <p:grpSpPr>
-        <a:xfrm>
-          <a:off x="0" y="0"/>
-          <a:ext cx="0" cy="0"/>
-          <a:chOff x="0" y="0"/>
-          <a:chExt cx="0" cy="0"/>
-        </a:xfrm>
-      </p:grpSpPr>
-      <p:sp>
-        <p:nvSpPr>
-          <p:cNvPr id="2" name="Slide Image Placeholder 1"/>
-          <p:cNvSpPr>
-            <a:spLocks noGrp="1" noRot="1" noChangeAspect="1"/>
-          </p:cNvSpPr>
-          <p:nvPr>
-            <p:ph type="sldImg"/>
-          </p:nvPr>
-        </p:nvSpPr>
-        <p:spPr/>
-      </p:sp>
-      <p:sp>
-        <p:nvSpPr>
-          <p:cNvPr id="3" name="Notes Placeholder 2"/>
-          <p:cNvSpPr>
-            <a:spLocks noGrp="1"/>
-          </p:cNvSpPr>
-          <p:nvPr>
-            <p:ph type="body" idx="1"/>
-          </p:nvPr>
-        </p:nvSpPr>
-        <p:spPr/>
-        <p:txBody>
-          <a:bodyPr>
-            <a:normAutofit/>
-          </a:bodyPr>
-          <a:lstStyle/>
-          <a:p>
-            <a:endParaRPr lang="en-US"/>
-          </a:p>
-        </p:txBody>
-      </p:sp>
-      <p:sp>
-        <p:nvSpPr>
-          <p:cNvPr id="4" name="Header Placeholder 3"/>
-          <p:cNvSpPr>
-            <a:spLocks noGrp="1"/>
-          </p:cNvSpPr>
-          <p:nvPr>
-            <p:ph type="hdr" sz="quarter" idx="10"/>
-          </p:nvPr>
-        </p:nvSpPr>
-        <p:spPr/>
-        <p:txBody>
-          <a:bodyPr/>
-          <a:lstStyle/>
-          <a:p>
-            <a:endParaRPr lang="en-US" dirty="0"/>
-          </a:p>
-        </p:txBody>
-      </p:sp>
-      <p:sp>
-        <p:nvSpPr>
-          <p:cNvPr id="5" name="Date Placeholder 4"/>
-          <p:cNvSpPr>
-            <a:spLocks noGrp="1"/>
-          </p:cNvSpPr>
-          <p:nvPr>
-            <p:ph type="dt" idx="11"/>
-          </p:nvPr>
-        </p:nvSpPr>
-        <p:spPr/>
-        <p:txBody>
-          <a:bodyPr/>
-          <a:lstStyle/>
-          <a:p>
-            <a:pPr algn="r" defTabSz="914400">
-              <a:buNone/>
-            </a:pPr>
-            <a:fld id="{81331B57-0BE5-4F82-AA58-76F53EFF3ADA}" type="datetime8">
-              <a:rPr lang="en-US" sz="1200" b="0" i="0">
-                <a:latin typeface="Calibri"/>
-                <a:ea typeface="+mn-ea"/>
-                <a:cs typeface="+mn-cs"/>
-              </a:rPr>
-              <a:pPr algn="r" defTabSz="914400">
-                <a:buNone/>
-              </a:pPr>
-              <a:t>1/26/2015 7:46 PM</a:t>
-            </a:fld>
-            <a:endParaRPr lang="en-US" sz="1200" b="0" i="0">
-              <a:latin typeface="Calibri"/>
-              <a:ea typeface="+mn-ea"/>
-              <a:cs typeface="+mn-cs"/>
-            </a:endParaRPr>
-          </a:p>
-        </p:txBody>
-      </p:sp>
-      <p:sp>
-        <p:nvSpPr>
-          <p:cNvPr id="6" name="Footer Placeholder 5"/>
-          <p:cNvSpPr>
-            <a:spLocks noGrp="1"/>
-          </p:cNvSpPr>
-          <p:nvPr>
-            <p:ph type="ftr" sz="quarter" idx="12"/>
-          </p:nvPr>
-        </p:nvSpPr>
-        <p:spPr/>
-        <p:txBody>
-          <a:bodyPr/>
-          <a:lstStyle/>
-          <a:p>
-            <a:pPr algn="l" defTabSz="914400">
-              <a:buNone/>
-            </a:pPr>
-            <a:r>
-              <a:rPr lang="en-US" sz="1200" b="0" i="0">
-                <a:solidFill>
-                  <a:srgbClr val="000000"/>
-                </a:solidFill>
-                <a:latin typeface="Calibri"/>
-                <a:ea typeface="+mn-ea"/>
-                <a:cs typeface="+mn-cs"/>
-              </a:rPr>
-              <a:t>© 2007 Microsoft Corporation. Alle Rechte vorbehalten. Microsoft, Windows, Windows Vista und andere Produktnamen sind möglicherweise eingetragene Marken oder Marken in den USA und/oder anderen Ländern/Regionen.</a:t>
-            </a:r>
-          </a:p>
-          <a:p>
-            <a:pPr algn="l" defTabSz="914400">
-              <a:buNone/>
-            </a:pPr>
-            <a:r>
-              <a:rPr lang="en-US" sz="1200" b="0" i="0">
-                <a:solidFill>
-                  <a:srgbClr val="000000"/>
-                </a:solidFill>
-                <a:latin typeface="Calibri"/>
-                <a:ea typeface="+mn-ea"/>
-                <a:cs typeface="+mn-cs"/>
-              </a:rPr>
-              <a:t>Diese Angaben dienen nur zu Informationszwecken und entsprechen dem aktuellen Sachstand der Microsoft Corporation zum Erstellungsdatum dieser Präsentation.  Da Microsoft auf die sich ständig ändernden Marktanforderungen reagieren muss, sollten die Angaben nicht als Verpflichtung seitens Microsoft angesehen werden, und Microsoft übernimmt keine Garantie für die Genauigkeit der Angaben nach dem Datum dieser Präsentation.  </a:t>
-            </a:r>
-            <a:br>
-              <a:rPr lang="en-US" sz="1200" b="0" i="0">
-                <a:solidFill>
-                  <a:srgbClr val="000000"/>
-                </a:solidFill>
-                <a:latin typeface="Calibri"/>
-                <a:ea typeface="+mn-ea"/>
-                <a:cs typeface="+mn-cs"/>
-              </a:rPr>
-            </a:br>
-            <a:r>
-              <a:rPr lang="en-US" sz="1200" b="0" i="0">
-                <a:solidFill>
-                  <a:srgbClr val="000000"/>
-                </a:solidFill>
-                <a:latin typeface="Calibri"/>
-                <a:ea typeface="+mn-ea"/>
-                <a:cs typeface="+mn-cs"/>
-              </a:rPr>
-              <a:t>MICROSOFT MAKES NO WARRANTIES, EXPRESS, IMPLIED OR STATUTORY, AS TO THE INFORMATION IN THIS PRESENTATION.</a:t>
-            </a:r>
-          </a:p>
-          <a:p>
-            <a:pPr algn="l" defTabSz="914400">
-              <a:buNone/>
-            </a:pPr>
-            <a:endParaRPr lang="en-US" dirty="0" smtClean="0"/>
-          </a:p>
-        </p:txBody>
-      </p:sp>
-      <p:sp>
-        <p:nvSpPr>
-          <p:cNvPr id="7" name="Slide Number Placeholder 6"/>
-          <p:cNvSpPr>
-            <a:spLocks noGrp="1"/>
-          </p:cNvSpPr>
-          <p:nvPr>
-            <p:ph type="sldNum" sz="quarter" idx="13"/>
-          </p:nvPr>
-        </p:nvSpPr>
-        <p:spPr/>
-        <p:txBody>
-          <a:bodyPr/>
-          <a:lstStyle/>
-          <a:p>
-            <a:pPr algn="r" defTabSz="914400">
-              <a:buNone/>
-            </a:pPr>
-            <a:fld id="{EC87E0CF-87F6-4B58-B8B8-DCAB2DAAF3CA}" type="slidenum">
-              <a:rPr lang="en-US" sz="1200" b="0" i="0">
-                <a:latin typeface="Calibri"/>
-                <a:ea typeface="+mn-ea"/>
-                <a:cs typeface="+mn-cs"/>
-              </a:rPr>
-              <a:pPr algn="r" defTabSz="914400">
-                <a:buNone/>
-              </a:pPr>
-              <a:t>31</a:t>
-            </a:fld>
-            <a:endParaRPr lang="en-US" sz="1200" b="0" i="0">
-              <a:latin typeface="Calibri"/>
-              <a:ea typeface="+mn-ea"/>
-              <a:cs typeface="+mn-cs"/>
-            </a:endParaRPr>
-          </a:p>
-        </p:txBody>
-      </p:sp>
-    </p:spTree>
-    <p:extLst>
-      <p:ext uri="{BB962C8B-B14F-4D97-AF65-F5344CB8AC3E}">
-        <p14:creationId xmlns:p14="http://schemas.microsoft.com/office/powerpoint/2010/main" val="3009110784"/>
-      </p:ext>
-    </p:extLst>
-  </p:cSld>
-  <p:clrMapOvr>
-    <a:masterClrMapping/>
-  </p:clrMapOvr>
-</p:notes>
-</file>
-
-<file path=ppt/notesSlides/notesSlide15.xml><?xml version="1.0" encoding="utf-8"?>
-<p:notes xmlns:a="http://schemas.openxmlformats.org/drawingml/2006/main" xmlns:r="http://schemas.openxmlformats.org/officeDocument/2006/relationships" xmlns:p="http://schemas.openxmlformats.org/presentationml/2006/main">
-  <p:cSld>
-    <p:spTree>
-      <p:nvGrpSpPr>
-        <p:cNvPr id="1" name=""/>
-        <p:cNvGrpSpPr/>
-        <p:nvPr/>
-      </p:nvGrpSpPr>
-      <p:grpSpPr>
-        <a:xfrm>
-          <a:off x="0" y="0"/>
-          <a:ext cx="0" cy="0"/>
-          <a:chOff x="0" y="0"/>
-          <a:chExt cx="0" cy="0"/>
-        </a:xfrm>
-      </p:grpSpPr>
-      <p:sp>
-        <p:nvSpPr>
-          <p:cNvPr id="2" name="Slide Image Placeholder 1"/>
-          <p:cNvSpPr>
-            <a:spLocks noGrp="1" noRot="1" noChangeAspect="1"/>
-          </p:cNvSpPr>
-          <p:nvPr>
-            <p:ph type="sldImg"/>
-          </p:nvPr>
-        </p:nvSpPr>
-        <p:spPr/>
-      </p:sp>
-      <p:sp>
-        <p:nvSpPr>
-          <p:cNvPr id="3" name="Notes Placeholder 2"/>
-          <p:cNvSpPr>
-            <a:spLocks noGrp="1"/>
-          </p:cNvSpPr>
-          <p:nvPr>
-            <p:ph type="body" idx="1"/>
-          </p:nvPr>
-        </p:nvSpPr>
-        <p:spPr/>
-        <p:txBody>
-          <a:bodyPr>
-            <a:normAutofit/>
-          </a:bodyPr>
-          <a:lstStyle/>
-          <a:p>
-            <a:endParaRPr lang="en-US"/>
-          </a:p>
-        </p:txBody>
-      </p:sp>
-      <p:sp>
-        <p:nvSpPr>
-          <p:cNvPr id="4" name="Slide Number Placeholder 3"/>
-          <p:cNvSpPr>
-            <a:spLocks noGrp="1"/>
-          </p:cNvSpPr>
-          <p:nvPr>
-            <p:ph type="sldNum" sz="quarter" idx="10"/>
-          </p:nvPr>
-        </p:nvSpPr>
-        <p:spPr/>
-        <p:txBody>
-          <a:bodyPr/>
-          <a:lstStyle/>
-          <a:p>
-            <a:pPr algn="r" defTabSz="914400">
-              <a:buNone/>
-            </a:pPr>
-            <a:fld id="{8B263312-38AA-4E1E-B2B5-0F8F122B24FE}" type="slidenum">
-              <a:rPr lang="en-US" sz="1200" b="0" i="0">
-                <a:latin typeface="Calibri"/>
-                <a:ea typeface="+mn-ea"/>
-                <a:cs typeface="+mn-cs"/>
-              </a:rPr>
-              <a:pPr algn="r" defTabSz="914400">
-                <a:buNone/>
-              </a:pPr>
-              <a:t>32</a:t>
-            </a:fld>
-            <a:endParaRPr lang="en-US" sz="1200" b="0" i="0">
-              <a:latin typeface="Calibri"/>
-              <a:ea typeface="+mn-ea"/>
-              <a:cs typeface="+mn-cs"/>
-            </a:endParaRPr>
-          </a:p>
-        </p:txBody>
-      </p:sp>
-    </p:spTree>
-    <p:extLst>
-      <p:ext uri="{BB962C8B-B14F-4D97-AF65-F5344CB8AC3E}">
-        <p14:creationId xmlns:p14="http://schemas.microsoft.com/office/powerpoint/2010/main" val="4134735546"/>
-      </p:ext>
-    </p:extLst>
-  </p:cSld>
-  <p:clrMapOvr>
-    <a:masterClrMapping/>
-  </p:clrMapOvr>
-</p:notes>
-</file>
-
-<file path=ppt/notesSlides/notesSlide16.xml><?xml version="1.0" encoding="utf-8"?>
-<p:notes xmlns:a="http://schemas.openxmlformats.org/drawingml/2006/main" xmlns:r="http://schemas.openxmlformats.org/officeDocument/2006/relationships" xmlns:p="http://schemas.openxmlformats.org/presentationml/2006/main">
-  <p:cSld>
-    <p:spTree>
-      <p:nvGrpSpPr>
-        <p:cNvPr id="1" name=""/>
-        <p:cNvGrpSpPr/>
-        <p:nvPr/>
-      </p:nvGrpSpPr>
-      <p:grpSpPr>
-        <a:xfrm>
-          <a:off x="0" y="0"/>
-          <a:ext cx="0" cy="0"/>
-          <a:chOff x="0" y="0"/>
-          <a:chExt cx="0" cy="0"/>
-        </a:xfrm>
-      </p:grpSpPr>
-      <p:sp>
-        <p:nvSpPr>
-          <p:cNvPr id="2" name="Slide Image Placeholder 1"/>
-          <p:cNvSpPr>
-            <a:spLocks noGrp="1" noRot="1" noChangeAspect="1"/>
-          </p:cNvSpPr>
-          <p:nvPr>
-            <p:ph type="sldImg"/>
-          </p:nvPr>
-        </p:nvSpPr>
-        <p:spPr/>
-      </p:sp>
-      <p:sp>
-        <p:nvSpPr>
-          <p:cNvPr id="3" name="Notes Placeholder 2"/>
-          <p:cNvSpPr>
-            <a:spLocks noGrp="1"/>
-          </p:cNvSpPr>
-          <p:nvPr>
-            <p:ph type="body" idx="1"/>
-          </p:nvPr>
-        </p:nvSpPr>
-        <p:spPr/>
-        <p:txBody>
-          <a:bodyPr>
-            <a:normAutofit/>
-          </a:bodyPr>
-          <a:lstStyle/>
-          <a:p>
-            <a:endParaRPr lang="en-US"/>
-          </a:p>
-        </p:txBody>
-      </p:sp>
-      <p:sp>
-        <p:nvSpPr>
-          <p:cNvPr id="4" name="Header Placeholder 3"/>
-          <p:cNvSpPr>
-            <a:spLocks noGrp="1"/>
-          </p:cNvSpPr>
-          <p:nvPr>
-            <p:ph type="hdr" sz="quarter" idx="10"/>
-          </p:nvPr>
-        </p:nvSpPr>
-        <p:spPr/>
-        <p:txBody>
-          <a:bodyPr/>
-          <a:lstStyle/>
-          <a:p>
-            <a:endParaRPr lang="en-US" dirty="0"/>
-          </a:p>
-        </p:txBody>
-      </p:sp>
-      <p:sp>
-        <p:nvSpPr>
-          <p:cNvPr id="5" name="Date Placeholder 4"/>
-          <p:cNvSpPr>
-            <a:spLocks noGrp="1"/>
-          </p:cNvSpPr>
-          <p:nvPr>
-            <p:ph type="dt" idx="11"/>
-          </p:nvPr>
-        </p:nvSpPr>
-        <p:spPr/>
-        <p:txBody>
-          <a:bodyPr/>
-          <a:lstStyle/>
-          <a:p>
-            <a:pPr algn="r" defTabSz="914400">
-              <a:buNone/>
-            </a:pPr>
-            <a:fld id="{81331B57-0BE5-4F82-AA58-76F53EFF3ADA}" type="datetime8">
-              <a:rPr lang="en-US" sz="1200" b="0" i="0">
-                <a:latin typeface="Calibri"/>
-                <a:ea typeface="+mn-ea"/>
-                <a:cs typeface="+mn-cs"/>
-              </a:rPr>
-              <a:pPr algn="r" defTabSz="914400">
-                <a:buNone/>
-              </a:pPr>
-              <a:t>1/26/2015 7:46 PM</a:t>
-            </a:fld>
-            <a:endParaRPr lang="en-US" sz="1200" b="0" i="0">
-              <a:latin typeface="Calibri"/>
-              <a:ea typeface="+mn-ea"/>
-              <a:cs typeface="+mn-cs"/>
-            </a:endParaRPr>
-          </a:p>
-        </p:txBody>
-      </p:sp>
-      <p:sp>
-        <p:nvSpPr>
-          <p:cNvPr id="6" name="Footer Placeholder 5"/>
-          <p:cNvSpPr>
-            <a:spLocks noGrp="1"/>
-          </p:cNvSpPr>
-          <p:nvPr>
-            <p:ph type="ftr" sz="quarter" idx="12"/>
-          </p:nvPr>
-        </p:nvSpPr>
-        <p:spPr/>
-        <p:txBody>
-          <a:bodyPr/>
-          <a:lstStyle/>
-          <a:p>
-            <a:pPr algn="l" defTabSz="914400">
-              <a:buNone/>
-            </a:pPr>
-            <a:r>
-              <a:rPr lang="en-US" sz="1200" b="0" i="0">
-                <a:solidFill>
-                  <a:srgbClr val="000000"/>
-                </a:solidFill>
-                <a:latin typeface="Calibri"/>
-                <a:ea typeface="+mn-ea"/>
-                <a:cs typeface="+mn-cs"/>
-              </a:rPr>
-              <a:t>© 2007 Microsoft Corporation. Alle Rechte vorbehalten. Microsoft, Windows, Windows Vista und andere Produktnamen sind möglicherweise eingetragene Marken oder Marken in den USA und/oder anderen Ländern/Regionen.</a:t>
-            </a:r>
-          </a:p>
-          <a:p>
-            <a:pPr algn="l" defTabSz="914400">
-              <a:buNone/>
-            </a:pPr>
-            <a:r>
-              <a:rPr lang="en-US" sz="1200" b="0" i="0">
-                <a:solidFill>
-                  <a:srgbClr val="000000"/>
-                </a:solidFill>
-                <a:latin typeface="Calibri"/>
-                <a:ea typeface="+mn-ea"/>
-                <a:cs typeface="+mn-cs"/>
-              </a:rPr>
-              <a:t>Diese Angaben dienen nur zu Informationszwecken und entsprechen dem aktuellen Sachstand der Microsoft Corporation zum Erstellungsdatum dieser Präsentation.  Da Microsoft auf die sich ständig ändernden Marktanforderungen reagieren muss, sollten die Angaben nicht als Verpflichtung seitens Microsoft angesehen werden, und Microsoft übernimmt keine Garantie für die Genauigkeit der Angaben nach dem Datum dieser Präsentation.  </a:t>
-            </a:r>
-            <a:br>
-              <a:rPr lang="en-US" sz="1200" b="0" i="0">
-                <a:solidFill>
-                  <a:srgbClr val="000000"/>
-                </a:solidFill>
-                <a:latin typeface="Calibri"/>
-                <a:ea typeface="+mn-ea"/>
-                <a:cs typeface="+mn-cs"/>
-              </a:rPr>
-            </a:br>
-            <a:r>
-              <a:rPr lang="en-US" sz="1200" b="0" i="0">
-                <a:solidFill>
-                  <a:srgbClr val="000000"/>
-                </a:solidFill>
-                <a:latin typeface="Calibri"/>
-                <a:ea typeface="+mn-ea"/>
-                <a:cs typeface="+mn-cs"/>
-              </a:rPr>
-              <a:t>MICROSOFT MAKES NO WARRANTIES, EXPRESS, IMPLIED OR STATUTORY, AS TO THE INFORMATION IN THIS PRESENTATION.</a:t>
-            </a:r>
-          </a:p>
-          <a:p>
-            <a:pPr algn="l" defTabSz="914400">
-              <a:buNone/>
-            </a:pPr>
-            <a:endParaRPr lang="en-US" dirty="0" smtClean="0"/>
-          </a:p>
-        </p:txBody>
-      </p:sp>
-      <p:sp>
-        <p:nvSpPr>
-          <p:cNvPr id="7" name="Slide Number Placeholder 6"/>
-          <p:cNvSpPr>
-            <a:spLocks noGrp="1"/>
-          </p:cNvSpPr>
-          <p:nvPr>
-            <p:ph type="sldNum" sz="quarter" idx="13"/>
-          </p:nvPr>
-        </p:nvSpPr>
-        <p:spPr/>
-        <p:txBody>
-          <a:bodyPr/>
-          <a:lstStyle/>
-          <a:p>
-            <a:pPr algn="r" defTabSz="914400">
-              <a:buNone/>
-            </a:pPr>
-            <a:fld id="{EC87E0CF-87F6-4B58-B8B8-DCAB2DAAF3CA}" type="slidenum">
-              <a:rPr lang="en-US" sz="1200" b="0" i="0">
-                <a:latin typeface="Calibri"/>
-                <a:ea typeface="+mn-ea"/>
-                <a:cs typeface="+mn-cs"/>
-              </a:rPr>
-              <a:pPr algn="r" defTabSz="914400">
-                <a:buNone/>
-              </a:pPr>
-              <a:t>33</a:t>
-            </a:fld>
-            <a:endParaRPr lang="en-US" sz="1200" b="0" i="0">
-              <a:latin typeface="Calibri"/>
-              <a:ea typeface="+mn-ea"/>
-              <a:cs typeface="+mn-cs"/>
-            </a:endParaRPr>
-          </a:p>
-        </p:txBody>
-      </p:sp>
-    </p:spTree>
-    <p:extLst>
-      <p:ext uri="{BB962C8B-B14F-4D97-AF65-F5344CB8AC3E}">
-        <p14:creationId xmlns:p14="http://schemas.microsoft.com/office/powerpoint/2010/main" val="526236491"/>
       </p:ext>
     </p:extLst>
   </p:cSld>
@@ -5970,7 +4547,7 @@
             <a:fld id="{E25655AF-C603-43CA-9AB9-46F21F484485}" type="slidenum">
               <a:rPr lang="en-US" smtClean="0"/>
               <a:pPr/>
-              <a:t>11</a:t>
+              <a:t>12</a:t>
             </a:fld>
             <a:endParaRPr lang="en-US"/>
           </a:p>
@@ -6097,7 +4674,7 @@
             <a:fld id="{E25655AF-C603-43CA-9AB9-46F21F484485}" type="slidenum">
               <a:rPr lang="en-US" smtClean="0"/>
               <a:pPr/>
-              <a:t>12</a:t>
+              <a:t>13</a:t>
             </a:fld>
             <a:endParaRPr lang="en-US"/>
           </a:p>
@@ -6224,7 +4801,7 @@
             <a:fld id="{E25655AF-C603-43CA-9AB9-46F21F484485}" type="slidenum">
               <a:rPr lang="en-US" smtClean="0"/>
               <a:pPr/>
-              <a:t>13</a:t>
+              <a:t>14</a:t>
             </a:fld>
             <a:endParaRPr lang="en-US"/>
           </a:p>
@@ -6351,7 +4928,7 @@
             <a:fld id="{E25655AF-C603-43CA-9AB9-46F21F484485}" type="slidenum">
               <a:rPr lang="en-US" smtClean="0"/>
               <a:pPr/>
-              <a:t>14</a:t>
+              <a:t>15</a:t>
             </a:fld>
             <a:endParaRPr lang="en-US"/>
           </a:p>
@@ -6478,7 +5055,7 @@
             <a:fld id="{E25655AF-C603-43CA-9AB9-46F21F484485}" type="slidenum">
               <a:rPr lang="en-US" smtClean="0"/>
               <a:pPr/>
-              <a:t>15</a:t>
+              <a:t>16</a:t>
             </a:fld>
             <a:endParaRPr lang="en-US"/>
           </a:p>
@@ -6605,7 +5182,7 @@
             <a:fld id="{E25655AF-C603-43CA-9AB9-46F21F484485}" type="slidenum">
               <a:rPr lang="en-US" smtClean="0"/>
               <a:pPr/>
-              <a:t>16</a:t>
+              <a:t>17</a:t>
             </a:fld>
             <a:endParaRPr lang="en-US"/>
           </a:p>
@@ -6732,7 +5309,7 @@
             <a:fld id="{E25655AF-C603-43CA-9AB9-46F21F484485}" type="slidenum">
               <a:rPr lang="en-US" smtClean="0"/>
               <a:pPr/>
-              <a:t>17</a:t>
+              <a:t>18</a:t>
             </a:fld>
             <a:endParaRPr lang="en-US"/>
           </a:p>
@@ -6859,7 +5436,7 @@
             <a:fld id="{E25655AF-C603-43CA-9AB9-46F21F484485}" type="slidenum">
               <a:rPr lang="en-US" smtClean="0"/>
               <a:pPr/>
-              <a:t>18</a:t>
+              <a:t>19</a:t>
             </a:fld>
             <a:endParaRPr lang="en-US"/>
           </a:p>
@@ -10641,7 +9218,7 @@
           <a:p>
             <a:r>
               <a:rPr lang="de-DE" dirty="0" smtClean="0"/>
-              <a:t>4. Vorgehen</a:t>
+              <a:t>Inhalt</a:t>
             </a:r>
             <a:endParaRPr lang="de-DE" dirty="0"/>
           </a:p>
@@ -10659,60 +9236,93 @@
         </p:nvSpPr>
         <p:spPr>
           <a:xfrm>
-            <a:off x="179512" y="1772816"/>
-            <a:ext cx="8763000" cy="3594830"/>
+            <a:off x="381000" y="1847430"/>
+            <a:ext cx="8382000" cy="4302716"/>
           </a:xfrm>
         </p:spPr>
         <p:txBody>
           <a:bodyPr/>
           <a:lstStyle/>
           <a:p>
-            <a:r>
-              <a:rPr lang="de-DE" dirty="0" err="1" smtClean="0"/>
-              <a:t>Kickoff</a:t>
-            </a:r>
+            <a:pPr marL="514350" indent="-514350">
+              <a:buFont typeface="+mj-lt"/>
+              <a:buAutoNum type="arabicPeriod"/>
+            </a:pPr>
+            <a:r>
+              <a:rPr lang="de-DE" dirty="0"/>
+              <a:t>Das Team</a:t>
+            </a:r>
+          </a:p>
+          <a:p>
+            <a:pPr marL="514350" indent="-514350">
+              <a:buFont typeface="+mj-lt"/>
+              <a:buAutoNum type="arabicPeriod"/>
+            </a:pPr>
+            <a:r>
+              <a:rPr lang="de-DE" dirty="0"/>
+              <a:t>Unser Thema</a:t>
+            </a:r>
+          </a:p>
+          <a:p>
+            <a:pPr marL="514350" indent="-514350">
+              <a:buFont typeface="+mj-lt"/>
+              <a:buAutoNum type="arabicPeriod"/>
+            </a:pPr>
+            <a:r>
+              <a:rPr lang="de-DE" dirty="0"/>
+              <a:t>Anforderungen</a:t>
+            </a:r>
+          </a:p>
+          <a:p>
+            <a:pPr marL="514350" indent="-514350">
+              <a:buFont typeface="+mj-lt"/>
+              <a:buAutoNum type="arabicPeriod"/>
+            </a:pPr>
+            <a:r>
+              <a:rPr lang="de-DE" sz="3600" b="1" dirty="0"/>
+              <a:t>Vorgehen</a:t>
+            </a:r>
+          </a:p>
+          <a:p>
+            <a:pPr marL="514350" indent="-514350">
+              <a:buFont typeface="+mj-lt"/>
+              <a:buAutoNum type="arabicPeriod"/>
+            </a:pPr>
+            <a:r>
+              <a:rPr lang="de-DE" dirty="0"/>
+              <a:t>Herausforderungen</a:t>
+            </a:r>
+          </a:p>
+          <a:p>
+            <a:pPr marL="514350" indent="-514350">
+              <a:buFont typeface="+mj-lt"/>
+              <a:buAutoNum type="arabicPeriod"/>
+            </a:pPr>
+            <a:r>
+              <a:rPr lang="de-DE" dirty="0"/>
+              <a:t>Ergebnis</a:t>
+            </a:r>
+          </a:p>
+          <a:p>
+            <a:pPr marL="514350" indent="-514350">
+              <a:buFont typeface="+mj-lt"/>
+              <a:buAutoNum type="arabicPeriod"/>
+            </a:pPr>
+            <a:r>
+              <a:rPr lang="de-DE" dirty="0"/>
+              <a:t>Reflektion</a:t>
+            </a:r>
+          </a:p>
+          <a:p>
+            <a:pPr marL="514350" indent="-514350">
+              <a:buFont typeface="+mj-lt"/>
+              <a:buAutoNum type="arabicPeriod"/>
+            </a:pPr>
             <a:r>
               <a:rPr lang="de-DE" dirty="0" smtClean="0"/>
-              <a:t> am 28.11.2014</a:t>
-            </a:r>
-          </a:p>
-          <a:p>
-            <a:r>
-              <a:rPr lang="de-DE" dirty="0" smtClean="0"/>
-              <a:t>Prototyp bis zum 18.12.2014</a:t>
-            </a:r>
-          </a:p>
-          <a:p>
-            <a:r>
-              <a:rPr lang="de-DE" dirty="0" smtClean="0"/>
-              <a:t>Vertikaler Prototyp bis zum </a:t>
-            </a:r>
-            <a:r>
-              <a:rPr lang="de-DE" b="1" dirty="0" smtClean="0"/>
-              <a:t>13.01.2015</a:t>
-            </a:r>
-          </a:p>
-          <a:p>
-            <a:r>
-              <a:rPr lang="de-DE" dirty="0" smtClean="0"/>
-              <a:t>Finale Version bis zum 26.01.2015</a:t>
-            </a:r>
-          </a:p>
-          <a:p>
-            <a:r>
-              <a:rPr lang="de-DE" dirty="0" smtClean="0"/>
-              <a:t>Vorbereitung der Präsentation bis zum 30.01.2015</a:t>
-            </a:r>
-          </a:p>
-          <a:p>
-            <a:r>
-              <a:rPr lang="de-DE" dirty="0" smtClean="0"/>
-              <a:t>Projektvorstellung am </a:t>
-            </a:r>
-            <a:r>
-              <a:rPr lang="de-DE" b="1" dirty="0" smtClean="0"/>
-              <a:t>30.01.2015</a:t>
-            </a:r>
+              <a:t>Rückmeldung</a:t>
+            </a:r>
+            <a:endParaRPr lang="de-DE" dirty="0"/>
           </a:p>
         </p:txBody>
       </p:sp>
@@ -10755,10 +9365,10 @@
           <a:lstStyle/>
           <a:p>
             <a:r>
-              <a:rPr lang="de-DE" dirty="0" smtClean="0"/>
+              <a:rPr lang="de-DE" smtClean="0"/>
               <a:t>Team Schwarz | IBT: Essential Blog</a:t>
             </a:r>
-            <a:endParaRPr lang="de-DE" dirty="0"/>
+            <a:endParaRPr lang="de-DE"/>
           </a:p>
         </p:txBody>
       </p:sp>
@@ -10789,7 +9399,7 @@
     </p:spTree>
     <p:extLst>
       <p:ext uri="{BB962C8B-B14F-4D97-AF65-F5344CB8AC3E}">
-        <p14:creationId xmlns:p14="http://schemas.microsoft.com/office/powerpoint/2010/main" val="2261671502"/>
+        <p14:creationId xmlns:p14="http://schemas.microsoft.com/office/powerpoint/2010/main" val="1788390056"/>
       </p:ext>
     </p:extLst>
   </p:cSld>
@@ -10828,6 +9438,111 @@
       </p:grpSpPr>
       <p:sp>
         <p:nvSpPr>
+          <p:cNvPr id="2" name="Titel 1"/>
+          <p:cNvSpPr>
+            <a:spLocks noGrp="1"/>
+          </p:cNvSpPr>
+          <p:nvPr>
+            <p:ph type="title"/>
+          </p:nvPr>
+        </p:nvSpPr>
+        <p:spPr>
+          <a:xfrm>
+            <a:off x="381000" y="908720"/>
+            <a:ext cx="8382000" cy="664797"/>
+          </a:xfrm>
+        </p:spPr>
+        <p:txBody>
+          <a:bodyPr/>
+          <a:lstStyle/>
+          <a:p>
+            <a:r>
+              <a:rPr lang="de-DE" dirty="0" smtClean="0"/>
+              <a:t>4. Vorgehen</a:t>
+            </a:r>
+            <a:endParaRPr lang="de-DE" dirty="0"/>
+          </a:p>
+        </p:txBody>
+      </p:sp>
+      <p:sp>
+        <p:nvSpPr>
+          <p:cNvPr id="3" name="Textplatzhalter 2"/>
+          <p:cNvSpPr>
+            <a:spLocks noGrp="1"/>
+          </p:cNvSpPr>
+          <p:nvPr>
+            <p:ph type="body" sz="quarter" idx="10"/>
+          </p:nvPr>
+        </p:nvSpPr>
+        <p:spPr>
+          <a:xfrm>
+            <a:off x="179512" y="1772816"/>
+            <a:ext cx="8763000" cy="3151632"/>
+          </a:xfrm>
+        </p:spPr>
+        <p:txBody>
+          <a:bodyPr/>
+          <a:lstStyle/>
+          <a:p>
+            <a:r>
+              <a:rPr lang="de-DE" dirty="0" smtClean="0"/>
+              <a:t>Kick-Off </a:t>
+            </a:r>
+            <a:r>
+              <a:rPr lang="de-DE" dirty="0" smtClean="0"/>
+              <a:t>am 28.11.2014</a:t>
+            </a:r>
+          </a:p>
+          <a:p>
+            <a:r>
+              <a:rPr lang="de-DE" dirty="0" smtClean="0"/>
+              <a:t>Prototyp bis zum 18.12.2014</a:t>
+            </a:r>
+          </a:p>
+          <a:p>
+            <a:r>
+              <a:rPr lang="de-DE" dirty="0" smtClean="0"/>
+              <a:t>Vertikaler </a:t>
+            </a:r>
+            <a:r>
+              <a:rPr lang="de-DE" dirty="0" smtClean="0"/>
+              <a:t>Durchstich bis </a:t>
+            </a:r>
+            <a:r>
+              <a:rPr lang="de-DE" dirty="0" smtClean="0"/>
+              <a:t>zum </a:t>
+            </a:r>
+            <a:r>
+              <a:rPr lang="de-DE" b="1" dirty="0" smtClean="0"/>
+              <a:t>13.01.2015</a:t>
+            </a:r>
+          </a:p>
+          <a:p>
+            <a:r>
+              <a:rPr lang="de-DE" dirty="0" smtClean="0"/>
+              <a:t>Finale Version bis zum 26.01.2015</a:t>
+            </a:r>
+          </a:p>
+          <a:p>
+            <a:r>
+              <a:rPr lang="de-DE" dirty="0" smtClean="0"/>
+              <a:t>Vorbereitung der Präsentation bis zum 30.01.2015</a:t>
+            </a:r>
+          </a:p>
+          <a:p>
+            <a:r>
+              <a:rPr lang="de-DE" dirty="0" smtClean="0"/>
+              <a:t>Projektvorstellung am </a:t>
+            </a:r>
+            <a:r>
+              <a:rPr lang="de-DE" b="1" dirty="0" smtClean="0"/>
+              <a:t>30.01.2015</a:t>
+            </a:r>
+          </a:p>
+        </p:txBody>
+      </p:sp>
+      <p:sp>
+        <p:nvSpPr>
           <p:cNvPr id="4" name="Datumsplatzhalter 3"/>
           <p:cNvSpPr>
             <a:spLocks noGrp="1"/>
@@ -10865,10 +9580,10 @@
           <a:lstStyle/>
           <a:p>
             <a:r>
-              <a:rPr lang="de-DE" smtClean="0"/>
+              <a:rPr lang="de-DE" dirty="0" smtClean="0"/>
               <a:t>Team Schwarz | IBT: Essential Blog</a:t>
             </a:r>
-            <a:endParaRPr lang="de-DE"/>
+            <a:endParaRPr lang="de-DE" dirty="0"/>
           </a:p>
         </p:txBody>
       </p:sp>
@@ -10893,192 +9608,6 @@
               <a:t>11</a:t>
             </a:fld>
             <a:endParaRPr lang="de-DE"/>
-          </a:p>
-        </p:txBody>
-      </p:sp>
-      <p:sp>
-        <p:nvSpPr>
-          <p:cNvPr id="9" name="Pfeil nach rechts 8"/>
-          <p:cNvSpPr/>
-          <p:nvPr/>
-        </p:nvSpPr>
-        <p:spPr bwMode="auto">
-          <a:xfrm>
-            <a:off x="395536" y="2852936"/>
-            <a:ext cx="8352928" cy="1080120"/>
-          </a:xfrm>
-          <a:prstGeom prst="rightArrow">
-            <a:avLst/>
-          </a:prstGeom>
-          <a:ln>
-            <a:headEnd type="none" w="med" len="med"/>
-            <a:tailEnd type="none" w="med" len="med"/>
-          </a:ln>
-        </p:spPr>
-        <p:style>
-          <a:lnRef idx="2">
-            <a:schemeClr val="accent2">
-              <a:shade val="50000"/>
-            </a:schemeClr>
-          </a:lnRef>
-          <a:fillRef idx="1">
-            <a:schemeClr val="accent2"/>
-          </a:fillRef>
-          <a:effectRef idx="0">
-            <a:schemeClr val="accent2"/>
-          </a:effectRef>
-          <a:fontRef idx="minor">
-            <a:schemeClr val="lt1"/>
-          </a:fontRef>
-        </p:style>
-        <p:txBody>
-          <a:bodyPr vert="horz" wrap="square" lIns="91436" tIns="45718" rIns="91436" bIns="45718" numCol="1" rtlCol="0" anchor="ctr" anchorCtr="0" compatLnSpc="1">
-            <a:prstTxWarp prst="textNoShape">
-              <a:avLst/>
-            </a:prstTxWarp>
-          </a:bodyPr>
-          <a:lstStyle/>
-          <a:p>
-            <a:pPr algn="ctr" defTabSz="914099" fontAlgn="base">
-              <a:spcBef>
-                <a:spcPct val="0"/>
-              </a:spcBef>
-              <a:spcAft>
-                <a:spcPct val="0"/>
-              </a:spcAft>
-            </a:pPr>
-            <a:endParaRPr lang="de-DE" sz="2300" dirty="0" smtClean="0">
-              <a:solidFill>
-                <a:schemeClr val="tx1"/>
-              </a:solidFill>
-              <a:latin typeface="Segoe" pitchFamily="34" charset="0"/>
-            </a:endParaRPr>
-          </a:p>
-        </p:txBody>
-      </p:sp>
-      <p:sp>
-        <p:nvSpPr>
-          <p:cNvPr id="10" name="Textfeld 9"/>
-          <p:cNvSpPr txBox="1"/>
-          <p:nvPr/>
-        </p:nvSpPr>
-        <p:spPr>
-          <a:xfrm>
-            <a:off x="467544" y="4653136"/>
-            <a:ext cx="8208912" cy="1200329"/>
-          </a:xfrm>
-          <a:prstGeom prst="rect">
-            <a:avLst/>
-          </a:prstGeom>
-          <a:noFill/>
-        </p:spPr>
-        <p:txBody>
-          <a:bodyPr wrap="square" rtlCol="0">
-            <a:spAutoFit/>
-          </a:bodyPr>
-          <a:lstStyle/>
-          <a:p>
-            <a:r>
-              <a:rPr lang="de-DE" dirty="0" smtClean="0"/>
-              <a:t>- Entwurf des Datenbankmodells</a:t>
-            </a:r>
-          </a:p>
-          <a:p>
-            <a:r>
-              <a:rPr lang="de-DE" dirty="0" smtClean="0"/>
-              <a:t>- Design des Userinterface</a:t>
-            </a:r>
-          </a:p>
-          <a:p>
-            <a:r>
-              <a:rPr lang="de-DE" dirty="0" smtClean="0"/>
-              <a:t>- Grobdefinition von Arbeitspaketen</a:t>
-            </a:r>
-          </a:p>
-          <a:p>
-            <a:r>
-              <a:rPr lang="de-DE" dirty="0" smtClean="0"/>
-              <a:t>- Zuordnung der Arbeitspakete</a:t>
-            </a:r>
-            <a:endParaRPr lang="de-DE" dirty="0"/>
-          </a:p>
-        </p:txBody>
-      </p:sp>
-      <p:sp>
-        <p:nvSpPr>
-          <p:cNvPr id="11" name="Textfeld 10"/>
-          <p:cNvSpPr txBox="1"/>
-          <p:nvPr/>
-        </p:nvSpPr>
-        <p:spPr>
-          <a:xfrm>
-            <a:off x="395536" y="3933056"/>
-            <a:ext cx="8352928" cy="369332"/>
-          </a:xfrm>
-          <a:prstGeom prst="rect">
-            <a:avLst/>
-          </a:prstGeom>
-          <a:noFill/>
-        </p:spPr>
-        <p:txBody>
-          <a:bodyPr wrap="square" rtlCol="0">
-            <a:spAutoFit/>
-          </a:bodyPr>
-          <a:lstStyle/>
-          <a:p>
-            <a:r>
-              <a:rPr lang="de-DE" b="1" dirty="0" err="1" smtClean="0">
-                <a:solidFill>
-                  <a:srgbClr val="FF0000"/>
-                </a:solidFill>
-              </a:rPr>
-              <a:t>Kickoff</a:t>
-            </a:r>
-            <a:r>
-              <a:rPr lang="de-DE" b="1" dirty="0" smtClean="0">
-                <a:solidFill>
-                  <a:srgbClr val="FF0000"/>
-                </a:solidFill>
-              </a:rPr>
-              <a:t> (Alle)</a:t>
-            </a:r>
-            <a:endParaRPr lang="de-DE" b="1" dirty="0">
-              <a:solidFill>
-                <a:srgbClr val="FF0000"/>
-              </a:solidFill>
-            </a:endParaRPr>
-          </a:p>
-        </p:txBody>
-      </p:sp>
-      <p:sp>
-        <p:nvSpPr>
-          <p:cNvPr id="15" name="Titel 1"/>
-          <p:cNvSpPr>
-            <a:spLocks noGrp="1"/>
-          </p:cNvSpPr>
-          <p:nvPr>
-            <p:ph type="title"/>
-          </p:nvPr>
-        </p:nvSpPr>
-        <p:spPr>
-          <a:xfrm>
-            <a:off x="381000" y="908720"/>
-            <a:ext cx="8382000" cy="664797"/>
-          </a:xfrm>
-        </p:spPr>
-        <p:txBody>
-          <a:bodyPr/>
-          <a:lstStyle/>
-          <a:p>
-            <a:r>
-              <a:rPr lang="de-DE" dirty="0" err="1" smtClean="0"/>
-              <a:t>Kickoff</a:t>
-            </a:r>
-            <a:r>
-              <a:rPr lang="de-DE" dirty="0" smtClean="0"/>
-              <a:t> –&gt; Prototyp</a:t>
-            </a:r>
-            <a:endParaRPr lang="de-DE" dirty="0"/>
           </a:p>
         </p:txBody>
       </p:sp>
@@ -11124,37 +9653,6 @@
       </p:grpSpPr>
       <p:sp>
         <p:nvSpPr>
-          <p:cNvPr id="2" name="Titel 1"/>
-          <p:cNvSpPr>
-            <a:spLocks noGrp="1"/>
-          </p:cNvSpPr>
-          <p:nvPr>
-            <p:ph type="title"/>
-          </p:nvPr>
-        </p:nvSpPr>
-        <p:spPr>
-          <a:xfrm>
-            <a:off x="381000" y="908720"/>
-            <a:ext cx="8382000" cy="1329595"/>
-          </a:xfrm>
-        </p:spPr>
-        <p:txBody>
-          <a:bodyPr/>
-          <a:lstStyle/>
-          <a:p>
-            <a:r>
-              <a:rPr lang="de-DE" dirty="0" smtClean="0"/>
-              <a:t>Aufgabenverteilung</a:t>
-            </a:r>
-            <a:br>
-              <a:rPr lang="de-DE" dirty="0" smtClean="0"/>
-            </a:br>
-            <a:endParaRPr lang="de-DE" dirty="0"/>
-          </a:p>
-        </p:txBody>
-      </p:sp>
-      <p:sp>
-        <p:nvSpPr>
           <p:cNvPr id="4" name="Datumsplatzhalter 3"/>
           <p:cNvSpPr>
             <a:spLocks noGrp="1"/>
@@ -11223,22 +9721,263 @@
           </a:p>
         </p:txBody>
       </p:sp>
-      <p:graphicFrame>
-        <p:nvGraphicFramePr>
-          <p:cNvPr id="8" name="Diagramm 7"/>
-          <p:cNvGraphicFramePr/>
+      <p:sp>
+        <p:nvSpPr>
+          <p:cNvPr id="9" name="Pfeil nach rechts 8"/>
+          <p:cNvSpPr/>
           <p:nvPr/>
-        </p:nvGraphicFramePr>
-        <p:xfrm>
-          <a:off x="1547664" y="1916832"/>
-          <a:ext cx="6096000" cy="4064000"/>
-        </p:xfrm>
-        <a:graphic>
-          <a:graphicData uri="http://schemas.openxmlformats.org/drawingml/2006/diagram">
-            <dgm:relIds xmlns:dgm="http://schemas.openxmlformats.org/drawingml/2006/diagram" xmlns:r="http://schemas.openxmlformats.org/officeDocument/2006/relationships" r:dm="rId3" r:lo="rId4" r:qs="rId5" r:cs="rId6"/>
-          </a:graphicData>
-        </a:graphic>
-      </p:graphicFrame>
+        </p:nvSpPr>
+        <p:spPr bwMode="auto">
+          <a:xfrm>
+            <a:off x="395536" y="2852936"/>
+            <a:ext cx="8352928" cy="1080120"/>
+          </a:xfrm>
+          <a:prstGeom prst="rightArrow">
+            <a:avLst/>
+          </a:prstGeom>
+          <a:ln>
+            <a:headEnd type="none" w="med" len="med"/>
+            <a:tailEnd type="none" w="med" len="med"/>
+          </a:ln>
+        </p:spPr>
+        <p:style>
+          <a:lnRef idx="2">
+            <a:schemeClr val="accent2">
+              <a:shade val="50000"/>
+            </a:schemeClr>
+          </a:lnRef>
+          <a:fillRef idx="1">
+            <a:schemeClr val="accent2"/>
+          </a:fillRef>
+          <a:effectRef idx="0">
+            <a:schemeClr val="accent2"/>
+          </a:effectRef>
+          <a:fontRef idx="minor">
+            <a:schemeClr val="lt1"/>
+          </a:fontRef>
+        </p:style>
+        <p:txBody>
+          <a:bodyPr vert="horz" wrap="square" lIns="91436" tIns="45718" rIns="91436" bIns="45718" numCol="1" rtlCol="0" anchor="ctr" anchorCtr="0" compatLnSpc="1">
+            <a:prstTxWarp prst="textNoShape">
+              <a:avLst/>
+            </a:prstTxWarp>
+          </a:bodyPr>
+          <a:lstStyle/>
+          <a:p>
+            <a:pPr algn="ctr" defTabSz="914099" fontAlgn="base">
+              <a:spcBef>
+                <a:spcPct val="0"/>
+              </a:spcBef>
+              <a:spcAft>
+                <a:spcPct val="0"/>
+              </a:spcAft>
+            </a:pPr>
+            <a:endParaRPr lang="de-DE" sz="2300" dirty="0" smtClean="0">
+              <a:solidFill>
+                <a:schemeClr val="tx1"/>
+              </a:solidFill>
+              <a:latin typeface="Segoe" pitchFamily="34" charset="0"/>
+            </a:endParaRPr>
+          </a:p>
+        </p:txBody>
+      </p:sp>
+      <p:sp>
+        <p:nvSpPr>
+          <p:cNvPr id="10" name="Textfeld 9"/>
+          <p:cNvSpPr txBox="1"/>
+          <p:nvPr/>
+        </p:nvSpPr>
+        <p:spPr>
+          <a:xfrm>
+            <a:off x="467544" y="4653136"/>
+            <a:ext cx="8208912" cy="1200329"/>
+          </a:xfrm>
+          <a:prstGeom prst="rect">
+            <a:avLst/>
+          </a:prstGeom>
+          <a:noFill/>
+        </p:spPr>
+        <p:txBody>
+          <a:bodyPr wrap="square" rtlCol="0">
+            <a:spAutoFit/>
+          </a:bodyPr>
+          <a:lstStyle/>
+          <a:p>
+            <a:r>
+              <a:rPr lang="de-DE" dirty="0" smtClean="0"/>
+              <a:t>- Entwurf des Datenbankmodells</a:t>
+            </a:r>
+          </a:p>
+          <a:p>
+            <a:r>
+              <a:rPr lang="de-DE" dirty="0" smtClean="0"/>
+              <a:t>- Design des Userinterface</a:t>
+            </a:r>
+          </a:p>
+          <a:p>
+            <a:r>
+              <a:rPr lang="de-DE" dirty="0" smtClean="0"/>
+              <a:t>- Grobdefinition von Arbeitspaketen</a:t>
+            </a:r>
+          </a:p>
+          <a:p>
+            <a:r>
+              <a:rPr lang="de-DE" dirty="0" smtClean="0"/>
+              <a:t>- Zuordnung der Arbeitspakete</a:t>
+            </a:r>
+            <a:endParaRPr lang="de-DE" dirty="0"/>
+          </a:p>
+        </p:txBody>
+      </p:sp>
+      <p:sp>
+        <p:nvSpPr>
+          <p:cNvPr id="11" name="Textfeld 10"/>
+          <p:cNvSpPr txBox="1"/>
+          <p:nvPr/>
+        </p:nvSpPr>
+        <p:spPr>
+          <a:xfrm>
+            <a:off x="395536" y="2060848"/>
+            <a:ext cx="8352928" cy="400110"/>
+          </a:xfrm>
+          <a:prstGeom prst="rect">
+            <a:avLst/>
+          </a:prstGeom>
+          <a:noFill/>
+        </p:spPr>
+        <p:txBody>
+          <a:bodyPr wrap="square" rtlCol="0">
+            <a:spAutoFit/>
+          </a:bodyPr>
+          <a:lstStyle/>
+          <a:p>
+            <a:r>
+              <a:rPr lang="de-DE" sz="2000" b="1" dirty="0" smtClean="0">
+                <a:solidFill>
+                  <a:srgbClr val="FF0000"/>
+                </a:solidFill>
+              </a:rPr>
+              <a:t>Kick-Off </a:t>
+            </a:r>
+            <a:r>
+              <a:rPr lang="de-DE" sz="2000" b="1" dirty="0" smtClean="0">
+                <a:solidFill>
+                  <a:srgbClr val="FF0000"/>
+                </a:solidFill>
+              </a:rPr>
+              <a:t>(Alle)</a:t>
+            </a:r>
+            <a:endParaRPr lang="de-DE" sz="2000" b="1" dirty="0">
+              <a:solidFill>
+                <a:srgbClr val="FF0000"/>
+              </a:solidFill>
+            </a:endParaRPr>
+          </a:p>
+        </p:txBody>
+      </p:sp>
+      <p:sp>
+        <p:nvSpPr>
+          <p:cNvPr id="15" name="Titel 1"/>
+          <p:cNvSpPr>
+            <a:spLocks noGrp="1"/>
+          </p:cNvSpPr>
+          <p:nvPr>
+            <p:ph type="title"/>
+          </p:nvPr>
+        </p:nvSpPr>
+        <p:spPr>
+          <a:xfrm>
+            <a:off x="381000" y="908720"/>
+            <a:ext cx="8382000" cy="664797"/>
+          </a:xfrm>
+        </p:spPr>
+        <p:txBody>
+          <a:bodyPr/>
+          <a:lstStyle/>
+          <a:p>
+            <a:r>
+              <a:rPr lang="de-DE" dirty="0" smtClean="0"/>
+              <a:t>Kick-Off </a:t>
+            </a:r>
+            <a:r>
+              <a:rPr lang="de-DE" dirty="0" smtClean="0"/>
+              <a:t>–&gt; Prototyp</a:t>
+            </a:r>
+            <a:endParaRPr lang="de-DE" dirty="0"/>
+          </a:p>
+        </p:txBody>
+      </p:sp>
+      <p:sp>
+        <p:nvSpPr>
+          <p:cNvPr id="2" name="Rechteck 1"/>
+          <p:cNvSpPr/>
+          <p:nvPr/>
+        </p:nvSpPr>
+        <p:spPr bwMode="auto">
+          <a:xfrm>
+            <a:off x="381000" y="3112396"/>
+            <a:ext cx="1166664" cy="561600"/>
+          </a:xfrm>
+          <a:prstGeom prst="rect">
+            <a:avLst/>
+          </a:prstGeom>
+          <a:solidFill>
+            <a:srgbClr val="FF0000"/>
+          </a:solidFill>
+          <a:ln>
+            <a:headEnd type="none" w="med" len="med"/>
+            <a:tailEnd type="none" w="med" len="med"/>
+          </a:ln>
+          <a:effectLst/>
+          <a:scene3d>
+            <a:camera prst="orthographicFront">
+              <a:rot lat="0" lon="0" rev="0"/>
+            </a:camera>
+            <a:lightRig rig="threePt" dir="t">
+              <a:rot lat="0" lon="0" rev="1200000"/>
+            </a:lightRig>
+          </a:scene3d>
+          <a:sp3d/>
+        </p:spPr>
+        <p:style>
+          <a:lnRef idx="0">
+            <a:schemeClr val="accent3"/>
+          </a:lnRef>
+          <a:fillRef idx="3">
+            <a:schemeClr val="accent3"/>
+          </a:fillRef>
+          <a:effectRef idx="3">
+            <a:schemeClr val="accent3"/>
+          </a:effectRef>
+          <a:fontRef idx="minor">
+            <a:schemeClr val="lt1"/>
+          </a:fontRef>
+        </p:style>
+        <p:txBody>
+          <a:bodyPr vert="horz" wrap="square" lIns="91436" tIns="45718" rIns="91436" bIns="45718" numCol="1" rtlCol="0" anchor="ctr" anchorCtr="0" compatLnSpc="1">
+            <a:prstTxWarp prst="textNoShape">
+              <a:avLst/>
+            </a:prstTxWarp>
+          </a:bodyPr>
+          <a:lstStyle/>
+          <a:p>
+            <a:pPr algn="ctr" defTabSz="914099" fontAlgn="base">
+              <a:spcBef>
+                <a:spcPct val="0"/>
+              </a:spcBef>
+              <a:spcAft>
+                <a:spcPct val="0"/>
+              </a:spcAft>
+            </a:pPr>
+            <a:endParaRPr lang="de-DE" sz="2300" dirty="0" smtClean="0">
+              <a:solidFill>
+                <a:schemeClr val="tx1"/>
+              </a:solidFill>
+              <a:latin typeface="Segoe" pitchFamily="34" charset="0"/>
+            </a:endParaRPr>
+          </a:p>
+        </p:txBody>
+      </p:sp>
     </p:spTree>
     <p:extLst>
       <p:ext uri="{BB962C8B-B14F-4D97-AF65-F5344CB8AC3E}">
@@ -11292,7 +10031,7 @@
         <p:spPr>
           <a:xfrm>
             <a:off x="381000" y="908720"/>
-            <a:ext cx="8382000" cy="664797"/>
+            <a:ext cx="8382000" cy="1329595"/>
           </a:xfrm>
         </p:spPr>
         <p:txBody>
@@ -11300,13 +10039,12 @@
           <a:lstStyle/>
           <a:p>
             <a:r>
-              <a:rPr lang="de-DE" dirty="0" err="1" smtClean="0"/>
-              <a:t>Kickoff</a:t>
-            </a:r>
-            <a:r>
               <a:rPr lang="de-DE" dirty="0" smtClean="0"/>
-              <a:t> –&gt; Prototyp</a:t>
-            </a:r>
+              <a:t>Aufgabenverteilung</a:t>
+            </a:r>
+            <a:br>
+              <a:rPr lang="de-DE" dirty="0" smtClean="0"/>
+            </a:br>
             <a:endParaRPr lang="de-DE" dirty="0"/>
           </a:p>
         </p:txBody>
@@ -11381,140 +10119,22 @@
           </a:p>
         </p:txBody>
       </p:sp>
-      <p:sp>
-        <p:nvSpPr>
-          <p:cNvPr id="9" name="Pfeil nach rechts 8"/>
-          <p:cNvSpPr/>
+      <p:graphicFrame>
+        <p:nvGraphicFramePr>
+          <p:cNvPr id="8" name="Diagramm 7"/>
+          <p:cNvGraphicFramePr/>
           <p:nvPr/>
-        </p:nvSpPr>
-        <p:spPr bwMode="auto">
-          <a:xfrm>
-            <a:off x="395536" y="2852936"/>
-            <a:ext cx="8352928" cy="1080120"/>
-          </a:xfrm>
-          <a:prstGeom prst="rightArrow">
-            <a:avLst/>
-          </a:prstGeom>
-          <a:ln>
-            <a:headEnd type="none" w="med" len="med"/>
-            <a:tailEnd type="none" w="med" len="med"/>
-          </a:ln>
-        </p:spPr>
-        <p:style>
-          <a:lnRef idx="2">
-            <a:schemeClr val="accent2">
-              <a:shade val="50000"/>
-            </a:schemeClr>
-          </a:lnRef>
-          <a:fillRef idx="1">
-            <a:schemeClr val="accent2"/>
-          </a:fillRef>
-          <a:effectRef idx="0">
-            <a:schemeClr val="accent2"/>
-          </a:effectRef>
-          <a:fontRef idx="minor">
-            <a:schemeClr val="lt1"/>
-          </a:fontRef>
-        </p:style>
-        <p:txBody>
-          <a:bodyPr vert="horz" wrap="square" lIns="91436" tIns="45718" rIns="91436" bIns="45718" numCol="1" rtlCol="0" anchor="ctr" anchorCtr="0" compatLnSpc="1">
-            <a:prstTxWarp prst="textNoShape">
-              <a:avLst/>
-            </a:prstTxWarp>
-          </a:bodyPr>
-          <a:lstStyle/>
-          <a:p>
-            <a:pPr algn="ctr" defTabSz="914099" fontAlgn="base">
-              <a:spcBef>
-                <a:spcPct val="0"/>
-              </a:spcBef>
-              <a:spcAft>
-                <a:spcPct val="0"/>
-              </a:spcAft>
-            </a:pPr>
-            <a:endParaRPr lang="de-DE" sz="2300" dirty="0" smtClean="0">
-              <a:solidFill>
-                <a:schemeClr val="tx1"/>
-              </a:solidFill>
-              <a:latin typeface="Segoe" pitchFamily="34" charset="0"/>
-            </a:endParaRPr>
-          </a:p>
-        </p:txBody>
-      </p:sp>
-      <p:sp>
-        <p:nvSpPr>
-          <p:cNvPr id="10" name="Textfeld 9"/>
-          <p:cNvSpPr txBox="1"/>
-          <p:nvPr/>
-        </p:nvSpPr>
-        <p:spPr>
-          <a:xfrm>
-            <a:off x="467544" y="4653136"/>
-            <a:ext cx="8208912" cy="646331"/>
-          </a:xfrm>
-          <a:prstGeom prst="rect">
-            <a:avLst/>
-          </a:prstGeom>
-          <a:noFill/>
-        </p:spPr>
-        <p:txBody>
-          <a:bodyPr wrap="square" rtlCol="0">
-            <a:spAutoFit/>
-          </a:bodyPr>
-          <a:lstStyle/>
-          <a:p>
-            <a:r>
-              <a:rPr lang="de-DE" dirty="0" smtClean="0"/>
-              <a:t>- Übersicht aller Artikel mit zugehörigen Kommentaren</a:t>
-            </a:r>
-          </a:p>
-          <a:p>
-            <a:r>
-              <a:rPr lang="de-DE" dirty="0" smtClean="0"/>
-              <a:t>- Anlegen eines neuen Artikels</a:t>
-            </a:r>
-            <a:endParaRPr lang="de-DE" dirty="0"/>
-          </a:p>
-        </p:txBody>
-      </p:sp>
-      <p:sp>
-        <p:nvSpPr>
-          <p:cNvPr id="11" name="Textfeld 10"/>
-          <p:cNvSpPr txBox="1"/>
-          <p:nvPr/>
-        </p:nvSpPr>
-        <p:spPr>
-          <a:xfrm>
-            <a:off x="395536" y="3933056"/>
-            <a:ext cx="8352928" cy="369332"/>
-          </a:xfrm>
-          <a:prstGeom prst="rect">
-            <a:avLst/>
-          </a:prstGeom>
-          <a:noFill/>
-        </p:spPr>
-        <p:txBody>
-          <a:bodyPr wrap="square" rtlCol="0">
-            <a:spAutoFit/>
-          </a:bodyPr>
-          <a:lstStyle/>
-          <a:p>
-            <a:r>
-              <a:rPr lang="de-DE" b="1" dirty="0" smtClean="0">
-                <a:solidFill>
-                  <a:srgbClr val="FF0000"/>
-                </a:solidFill>
-              </a:rPr>
-              <a:t>Erstellung der grundlegenden HTML-Dateien (Nadine)</a:t>
-            </a:r>
-            <a:endParaRPr lang="de-DE" b="1" dirty="0">
-              <a:solidFill>
-                <a:srgbClr val="FF0000"/>
-              </a:solidFill>
-            </a:endParaRPr>
-          </a:p>
-        </p:txBody>
-      </p:sp>
+        </p:nvGraphicFramePr>
+        <p:xfrm>
+          <a:off x="1547664" y="1916832"/>
+          <a:ext cx="6096000" cy="4064000"/>
+        </p:xfrm>
+        <a:graphic>
+          <a:graphicData uri="http://schemas.openxmlformats.org/drawingml/2006/diagram">
+            <dgm:relIds xmlns:dgm="http://schemas.openxmlformats.org/drawingml/2006/diagram" xmlns:r="http://schemas.openxmlformats.org/officeDocument/2006/relationships" r:dm="rId3" r:lo="rId4" r:qs="rId5" r:cs="rId6"/>
+          </a:graphicData>
+        </a:graphic>
+      </p:graphicFrame>
     </p:spTree>
     <p:extLst>
       <p:ext uri="{BB962C8B-B14F-4D97-AF65-F5344CB8AC3E}">
@@ -11557,6 +10177,38 @@
       </p:grpSpPr>
       <p:sp>
         <p:nvSpPr>
+          <p:cNvPr id="2" name="Titel 1"/>
+          <p:cNvSpPr>
+            <a:spLocks noGrp="1"/>
+          </p:cNvSpPr>
+          <p:nvPr>
+            <p:ph type="title"/>
+          </p:nvPr>
+        </p:nvSpPr>
+        <p:spPr>
+          <a:xfrm>
+            <a:off x="381000" y="908720"/>
+            <a:ext cx="8382000" cy="664797"/>
+          </a:xfrm>
+        </p:spPr>
+        <p:txBody>
+          <a:bodyPr/>
+          <a:lstStyle/>
+          <a:p>
+            <a:r>
+              <a:rPr lang="de-DE" dirty="0" smtClean="0"/>
+              <a:t>Kick-Off </a:t>
+            </a:r>
+            <a:r>
+              <a:rPr lang="de-DE" dirty="0" smtClean="0"/>
+              <a:t>–&gt; Prototyp</a:t>
+            </a:r>
+            <a:endParaRPr lang="de-DE" dirty="0"/>
+          </a:p>
+        </p:txBody>
+      </p:sp>
+      <p:sp>
+        <p:nvSpPr>
           <p:cNvPr id="4" name="Datumsplatzhalter 3"/>
           <p:cNvSpPr>
             <a:spLocks noGrp="1"/>
@@ -11694,7 +10346,7 @@
         <p:spPr>
           <a:xfrm>
             <a:off x="467544" y="4653136"/>
-            <a:ext cx="8208912" cy="1200329"/>
+            <a:ext cx="8208912" cy="646331"/>
           </a:xfrm>
           <a:prstGeom prst="rect">
             <a:avLst/>
@@ -11709,19 +10361,13 @@
           <a:p>
             <a:r>
               <a:rPr lang="de-DE" dirty="0" smtClean="0"/>
-              <a:t>- Erstellung der Datenbank gemäß dem vorher definierten Datenbankschema</a:t>
+              <a:t>- Übersicht aller Artikel mit zugehörigen Kommentaren</a:t>
             </a:r>
           </a:p>
           <a:p>
             <a:r>
               <a:rPr lang="de-DE" dirty="0" smtClean="0"/>
-              <a:t>- Erstellung von Funktionen zum reinen Lesen aus der Datenbank (Kategorie Filter, Sortiermöglichkeit, Anzahl der angezeigten Artikel)</a:t>
-            </a:r>
-          </a:p>
-          <a:p>
-            <a:r>
-              <a:rPr lang="de-DE" dirty="0" smtClean="0"/>
-              <a:t>- Hilfsdateien erstellt, um die Fehleranalyse zu erleichtern</a:t>
+              <a:t>- Anlegen eines neuen Artikels</a:t>
             </a:r>
             <a:endParaRPr lang="de-DE" dirty="0"/>
           </a:p>
@@ -11735,8 +10381,8 @@
         </p:nvSpPr>
         <p:spPr>
           <a:xfrm>
-            <a:off x="395536" y="3933056"/>
-            <a:ext cx="8352928" cy="369332"/>
+            <a:off x="395536" y="2060848"/>
+            <a:ext cx="8352928" cy="400110"/>
           </a:xfrm>
           <a:prstGeom prst="rect">
             <a:avLst/>
@@ -11750,14 +10396,14 @@
           <a:lstStyle/>
           <a:p>
             <a:r>
-              <a:rPr lang="de-DE" b="1" dirty="0" smtClean="0">
+              <a:rPr lang="de-DE" sz="2000" b="1" dirty="0" smtClean="0">
                 <a:solidFill>
                   <a:srgbClr val="FF0000"/>
                 </a:solidFill>
               </a:rPr>
-              <a:t>Erstellung der Datenbank und Verbindung mit der Website durch PHP (Sebastian)</a:t>
-            </a:r>
-            <a:endParaRPr lang="de-DE" b="1" dirty="0">
+              <a:t>Erstellung der grundlegenden HTML-Dateien (Nadine)</a:t>
+            </a:r>
+            <a:endParaRPr lang="de-DE" sz="2000" b="1" dirty="0">
               <a:solidFill>
                 <a:srgbClr val="FF0000"/>
               </a:solidFill>
@@ -11767,33 +10413,72 @@
       </p:sp>
       <p:sp>
         <p:nvSpPr>
-          <p:cNvPr id="13" name="Titel 1"/>
-          <p:cNvSpPr>
-            <a:spLocks noGrp="1"/>
-          </p:cNvSpPr>
-          <p:nvPr>
-            <p:ph type="title"/>
-          </p:nvPr>
-        </p:nvSpPr>
-        <p:spPr>
+          <p:cNvPr id="12" name="Rechteck 11"/>
+          <p:cNvSpPr/>
+          <p:nvPr/>
+        </p:nvSpPr>
+        <p:spPr bwMode="auto">
           <a:xfrm>
-            <a:off x="381000" y="908720"/>
-            <a:ext cx="8382000" cy="664797"/>
+            <a:off x="381000" y="3112396"/>
+            <a:ext cx="2647950" cy="561600"/>
           </a:xfrm>
+          <a:prstGeom prst="rect">
+            <a:avLst/>
+          </a:prstGeom>
+          <a:solidFill>
+            <a:srgbClr val="FF0000"/>
+          </a:solidFill>
+          <a:ln>
+            <a:headEnd type="none" w="med" len="med"/>
+            <a:tailEnd type="none" w="med" len="med"/>
+          </a:ln>
+          <a:effectLst/>
+          <a:scene3d>
+            <a:camera prst="orthographicFront">
+              <a:rot lat="0" lon="0" rev="0"/>
+            </a:camera>
+            <a:lightRig rig="threePt" dir="t">
+              <a:rot lat="0" lon="0" rev="1200000"/>
+            </a:lightRig>
+          </a:scene3d>
+          <a:sp3d/>
         </p:spPr>
-        <p:txBody>
-          <a:bodyPr/>
-          <a:lstStyle/>
-          <a:p>
-            <a:r>
-              <a:rPr lang="de-DE" dirty="0" err="1" smtClean="0"/>
-              <a:t>Kickoff</a:t>
-            </a:r>
-            <a:r>
-              <a:rPr lang="de-DE" dirty="0" smtClean="0"/>
-              <a:t> –&gt; Prototyp</a:t>
-            </a:r>
-            <a:endParaRPr lang="de-DE" dirty="0"/>
+        <p:style>
+          <a:lnRef idx="0">
+            <a:schemeClr val="accent3"/>
+          </a:lnRef>
+          <a:fillRef idx="3">
+            <a:schemeClr val="accent3"/>
+          </a:fillRef>
+          <a:effectRef idx="3">
+            <a:schemeClr val="accent3"/>
+          </a:effectRef>
+          <a:fontRef idx="minor">
+            <a:schemeClr val="lt1"/>
+          </a:fontRef>
+        </p:style>
+        <p:txBody>
+          <a:bodyPr vert="horz" wrap="square" lIns="91436" tIns="45718" rIns="91436" bIns="45718" numCol="1" rtlCol="0" anchor="ctr" anchorCtr="0" compatLnSpc="1">
+            <a:prstTxWarp prst="textNoShape">
+              <a:avLst/>
+            </a:prstTxWarp>
+          </a:bodyPr>
+          <a:lstStyle/>
+          <a:p>
+            <a:pPr algn="ctr" defTabSz="914099" fontAlgn="base">
+              <a:spcBef>
+                <a:spcPct val="0"/>
+              </a:spcBef>
+              <a:spcAft>
+                <a:spcPct val="0"/>
+              </a:spcAft>
+            </a:pPr>
+            <a:endParaRPr lang="de-DE" sz="2300" dirty="0" smtClean="0">
+              <a:solidFill>
+                <a:schemeClr val="tx1"/>
+              </a:solidFill>
+              <a:latin typeface="Segoe" pitchFamily="34" charset="0"/>
+            </a:endParaRPr>
           </a:p>
         </p:txBody>
       </p:sp>
@@ -11975,8 +10660,8 @@
         </p:nvSpPr>
         <p:spPr>
           <a:xfrm>
-            <a:off x="467544" y="4797152"/>
-            <a:ext cx="8208912" cy="923330"/>
+            <a:off x="467544" y="4653136"/>
+            <a:ext cx="8208912" cy="1200329"/>
           </a:xfrm>
           <a:prstGeom prst="rect">
             <a:avLst/>
@@ -11989,24 +10674,23 @@
           </a:bodyPr>
           <a:lstStyle/>
           <a:p>
-            <a:pPr>
-              <a:buFontTx/>
-              <a:buChar char="-"/>
-            </a:pPr>
             <a:r>
               <a:rPr lang="de-DE" dirty="0" smtClean="0"/>
-              <a:t> Beispieltexte erweitert</a:t>
-            </a:r>
-          </a:p>
-          <a:p>
-            <a:pPr>
-              <a:buFontTx/>
-              <a:buChar char="-"/>
-            </a:pPr>
+              <a:t>- Erstellung der Datenbank gemäß dem vorher definierten Datenbankschema</a:t>
+            </a:r>
+          </a:p>
+          <a:p>
             <a:r>
               <a:rPr lang="de-DE" dirty="0" smtClean="0"/>
-              <a:t> Änderungen am Design der Website (Anordnung von Kategorien, Überschrift, Filter, Neu, Schriftart, Größe)</a:t>
-            </a:r>
+              <a:t>- Erstellung von Funktionen zum reinen Lesen aus der Datenbank (Kategorie Filter, Sortiermöglichkeit, Anzahl der angezeigten Artikel)</a:t>
+            </a:r>
+          </a:p>
+          <a:p>
+            <a:r>
+              <a:rPr lang="de-DE" dirty="0" smtClean="0"/>
+              <a:t>- Hilfsdateien erstellt, um die Fehleranalyse zu erleichtern</a:t>
+            </a:r>
+            <a:endParaRPr lang="de-DE" dirty="0"/>
           </a:p>
         </p:txBody>
       </p:sp>
@@ -12018,8 +10702,8 @@
         </p:nvSpPr>
         <p:spPr>
           <a:xfrm>
-            <a:off x="395536" y="3933056"/>
-            <a:ext cx="8352928" cy="369332"/>
+            <a:off x="323528" y="2092786"/>
+            <a:ext cx="8748464" cy="400110"/>
           </a:xfrm>
           <a:prstGeom prst="rect">
             <a:avLst/>
@@ -12033,14 +10717,14 @@
           <a:lstStyle/>
           <a:p>
             <a:r>
-              <a:rPr lang="de-DE" b="1" dirty="0" smtClean="0">
+              <a:rPr lang="de-DE" sz="2000" b="1" dirty="0" smtClean="0">
                 <a:solidFill>
                   <a:srgbClr val="FF0000"/>
                 </a:solidFill>
               </a:rPr>
-              <a:t>Erstellung der ersten Version der CSS-Datei (Lukas) </a:t>
-            </a:r>
-            <a:endParaRPr lang="de-DE" b="1" dirty="0">
+              <a:t>Erstellung der Datenbank und Verbindung mit der Website durch PHP (Sebastian)</a:t>
+            </a:r>
+            <a:endParaRPr lang="de-DE" sz="2000" b="1" dirty="0">
               <a:solidFill>
                 <a:srgbClr val="FF0000"/>
               </a:solidFill>
@@ -12069,14 +10753,85 @@
           <a:lstStyle/>
           <a:p>
             <a:r>
-              <a:rPr lang="de-DE" dirty="0" err="1" smtClean="0"/>
-              <a:t>Kickoff</a:t>
-            </a:r>
-            <a:r>
               <a:rPr lang="de-DE" dirty="0" smtClean="0"/>
-              <a:t> –&gt; Prototyp</a:t>
+              <a:t>Kick-Off </a:t>
+            </a:r>
+            <a:r>
+              <a:rPr lang="de-DE" dirty="0" smtClean="0"/>
+              <a:t>–&gt; Prototyp</a:t>
             </a:r>
             <a:endParaRPr lang="de-DE" dirty="0"/>
+          </a:p>
+        </p:txBody>
+      </p:sp>
+      <p:sp>
+        <p:nvSpPr>
+          <p:cNvPr id="12" name="Rechteck 11"/>
+          <p:cNvSpPr/>
+          <p:nvPr/>
+        </p:nvSpPr>
+        <p:spPr bwMode="auto">
+          <a:xfrm>
+            <a:off x="381000" y="3112396"/>
+            <a:ext cx="3110880" cy="561600"/>
+          </a:xfrm>
+          <a:prstGeom prst="rect">
+            <a:avLst/>
+          </a:prstGeom>
+          <a:solidFill>
+            <a:srgbClr val="FF0000"/>
+          </a:solidFill>
+          <a:ln>
+            <a:headEnd type="none" w="med" len="med"/>
+            <a:tailEnd type="none" w="med" len="med"/>
+          </a:ln>
+          <a:effectLst/>
+          <a:scene3d>
+            <a:camera prst="orthographicFront">
+              <a:rot lat="0" lon="0" rev="0"/>
+            </a:camera>
+            <a:lightRig rig="threePt" dir="t">
+              <a:rot lat="0" lon="0" rev="1200000"/>
+            </a:lightRig>
+          </a:scene3d>
+          <a:sp3d/>
+        </p:spPr>
+        <p:style>
+          <a:lnRef idx="0">
+            <a:schemeClr val="accent3"/>
+          </a:lnRef>
+          <a:fillRef idx="3">
+            <a:schemeClr val="accent3"/>
+          </a:fillRef>
+          <a:effectRef idx="3">
+            <a:schemeClr val="accent3"/>
+          </a:effectRef>
+          <a:fontRef idx="minor">
+            <a:schemeClr val="lt1"/>
+          </a:fontRef>
+        </p:style>
+        <p:txBody>
+          <a:bodyPr vert="horz" wrap="square" lIns="91436" tIns="45718" rIns="91436" bIns="45718" numCol="1" rtlCol="0" anchor="ctr" anchorCtr="0" compatLnSpc="1">
+            <a:prstTxWarp prst="textNoShape">
+              <a:avLst/>
+            </a:prstTxWarp>
+          </a:bodyPr>
+          <a:lstStyle/>
+          <a:p>
+            <a:pPr algn="ctr" defTabSz="914099" fontAlgn="base">
+              <a:spcBef>
+                <a:spcPct val="0"/>
+              </a:spcBef>
+              <a:spcAft>
+                <a:spcPct val="0"/>
+              </a:spcAft>
+            </a:pPr>
+            <a:endParaRPr lang="de-DE" sz="2300" dirty="0" smtClean="0">
+              <a:solidFill>
+                <a:schemeClr val="tx1"/>
+              </a:solidFill>
+              <a:latin typeface="Segoe" pitchFamily="34" charset="0"/>
+            </a:endParaRPr>
           </a:p>
         </p:txBody>
       </p:sp>
@@ -12259,7 +11014,7 @@
         <p:spPr>
           <a:xfrm>
             <a:off x="467544" y="4797152"/>
-            <a:ext cx="8208912" cy="1200329"/>
+            <a:ext cx="8208912" cy="923330"/>
           </a:xfrm>
           <a:prstGeom prst="rect">
             <a:avLst/>
@@ -12278,7 +11033,7 @@
             </a:pPr>
             <a:r>
               <a:rPr lang="de-DE" dirty="0" smtClean="0"/>
-              <a:t> Elemente in der HTML-Datei um IDs und Klassen erweitert</a:t>
+              <a:t> Beispieltexte erweitert</a:t>
             </a:r>
           </a:p>
           <a:p>
@@ -12288,43 +11043,7 @@
             </a:pPr>
             <a:r>
               <a:rPr lang="de-DE" dirty="0" smtClean="0"/>
-              <a:t> </a:t>
-            </a:r>
-            <a:r>
-              <a:rPr lang="de-DE" dirty="0" err="1" smtClean="0"/>
-              <a:t>Javascript</a:t>
-            </a:r>
-            <a:r>
-              <a:rPr lang="de-DE" dirty="0" smtClean="0"/>
-              <a:t>-Funktion zum Anzeigen und Verstecken von Kommentaren implementiert</a:t>
-            </a:r>
-          </a:p>
-          <a:p>
-            <a:pPr>
-              <a:buFontTx/>
-              <a:buChar char="-"/>
-            </a:pPr>
-            <a:r>
-              <a:rPr lang="de-DE" dirty="0" smtClean="0"/>
-              <a:t> Funktionen in HTML-Datei eingebunden</a:t>
-            </a:r>
-          </a:p>
-          <a:p>
-            <a:pPr>
-              <a:buFontTx/>
-              <a:buChar char="-"/>
-            </a:pPr>
-            <a:r>
-              <a:rPr lang="de-DE" dirty="0" smtClean="0"/>
-              <a:t> </a:t>
-            </a:r>
-            <a:r>
-              <a:rPr lang="de-DE" dirty="0" err="1" smtClean="0"/>
-              <a:t>Initiales</a:t>
-            </a:r>
-            <a:r>
-              <a:rPr lang="de-DE" dirty="0" smtClean="0"/>
-              <a:t> Design in der CSS-Datei geändert</a:t>
+              <a:t> Änderungen am Design der Website (Anordnung von Kategorien, Überschrift, Filter, Neu, Schriftart, Größe)</a:t>
             </a:r>
           </a:p>
         </p:txBody>
@@ -12337,8 +11056,8 @@
         </p:nvSpPr>
         <p:spPr>
           <a:xfrm>
-            <a:off x="395536" y="3933056"/>
-            <a:ext cx="8352928" cy="369332"/>
+            <a:off x="395536" y="2092786"/>
+            <a:ext cx="8352928" cy="400110"/>
           </a:xfrm>
           <a:prstGeom prst="rect">
             <a:avLst/>
@@ -12352,30 +11071,14 @@
           <a:lstStyle/>
           <a:p>
             <a:r>
-              <a:rPr lang="de-DE" b="1" dirty="0" smtClean="0">
+              <a:rPr lang="de-DE" sz="2000" b="1" dirty="0" smtClean="0">
                 <a:solidFill>
                   <a:srgbClr val="FF0000"/>
                 </a:solidFill>
               </a:rPr>
-              <a:t>Erstellung der </a:t>
-            </a:r>
-            <a:r>
-              <a:rPr lang="de-DE" b="1" dirty="0" err="1" smtClean="0">
-                <a:solidFill>
-                  <a:srgbClr val="FF0000"/>
-                </a:solidFill>
-              </a:rPr>
-              <a:t>Javascript</a:t>
-            </a:r>
-            <a:r>
-              <a:rPr lang="de-DE" b="1" dirty="0" smtClean="0">
-                <a:solidFill>
-                  <a:srgbClr val="FF0000"/>
-                </a:solidFill>
-              </a:rPr>
-              <a:t>-Funktionen (Michael)</a:t>
-            </a:r>
-            <a:endParaRPr lang="de-DE" b="1" dirty="0">
+              <a:t>Erstellung der ersten Version der CSS-Datei (Lukas) </a:t>
+            </a:r>
+            <a:endParaRPr lang="de-DE" sz="2000" b="1" dirty="0">
               <a:solidFill>
                 <a:srgbClr val="FF0000"/>
               </a:solidFill>
@@ -12404,14 +11107,85 @@
           <a:lstStyle/>
           <a:p>
             <a:r>
-              <a:rPr lang="de-DE" dirty="0" err="1" smtClean="0"/>
-              <a:t>Kickoff</a:t>
-            </a:r>
-            <a:r>
               <a:rPr lang="de-DE" dirty="0" smtClean="0"/>
-              <a:t> –&gt; Prototyp</a:t>
+              <a:t>Kick-Off </a:t>
+            </a:r>
+            <a:r>
+              <a:rPr lang="de-DE" dirty="0" smtClean="0"/>
+              <a:t>–&gt; Prototyp</a:t>
             </a:r>
             <a:endParaRPr lang="de-DE" dirty="0"/>
+          </a:p>
+        </p:txBody>
+      </p:sp>
+      <p:sp>
+        <p:nvSpPr>
+          <p:cNvPr id="12" name="Rechteck 11"/>
+          <p:cNvSpPr/>
+          <p:nvPr/>
+        </p:nvSpPr>
+        <p:spPr bwMode="auto">
+          <a:xfrm>
+            <a:off x="381000" y="3112396"/>
+            <a:ext cx="4263008" cy="561600"/>
+          </a:xfrm>
+          <a:prstGeom prst="rect">
+            <a:avLst/>
+          </a:prstGeom>
+          <a:solidFill>
+            <a:srgbClr val="FF0000"/>
+          </a:solidFill>
+          <a:ln>
+            <a:headEnd type="none" w="med" len="med"/>
+            <a:tailEnd type="none" w="med" len="med"/>
+          </a:ln>
+          <a:effectLst/>
+          <a:scene3d>
+            <a:camera prst="orthographicFront">
+              <a:rot lat="0" lon="0" rev="0"/>
+            </a:camera>
+            <a:lightRig rig="threePt" dir="t">
+              <a:rot lat="0" lon="0" rev="1200000"/>
+            </a:lightRig>
+          </a:scene3d>
+          <a:sp3d/>
+        </p:spPr>
+        <p:style>
+          <a:lnRef idx="0">
+            <a:schemeClr val="accent3"/>
+          </a:lnRef>
+          <a:fillRef idx="3">
+            <a:schemeClr val="accent3"/>
+          </a:fillRef>
+          <a:effectRef idx="3">
+            <a:schemeClr val="accent3"/>
+          </a:effectRef>
+          <a:fontRef idx="minor">
+            <a:schemeClr val="lt1"/>
+          </a:fontRef>
+        </p:style>
+        <p:txBody>
+          <a:bodyPr vert="horz" wrap="square" lIns="91436" tIns="45718" rIns="91436" bIns="45718" numCol="1" rtlCol="0" anchor="ctr" anchorCtr="0" compatLnSpc="1">
+            <a:prstTxWarp prst="textNoShape">
+              <a:avLst/>
+            </a:prstTxWarp>
+          </a:bodyPr>
+          <a:lstStyle/>
+          <a:p>
+            <a:pPr algn="ctr" defTabSz="914099" fontAlgn="base">
+              <a:spcBef>
+                <a:spcPct val="0"/>
+              </a:spcBef>
+              <a:spcAft>
+                <a:spcPct val="0"/>
+              </a:spcAft>
+            </a:pPr>
+            <a:endParaRPr lang="de-DE" sz="2300" dirty="0" smtClean="0">
+              <a:solidFill>
+                <a:schemeClr val="tx1"/>
+              </a:solidFill>
+              <a:latin typeface="Segoe" pitchFamily="34" charset="0"/>
+            </a:endParaRPr>
           </a:p>
         </p:txBody>
       </p:sp>
@@ -12587,21 +11361,19 @@
       </p:sp>
       <p:sp>
         <p:nvSpPr>
-          <p:cNvPr id="11" name="Textfeld 10"/>
+          <p:cNvPr id="10" name="Textfeld 9"/>
           <p:cNvSpPr txBox="1"/>
           <p:nvPr/>
         </p:nvSpPr>
         <p:spPr>
           <a:xfrm>
-            <a:off x="5724128" y="3212976"/>
-            <a:ext cx="2448272" cy="369332"/>
+            <a:off x="467544" y="4797152"/>
+            <a:ext cx="8208912" cy="1200329"/>
           </a:xfrm>
           <a:prstGeom prst="rect">
             <a:avLst/>
           </a:prstGeom>
-          <a:solidFill>
-            <a:schemeClr val="bg1"/>
-          </a:solidFill>
+          <a:noFill/>
         </p:spPr>
         <p:txBody>
           <a:bodyPr wrap="square" rtlCol="0">
@@ -12609,15 +11381,102 @@
           </a:bodyPr>
           <a:lstStyle/>
           <a:p>
-            <a:r>
-              <a:rPr lang="de-DE" b="1" dirty="0" smtClean="0">
+            <a:pPr>
+              <a:buFontTx/>
+              <a:buChar char="-"/>
+            </a:pPr>
+            <a:r>
+              <a:rPr lang="de-DE" dirty="0" smtClean="0"/>
+              <a:t> Elemente in der HTML-Datei um IDs und Klassen erweitert</a:t>
+            </a:r>
+          </a:p>
+          <a:p>
+            <a:pPr>
+              <a:buFontTx/>
+              <a:buChar char="-"/>
+            </a:pPr>
+            <a:r>
+              <a:rPr lang="de-DE" dirty="0" smtClean="0"/>
+              <a:t> </a:t>
+            </a:r>
+            <a:r>
+              <a:rPr lang="de-DE" dirty="0" smtClean="0"/>
+              <a:t>JavaScript-Funktion </a:t>
+            </a:r>
+            <a:r>
+              <a:rPr lang="de-DE" dirty="0" smtClean="0"/>
+              <a:t>zum Anzeigen und Verstecken von Kommentaren implementiert</a:t>
+            </a:r>
+          </a:p>
+          <a:p>
+            <a:pPr>
+              <a:buFontTx/>
+              <a:buChar char="-"/>
+            </a:pPr>
+            <a:r>
+              <a:rPr lang="de-DE" dirty="0" smtClean="0"/>
+              <a:t> Funktionen in HTML-Datei eingebunden</a:t>
+            </a:r>
+          </a:p>
+          <a:p>
+            <a:pPr>
+              <a:buFontTx/>
+              <a:buChar char="-"/>
+            </a:pPr>
+            <a:r>
+              <a:rPr lang="de-DE" dirty="0" smtClean="0"/>
+              <a:t> Initiales Design in der CSS-Datei geändert</a:t>
+            </a:r>
+          </a:p>
+        </p:txBody>
+      </p:sp>
+      <p:sp>
+        <p:nvSpPr>
+          <p:cNvPr id="11" name="Textfeld 10"/>
+          <p:cNvSpPr txBox="1"/>
+          <p:nvPr/>
+        </p:nvSpPr>
+        <p:spPr>
+          <a:xfrm>
+            <a:off x="395536" y="2132856"/>
+            <a:ext cx="8352928" cy="400110"/>
+          </a:xfrm>
+          <a:prstGeom prst="rect">
+            <a:avLst/>
+          </a:prstGeom>
+          <a:noFill/>
+        </p:spPr>
+        <p:txBody>
+          <a:bodyPr wrap="square" rtlCol="0">
+            <a:spAutoFit/>
+          </a:bodyPr>
+          <a:lstStyle/>
+          <a:p>
+            <a:r>
+              <a:rPr lang="de-DE" sz="2000" b="1" dirty="0" smtClean="0">
                 <a:solidFill>
                   <a:srgbClr val="FF0000"/>
                 </a:solidFill>
               </a:rPr>
-              <a:t>Aufwand: 25,5 Stunden</a:t>
-            </a:r>
-            <a:endParaRPr lang="de-DE" b="1" dirty="0">
+              <a:t>Erstellung der </a:t>
+            </a:r>
+            <a:r>
+              <a:rPr lang="de-DE" sz="2000" b="1" dirty="0" smtClean="0">
+                <a:solidFill>
+                  <a:srgbClr val="FF0000"/>
+                </a:solidFill>
+              </a:rPr>
+              <a:t>JavaScript-Funktionen </a:t>
+            </a:r>
+            <a:r>
+              <a:rPr lang="de-DE" sz="2000" b="1" dirty="0" smtClean="0">
+                <a:solidFill>
+                  <a:srgbClr val="FF0000"/>
+                </a:solidFill>
+              </a:rPr>
+              <a:t>(Michael)</a:t>
+            </a:r>
+            <a:endParaRPr lang="de-DE" sz="2000" b="1" dirty="0">
               <a:solidFill>
                 <a:srgbClr val="FF0000"/>
               </a:solidFill>
@@ -12646,14 +11505,85 @@
           <a:lstStyle/>
           <a:p>
             <a:r>
-              <a:rPr lang="de-DE" dirty="0" err="1" smtClean="0"/>
-              <a:t>Kickoff</a:t>
-            </a:r>
-            <a:r>
               <a:rPr lang="de-DE" dirty="0" smtClean="0"/>
-              <a:t> –&gt; Prototyp</a:t>
+              <a:t>Kick-Off </a:t>
+            </a:r>
+            <a:r>
+              <a:rPr lang="de-DE" dirty="0" smtClean="0"/>
+              <a:t>–&gt; Prototyp</a:t>
             </a:r>
             <a:endParaRPr lang="de-DE" dirty="0"/>
+          </a:p>
+        </p:txBody>
+      </p:sp>
+      <p:sp>
+        <p:nvSpPr>
+          <p:cNvPr id="12" name="Rechteck 11"/>
+          <p:cNvSpPr/>
+          <p:nvPr/>
+        </p:nvSpPr>
+        <p:spPr bwMode="auto">
+          <a:xfrm>
+            <a:off x="381000" y="3112396"/>
+            <a:ext cx="5199112" cy="561600"/>
+          </a:xfrm>
+          <a:prstGeom prst="rect">
+            <a:avLst/>
+          </a:prstGeom>
+          <a:solidFill>
+            <a:srgbClr val="FF0000"/>
+          </a:solidFill>
+          <a:ln>
+            <a:headEnd type="none" w="med" len="med"/>
+            <a:tailEnd type="none" w="med" len="med"/>
+          </a:ln>
+          <a:effectLst/>
+          <a:scene3d>
+            <a:camera prst="orthographicFront">
+              <a:rot lat="0" lon="0" rev="0"/>
+            </a:camera>
+            <a:lightRig rig="threePt" dir="t">
+              <a:rot lat="0" lon="0" rev="1200000"/>
+            </a:lightRig>
+          </a:scene3d>
+          <a:sp3d/>
+        </p:spPr>
+        <p:style>
+          <a:lnRef idx="0">
+            <a:schemeClr val="accent3"/>
+          </a:lnRef>
+          <a:fillRef idx="3">
+            <a:schemeClr val="accent3"/>
+          </a:fillRef>
+          <a:effectRef idx="3">
+            <a:schemeClr val="accent3"/>
+          </a:effectRef>
+          <a:fontRef idx="minor">
+            <a:schemeClr val="lt1"/>
+          </a:fontRef>
+        </p:style>
+        <p:txBody>
+          <a:bodyPr vert="horz" wrap="square" lIns="91436" tIns="45718" rIns="91436" bIns="45718" numCol="1" rtlCol="0" anchor="ctr" anchorCtr="0" compatLnSpc="1">
+            <a:prstTxWarp prst="textNoShape">
+              <a:avLst/>
+            </a:prstTxWarp>
+          </a:bodyPr>
+          <a:lstStyle/>
+          <a:p>
+            <a:pPr algn="ctr" defTabSz="914099" fontAlgn="base">
+              <a:spcBef>
+                <a:spcPct val="0"/>
+              </a:spcBef>
+              <a:spcAft>
+                <a:spcPct val="0"/>
+              </a:spcAft>
+            </a:pPr>
+            <a:endParaRPr lang="de-DE" sz="2300" dirty="0" smtClean="0">
+              <a:solidFill>
+                <a:schemeClr val="tx1"/>
+              </a:solidFill>
+              <a:latin typeface="Segoe" pitchFamily="34" charset="0"/>
+            </a:endParaRPr>
           </a:p>
         </p:txBody>
       </p:sp>
@@ -12829,6 +11759,46 @@
       </p:sp>
       <p:sp>
         <p:nvSpPr>
+          <p:cNvPr id="11" name="Textfeld 10"/>
+          <p:cNvSpPr txBox="1"/>
+          <p:nvPr/>
+        </p:nvSpPr>
+        <p:spPr>
+          <a:xfrm>
+            <a:off x="5724128" y="2708920"/>
+            <a:ext cx="2448272" cy="369332"/>
+          </a:xfrm>
+          <a:prstGeom prst="rect">
+            <a:avLst/>
+          </a:prstGeom>
+          <a:solidFill>
+            <a:schemeClr val="bg1"/>
+          </a:solidFill>
+        </p:spPr>
+        <p:txBody>
+          <a:bodyPr wrap="square" rtlCol="0">
+            <a:spAutoFit/>
+          </a:bodyPr>
+          <a:lstStyle/>
+          <a:p>
+            <a:r>
+              <a:rPr lang="de-DE" b="1" dirty="0" smtClean="0">
+                <a:solidFill>
+                  <a:srgbClr val="FF0000"/>
+                </a:solidFill>
+              </a:rPr>
+              <a:t>Aufwand: 25,5 Stunden</a:t>
+            </a:r>
+            <a:endParaRPr lang="de-DE" b="1" dirty="0">
+              <a:solidFill>
+                <a:srgbClr val="FF0000"/>
+              </a:solidFill>
+            </a:endParaRPr>
+          </a:p>
+        </p:txBody>
+      </p:sp>
+      <p:sp>
+        <p:nvSpPr>
           <p:cNvPr id="13" name="Titel 1"/>
           <p:cNvSpPr>
             <a:spLocks noGrp="1"/>
@@ -12849,7 +11819,11 @@
           <a:p>
             <a:r>
               <a:rPr lang="de-DE" dirty="0" smtClean="0"/>
-              <a:t>Prototyp -&gt; Vertikaler Prototyp</a:t>
+              <a:t>Kick-Off </a:t>
+            </a:r>
+            <a:r>
+              <a:rPr lang="de-DE" dirty="0" smtClean="0"/>
+              <a:t>–&gt; Prototyp</a:t>
             </a:r>
             <a:endParaRPr lang="de-DE" dirty="0"/>
           </a:p>
@@ -12857,92 +11831,72 @@
       </p:sp>
       <p:sp>
         <p:nvSpPr>
-          <p:cNvPr id="8" name="Textfeld 7"/>
-          <p:cNvSpPr txBox="1"/>
+          <p:cNvPr id="8" name="Rechteck 7"/>
+          <p:cNvSpPr/>
           <p:nvPr/>
         </p:nvSpPr>
-        <p:spPr>
+        <p:spPr bwMode="auto">
           <a:xfrm>
-            <a:off x="395536" y="3933056"/>
-            <a:ext cx="8352928" cy="369332"/>
+            <a:off x="381000" y="3112396"/>
+            <a:ext cx="5343128" cy="561600"/>
           </a:xfrm>
           <a:prstGeom prst="rect">
             <a:avLst/>
           </a:prstGeom>
-          <a:noFill/>
+          <a:solidFill>
+            <a:srgbClr val="FF0000"/>
+          </a:solidFill>
+          <a:ln>
+            <a:headEnd type="none" w="med" len="med"/>
+            <a:tailEnd type="none" w="med" len="med"/>
+          </a:ln>
+          <a:effectLst/>
+          <a:scene3d>
+            <a:camera prst="orthographicFront">
+              <a:rot lat="0" lon="0" rev="0"/>
+            </a:camera>
+            <a:lightRig rig="threePt" dir="t">
+              <a:rot lat="0" lon="0" rev="1200000"/>
+            </a:lightRig>
+          </a:scene3d>
+          <a:sp3d/>
         </p:spPr>
-        <p:txBody>
-          <a:bodyPr wrap="square" rtlCol="0">
-            <a:spAutoFit/>
+        <p:style>
+          <a:lnRef idx="0">
+            <a:schemeClr val="accent3"/>
+          </a:lnRef>
+          <a:fillRef idx="3">
+            <a:schemeClr val="accent3"/>
+          </a:fillRef>
+          <a:effectRef idx="3">
+            <a:schemeClr val="accent3"/>
+          </a:effectRef>
+          <a:fontRef idx="minor">
+            <a:schemeClr val="lt1"/>
+          </a:fontRef>
+        </p:style>
+        <p:txBody>
+          <a:bodyPr vert="horz" wrap="square" lIns="91436" tIns="45718" rIns="91436" bIns="45718" numCol="1" rtlCol="0" anchor="ctr" anchorCtr="0" compatLnSpc="1">
+            <a:prstTxWarp prst="textNoShape">
+              <a:avLst/>
+            </a:prstTxWarp>
           </a:bodyPr>
           <a:lstStyle/>
           <a:p>
-            <a:r>
-              <a:rPr lang="de-DE" b="1" dirty="0" smtClean="0">
-                <a:solidFill>
-                  <a:srgbClr val="FF0000"/>
-                </a:solidFill>
-              </a:rPr>
-              <a:t>Besprechung zum weiteren Vorgehen (Alle)</a:t>
-            </a:r>
-            <a:endParaRPr lang="de-DE" b="1" dirty="0">
+            <a:pPr algn="ctr" defTabSz="914099" fontAlgn="base">
+              <a:spcBef>
+                <a:spcPct val="0"/>
+              </a:spcBef>
+              <a:spcAft>
+                <a:spcPct val="0"/>
+              </a:spcAft>
+            </a:pPr>
+            <a:endParaRPr lang="de-DE" sz="2300" dirty="0" smtClean="0">
               <a:solidFill>
-                <a:srgbClr val="FF0000"/>
+                <a:schemeClr val="tx1"/>
               </a:solidFill>
+              <a:latin typeface="Segoe" pitchFamily="34" charset="0"/>
             </a:endParaRPr>
-          </a:p>
-        </p:txBody>
-      </p:sp>
-      <p:sp>
-        <p:nvSpPr>
-          <p:cNvPr id="10" name="Textfeld 9"/>
-          <p:cNvSpPr txBox="1"/>
-          <p:nvPr/>
-        </p:nvSpPr>
-        <p:spPr>
-          <a:xfrm>
-            <a:off x="467544" y="4725144"/>
-            <a:ext cx="8208912" cy="923330"/>
-          </a:xfrm>
-          <a:prstGeom prst="rect">
-            <a:avLst/>
-          </a:prstGeom>
-          <a:noFill/>
-        </p:spPr>
-        <p:txBody>
-          <a:bodyPr wrap="square" rtlCol="0">
-            <a:spAutoFit/>
-          </a:bodyPr>
-          <a:lstStyle/>
-          <a:p>
-            <a:pPr>
-              <a:buFontTx/>
-              <a:buChar char="-"/>
-            </a:pPr>
-            <a:r>
-              <a:rPr lang="de-DE" dirty="0" smtClean="0"/>
-              <a:t> Verbleibende PHP-Funktionen umsetzen</a:t>
-            </a:r>
-          </a:p>
-          <a:p>
-            <a:pPr>
-              <a:buFontTx/>
-              <a:buChar char="-"/>
-            </a:pPr>
-            <a:r>
-              <a:rPr lang="de-DE" dirty="0" smtClean="0"/>
-              <a:t> Design aufarbeiten</a:t>
-            </a:r>
-          </a:p>
-          <a:p>
-            <a:pPr>
-              <a:buFontTx/>
-              <a:buChar char="-"/>
-            </a:pPr>
-            <a:r>
-              <a:rPr lang="de-DE" dirty="0" smtClean="0"/>
-              <a:t> Demo-Daten erstellen</a:t>
-            </a:r>
           </a:p>
         </p:txBody>
       </p:sp>
@@ -13118,6 +12072,72 @@
       </p:sp>
       <p:sp>
         <p:nvSpPr>
+          <p:cNvPr id="13" name="Titel 1"/>
+          <p:cNvSpPr>
+            <a:spLocks noGrp="1"/>
+          </p:cNvSpPr>
+          <p:nvPr>
+            <p:ph type="title"/>
+          </p:nvPr>
+        </p:nvSpPr>
+        <p:spPr>
+          <a:xfrm>
+            <a:off x="381000" y="908720"/>
+            <a:ext cx="8382000" cy="664797"/>
+          </a:xfrm>
+        </p:spPr>
+        <p:txBody>
+          <a:bodyPr/>
+          <a:lstStyle/>
+          <a:p>
+            <a:r>
+              <a:rPr lang="de-DE" dirty="0" smtClean="0"/>
+              <a:t>Prototyp -&gt; Vertikaler Prototyp</a:t>
+            </a:r>
+            <a:endParaRPr lang="de-DE" dirty="0"/>
+          </a:p>
+        </p:txBody>
+      </p:sp>
+      <p:sp>
+        <p:nvSpPr>
+          <p:cNvPr id="8" name="Textfeld 7"/>
+          <p:cNvSpPr txBox="1"/>
+          <p:nvPr/>
+        </p:nvSpPr>
+        <p:spPr>
+          <a:xfrm>
+            <a:off x="395536" y="2132856"/>
+            <a:ext cx="8352928" cy="400110"/>
+          </a:xfrm>
+          <a:prstGeom prst="rect">
+            <a:avLst/>
+          </a:prstGeom>
+          <a:noFill/>
+        </p:spPr>
+        <p:txBody>
+          <a:bodyPr wrap="square" rtlCol="0">
+            <a:spAutoFit/>
+          </a:bodyPr>
+          <a:lstStyle/>
+          <a:p>
+            <a:r>
+              <a:rPr lang="de-DE" sz="2000" b="1" dirty="0" smtClean="0">
+                <a:solidFill>
+                  <a:srgbClr val="FF0000"/>
+                </a:solidFill>
+              </a:rPr>
+              <a:t>Besprechung zum weiteren Vorgehen (Alle)</a:t>
+            </a:r>
+            <a:endParaRPr lang="de-DE" sz="2000" b="1" dirty="0">
+              <a:solidFill>
+                <a:srgbClr val="FF0000"/>
+              </a:solidFill>
+            </a:endParaRPr>
+          </a:p>
+        </p:txBody>
+      </p:sp>
+      <p:sp>
+        <p:nvSpPr>
           <p:cNvPr id="10" name="Textfeld 9"/>
           <p:cNvSpPr txBox="1"/>
           <p:nvPr/>
@@ -13144,82 +12164,99 @@
             </a:pPr>
             <a:r>
               <a:rPr lang="de-DE" dirty="0" smtClean="0"/>
-              <a:t> Erstellung von Funktionen zum Lesen aus und Schreiben in die Datenbank (Kategorien/Artikel/Kommentare erstellen, </a:t>
-            </a:r>
-            <a:r>
-              <a:rPr lang="de-DE" dirty="0" err="1" smtClean="0"/>
-              <a:t>Like</a:t>
-            </a:r>
+              <a:t> Verbleibende PHP-Funktionen umsetzen</a:t>
+            </a:r>
+          </a:p>
+          <a:p>
+            <a:pPr>
+              <a:buFontTx/>
+              <a:buChar char="-"/>
+            </a:pPr>
             <a:r>
               <a:rPr lang="de-DE" dirty="0" smtClean="0"/>
-              <a:t>-Funktion, Auswahl und Vorauswahl bereits bestehender Kategorien, Gültigkeitsprüfungen bei Speicherung) </a:t>
-            </a:r>
-          </a:p>
-        </p:txBody>
-      </p:sp>
-      <p:sp>
-        <p:nvSpPr>
-          <p:cNvPr id="11" name="Textfeld 10"/>
-          <p:cNvSpPr txBox="1"/>
+              <a:t> Design aufarbeiten</a:t>
+            </a:r>
+          </a:p>
+          <a:p>
+            <a:pPr>
+              <a:buFontTx/>
+              <a:buChar char="-"/>
+            </a:pPr>
+            <a:r>
+              <a:rPr lang="de-DE" dirty="0" smtClean="0"/>
+              <a:t> Demo-Daten erstellen</a:t>
+            </a:r>
+          </a:p>
+        </p:txBody>
+      </p:sp>
+      <p:sp>
+        <p:nvSpPr>
+          <p:cNvPr id="11" name="Rechteck 10"/>
+          <p:cNvSpPr/>
           <p:nvPr/>
         </p:nvSpPr>
-        <p:spPr>
+        <p:spPr bwMode="auto">
           <a:xfrm>
-            <a:off x="395536" y="3933056"/>
-            <a:ext cx="8352928" cy="369332"/>
+            <a:off x="381000" y="3112396"/>
+            <a:ext cx="5631160" cy="561600"/>
           </a:xfrm>
           <a:prstGeom prst="rect">
             <a:avLst/>
           </a:prstGeom>
-          <a:noFill/>
+          <a:solidFill>
+            <a:srgbClr val="FF0000"/>
+          </a:solidFill>
+          <a:ln>
+            <a:headEnd type="none" w="med" len="med"/>
+            <a:tailEnd type="none" w="med" len="med"/>
+          </a:ln>
+          <a:effectLst/>
+          <a:scene3d>
+            <a:camera prst="orthographicFront">
+              <a:rot lat="0" lon="0" rev="0"/>
+            </a:camera>
+            <a:lightRig rig="threePt" dir="t">
+              <a:rot lat="0" lon="0" rev="1200000"/>
+            </a:lightRig>
+          </a:scene3d>
+          <a:sp3d/>
         </p:spPr>
-        <p:txBody>
-          <a:bodyPr wrap="square" rtlCol="0">
-            <a:spAutoFit/>
+        <p:style>
+          <a:lnRef idx="0">
+            <a:schemeClr val="accent3"/>
+          </a:lnRef>
+          <a:fillRef idx="3">
+            <a:schemeClr val="accent3"/>
+          </a:fillRef>
+          <a:effectRef idx="3">
+            <a:schemeClr val="accent3"/>
+          </a:effectRef>
+          <a:fontRef idx="minor">
+            <a:schemeClr val="lt1"/>
+          </a:fontRef>
+        </p:style>
+        <p:txBody>
+          <a:bodyPr vert="horz" wrap="square" lIns="91436" tIns="45718" rIns="91436" bIns="45718" numCol="1" rtlCol="0" anchor="ctr" anchorCtr="0" compatLnSpc="1">
+            <a:prstTxWarp prst="textNoShape">
+              <a:avLst/>
+            </a:prstTxWarp>
           </a:bodyPr>
           <a:lstStyle/>
           <a:p>
-            <a:r>
-              <a:rPr lang="de-DE" b="1" dirty="0" smtClean="0">
-                <a:solidFill>
-                  <a:srgbClr val="FF0000"/>
-                </a:solidFill>
-              </a:rPr>
-              <a:t>Implementierung der verbleibenden PHP-Funktionen (Sebastian)</a:t>
-            </a:r>
-            <a:endParaRPr lang="de-DE" b="1" dirty="0">
+            <a:pPr algn="ctr" defTabSz="914099" fontAlgn="base">
+              <a:spcBef>
+                <a:spcPct val="0"/>
+              </a:spcBef>
+              <a:spcAft>
+                <a:spcPct val="0"/>
+              </a:spcAft>
+            </a:pPr>
+            <a:endParaRPr lang="de-DE" sz="2300" dirty="0" smtClean="0">
               <a:solidFill>
-                <a:srgbClr val="FF0000"/>
+                <a:schemeClr val="tx1"/>
               </a:solidFill>
+              <a:latin typeface="Segoe" pitchFamily="34" charset="0"/>
             </a:endParaRPr>
-          </a:p>
-        </p:txBody>
-      </p:sp>
-      <p:sp>
-        <p:nvSpPr>
-          <p:cNvPr id="13" name="Titel 1"/>
-          <p:cNvSpPr>
-            <a:spLocks noGrp="1"/>
-          </p:cNvSpPr>
-          <p:nvPr>
-            <p:ph type="title"/>
-          </p:nvPr>
-        </p:nvSpPr>
-        <p:spPr>
-          <a:xfrm>
-            <a:off x="381000" y="908720"/>
-            <a:ext cx="8382000" cy="664797"/>
-          </a:xfrm>
-        </p:spPr>
-        <p:txBody>
-          <a:bodyPr/>
-          <a:lstStyle/>
-          <a:p>
-            <a:r>
-              <a:rPr lang="de-DE" dirty="0" smtClean="0"/>
-              <a:t>Vertikaler Prototyp -&gt; Finale Version</a:t>
-            </a:r>
-            <a:endParaRPr lang="de-DE" dirty="0"/>
           </a:p>
         </p:txBody>
       </p:sp>
@@ -13321,13 +12358,9 @@
             </a:r>
             <a:r>
               <a:rPr lang="de-DE" dirty="0" smtClean="0"/>
-              <a:t>Team - </a:t>
-            </a:r>
-            <a:r>
-              <a:rPr lang="de-DE" dirty="0" err="1" smtClean="0"/>
-              <a:t>nfe</a:t>
-            </a:r>
-            <a:endParaRPr lang="de-DE" dirty="0"/>
+              <a:t>Team </a:t>
+            </a:r>
+            <a:endParaRPr lang="de-DE" dirty="0" smtClean="0"/>
           </a:p>
           <a:p>
             <a:pPr marL="514350" indent="-514350">
@@ -13335,16 +12368,12 @@
               <a:buAutoNum type="arabicPeriod"/>
             </a:pPr>
             <a:r>
-              <a:rPr lang="de-DE" dirty="0"/>
+              <a:rPr lang="de-DE" dirty="0" smtClean="0"/>
               <a:t>Unser </a:t>
             </a:r>
             <a:r>
               <a:rPr lang="de-DE" dirty="0" smtClean="0"/>
-              <a:t>Thema -</a:t>
-            </a:r>
-            <a:r>
-              <a:rPr lang="de-DE" dirty="0" err="1" smtClean="0"/>
-              <a:t>nfe</a:t>
+              <a:t>Thema </a:t>
             </a:r>
             <a:endParaRPr lang="de-DE" dirty="0"/>
           </a:p>
@@ -13355,11 +12384,7 @@
             </a:pPr>
             <a:r>
               <a:rPr lang="de-DE" dirty="0" smtClean="0"/>
-              <a:t>Anforderungen - </a:t>
-            </a:r>
-            <a:r>
-              <a:rPr lang="de-DE" dirty="0" err="1" smtClean="0"/>
-              <a:t>nfe</a:t>
+              <a:t>Anforderungen </a:t>
             </a:r>
             <a:endParaRPr lang="de-DE" dirty="0"/>
           </a:p>
@@ -13370,11 +12395,7 @@
             </a:pPr>
             <a:r>
               <a:rPr lang="de-DE" dirty="0" smtClean="0"/>
-              <a:t>Vorgehen - </a:t>
-            </a:r>
-            <a:r>
-              <a:rPr lang="de-DE" dirty="0" err="1" smtClean="0"/>
-              <a:t>mkerk</a:t>
+              <a:t>Vorgehen</a:t>
             </a:r>
             <a:endParaRPr lang="de-DE" dirty="0"/>
           </a:p>
@@ -13385,11 +12406,7 @@
             </a:pPr>
             <a:r>
               <a:rPr lang="de-DE" dirty="0" smtClean="0"/>
-              <a:t>Herausforderungen -</a:t>
-            </a:r>
-            <a:r>
-              <a:rPr lang="de-DE" dirty="0" err="1" smtClean="0"/>
-              <a:t>soch</a:t>
+              <a:t>Herausforderungen</a:t>
             </a:r>
             <a:endParaRPr lang="de-DE" dirty="0"/>
           </a:p>
@@ -13400,7 +12417,7 @@
             </a:pPr>
             <a:r>
               <a:rPr lang="de-DE" dirty="0" smtClean="0"/>
-              <a:t>Ergebnis - alle</a:t>
+              <a:t>Ergebnis</a:t>
             </a:r>
             <a:endParaRPr lang="de-DE" dirty="0"/>
           </a:p>
@@ -13411,13 +12428,9 @@
             </a:pPr>
             <a:r>
               <a:rPr lang="de-DE" dirty="0" smtClean="0"/>
-              <a:t>Reflektion - </a:t>
-            </a:r>
-            <a:r>
-              <a:rPr lang="de-DE" dirty="0" err="1" smtClean="0"/>
-              <a:t>lhu</a:t>
-            </a:r>
-            <a:endParaRPr lang="de-DE" dirty="0"/>
+              <a:t>Reflektion </a:t>
+            </a:r>
+            <a:endParaRPr lang="de-DE" dirty="0" smtClean="0"/>
           </a:p>
           <a:p>
             <a:pPr marL="514350" indent="-514350">
@@ -13426,11 +12439,7 @@
             </a:pPr>
             <a:r>
               <a:rPr lang="de-DE" dirty="0" smtClean="0"/>
-              <a:t>Rückmeldung - </a:t>
-            </a:r>
-            <a:r>
-              <a:rPr lang="de-DE" dirty="0" err="1" smtClean="0"/>
-              <a:t>lhu</a:t>
+              <a:t>Rückmeldung</a:t>
             </a:r>
             <a:endParaRPr lang="de-DE" dirty="0"/>
           </a:p>
@@ -13519,6 +12528,13 @@
   <p:transition>
     <p:fade/>
   </p:transition>
+  <p:timing>
+    <p:tnLst>
+      <p:par>
+        <p:cTn id="1" dur="indefinite" restart="never" nodeType="tmRoot"/>
+      </p:par>
+    </p:tnLst>
+  </p:timing>
 </p:sld>
 </file>
 
@@ -13677,8 +12693,8 @@
         </p:nvSpPr>
         <p:spPr>
           <a:xfrm>
-            <a:off x="467544" y="5013176"/>
-            <a:ext cx="8208912" cy="369332"/>
+            <a:off x="467544" y="4725144"/>
+            <a:ext cx="8208912" cy="923330"/>
           </a:xfrm>
           <a:prstGeom prst="rect">
             <a:avLst/>
@@ -13691,17 +12707,21 @@
           </a:bodyPr>
           <a:lstStyle/>
           <a:p>
+            <a:pPr>
+              <a:buFontTx/>
+              <a:buChar char="-"/>
+            </a:pPr>
             <a:r>
               <a:rPr lang="de-DE" dirty="0" smtClean="0"/>
-              <a:t>- Erstellung eines Skripts zur </a:t>
+              <a:t> Erstellung von Funktionen zum Lesen aus und Schreiben in die Datenbank (Kategorien/Artikel/Kommentare erstellen, </a:t>
             </a:r>
             <a:r>
               <a:rPr lang="de-DE" dirty="0" err="1" smtClean="0"/>
-              <a:t>Befüllung</a:t>
+              <a:t>Like</a:t>
             </a:r>
             <a:r>
               <a:rPr lang="de-DE" dirty="0" smtClean="0"/>
-              <a:t> der Datenbank</a:t>
+              <a:t>-Funktion, Auswahl und Vorauswahl bereits bestehender Kategorien, Gültigkeitsprüfungen bei Speicherung) </a:t>
             </a:r>
           </a:p>
         </p:txBody>
@@ -13714,8 +12734,8 @@
         </p:nvSpPr>
         <p:spPr>
           <a:xfrm>
-            <a:off x="395536" y="3933056"/>
-            <a:ext cx="8352928" cy="369332"/>
+            <a:off x="395536" y="2060848"/>
+            <a:ext cx="8352928" cy="400110"/>
           </a:xfrm>
           <a:prstGeom prst="rect">
             <a:avLst/>
@@ -13729,22 +12749,14 @@
           <a:lstStyle/>
           <a:p>
             <a:r>
-              <a:rPr lang="de-DE" b="1" dirty="0" err="1" smtClean="0">
+              <a:rPr lang="de-DE" sz="2000" b="1" dirty="0" smtClean="0">
                 <a:solidFill>
                   <a:srgbClr val="FF0000"/>
                 </a:solidFill>
               </a:rPr>
-              <a:t>Befüllung</a:t>
-            </a:r>
-            <a:r>
-              <a:rPr lang="de-DE" b="1" dirty="0" smtClean="0">
-                <a:solidFill>
-                  <a:srgbClr val="FF0000"/>
-                </a:solidFill>
-              </a:rPr>
-              <a:t> der Datenbank mit Demo-Daten (Nadine)</a:t>
-            </a:r>
-            <a:endParaRPr lang="de-DE" b="1" dirty="0">
+              <a:t>Implementierung der verbleibenden PHP-Funktionen (Sebastian)</a:t>
+            </a:r>
+            <a:endParaRPr lang="de-DE" sz="2000" b="1" dirty="0">
               <a:solidFill>
                 <a:srgbClr val="FF0000"/>
               </a:solidFill>
@@ -13777,6 +12789,77 @@
               <a:t>Vertikaler Prototyp -&gt; Finale Version</a:t>
             </a:r>
             <a:endParaRPr lang="de-DE" dirty="0"/>
+          </a:p>
+        </p:txBody>
+      </p:sp>
+      <p:sp>
+        <p:nvSpPr>
+          <p:cNvPr id="12" name="Rechteck 11"/>
+          <p:cNvSpPr/>
+          <p:nvPr/>
+        </p:nvSpPr>
+        <p:spPr bwMode="auto">
+          <a:xfrm>
+            <a:off x="381000" y="3112396"/>
+            <a:ext cx="6999312" cy="561600"/>
+          </a:xfrm>
+          <a:prstGeom prst="rect">
+            <a:avLst/>
+          </a:prstGeom>
+          <a:solidFill>
+            <a:srgbClr val="FF0000"/>
+          </a:solidFill>
+          <a:ln>
+            <a:headEnd type="none" w="med" len="med"/>
+            <a:tailEnd type="none" w="med" len="med"/>
+          </a:ln>
+          <a:effectLst/>
+          <a:scene3d>
+            <a:camera prst="orthographicFront">
+              <a:rot lat="0" lon="0" rev="0"/>
+            </a:camera>
+            <a:lightRig rig="threePt" dir="t">
+              <a:rot lat="0" lon="0" rev="1200000"/>
+            </a:lightRig>
+          </a:scene3d>
+          <a:sp3d/>
+        </p:spPr>
+        <p:style>
+          <a:lnRef idx="0">
+            <a:schemeClr val="accent3"/>
+          </a:lnRef>
+          <a:fillRef idx="3">
+            <a:schemeClr val="accent3"/>
+          </a:fillRef>
+          <a:effectRef idx="3">
+            <a:schemeClr val="accent3"/>
+          </a:effectRef>
+          <a:fontRef idx="minor">
+            <a:schemeClr val="lt1"/>
+          </a:fontRef>
+        </p:style>
+        <p:txBody>
+          <a:bodyPr vert="horz" wrap="square" lIns="91436" tIns="45718" rIns="91436" bIns="45718" numCol="1" rtlCol="0" anchor="ctr" anchorCtr="0" compatLnSpc="1">
+            <a:prstTxWarp prst="textNoShape">
+              <a:avLst/>
+            </a:prstTxWarp>
+          </a:bodyPr>
+          <a:lstStyle/>
+          <a:p>
+            <a:pPr algn="ctr" defTabSz="914099" fontAlgn="base">
+              <a:spcBef>
+                <a:spcPct val="0"/>
+              </a:spcBef>
+              <a:spcAft>
+                <a:spcPct val="0"/>
+              </a:spcAft>
+            </a:pPr>
+            <a:endParaRPr lang="de-DE" sz="2300" dirty="0" smtClean="0">
+              <a:solidFill>
+                <a:schemeClr val="tx1"/>
+              </a:solidFill>
+              <a:latin typeface="Segoe" pitchFamily="34" charset="0"/>
+            </a:endParaRPr>
           </a:p>
         </p:txBody>
       </p:sp>
@@ -13952,6 +13035,89 @@
       </p:sp>
       <p:sp>
         <p:nvSpPr>
+          <p:cNvPr id="10" name="Textfeld 9"/>
+          <p:cNvSpPr txBox="1"/>
+          <p:nvPr/>
+        </p:nvSpPr>
+        <p:spPr>
+          <a:xfrm>
+            <a:off x="467544" y="5013176"/>
+            <a:ext cx="8208912" cy="369332"/>
+          </a:xfrm>
+          <a:prstGeom prst="rect">
+            <a:avLst/>
+          </a:prstGeom>
+          <a:noFill/>
+        </p:spPr>
+        <p:txBody>
+          <a:bodyPr wrap="square" rtlCol="0">
+            <a:spAutoFit/>
+          </a:bodyPr>
+          <a:lstStyle/>
+          <a:p>
+            <a:r>
+              <a:rPr lang="de-DE" dirty="0" smtClean="0"/>
+              <a:t>- Erstellung eines Skripts zur </a:t>
+            </a:r>
+            <a:r>
+              <a:rPr lang="de-DE" dirty="0" smtClean="0"/>
+              <a:t>Befüllen der </a:t>
+            </a:r>
+            <a:r>
+              <a:rPr lang="de-DE" dirty="0" smtClean="0"/>
+              <a:t>Datenbank</a:t>
+            </a:r>
+          </a:p>
+        </p:txBody>
+      </p:sp>
+      <p:sp>
+        <p:nvSpPr>
+          <p:cNvPr id="11" name="Textfeld 10"/>
+          <p:cNvSpPr txBox="1"/>
+          <p:nvPr/>
+        </p:nvSpPr>
+        <p:spPr>
+          <a:xfrm>
+            <a:off x="395536" y="2060848"/>
+            <a:ext cx="8352928" cy="400110"/>
+          </a:xfrm>
+          <a:prstGeom prst="rect">
+            <a:avLst/>
+          </a:prstGeom>
+          <a:noFill/>
+        </p:spPr>
+        <p:txBody>
+          <a:bodyPr wrap="square" rtlCol="0">
+            <a:spAutoFit/>
+          </a:bodyPr>
+          <a:lstStyle/>
+          <a:p>
+            <a:r>
+              <a:rPr lang="de-DE" sz="2000" b="1" dirty="0" smtClean="0">
+                <a:solidFill>
+                  <a:srgbClr val="FF0000"/>
+                </a:solidFill>
+              </a:rPr>
+              <a:t>Befüllen </a:t>
+            </a:r>
+            <a:r>
+              <a:rPr lang="de-DE" sz="2000" b="1" dirty="0" smtClean="0">
+                <a:solidFill>
+                  <a:srgbClr val="FF0000"/>
+                </a:solidFill>
+              </a:rPr>
+              <a:t>der Datenbank mit Demo-Daten (Nadine)</a:t>
+            </a:r>
+            <a:endParaRPr lang="de-DE" sz="2000" b="1" dirty="0">
+              <a:solidFill>
+                <a:srgbClr val="FF0000"/>
+              </a:solidFill>
+            </a:endParaRPr>
+          </a:p>
+        </p:txBody>
+      </p:sp>
+      <p:sp>
+        <p:nvSpPr>
           <p:cNvPr id="13" name="Titel 1"/>
           <p:cNvSpPr>
             <a:spLocks noGrp="1"/>
@@ -13980,40 +13146,71 @@
       </p:sp>
       <p:sp>
         <p:nvSpPr>
-          <p:cNvPr id="12" name="Textfeld 11"/>
-          <p:cNvSpPr txBox="1"/>
+          <p:cNvPr id="12" name="Rechteck 11"/>
+          <p:cNvSpPr/>
           <p:nvPr/>
         </p:nvSpPr>
-        <p:spPr>
+        <p:spPr bwMode="auto">
           <a:xfrm>
-            <a:off x="5724128" y="3212976"/>
-            <a:ext cx="2448272" cy="369332"/>
+            <a:off x="381000" y="3112396"/>
+            <a:ext cx="7647384" cy="561600"/>
           </a:xfrm>
           <a:prstGeom prst="rect">
             <a:avLst/>
           </a:prstGeom>
           <a:solidFill>
-            <a:schemeClr val="bg1"/>
+            <a:srgbClr val="FF0000"/>
           </a:solidFill>
+          <a:ln>
+            <a:headEnd type="none" w="med" len="med"/>
+            <a:tailEnd type="none" w="med" len="med"/>
+          </a:ln>
+          <a:effectLst/>
+          <a:scene3d>
+            <a:camera prst="orthographicFront">
+              <a:rot lat="0" lon="0" rev="0"/>
+            </a:camera>
+            <a:lightRig rig="threePt" dir="t">
+              <a:rot lat="0" lon="0" rev="1200000"/>
+            </a:lightRig>
+          </a:scene3d>
+          <a:sp3d/>
         </p:spPr>
-        <p:txBody>
-          <a:bodyPr wrap="square" rtlCol="0">
-            <a:spAutoFit/>
+        <p:style>
+          <a:lnRef idx="0">
+            <a:schemeClr val="accent3"/>
+          </a:lnRef>
+          <a:fillRef idx="3">
+            <a:schemeClr val="accent3"/>
+          </a:fillRef>
+          <a:effectRef idx="3">
+            <a:schemeClr val="accent3"/>
+          </a:effectRef>
+          <a:fontRef idx="minor">
+            <a:schemeClr val="lt1"/>
+          </a:fontRef>
+        </p:style>
+        <p:txBody>
+          <a:bodyPr vert="horz" wrap="square" lIns="91436" tIns="45718" rIns="91436" bIns="45718" numCol="1" rtlCol="0" anchor="ctr" anchorCtr="0" compatLnSpc="1">
+            <a:prstTxWarp prst="textNoShape">
+              <a:avLst/>
+            </a:prstTxWarp>
           </a:bodyPr>
           <a:lstStyle/>
           <a:p>
-            <a:r>
-              <a:rPr lang="de-DE" b="1" dirty="0" smtClean="0">
-                <a:solidFill>
-                  <a:srgbClr val="FF0000"/>
-                </a:solidFill>
-              </a:rPr>
-              <a:t>Aufwand: 14,5 Stunden</a:t>
-            </a:r>
-            <a:endParaRPr lang="de-DE" b="1" dirty="0">
+            <a:pPr algn="ctr" defTabSz="914099" fontAlgn="base">
+              <a:spcBef>
+                <a:spcPct val="0"/>
+              </a:spcBef>
+              <a:spcAft>
+                <a:spcPct val="0"/>
+              </a:spcAft>
+            </a:pPr>
+            <a:endParaRPr lang="de-DE" sz="2300" dirty="0" smtClean="0">
               <a:solidFill>
-                <a:srgbClr val="FF0000"/>
+                <a:schemeClr val="tx1"/>
               </a:solidFill>
+              <a:latin typeface="Segoe" pitchFamily="34" charset="0"/>
             </a:endParaRPr>
           </a:p>
         </p:txBody>
@@ -14060,7 +13257,143 @@
       </p:grpSpPr>
       <p:sp>
         <p:nvSpPr>
-          <p:cNvPr id="2" name="Titel 1"/>
+          <p:cNvPr id="4" name="Datumsplatzhalter 3"/>
+          <p:cNvSpPr>
+            <a:spLocks noGrp="1"/>
+          </p:cNvSpPr>
+          <p:nvPr>
+            <p:ph type="dt" sz="half" idx="11"/>
+          </p:nvPr>
+        </p:nvSpPr>
+        <p:spPr/>
+        <p:txBody>
+          <a:bodyPr/>
+          <a:lstStyle/>
+          <a:p>
+            <a:r>
+              <a:rPr lang="de-DE" smtClean="0"/>
+              <a:t>30.01.2015</a:t>
+            </a:r>
+            <a:endParaRPr lang="de-DE"/>
+          </a:p>
+        </p:txBody>
+      </p:sp>
+      <p:sp>
+        <p:nvSpPr>
+          <p:cNvPr id="5" name="Fußzeilenplatzhalter 4"/>
+          <p:cNvSpPr>
+            <a:spLocks noGrp="1"/>
+          </p:cNvSpPr>
+          <p:nvPr>
+            <p:ph type="ftr" sz="quarter" idx="12"/>
+          </p:nvPr>
+        </p:nvSpPr>
+        <p:spPr/>
+        <p:txBody>
+          <a:bodyPr/>
+          <a:lstStyle/>
+          <a:p>
+            <a:r>
+              <a:rPr lang="de-DE" smtClean="0"/>
+              <a:t>Team Schwarz | IBT: Essential Blog</a:t>
+            </a:r>
+            <a:endParaRPr lang="de-DE"/>
+          </a:p>
+        </p:txBody>
+      </p:sp>
+      <p:sp>
+        <p:nvSpPr>
+          <p:cNvPr id="6" name="Foliennummernplatzhalter 5"/>
+          <p:cNvSpPr>
+            <a:spLocks noGrp="1"/>
+          </p:cNvSpPr>
+          <p:nvPr>
+            <p:ph type="sldNum" sz="quarter" idx="13"/>
+          </p:nvPr>
+        </p:nvSpPr>
+        <p:spPr/>
+        <p:txBody>
+          <a:bodyPr/>
+          <a:lstStyle/>
+          <a:p>
+            <a:fld id="{6C6BBD26-F43C-4AE7-B45C-5C0A14E952E7}" type="slidenum">
+              <a:rPr lang="de-DE" smtClean="0"/>
+              <a:pPr/>
+              <a:t>22</a:t>
+            </a:fld>
+            <a:endParaRPr lang="de-DE"/>
+          </a:p>
+        </p:txBody>
+      </p:sp>
+      <p:sp>
+        <p:nvSpPr>
+          <p:cNvPr id="9" name="Pfeil nach rechts 8"/>
+          <p:cNvSpPr/>
+          <p:nvPr/>
+        </p:nvSpPr>
+        <p:spPr bwMode="auto">
+          <a:xfrm>
+            <a:off x="395536" y="2852936"/>
+            <a:ext cx="8352928" cy="1080120"/>
+          </a:xfrm>
+          <a:prstGeom prst="rightArrow">
+            <a:avLst/>
+          </a:prstGeom>
+          <a:solidFill>
+            <a:srgbClr val="FF0000"/>
+          </a:solidFill>
+          <a:ln>
+            <a:solidFill>
+              <a:srgbClr val="FF0000"/>
+            </a:solidFill>
+            <a:headEnd type="none" w="med" len="med"/>
+            <a:tailEnd type="none" w="med" len="med"/>
+          </a:ln>
+        </p:spPr>
+        <p:style>
+          <a:lnRef idx="2">
+            <a:schemeClr val="accent2">
+              <a:shade val="50000"/>
+            </a:schemeClr>
+          </a:lnRef>
+          <a:fillRef idx="1">
+            <a:schemeClr val="accent2"/>
+          </a:fillRef>
+          <a:effectRef idx="0">
+            <a:schemeClr val="accent2"/>
+          </a:effectRef>
+          <a:fontRef idx="minor">
+            <a:schemeClr val="lt1"/>
+          </a:fontRef>
+        </p:style>
+        <p:txBody>
+          <a:bodyPr vert="horz" wrap="square" lIns="91436" tIns="45718" rIns="91436" bIns="45718" numCol="1" rtlCol="0" anchor="ctr" anchorCtr="0" compatLnSpc="1">
+            <a:prstTxWarp prst="textNoShape">
+              <a:avLst/>
+            </a:prstTxWarp>
+          </a:bodyPr>
+          <a:lstStyle/>
+          <a:p>
+            <a:pPr algn="ctr" defTabSz="914099" fontAlgn="base">
+              <a:spcBef>
+                <a:spcPct val="0"/>
+              </a:spcBef>
+              <a:spcAft>
+                <a:spcPct val="0"/>
+              </a:spcAft>
+            </a:pPr>
+            <a:endParaRPr lang="de-DE" sz="2300" dirty="0" smtClean="0">
+              <a:solidFill>
+                <a:schemeClr val="tx1"/>
+              </a:solidFill>
+              <a:latin typeface="Segoe" pitchFamily="34" charset="0"/>
+            </a:endParaRPr>
+          </a:p>
+        </p:txBody>
+      </p:sp>
+      <p:sp>
+        <p:nvSpPr>
+          <p:cNvPr id="13" name="Titel 1"/>
           <p:cNvSpPr>
             <a:spLocks noGrp="1"/>
           </p:cNvSpPr>
@@ -14080,7 +13413,7 @@
           <a:p>
             <a:r>
               <a:rPr lang="de-DE" dirty="0" smtClean="0"/>
-              <a:t>Inhalt</a:t>
+              <a:t>Vertikaler Prototyp -&gt; Finale Version</a:t>
             </a:r>
             <a:endParaRPr lang="de-DE" dirty="0"/>
           </a:p>
@@ -14088,180 +13421,64 @@
       </p:sp>
       <p:sp>
         <p:nvSpPr>
-          <p:cNvPr id="3" name="Textplatzhalter 2"/>
-          <p:cNvSpPr>
-            <a:spLocks noGrp="1"/>
-          </p:cNvSpPr>
-          <p:nvPr>
-            <p:ph type="body" sz="quarter" idx="10"/>
-          </p:nvPr>
+          <p:cNvPr id="12" name="Textfeld 11"/>
+          <p:cNvSpPr txBox="1"/>
+          <p:nvPr/>
         </p:nvSpPr>
         <p:spPr>
           <a:xfrm>
-            <a:off x="381000" y="1847430"/>
-            <a:ext cx="8382000" cy="4302716"/>
+            <a:off x="5724128" y="2708920"/>
+            <a:ext cx="2448272" cy="369332"/>
           </a:xfrm>
+          <a:prstGeom prst="rect">
+            <a:avLst/>
+          </a:prstGeom>
+          <a:solidFill>
+            <a:schemeClr val="bg1"/>
+          </a:solidFill>
         </p:spPr>
         <p:txBody>
-          <a:bodyPr/>
-          <a:lstStyle/>
-          <a:p>
-            <a:pPr marL="514350" indent="-514350">
-              <a:buFont typeface="+mj-lt"/>
-              <a:buAutoNum type="arabicPeriod"/>
-            </a:pPr>
-            <a:r>
-              <a:rPr lang="de-DE" dirty="0"/>
-              <a:t>Das Team</a:t>
-            </a:r>
-          </a:p>
-          <a:p>
-            <a:pPr marL="514350" indent="-514350">
-              <a:buFont typeface="+mj-lt"/>
-              <a:buAutoNum type="arabicPeriod"/>
-            </a:pPr>
-            <a:r>
-              <a:rPr lang="de-DE" dirty="0"/>
-              <a:t>Unser Thema</a:t>
-            </a:r>
-          </a:p>
-          <a:p>
-            <a:pPr marL="514350" indent="-514350">
-              <a:buFont typeface="+mj-lt"/>
-              <a:buAutoNum type="arabicPeriod"/>
-            </a:pPr>
-            <a:r>
-              <a:rPr lang="de-DE" dirty="0"/>
-              <a:t>Anforderungen</a:t>
-            </a:r>
-          </a:p>
-          <a:p>
-            <a:pPr marL="514350" indent="-514350">
-              <a:buFont typeface="+mj-lt"/>
-              <a:buAutoNum type="arabicPeriod"/>
-            </a:pPr>
-            <a:r>
-              <a:rPr lang="de-DE" dirty="0"/>
-              <a:t>Vorgehen</a:t>
-            </a:r>
-          </a:p>
-          <a:p>
-            <a:pPr marL="514350" indent="-514350">
-              <a:buFont typeface="+mj-lt"/>
-              <a:buAutoNum type="arabicPeriod"/>
-            </a:pPr>
-            <a:r>
-              <a:rPr lang="de-DE" sz="3600" b="1" dirty="0"/>
-              <a:t>Herausforderungen</a:t>
-            </a:r>
-          </a:p>
-          <a:p>
-            <a:pPr marL="514350" indent="-514350">
-              <a:buFont typeface="+mj-lt"/>
-              <a:buAutoNum type="arabicPeriod"/>
-            </a:pPr>
-            <a:r>
-              <a:rPr lang="de-DE" dirty="0"/>
-              <a:t>Ergebnis</a:t>
-            </a:r>
-          </a:p>
-          <a:p>
-            <a:pPr marL="514350" indent="-514350">
-              <a:buFont typeface="+mj-lt"/>
-              <a:buAutoNum type="arabicPeriod"/>
-            </a:pPr>
-            <a:r>
-              <a:rPr lang="de-DE" dirty="0"/>
-              <a:t>Reflektion</a:t>
-            </a:r>
-          </a:p>
-          <a:p>
-            <a:pPr marL="514350" indent="-514350">
-              <a:buFont typeface="+mj-lt"/>
-              <a:buAutoNum type="arabicPeriod"/>
-            </a:pPr>
-            <a:r>
-              <a:rPr lang="de-DE" dirty="0" smtClean="0"/>
-              <a:t>Rückmeldung</a:t>
-            </a:r>
-            <a:endParaRPr lang="de-DE" dirty="0"/>
-          </a:p>
-        </p:txBody>
-      </p:sp>
-      <p:sp>
-        <p:nvSpPr>
-          <p:cNvPr id="4" name="Datumsplatzhalter 3"/>
-          <p:cNvSpPr>
-            <a:spLocks noGrp="1"/>
-          </p:cNvSpPr>
-          <p:nvPr>
-            <p:ph type="dt" sz="half" idx="11"/>
-          </p:nvPr>
-        </p:nvSpPr>
-        <p:spPr/>
-        <p:txBody>
-          <a:bodyPr/>
-          <a:lstStyle/>
-          <a:p>
-            <a:r>
-              <a:rPr lang="de-DE" smtClean="0"/>
-              <a:t>30.01.2015</a:t>
-            </a:r>
-            <a:endParaRPr lang="de-DE"/>
-          </a:p>
-        </p:txBody>
-      </p:sp>
-      <p:sp>
-        <p:nvSpPr>
-          <p:cNvPr id="5" name="Fußzeilenplatzhalter 4"/>
-          <p:cNvSpPr>
-            <a:spLocks noGrp="1"/>
-          </p:cNvSpPr>
-          <p:nvPr>
-            <p:ph type="ftr" sz="quarter" idx="12"/>
-          </p:nvPr>
-        </p:nvSpPr>
-        <p:spPr/>
-        <p:txBody>
-          <a:bodyPr/>
-          <a:lstStyle/>
-          <a:p>
-            <a:r>
-              <a:rPr lang="de-DE" smtClean="0"/>
-              <a:t>Team Schwarz | IBT: Essential Blog</a:t>
-            </a:r>
-            <a:endParaRPr lang="de-DE"/>
-          </a:p>
-        </p:txBody>
-      </p:sp>
-      <p:sp>
-        <p:nvSpPr>
-          <p:cNvPr id="6" name="Foliennummernplatzhalter 5"/>
-          <p:cNvSpPr>
-            <a:spLocks noGrp="1"/>
-          </p:cNvSpPr>
-          <p:nvPr>
-            <p:ph type="sldNum" sz="quarter" idx="13"/>
-          </p:nvPr>
-        </p:nvSpPr>
-        <p:spPr/>
-        <p:txBody>
-          <a:bodyPr/>
-          <a:lstStyle/>
-          <a:p>
-            <a:fld id="{6C6BBD26-F43C-4AE7-B45C-5C0A14E952E7}" type="slidenum">
-              <a:rPr lang="de-DE" smtClean="0"/>
-              <a:pPr/>
-              <a:t>22</a:t>
-            </a:fld>
-            <a:endParaRPr lang="de-DE"/>
+          <a:bodyPr wrap="square" rtlCol="0">
+            <a:spAutoFit/>
+          </a:bodyPr>
+          <a:lstStyle/>
+          <a:p>
+            <a:r>
+              <a:rPr lang="de-DE" b="1" dirty="0" smtClean="0">
+                <a:solidFill>
+                  <a:srgbClr val="FF0000"/>
+                </a:solidFill>
+              </a:rPr>
+              <a:t>Aufwand: </a:t>
+            </a:r>
+            <a:r>
+              <a:rPr lang="de-DE" b="1" dirty="0" smtClean="0">
+                <a:solidFill>
+                  <a:srgbClr val="FF0000"/>
+                </a:solidFill>
+              </a:rPr>
+              <a:t>40 </a:t>
+            </a:r>
+            <a:r>
+              <a:rPr lang="de-DE" b="1" dirty="0" smtClean="0">
+                <a:solidFill>
+                  <a:srgbClr val="FF0000"/>
+                </a:solidFill>
+              </a:rPr>
+              <a:t>Stunden</a:t>
+            </a:r>
+            <a:endParaRPr lang="de-DE" b="1" dirty="0">
+              <a:solidFill>
+                <a:srgbClr val="FF0000"/>
+              </a:solidFill>
+            </a:endParaRPr>
           </a:p>
         </p:txBody>
       </p:sp>
     </p:spTree>
     <p:extLst>
       <p:ext uri="{BB962C8B-B14F-4D97-AF65-F5344CB8AC3E}">
-        <p14:creationId xmlns:p14="http://schemas.microsoft.com/office/powerpoint/2010/main" val="707580364"/>
+        <p14:creationId xmlns:p14="http://schemas.microsoft.com/office/powerpoint/2010/main" val="2261671502"/>
       </p:ext>
     </p:extLst>
   </p:cSld>
@@ -14320,7 +13537,7 @@
           <a:p>
             <a:r>
               <a:rPr lang="de-DE" dirty="0" smtClean="0"/>
-              <a:t>5. Herausforderungen</a:t>
+              <a:t>Inhalt</a:t>
             </a:r>
             <a:endParaRPr lang="de-DE" dirty="0"/>
           </a:p>
@@ -14338,17 +13555,91 @@
         </p:nvSpPr>
         <p:spPr>
           <a:xfrm>
-            <a:off x="381000" y="1772816"/>
-            <a:ext cx="8382000" cy="1329595"/>
+            <a:off x="381000" y="1847430"/>
+            <a:ext cx="8382000" cy="4302716"/>
           </a:xfrm>
         </p:spPr>
         <p:txBody>
           <a:bodyPr/>
           <a:lstStyle/>
           <a:p>
+            <a:pPr marL="514350" indent="-514350">
+              <a:buFont typeface="+mj-lt"/>
+              <a:buAutoNum type="arabicPeriod"/>
+            </a:pPr>
+            <a:r>
+              <a:rPr lang="de-DE" dirty="0"/>
+              <a:t>Das Team</a:t>
+            </a:r>
+          </a:p>
+          <a:p>
+            <a:pPr marL="514350" indent="-514350">
+              <a:buFont typeface="+mj-lt"/>
+              <a:buAutoNum type="arabicPeriod"/>
+            </a:pPr>
+            <a:r>
+              <a:rPr lang="de-DE" dirty="0"/>
+              <a:t>Unser Thema</a:t>
+            </a:r>
+          </a:p>
+          <a:p>
+            <a:pPr marL="514350" indent="-514350">
+              <a:buFont typeface="+mj-lt"/>
+              <a:buAutoNum type="arabicPeriod"/>
+            </a:pPr>
+            <a:r>
+              <a:rPr lang="de-DE" dirty="0"/>
+              <a:t>Anforderungen</a:t>
+            </a:r>
+          </a:p>
+          <a:p>
+            <a:pPr marL="514350" indent="-514350">
+              <a:buFont typeface="+mj-lt"/>
+              <a:buAutoNum type="arabicPeriod"/>
+            </a:pPr>
+            <a:r>
+              <a:rPr lang="de-DE" dirty="0"/>
+              <a:t>Vorgehen</a:t>
+            </a:r>
+          </a:p>
+          <a:p>
+            <a:pPr marL="514350" indent="-514350">
+              <a:buFont typeface="+mj-lt"/>
+              <a:buAutoNum type="arabicPeriod"/>
+            </a:pPr>
+            <a:r>
+              <a:rPr lang="de-DE" sz="3600" b="1" dirty="0"/>
+              <a:t>Herausforderungen</a:t>
+            </a:r>
+          </a:p>
+          <a:p>
+            <a:pPr marL="514350" indent="-514350">
+              <a:buFont typeface="+mj-lt"/>
+              <a:buAutoNum type="arabicPeriod"/>
+            </a:pPr>
+            <a:r>
+              <a:rPr lang="de-DE" dirty="0"/>
+              <a:t>Ergebnis</a:t>
+            </a:r>
+          </a:p>
+          <a:p>
+            <a:pPr marL="514350" indent="-514350">
+              <a:buFont typeface="+mj-lt"/>
+              <a:buAutoNum type="arabicPeriod"/>
+            </a:pPr>
+            <a:r>
+              <a:rPr lang="de-DE" dirty="0"/>
+              <a:t>Reflektion</a:t>
+            </a:r>
+          </a:p>
+          <a:p>
+            <a:pPr marL="514350" indent="-514350">
+              <a:buFont typeface="+mj-lt"/>
+              <a:buAutoNum type="arabicPeriod"/>
+            </a:pPr>
             <a:r>
               <a:rPr lang="de-DE" dirty="0" smtClean="0"/>
-              <a:t>Was hat gut geklappt? Wo gab es Herausforderungen? Wie sind Sie damit umgegangen?</a:t>
+              <a:t>Rückmeldung</a:t>
             </a:r>
             <a:endParaRPr lang="de-DE" dirty="0"/>
           </a:p>
@@ -14427,7 +13718,7 @@
     </p:spTree>
     <p:extLst>
       <p:ext uri="{BB962C8B-B14F-4D97-AF65-F5344CB8AC3E}">
-        <p14:creationId xmlns:p14="http://schemas.microsoft.com/office/powerpoint/2010/main" val="1320074621"/>
+        <p14:creationId xmlns:p14="http://schemas.microsoft.com/office/powerpoint/2010/main" val="707580364"/>
       </p:ext>
     </p:extLst>
   </p:cSld>
@@ -14486,7 +13777,7 @@
           <a:p>
             <a:r>
               <a:rPr lang="de-DE" dirty="0" smtClean="0"/>
-              <a:t>Inhalt</a:t>
+              <a:t>5. Herausforderungen</a:t>
             </a:r>
             <a:endParaRPr lang="de-DE" dirty="0"/>
           </a:p>
@@ -14504,93 +13795,48 @@
         </p:nvSpPr>
         <p:spPr>
           <a:xfrm>
-            <a:off x="381000" y="1847430"/>
-            <a:ext cx="8382000" cy="4302716"/>
+            <a:off x="381000" y="1772816"/>
+            <a:ext cx="8382000" cy="3151632"/>
           </a:xfrm>
         </p:spPr>
         <p:txBody>
           <a:bodyPr/>
           <a:lstStyle/>
           <a:p>
-            <a:pPr marL="514350" indent="-514350">
-              <a:buFont typeface="+mj-lt"/>
-              <a:buAutoNum type="arabicPeriod"/>
-            </a:pPr>
+            <a:r>
+              <a:rPr lang="de-DE" dirty="0" smtClean="0"/>
+              <a:t>PHP zu Anfang komplex</a:t>
+            </a:r>
+          </a:p>
+          <a:p>
+            <a:r>
+              <a:rPr lang="de-DE" dirty="0" smtClean="0"/>
+              <a:t>Interaktion zwischen PHP &amp; MySQL umständlich</a:t>
+            </a:r>
+          </a:p>
+          <a:p>
             <a:r>
               <a:rPr lang="de-DE" dirty="0"/>
-              <a:t>Das Team</a:t>
-            </a:r>
-          </a:p>
-          <a:p>
-            <a:pPr marL="514350" indent="-514350">
-              <a:buFont typeface="+mj-lt"/>
-              <a:buAutoNum type="arabicPeriod"/>
-            </a:pPr>
-            <a:r>
-              <a:rPr lang="de-DE" dirty="0"/>
-              <a:t>Unser Thema</a:t>
-            </a:r>
-          </a:p>
-          <a:p>
-            <a:pPr marL="514350" indent="-514350">
-              <a:buFont typeface="+mj-lt"/>
-              <a:buAutoNum type="arabicPeriod"/>
-            </a:pPr>
-            <a:r>
-              <a:rPr lang="de-DE" dirty="0"/>
-              <a:t>Anforderungen</a:t>
-            </a:r>
-          </a:p>
-          <a:p>
-            <a:pPr marL="514350" indent="-514350">
-              <a:buFont typeface="+mj-lt"/>
-              <a:buAutoNum type="arabicPeriod"/>
-            </a:pPr>
-            <a:r>
-              <a:rPr lang="de-DE" dirty="0"/>
-              <a:t>Vorgehen</a:t>
-            </a:r>
-          </a:p>
-          <a:p>
-            <a:pPr marL="514350" indent="-514350">
-              <a:buFont typeface="+mj-lt"/>
-              <a:buAutoNum type="arabicPeriod"/>
-            </a:pPr>
-            <a:r>
-              <a:rPr lang="de-DE" dirty="0"/>
-              <a:t>Herausforderungen</a:t>
-            </a:r>
-          </a:p>
-          <a:p>
-            <a:pPr marL="514350" indent="-514350">
-              <a:buFont typeface="+mj-lt"/>
-              <a:buAutoNum type="arabicPeriod"/>
-            </a:pPr>
-            <a:r>
-              <a:rPr lang="de-DE" sz="3600" b="1" dirty="0"/>
-              <a:t>Ergebnis</a:t>
-            </a:r>
-          </a:p>
-          <a:p>
-            <a:pPr marL="514350" indent="-514350">
-              <a:buFont typeface="+mj-lt"/>
-              <a:buAutoNum type="arabicPeriod"/>
-            </a:pPr>
-            <a:r>
-              <a:rPr lang="de-DE" dirty="0"/>
-              <a:t>Reflektion</a:t>
-            </a:r>
-          </a:p>
-          <a:p>
-            <a:pPr marL="514350" indent="-514350">
-              <a:buFont typeface="+mj-lt"/>
-              <a:buAutoNum type="arabicPeriod"/>
-            </a:pPr>
+              <a:t>Client-Server-Interaktion umständlich</a:t>
+            </a:r>
+          </a:p>
+          <a:p>
             <a:r>
               <a:rPr lang="de-DE" dirty="0" smtClean="0"/>
-              <a:t>Rückmeldung</a:t>
-            </a:r>
-            <a:endParaRPr lang="de-DE" dirty="0"/>
+              <a:t>CSS bietet viele Möglichkeiten</a:t>
+            </a:r>
+          </a:p>
+          <a:p>
+            <a:r>
+              <a:rPr lang="de-DE" dirty="0" smtClean="0"/>
+              <a:t>Browser mit unterschiedlichem Verhalten</a:t>
+            </a:r>
+          </a:p>
+          <a:p>
+            <a:r>
+              <a:rPr lang="de-DE" dirty="0" smtClean="0"/>
+              <a:t>Internetquellen nicht eindeutig (JavaScript)</a:t>
+            </a:r>
           </a:p>
         </p:txBody>
       </p:sp>
@@ -14667,7 +13913,7 @@
     </p:spTree>
     <p:extLst>
       <p:ext uri="{BB962C8B-B14F-4D97-AF65-F5344CB8AC3E}">
-        <p14:creationId xmlns:p14="http://schemas.microsoft.com/office/powerpoint/2010/main" val="1031461879"/>
+        <p14:creationId xmlns:p14="http://schemas.microsoft.com/office/powerpoint/2010/main" val="1320074621"/>
       </p:ext>
     </p:extLst>
   </p:cSld>
@@ -14677,6 +13923,13 @@
   <p:transition>
     <p:fade/>
   </p:transition>
+  <p:timing>
+    <p:tnLst>
+      <p:par>
+        <p:cTn id="1" dur="indefinite" restart="never" nodeType="tmRoot"/>
+      </p:par>
+    </p:tnLst>
+  </p:timing>
 </p:sld>
 </file>
 
@@ -14719,7 +13972,7 @@
           <a:p>
             <a:r>
               <a:rPr lang="de-DE" dirty="0" smtClean="0"/>
-              <a:t>6. Ergebnis</a:t>
+              <a:t>Inhalt</a:t>
             </a:r>
             <a:endParaRPr lang="de-DE" dirty="0"/>
           </a:p>
@@ -14737,23 +13990,91 @@
         </p:nvSpPr>
         <p:spPr>
           <a:xfrm>
-            <a:off x="381000" y="1772816"/>
-            <a:ext cx="8382000" cy="984885"/>
+            <a:off x="381000" y="1847430"/>
+            <a:ext cx="8382000" cy="4302716"/>
           </a:xfrm>
         </p:spPr>
         <p:txBody>
           <a:bodyPr/>
           <a:lstStyle/>
           <a:p>
+            <a:pPr marL="514350" indent="-514350">
+              <a:buFont typeface="+mj-lt"/>
+              <a:buAutoNum type="arabicPeriod"/>
+            </a:pPr>
+            <a:r>
+              <a:rPr lang="de-DE" dirty="0"/>
+              <a:t>Das Team</a:t>
+            </a:r>
+          </a:p>
+          <a:p>
+            <a:pPr marL="514350" indent="-514350">
+              <a:buFont typeface="+mj-lt"/>
+              <a:buAutoNum type="arabicPeriod"/>
+            </a:pPr>
+            <a:r>
+              <a:rPr lang="de-DE" dirty="0"/>
+              <a:t>Unser Thema</a:t>
+            </a:r>
+          </a:p>
+          <a:p>
+            <a:pPr marL="514350" indent="-514350">
+              <a:buFont typeface="+mj-lt"/>
+              <a:buAutoNum type="arabicPeriod"/>
+            </a:pPr>
+            <a:r>
+              <a:rPr lang="de-DE" dirty="0"/>
+              <a:t>Anforderungen</a:t>
+            </a:r>
+          </a:p>
+          <a:p>
+            <a:pPr marL="514350" indent="-514350">
+              <a:buFont typeface="+mj-lt"/>
+              <a:buAutoNum type="arabicPeriod"/>
+            </a:pPr>
+            <a:r>
+              <a:rPr lang="de-DE" dirty="0"/>
+              <a:t>Vorgehen</a:t>
+            </a:r>
+          </a:p>
+          <a:p>
+            <a:pPr marL="514350" indent="-514350">
+              <a:buFont typeface="+mj-lt"/>
+              <a:buAutoNum type="arabicPeriod"/>
+            </a:pPr>
+            <a:r>
+              <a:rPr lang="de-DE" dirty="0"/>
+              <a:t>Herausforderungen</a:t>
+            </a:r>
+          </a:p>
+          <a:p>
+            <a:pPr marL="514350" indent="-514350">
+              <a:buFont typeface="+mj-lt"/>
+              <a:buAutoNum type="arabicPeriod"/>
+            </a:pPr>
+            <a:r>
+              <a:rPr lang="de-DE" sz="3600" b="1" dirty="0"/>
+              <a:t>Ergebnis</a:t>
+            </a:r>
+          </a:p>
+          <a:p>
+            <a:pPr marL="514350" indent="-514350">
+              <a:buFont typeface="+mj-lt"/>
+              <a:buAutoNum type="arabicPeriod"/>
+            </a:pPr>
+            <a:r>
+              <a:rPr lang="de-DE" dirty="0"/>
+              <a:t>Reflektion</a:t>
+            </a:r>
+          </a:p>
+          <a:p>
+            <a:pPr marL="514350" indent="-514350">
+              <a:buFont typeface="+mj-lt"/>
+              <a:buAutoNum type="arabicPeriod"/>
+            </a:pPr>
             <a:r>
               <a:rPr lang="de-DE" dirty="0" smtClean="0"/>
-              <a:t>Ergebnis/ Demo</a:t>
-            </a:r>
-          </a:p>
-          <a:p>
-            <a:r>
-              <a:rPr lang="de-DE" dirty="0" smtClean="0"/>
-              <a:t>Vorstellung des Projektergebnisses</a:t>
+              <a:t>Rückmeldung</a:t>
             </a:r>
             <a:endParaRPr lang="de-DE" dirty="0"/>
           </a:p>
@@ -14832,7 +14153,7 @@
     </p:spTree>
     <p:extLst>
       <p:ext uri="{BB962C8B-B14F-4D97-AF65-F5344CB8AC3E}">
-        <p14:creationId xmlns:p14="http://schemas.microsoft.com/office/powerpoint/2010/main" val="1798433020"/>
+        <p14:creationId xmlns:p14="http://schemas.microsoft.com/office/powerpoint/2010/main" val="1031461879"/>
       </p:ext>
     </p:extLst>
   </p:cSld>
@@ -14842,6 +14163,13 @@
   <p:transition>
     <p:fade/>
   </p:transition>
+  <p:timing>
+    <p:tnLst>
+      <p:par>
+        <p:cTn id="1" dur="indefinite" restart="never" nodeType="tmRoot"/>
+      </p:par>
+    </p:tnLst>
+  </p:timing>
 </p:sld>
 </file>
 
@@ -14869,7 +14197,35 @@
             <a:spLocks noGrp="1"/>
           </p:cNvSpPr>
           <p:nvPr>
-            <p:ph type="ctrTitle"/>
+            <p:ph type="title"/>
+          </p:nvPr>
+        </p:nvSpPr>
+        <p:spPr>
+          <a:xfrm>
+            <a:off x="381000" y="908720"/>
+            <a:ext cx="8382000" cy="664797"/>
+          </a:xfrm>
+        </p:spPr>
+        <p:txBody>
+          <a:bodyPr/>
+          <a:lstStyle/>
+          <a:p>
+            <a:r>
+              <a:rPr lang="de-DE" dirty="0" smtClean="0"/>
+              <a:t>6. Ergebnis</a:t>
+            </a:r>
+            <a:endParaRPr lang="de-DE" dirty="0"/>
+          </a:p>
+        </p:txBody>
+      </p:sp>
+      <p:sp>
+        <p:nvSpPr>
+          <p:cNvPr id="4" name="Datumsplatzhalter 3"/>
+          <p:cNvSpPr>
+            <a:spLocks noGrp="1"/>
+          </p:cNvSpPr>
+          <p:nvPr>
+            <p:ph type="dt" sz="half" idx="11"/>
           </p:nvPr>
         </p:nvSpPr>
         <p:spPr/>
@@ -14877,158 +14233,344 @@
           <a:bodyPr/>
           <a:lstStyle/>
           <a:p>
-            <a:pPr algn="l" defTabSz="914400">
+            <a:r>
+              <a:rPr lang="de-DE" smtClean="0"/>
+              <a:t>30.01.2015</a:t>
+            </a:r>
+            <a:endParaRPr lang="de-DE"/>
+          </a:p>
+        </p:txBody>
+      </p:sp>
+      <p:sp>
+        <p:nvSpPr>
+          <p:cNvPr id="5" name="Fußzeilenplatzhalter 4"/>
+          <p:cNvSpPr>
+            <a:spLocks noGrp="1"/>
+          </p:cNvSpPr>
+          <p:nvPr>
+            <p:ph type="ftr" sz="quarter" idx="12"/>
+          </p:nvPr>
+        </p:nvSpPr>
+        <p:spPr/>
+        <p:txBody>
+          <a:bodyPr/>
+          <a:lstStyle/>
+          <a:p>
+            <a:r>
+              <a:rPr lang="de-DE" smtClean="0"/>
+              <a:t>Team Schwarz | IBT: Essential Blog</a:t>
+            </a:r>
+            <a:endParaRPr lang="de-DE"/>
+          </a:p>
+        </p:txBody>
+      </p:sp>
+      <p:sp>
+        <p:nvSpPr>
+          <p:cNvPr id="6" name="Foliennummernplatzhalter 5"/>
+          <p:cNvSpPr>
+            <a:spLocks noGrp="1"/>
+          </p:cNvSpPr>
+          <p:nvPr>
+            <p:ph type="sldNum" sz="quarter" idx="13"/>
+          </p:nvPr>
+        </p:nvSpPr>
+        <p:spPr/>
+        <p:txBody>
+          <a:bodyPr/>
+          <a:lstStyle/>
+          <a:p>
+            <a:fld id="{6C6BBD26-F43C-4AE7-B45C-5C0A14E952E7}" type="slidenum">
+              <a:rPr lang="de-DE" smtClean="0"/>
+              <a:pPr/>
+              <a:t>26</a:t>
+            </a:fld>
+            <a:endParaRPr lang="de-DE"/>
+          </a:p>
+        </p:txBody>
+      </p:sp>
+      <p:sp>
+        <p:nvSpPr>
+          <p:cNvPr id="8" name="Textplatzhalter 3"/>
+          <p:cNvSpPr txBox="1">
+            <a:spLocks/>
+          </p:cNvSpPr>
+          <p:nvPr/>
+        </p:nvSpPr>
+        <p:spPr>
+          <a:xfrm>
+            <a:off x="722049" y="2355850"/>
+            <a:ext cx="7690114" cy="1384994"/>
+          </a:xfrm>
+          <a:prstGeom prst="rect">
+            <a:avLst/>
+          </a:prstGeom>
+        </p:spPr>
+        <p:txBody>
+          <a:bodyPr vert="horz" lIns="0" tIns="0" rIns="0" bIns="0" rtlCol="0">
+            <a:spAutoFit/>
+          </a:bodyPr>
+          <a:lstStyle>
+            <a:lvl1pPr marL="396875" indent="-396875" algn="l" defTabSz="914363" rtl="0" eaLnBrk="1" latinLnBrk="0" hangingPunct="1">
               <a:lnSpc>
                 <a:spcPct val="90000"/>
               </a:lnSpc>
               <a:spcBef>
-                <a:spcPts val="0"/>
+                <a:spcPct val="20000"/>
               </a:spcBef>
-              <a:buNone/>
-            </a:pPr>
-            <a:r>
-              <a:rPr lang="de-DE" sz="5400" b="0" i="0" spc="-150" smtClean="0">
-                <a:effectLst>
-                  <a:outerShdw blurRad="50800" dist="38100" dir="2700000" algn="tl">
-                    <a:prstClr val="black">
-                      <a:alpha val="40000"/>
-                    </a:prstClr>
-                  </a:outerShdw>
-                </a:effectLst>
-                <a:latin typeface="Calibri"/>
+              <a:buFontTx/>
+              <a:buBlip>
+                <a:blip r:embed="rId2"/>
+              </a:buBlip>
+              <a:defRPr sz="3200" kern="1200">
+                <a:solidFill>
+                  <a:schemeClr val="tx1"/>
+                </a:solidFill>
+                <a:latin typeface="+mn-lt"/>
                 <a:ea typeface="+mn-ea"/>
-                <a:cs typeface="Arial"/>
-              </a:rPr>
-              <a:t>Titel Demo</a:t>
-            </a:r>
-            <a:endParaRPr lang="de-DE" sz="5400" b="0" i="0" spc="-150">
-              <a:effectLst>
-                <a:outerShdw blurRad="50800" dist="38100" dir="2700000" algn="tl">
-                  <a:prstClr val="black">
-                    <a:alpha val="40000"/>
-                  </a:prstClr>
-                </a:outerShdw>
-              </a:effectLst>
-              <a:latin typeface="Calibri"/>
-              <a:ea typeface="+mn-ea"/>
-              <a:cs typeface="Arial"/>
-            </a:endParaRPr>
-          </a:p>
-        </p:txBody>
-      </p:sp>
-      <p:sp>
-        <p:nvSpPr>
-          <p:cNvPr id="3" name="Untertitel 2"/>
-          <p:cNvSpPr>
-            <a:spLocks noGrp="1"/>
-          </p:cNvSpPr>
-          <p:nvPr>
-            <p:ph type="subTitle" idx="1"/>
-          </p:nvPr>
-        </p:nvSpPr>
-        <p:spPr>
-          <a:xfrm>
-            <a:off x="1368955" y="4344988"/>
-            <a:ext cx="7043208" cy="1293812"/>
-          </a:xfrm>
-        </p:spPr>
-        <p:txBody>
-          <a:bodyPr/>
-          <a:lstStyle/>
-          <a:p>
-            <a:pPr marL="0" indent="0" algn="l">
+                <a:cs typeface="+mn-cs"/>
+              </a:defRPr>
+            </a:lvl1pPr>
+            <a:lvl2pPr marL="914400" indent="-396875" algn="l" defTabSz="914363" rtl="0" eaLnBrk="1" latinLnBrk="0" hangingPunct="1">
               <a:lnSpc>
                 <a:spcPct val="90000"/>
               </a:lnSpc>
               <a:spcBef>
-                <a:spcPts val="0"/>
+                <a:spcPct val="20000"/>
               </a:spcBef>
-              <a:buNone/>
-            </a:pPr>
-            <a:r>
-              <a:rPr lang="de-DE" b="0" i="0" smtClean="0">
+              <a:buFontTx/>
+              <a:buBlip>
+                <a:blip r:embed="rId3"/>
+              </a:buBlip>
+              <a:defRPr sz="2800" kern="1200">
                 <a:solidFill>
-                  <a:srgbClr val="000000"/>
+                  <a:schemeClr val="tx1"/>
                 </a:solidFill>
-              </a:rPr>
-              <a:t>Name</a:t>
-            </a:r>
-          </a:p>
-          <a:p>
-            <a:pPr marL="0" indent="0" algn="l">
+                <a:latin typeface="+mn-lt"/>
+                <a:ea typeface="+mn-ea"/>
+                <a:cs typeface="+mn-cs"/>
+              </a:defRPr>
+            </a:lvl2pPr>
+            <a:lvl3pPr marL="1258888" indent="-344488" algn="l" defTabSz="914363" rtl="0" eaLnBrk="1" latinLnBrk="0" hangingPunct="1">
               <a:lnSpc>
                 <a:spcPct val="90000"/>
               </a:lnSpc>
               <a:spcBef>
-                <a:spcPts val="0"/>
+                <a:spcPct val="20000"/>
               </a:spcBef>
-              <a:buNone/>
-            </a:pPr>
-            <a:r>
-              <a:rPr lang="de-DE" b="0" i="0" smtClean="0">
+              <a:buFontTx/>
+              <a:buBlip>
+                <a:blip r:embed="rId3"/>
+              </a:buBlip>
+              <a:defRPr sz="2400" kern="1200">
                 <a:solidFill>
-                  <a:srgbClr val="000000"/>
+                  <a:schemeClr val="tx1"/>
                 </a:solidFill>
-              </a:rPr>
-              <a:t>Titel</a:t>
-            </a:r>
-          </a:p>
-          <a:p>
-            <a:pPr marL="0" indent="0" algn="l">
+                <a:latin typeface="+mn-lt"/>
+                <a:ea typeface="+mn-ea"/>
+                <a:cs typeface="+mn-cs"/>
+              </a:defRPr>
+            </a:lvl3pPr>
+            <a:lvl4pPr marL="1604963" indent="-346075" algn="l" defTabSz="914363" rtl="0" eaLnBrk="1" latinLnBrk="0" hangingPunct="1">
               <a:lnSpc>
                 <a:spcPct val="90000"/>
               </a:lnSpc>
               <a:spcBef>
-                <a:spcPts val="0"/>
+                <a:spcPct val="20000"/>
               </a:spcBef>
-              <a:buNone/>
-            </a:pPr>
-            <a:r>
-              <a:rPr lang="de-DE" b="0" i="0" smtClean="0">
+              <a:buFontTx/>
+              <a:buBlip>
+                <a:blip r:embed="rId3"/>
+              </a:buBlip>
+              <a:defRPr sz="2400" kern="1200">
                 <a:solidFill>
-                  <a:srgbClr val="000000"/>
+                  <a:schemeClr val="tx1"/>
                 </a:solidFill>
-              </a:rPr>
-              <a:t>Gruppe</a:t>
-            </a:r>
-            <a:endParaRPr lang="de-DE" b="0" i="0">
-              <a:solidFill>
-                <a:srgbClr val="000000"/>
-              </a:solidFill>
-            </a:endParaRPr>
-          </a:p>
-        </p:txBody>
-      </p:sp>
-      <p:sp>
-        <p:nvSpPr>
-          <p:cNvPr id="4" name="Textplatzhalter 3"/>
-          <p:cNvSpPr>
-            <a:spLocks noGrp="1"/>
-          </p:cNvSpPr>
-          <p:nvPr>
-            <p:ph type="body" sz="quarter" idx="10"/>
-          </p:nvPr>
-        </p:nvSpPr>
-        <p:spPr/>
-        <p:txBody>
-          <a:bodyPr/>
-          <a:lstStyle/>
-          <a:p>
-            <a:pPr marL="0" indent="0" algn="l" defTabSz="914400">
+                <a:latin typeface="+mn-lt"/>
+                <a:ea typeface="+mn-ea"/>
+                <a:cs typeface="+mn-cs"/>
+              </a:defRPr>
+            </a:lvl4pPr>
+            <a:lvl5pPr marL="1941513" indent="-336550" algn="l" defTabSz="914363" rtl="0" eaLnBrk="1" latinLnBrk="0" hangingPunct="1">
               <a:lnSpc>
                 <a:spcPct val="90000"/>
               </a:lnSpc>
               <a:spcBef>
+                <a:spcPct val="20000"/>
+              </a:spcBef>
+              <a:buFontTx/>
+              <a:buBlip>
+                <a:blip r:embed="rId3"/>
+              </a:buBlip>
+              <a:defRPr sz="2400" kern="1200">
+                <a:solidFill>
+                  <a:schemeClr val="tx1"/>
+                </a:solidFill>
+                <a:latin typeface="+mn-lt"/>
+                <a:ea typeface="+mn-ea"/>
+                <a:cs typeface="+mn-cs"/>
+              </a:defRPr>
+            </a:lvl5pPr>
+            <a:lvl6pPr marL="2514499" indent="-228591" algn="l" defTabSz="914363" rtl="0" eaLnBrk="1" latinLnBrk="0" hangingPunct="1">
+              <a:spcBef>
+                <a:spcPct val="20000"/>
+              </a:spcBef>
+              <a:buFont typeface="Arial" pitchFamily="34" charset="0"/>
+              <a:buChar char="•"/>
+              <a:defRPr sz="2000" kern="1200">
+                <a:solidFill>
+                  <a:schemeClr val="tx1"/>
+                </a:solidFill>
+                <a:latin typeface="+mn-lt"/>
+                <a:ea typeface="+mn-ea"/>
+                <a:cs typeface="+mn-cs"/>
+              </a:defRPr>
+            </a:lvl6pPr>
+            <a:lvl7pPr marL="2971681" indent="-228591" algn="l" defTabSz="914363" rtl="0" eaLnBrk="1" latinLnBrk="0" hangingPunct="1">
+              <a:spcBef>
+                <a:spcPct val="20000"/>
+              </a:spcBef>
+              <a:buFont typeface="Arial" pitchFamily="34" charset="0"/>
+              <a:buChar char="•"/>
+              <a:defRPr sz="2000" kern="1200">
+                <a:solidFill>
+                  <a:schemeClr val="tx1"/>
+                </a:solidFill>
+                <a:latin typeface="+mn-lt"/>
+                <a:ea typeface="+mn-ea"/>
+                <a:cs typeface="+mn-cs"/>
+              </a:defRPr>
+            </a:lvl7pPr>
+            <a:lvl8pPr marL="3428863" indent="-228591" algn="l" defTabSz="914363" rtl="0" eaLnBrk="1" latinLnBrk="0" hangingPunct="1">
+              <a:spcBef>
+                <a:spcPct val="20000"/>
+              </a:spcBef>
+              <a:buFont typeface="Arial" pitchFamily="34" charset="0"/>
+              <a:buChar char="•"/>
+              <a:defRPr sz="2000" kern="1200">
+                <a:solidFill>
+                  <a:schemeClr val="tx1"/>
+                </a:solidFill>
+                <a:latin typeface="+mn-lt"/>
+                <a:ea typeface="+mn-ea"/>
+                <a:cs typeface="+mn-cs"/>
+              </a:defRPr>
+            </a:lvl8pPr>
+            <a:lvl9pPr marL="3886045" indent="-228591" algn="l" defTabSz="914363" rtl="0" eaLnBrk="1" latinLnBrk="0" hangingPunct="1">
+              <a:spcBef>
+                <a:spcPct val="20000"/>
+              </a:spcBef>
+              <a:buFont typeface="Arial" pitchFamily="34" charset="0"/>
+              <a:buChar char="•"/>
+              <a:defRPr sz="2000" kern="1200">
+                <a:solidFill>
+                  <a:schemeClr val="tx1"/>
+                </a:solidFill>
+                <a:latin typeface="+mn-lt"/>
+                <a:ea typeface="+mn-ea"/>
+                <a:cs typeface="+mn-cs"/>
+              </a:defRPr>
+            </a:lvl9pPr>
+          </a:lstStyle>
+          <a:p>
+            <a:pPr marL="0" indent="0" defTabSz="914400">
+              <a:spcBef>
                 <a:spcPts val="0"/>
               </a:spcBef>
+              <a:buFontTx/>
               <a:buNone/>
             </a:pPr>
             <a:r>
-              <a:rPr lang="de-DE" smtClean="0"/>
-              <a:t>Demo</a:t>
-            </a:r>
-            <a:r>
-              <a:rPr lang="de-DE" sz="10000" b="1" i="1" u="none" strike="noStrike" spc="-640" baseline="0" smtClean="0">
+              <a:rPr lang="de-DE" sz="10000" b="1" i="1" spc="-642" dirty="0">
+                <a:ln w="11430"/>
+                <a:gradFill>
+                  <a:gsLst>
+                    <a:gs pos="0">
+                      <a:srgbClr val="0066FF"/>
+                    </a:gs>
+                    <a:gs pos="28000">
+                      <a:srgbClr val="2E59B0"/>
+                    </a:gs>
+                    <a:gs pos="62000">
+                      <a:srgbClr val="2B395F"/>
+                    </a:gs>
+                    <a:gs pos="88000">
+                      <a:srgbClr val="000000"/>
+                    </a:gs>
+                  </a:gsLst>
+                  <a:lin ang="5400000"/>
+                </a:gradFill>
+                <a:effectLst>
+                  <a:outerShdw blurRad="50800" dist="39000" dir="5460000" algn="tl">
+                    <a:srgbClr val="000000">
+                      <a:alpha val="38000"/>
+                    </a:srgbClr>
+                  </a:outerShdw>
+                </a:effectLst>
+              </a:rPr>
+              <a:t>D</a:t>
+            </a:r>
+            <a:r>
+              <a:rPr lang="de-DE" sz="10000" b="1" i="1" spc="-642" dirty="0">
+                <a:ln w="11430"/>
+                <a:gradFill>
+                  <a:gsLst>
+                    <a:gs pos="0">
+                      <a:srgbClr val="0066FF"/>
+                    </a:gs>
+                    <a:gs pos="28000">
+                      <a:srgbClr val="2E59B0"/>
+                    </a:gs>
+                    <a:gs pos="62000">
+                      <a:srgbClr val="2B395F"/>
+                    </a:gs>
+                    <a:gs pos="88000">
+                      <a:srgbClr val="000000"/>
+                    </a:gs>
+                  </a:gsLst>
+                  <a:lin ang="5400000"/>
+                </a:gradFill>
+                <a:effectLst>
+                  <a:outerShdw blurRad="50800" dist="39000" dir="5460000" algn="tl">
+                    <a:srgbClr val="000000">
+                      <a:alpha val="38000"/>
+                    </a:srgbClr>
+                  </a:outerShdw>
+                </a:effectLst>
+              </a:rPr>
+              <a:t>e</a:t>
+            </a:r>
+            <a:r>
+              <a:rPr lang="de-DE" sz="10000" b="1" i="1" spc="-642" dirty="0">
+                <a:ln w="11430"/>
+                <a:gradFill>
+                  <a:gsLst>
+                    <a:gs pos="0">
+                      <a:srgbClr val="0066FF"/>
+                    </a:gs>
+                    <a:gs pos="28000">
+                      <a:srgbClr val="2E59B0"/>
+                    </a:gs>
+                    <a:gs pos="62000">
+                      <a:srgbClr val="2B395F"/>
+                    </a:gs>
+                    <a:gs pos="88000">
+                      <a:srgbClr val="000000"/>
+                    </a:gs>
+                  </a:gsLst>
+                  <a:lin ang="5400000"/>
+                </a:gradFill>
+                <a:effectLst>
+                  <a:outerShdw blurRad="50800" dist="39000" dir="5460000" algn="tl">
+                    <a:srgbClr val="000000">
+                      <a:alpha val="38000"/>
+                    </a:srgbClr>
+                  </a:outerShdw>
+                </a:effectLst>
+              </a:rPr>
+              <a:t>mo</a:t>
+            </a:r>
+            <a:r>
+              <a:rPr lang="de-DE" sz="10000" b="1" i="1" spc="-640" dirty="0" smtClean="0">
                 <a:solidFill>
                   <a:srgbClr val="000000"/>
                 </a:solidFill>
@@ -15043,7 +14585,7 @@
               </a:rPr>
               <a:t> </a:t>
             </a:r>
-            <a:endParaRPr lang="de-DE" sz="10000" b="1" i="1" u="none" strike="noStrike" spc="-640" baseline="0">
+            <a:endParaRPr lang="de-DE" sz="10000" b="1" i="1" spc="-640" dirty="0">
               <a:solidFill>
                 <a:srgbClr val="000000"/>
               </a:solidFill>
@@ -15060,6 +14602,11 @@
         </p:txBody>
       </p:sp>
     </p:spTree>
+    <p:extLst>
+      <p:ext uri="{BB962C8B-B14F-4D97-AF65-F5344CB8AC3E}">
+        <p14:creationId xmlns:p14="http://schemas.microsoft.com/office/powerpoint/2010/main" val="1798433020"/>
+      </p:ext>
+    </p:extLst>
   </p:cSld>
   <p:clrMapOvr>
     <a:masterClrMapping/>
@@ -15307,6 +14854,13 @@
   <p:transition>
     <p:fade/>
   </p:transition>
+  <p:timing>
+    <p:tnLst>
+      <p:par>
+        <p:cTn id="1" dur="indefinite" restart="never" nodeType="tmRoot"/>
+      </p:par>
+    </p:tnLst>
+  </p:timing>
 </p:sld>
 </file>
 
@@ -15339,8 +14893,8 @@
         </p:nvSpPr>
         <p:spPr>
           <a:xfrm>
-            <a:off x="381000" y="908720"/>
-            <a:ext cx="8382000" cy="664797"/>
+            <a:off x="381000" y="845279"/>
+            <a:ext cx="8382000" cy="1329595"/>
           </a:xfrm>
         </p:spPr>
         <p:txBody>
@@ -15362,28 +14916,84 @@
             <a:spLocks noGrp="1"/>
           </p:cNvSpPr>
           <p:nvPr>
-            <p:ph type="body" sz="quarter" idx="10"/>
+            <p:ph type="body" idx="1"/>
           </p:nvPr>
         </p:nvSpPr>
         <p:spPr>
           <a:xfrm>
-            <a:off x="381000" y="1772816"/>
-            <a:ext cx="8382000" cy="1428083"/>
+            <a:off x="381000" y="1605453"/>
+            <a:ext cx="4114800" cy="498598"/>
           </a:xfrm>
         </p:spPr>
         <p:txBody>
           <a:bodyPr/>
           <a:lstStyle/>
           <a:p>
+            <a:pPr algn="ctr"/>
+            <a:r>
+              <a:rPr lang="de-DE" sz="3600" dirty="0" smtClean="0">
+                <a:sym typeface="Wingdings" panose="05000000000000000000" pitchFamily="2" charset="2"/>
+              </a:rPr>
+              <a:t></a:t>
+            </a:r>
+            <a:endParaRPr lang="de-DE" sz="3600" dirty="0"/>
+          </a:p>
+        </p:txBody>
+      </p:sp>
+      <p:sp>
+        <p:nvSpPr>
+          <p:cNvPr id="7" name="Inhaltsplatzhalter 6"/>
+          <p:cNvSpPr>
+            <a:spLocks noGrp="1"/>
+          </p:cNvSpPr>
+          <p:nvPr>
+            <p:ph sz="half" idx="2"/>
+          </p:nvPr>
+        </p:nvSpPr>
+        <p:spPr>
+          <a:xfrm>
+            <a:off x="380999" y="2174874"/>
+            <a:ext cx="4114800" cy="3447098"/>
+          </a:xfrm>
+        </p:spPr>
+        <p:txBody>
+          <a:bodyPr/>
+          <a:lstStyle/>
+          <a:p>
             <a:r>
               <a:rPr lang="de-DE" dirty="0" smtClean="0"/>
-              <a:t>Kritische Reflektion/ Bewertung</a:t>
+              <a:t>Aufgabenverteilung von Anfang an</a:t>
             </a:r>
           </a:p>
           <a:p>
             <a:r>
               <a:rPr lang="de-DE" dirty="0" smtClean="0"/>
-              <a:t>Was würden Sie beim nächsten Projekt anders (genauso) machen? Warum?</a:t>
+              <a:t>Alle wurden Spezialisten</a:t>
+            </a:r>
+          </a:p>
+          <a:p>
+            <a:pPr lvl="1"/>
+            <a:r>
+              <a:rPr lang="de-DE" dirty="0" smtClean="0"/>
+              <a:t>Querschnitt am Ende brachte die Weite</a:t>
+            </a:r>
+          </a:p>
+          <a:p>
+            <a:r>
+              <a:rPr lang="de-DE" dirty="0" smtClean="0"/>
+              <a:t>Allgemeine Entscheidungen zusammen getroffen</a:t>
+            </a:r>
+          </a:p>
+          <a:p>
+            <a:r>
+              <a:rPr lang="de-DE" dirty="0" smtClean="0"/>
+              <a:t>Termine gesetzt und eingehalten</a:t>
+            </a:r>
+          </a:p>
+          <a:p>
+            <a:r>
+              <a:rPr lang="de-DE" dirty="0" smtClean="0"/>
+              <a:t>Am Anfang: „Zettel &amp; Stift“</a:t>
             </a:r>
             <a:endParaRPr lang="de-DE" dirty="0"/>
           </a:p>
@@ -15391,24 +15001,88 @@
       </p:sp>
       <p:sp>
         <p:nvSpPr>
+          <p:cNvPr id="8" name="Textplatzhalter 7"/>
+          <p:cNvSpPr>
+            <a:spLocks noGrp="1"/>
+          </p:cNvSpPr>
+          <p:nvPr>
+            <p:ph type="body" sz="quarter" idx="3"/>
+          </p:nvPr>
+        </p:nvSpPr>
+        <p:spPr>
+          <a:xfrm>
+            <a:off x="4645981" y="1605453"/>
+            <a:ext cx="4117019" cy="498598"/>
+          </a:xfrm>
+        </p:spPr>
+        <p:txBody>
+          <a:bodyPr/>
+          <a:lstStyle/>
+          <a:p>
+            <a:pPr algn="ctr"/>
+            <a:r>
+              <a:rPr lang="de-DE" sz="3600" dirty="0" smtClean="0">
+                <a:sym typeface="Wingdings" panose="05000000000000000000" pitchFamily="2" charset="2"/>
+              </a:rPr>
+              <a:t></a:t>
+            </a:r>
+            <a:endParaRPr lang="de-DE" sz="3600" dirty="0"/>
+          </a:p>
+        </p:txBody>
+      </p:sp>
+      <p:sp>
+        <p:nvSpPr>
+          <p:cNvPr id="9" name="Inhaltsplatzhalter 8"/>
+          <p:cNvSpPr>
+            <a:spLocks noGrp="1"/>
+          </p:cNvSpPr>
+          <p:nvPr>
+            <p:ph sz="quarter" idx="4"/>
+          </p:nvPr>
+        </p:nvSpPr>
+        <p:spPr>
+          <a:xfrm>
+            <a:off x="4645026" y="2174874"/>
+            <a:ext cx="4117974" cy="637097"/>
+          </a:xfrm>
+        </p:spPr>
+        <p:txBody>
+          <a:bodyPr/>
+          <a:lstStyle/>
+          <a:p>
+            <a:r>
+              <a:rPr lang="de-DE" dirty="0" smtClean="0"/>
+              <a:t>Aufgabenzuweisung zu technisch</a:t>
+            </a:r>
+            <a:endParaRPr lang="de-DE" dirty="0"/>
+          </a:p>
+        </p:txBody>
+      </p:sp>
+      <p:sp>
+        <p:nvSpPr>
           <p:cNvPr id="4" name="Datumsplatzhalter 3"/>
           <p:cNvSpPr>
             <a:spLocks noGrp="1"/>
           </p:cNvSpPr>
           <p:nvPr>
-            <p:ph type="dt" sz="half" idx="11"/>
-          </p:nvPr>
-        </p:nvSpPr>
-        <p:spPr/>
+            <p:ph type="dt" sz="half" idx="4294967295"/>
+          </p:nvPr>
+        </p:nvSpPr>
+        <p:spPr>
+          <a:xfrm>
+            <a:off x="642392" y="6356349"/>
+            <a:ext cx="2057400" cy="365125"/>
+          </a:xfrm>
+        </p:spPr>
         <p:txBody>
           <a:bodyPr/>
           <a:lstStyle/>
           <a:p>
             <a:r>
-              <a:rPr lang="de-DE" smtClean="0"/>
+              <a:rPr lang="de-DE" dirty="0" smtClean="0"/>
               <a:t>30.01.2015</a:t>
             </a:r>
-            <a:endParaRPr lang="de-DE"/>
+            <a:endParaRPr lang="de-DE" dirty="0"/>
           </a:p>
         </p:txBody>
       </p:sp>
@@ -15419,19 +15093,24 @@
             <a:spLocks noGrp="1"/>
           </p:cNvSpPr>
           <p:nvPr>
-            <p:ph type="ftr" sz="quarter" idx="12"/>
-          </p:nvPr>
-        </p:nvSpPr>
-        <p:spPr/>
+            <p:ph type="ftr" sz="quarter" idx="4294967295"/>
+          </p:nvPr>
+        </p:nvSpPr>
+        <p:spPr>
+          <a:xfrm>
+            <a:off x="3028950" y="6356350"/>
+            <a:ext cx="3086100" cy="365125"/>
+          </a:xfrm>
+        </p:spPr>
         <p:txBody>
           <a:bodyPr/>
           <a:lstStyle/>
           <a:p>
             <a:r>
-              <a:rPr lang="de-DE" smtClean="0"/>
+              <a:rPr lang="de-DE" dirty="0" smtClean="0"/>
               <a:t>Team Schwarz | IBT: Essential Blog</a:t>
             </a:r>
-            <a:endParaRPr lang="de-DE"/>
+            <a:endParaRPr lang="de-DE" dirty="0"/>
           </a:p>
         </p:txBody>
       </p:sp>
@@ -15442,10 +15121,15 @@
             <a:spLocks noGrp="1"/>
           </p:cNvSpPr>
           <p:nvPr>
-            <p:ph type="sldNum" sz="quarter" idx="13"/>
-          </p:nvPr>
-        </p:nvSpPr>
-        <p:spPr/>
+            <p:ph type="sldNum" sz="quarter" idx="4294967295"/>
+          </p:nvPr>
+        </p:nvSpPr>
+        <p:spPr>
+          <a:xfrm>
+            <a:off x="6444208" y="6356349"/>
+            <a:ext cx="2057400" cy="365125"/>
+          </a:xfrm>
+        </p:spPr>
         <p:txBody>
           <a:bodyPr/>
           <a:lstStyle/>
@@ -15455,14 +15139,14 @@
               <a:pPr/>
               <a:t>28</a:t>
             </a:fld>
-            <a:endParaRPr lang="de-DE"/>
+            <a:endParaRPr lang="de-DE" dirty="0"/>
           </a:p>
         </p:txBody>
       </p:sp>
     </p:spTree>
     <p:extLst>
       <p:ext uri="{BB962C8B-B14F-4D97-AF65-F5344CB8AC3E}">
-        <p14:creationId xmlns:p14="http://schemas.microsoft.com/office/powerpoint/2010/main" val="1925820115"/>
+        <p14:creationId xmlns:p14="http://schemas.microsoft.com/office/powerpoint/2010/main" val="973054360"/>
       </p:ext>
     </p:extLst>
   </p:cSld>
@@ -15472,6 +15156,13 @@
   <p:transition>
     <p:fade/>
   </p:transition>
+  <p:timing>
+    <p:tnLst>
+      <p:par>
+        <p:cTn id="1" dur="indefinite" restart="never" nodeType="tmRoot"/>
+      </p:par>
+    </p:tnLst>
+  </p:timing>
 </p:sld>
 </file>
 
@@ -15492,210 +15183,68 @@
           <a:chExt cx="0" cy="0"/>
         </a:xfrm>
       </p:grpSpPr>
-      <p:sp>
-        <p:nvSpPr>
-          <p:cNvPr id="2" name="Titel 1"/>
-          <p:cNvSpPr>
-            <a:spLocks noGrp="1"/>
-          </p:cNvSpPr>
-          <p:nvPr>
-            <p:ph type="title"/>
-          </p:nvPr>
-        </p:nvSpPr>
+      <p:pic>
+        <p:nvPicPr>
+          <p:cNvPr id="7" name="Inhaltsplatzhalter 6"/>
+          <p:cNvPicPr>
+            <a:picLocks noGrp="1" noChangeAspect="1"/>
+          </p:cNvPicPr>
+          <p:nvPr>
+            <p:ph sz="half" idx="2"/>
+          </p:nvPr>
+        </p:nvPicPr>
+        <p:blipFill>
+          <a:blip r:embed="rId2" cstate="print">
+            <a:extLst>
+              <a:ext uri="{28A0092B-C50C-407E-A947-70E740481C1C}">
+                <a14:useLocalDpi xmlns:a14="http://schemas.microsoft.com/office/drawing/2010/main" val="0"/>
+              </a:ext>
+            </a:extLst>
+          </a:blip>
+          <a:stretch>
+            <a:fillRect/>
+          </a:stretch>
+        </p:blipFill>
         <p:spPr>
-          <a:xfrm>
-            <a:off x="381000" y="908720"/>
-            <a:ext cx="8382000" cy="664797"/>
+          <a:xfrm rot="5400000">
+            <a:off x="-616835" y="1515005"/>
+            <a:ext cx="5794712" cy="4346034"/>
           </a:xfrm>
         </p:spPr>
-        <p:txBody>
-          <a:bodyPr/>
-          <a:lstStyle/>
-          <a:p>
-            <a:r>
-              <a:rPr lang="de-DE" dirty="0" smtClean="0"/>
-              <a:t>Inhalt</a:t>
-            </a:r>
-            <a:endParaRPr lang="de-DE" dirty="0"/>
-          </a:p>
-        </p:txBody>
-      </p:sp>
-      <p:sp>
-        <p:nvSpPr>
-          <p:cNvPr id="3" name="Textplatzhalter 2"/>
-          <p:cNvSpPr>
-            <a:spLocks noGrp="1"/>
-          </p:cNvSpPr>
-          <p:nvPr>
-            <p:ph type="body" sz="quarter" idx="10"/>
-          </p:nvPr>
-        </p:nvSpPr>
+      </p:pic>
+      <p:pic>
+        <p:nvPicPr>
+          <p:cNvPr id="8" name="Inhaltsplatzhalter 7"/>
+          <p:cNvPicPr>
+            <a:picLocks noGrp="1" noChangeAspect="1"/>
+          </p:cNvPicPr>
+          <p:nvPr>
+            <p:ph sz="quarter" idx="4"/>
+          </p:nvPr>
+        </p:nvPicPr>
+        <p:blipFill>
+          <a:blip r:embed="rId3" cstate="print">
+            <a:extLst>
+              <a:ext uri="{28A0092B-C50C-407E-A947-70E740481C1C}">
+                <a14:useLocalDpi xmlns:a14="http://schemas.microsoft.com/office/drawing/2010/main" val="0"/>
+              </a:ext>
+            </a:extLst>
+          </a:blip>
+          <a:stretch>
+            <a:fillRect/>
+          </a:stretch>
+        </p:blipFill>
         <p:spPr>
-          <a:xfrm>
-            <a:off x="381000" y="1847430"/>
-            <a:ext cx="8382000" cy="4302716"/>
+          <a:xfrm rot="5400000">
+            <a:off x="4020850" y="1565683"/>
+            <a:ext cx="5736930" cy="4302698"/>
           </a:xfrm>
         </p:spPr>
-        <p:txBody>
-          <a:bodyPr/>
-          <a:lstStyle/>
-          <a:p>
-            <a:pPr marL="514350" indent="-514350">
-              <a:buFont typeface="+mj-lt"/>
-              <a:buAutoNum type="arabicPeriod"/>
-            </a:pPr>
-            <a:r>
-              <a:rPr lang="de-DE" dirty="0"/>
-              <a:t>Das Team</a:t>
-            </a:r>
-          </a:p>
-          <a:p>
-            <a:pPr marL="514350" indent="-514350">
-              <a:buFont typeface="+mj-lt"/>
-              <a:buAutoNum type="arabicPeriod"/>
-            </a:pPr>
-            <a:r>
-              <a:rPr lang="de-DE" dirty="0"/>
-              <a:t>Unser Thema</a:t>
-            </a:r>
-          </a:p>
-          <a:p>
-            <a:pPr marL="514350" indent="-514350">
-              <a:buFont typeface="+mj-lt"/>
-              <a:buAutoNum type="arabicPeriod"/>
-            </a:pPr>
-            <a:r>
-              <a:rPr lang="de-DE" dirty="0"/>
-              <a:t>Anforderungen</a:t>
-            </a:r>
-          </a:p>
-          <a:p>
-            <a:pPr marL="514350" indent="-514350">
-              <a:buFont typeface="+mj-lt"/>
-              <a:buAutoNum type="arabicPeriod"/>
-            </a:pPr>
-            <a:r>
-              <a:rPr lang="de-DE" dirty="0"/>
-              <a:t>Vorgehen</a:t>
-            </a:r>
-          </a:p>
-          <a:p>
-            <a:pPr marL="514350" indent="-514350">
-              <a:buFont typeface="+mj-lt"/>
-              <a:buAutoNum type="arabicPeriod"/>
-            </a:pPr>
-            <a:r>
-              <a:rPr lang="de-DE" dirty="0"/>
-              <a:t>Herausforderungen</a:t>
-            </a:r>
-          </a:p>
-          <a:p>
-            <a:pPr marL="514350" indent="-514350">
-              <a:buFont typeface="+mj-lt"/>
-              <a:buAutoNum type="arabicPeriod"/>
-            </a:pPr>
-            <a:r>
-              <a:rPr lang="de-DE" dirty="0"/>
-              <a:t>Ergebnis</a:t>
-            </a:r>
-          </a:p>
-          <a:p>
-            <a:pPr marL="514350" indent="-514350">
-              <a:buFont typeface="+mj-lt"/>
-              <a:buAutoNum type="arabicPeriod"/>
-            </a:pPr>
-            <a:r>
-              <a:rPr lang="de-DE" dirty="0"/>
-              <a:t>Reflektion</a:t>
-            </a:r>
-          </a:p>
-          <a:p>
-            <a:pPr marL="514350" indent="-514350">
-              <a:buFont typeface="+mj-lt"/>
-              <a:buAutoNum type="arabicPeriod"/>
-            </a:pPr>
-            <a:r>
-              <a:rPr lang="de-DE" sz="3600" b="1" dirty="0" smtClean="0"/>
-              <a:t>Rückmeldung</a:t>
-            </a:r>
-            <a:endParaRPr lang="de-DE" sz="3600" b="1" dirty="0"/>
-          </a:p>
-        </p:txBody>
-      </p:sp>
-      <p:sp>
-        <p:nvSpPr>
-          <p:cNvPr id="4" name="Datumsplatzhalter 3"/>
-          <p:cNvSpPr>
-            <a:spLocks noGrp="1"/>
-          </p:cNvSpPr>
-          <p:nvPr>
-            <p:ph type="dt" sz="half" idx="11"/>
-          </p:nvPr>
-        </p:nvSpPr>
-        <p:spPr/>
-        <p:txBody>
-          <a:bodyPr/>
-          <a:lstStyle/>
-          <a:p>
-            <a:r>
-              <a:rPr lang="de-DE" smtClean="0"/>
-              <a:t>30.01.2015</a:t>
-            </a:r>
-            <a:endParaRPr lang="de-DE"/>
-          </a:p>
-        </p:txBody>
-      </p:sp>
-      <p:sp>
-        <p:nvSpPr>
-          <p:cNvPr id="5" name="Fußzeilenplatzhalter 4"/>
-          <p:cNvSpPr>
-            <a:spLocks noGrp="1"/>
-          </p:cNvSpPr>
-          <p:nvPr>
-            <p:ph type="ftr" sz="quarter" idx="12"/>
-          </p:nvPr>
-        </p:nvSpPr>
-        <p:spPr/>
-        <p:txBody>
-          <a:bodyPr/>
-          <a:lstStyle/>
-          <a:p>
-            <a:r>
-              <a:rPr lang="de-DE" smtClean="0"/>
-              <a:t>Team Schwarz | IBT: Essential Blog</a:t>
-            </a:r>
-            <a:endParaRPr lang="de-DE"/>
-          </a:p>
-        </p:txBody>
-      </p:sp>
-      <p:sp>
-        <p:nvSpPr>
-          <p:cNvPr id="6" name="Foliennummernplatzhalter 5"/>
-          <p:cNvSpPr>
-            <a:spLocks noGrp="1"/>
-          </p:cNvSpPr>
-          <p:nvPr>
-            <p:ph type="sldNum" sz="quarter" idx="13"/>
-          </p:nvPr>
-        </p:nvSpPr>
-        <p:spPr/>
-        <p:txBody>
-          <a:bodyPr/>
-          <a:lstStyle/>
-          <a:p>
-            <a:fld id="{6C6BBD26-F43C-4AE7-B45C-5C0A14E952E7}" type="slidenum">
-              <a:rPr lang="de-DE" smtClean="0"/>
-              <a:pPr/>
-              <a:t>29</a:t>
-            </a:fld>
-            <a:endParaRPr lang="de-DE"/>
-          </a:p>
-        </p:txBody>
-      </p:sp>
+      </p:pic>
     </p:spTree>
     <p:extLst>
       <p:ext uri="{BB962C8B-B14F-4D97-AF65-F5344CB8AC3E}">
-        <p14:creationId xmlns:p14="http://schemas.microsoft.com/office/powerpoint/2010/main" val="1749249379"/>
+        <p14:creationId xmlns:p14="http://schemas.microsoft.com/office/powerpoint/2010/main" val="2065068097"/>
       </p:ext>
     </p:extLst>
   </p:cSld>
@@ -15705,6 +15254,13 @@
   <p:transition>
     <p:fade/>
   </p:transition>
+  <p:timing>
+    <p:tnLst>
+      <p:par>
+        <p:cTn id="1" dur="indefinite" restart="never" nodeType="tmRoot"/>
+      </p:par>
+    </p:tnLst>
+  </p:timing>
 </p:sld>
 </file>
 
@@ -15938,6 +15494,13 @@
   <p:transition>
     <p:fade/>
   </p:transition>
+  <p:timing>
+    <p:tnLst>
+      <p:par>
+        <p:cTn id="1" dur="indefinite" restart="never" nodeType="tmRoot"/>
+      </p:par>
+    </p:tnLst>
+  </p:timing>
 </p:sld>
 </file>
 
@@ -15970,7 +15533,7 @@
         </p:nvSpPr>
         <p:spPr>
           <a:xfrm>
-            <a:off x="381000" y="908721"/>
+            <a:off x="381000" y="908720"/>
             <a:ext cx="8382000" cy="664797"/>
           </a:xfrm>
         </p:spPr>
@@ -15980,7 +15543,7 @@
           <a:p>
             <a:r>
               <a:rPr lang="de-DE" dirty="0" smtClean="0"/>
-              <a:t>8. Rückmeldung</a:t>
+              <a:t>Inhalt</a:t>
             </a:r>
             <a:endParaRPr lang="de-DE" dirty="0"/>
           </a:p>
@@ -15998,25 +15561,93 @@
         </p:nvSpPr>
         <p:spPr>
           <a:xfrm>
-            <a:off x="381000" y="1772816"/>
-            <a:ext cx="8382000" cy="1871282"/>
+            <a:off x="381000" y="1847430"/>
+            <a:ext cx="8382000" cy="4302716"/>
           </a:xfrm>
         </p:spPr>
         <p:txBody>
           <a:bodyPr/>
           <a:lstStyle/>
           <a:p>
-            <a:r>
-              <a:rPr lang="de-DE" dirty="0" smtClean="0"/>
-              <a:t>Rückmeldung zur Projektdurchführung insgesamt</a:t>
-            </a:r>
-          </a:p>
-          <a:p>
-            <a:r>
-              <a:rPr lang="de-DE" dirty="0" smtClean="0"/>
-              <a:t>Kritische Betrachtung: Projekt besser als Vorlesung? Oder nicht? Oder Kombination?</a:t>
-            </a:r>
-            <a:endParaRPr lang="de-DE" dirty="0"/>
+            <a:pPr marL="514350" indent="-514350">
+              <a:buFont typeface="+mj-lt"/>
+              <a:buAutoNum type="arabicPeriod"/>
+            </a:pPr>
+            <a:r>
+              <a:rPr lang="de-DE" dirty="0"/>
+              <a:t>Das Team</a:t>
+            </a:r>
+          </a:p>
+          <a:p>
+            <a:pPr marL="514350" indent="-514350">
+              <a:buFont typeface="+mj-lt"/>
+              <a:buAutoNum type="arabicPeriod"/>
+            </a:pPr>
+            <a:r>
+              <a:rPr lang="de-DE" dirty="0"/>
+              <a:t>Unser Thema</a:t>
+            </a:r>
+          </a:p>
+          <a:p>
+            <a:pPr marL="514350" indent="-514350">
+              <a:buFont typeface="+mj-lt"/>
+              <a:buAutoNum type="arabicPeriod"/>
+            </a:pPr>
+            <a:r>
+              <a:rPr lang="de-DE" dirty="0"/>
+              <a:t>Anforderungen</a:t>
+            </a:r>
+          </a:p>
+          <a:p>
+            <a:pPr marL="514350" indent="-514350">
+              <a:buFont typeface="+mj-lt"/>
+              <a:buAutoNum type="arabicPeriod"/>
+            </a:pPr>
+            <a:r>
+              <a:rPr lang="de-DE" dirty="0"/>
+              <a:t>Vorgehen</a:t>
+            </a:r>
+          </a:p>
+          <a:p>
+            <a:pPr marL="514350" indent="-514350">
+              <a:buFont typeface="+mj-lt"/>
+              <a:buAutoNum type="arabicPeriod"/>
+            </a:pPr>
+            <a:r>
+              <a:rPr lang="de-DE" dirty="0"/>
+              <a:t>Herausforderungen</a:t>
+            </a:r>
+          </a:p>
+          <a:p>
+            <a:pPr marL="514350" indent="-514350">
+              <a:buFont typeface="+mj-lt"/>
+              <a:buAutoNum type="arabicPeriod"/>
+            </a:pPr>
+            <a:r>
+              <a:rPr lang="de-DE" dirty="0"/>
+              <a:t>Ergebnis</a:t>
+            </a:r>
+          </a:p>
+          <a:p>
+            <a:pPr marL="514350" indent="-514350">
+              <a:buFont typeface="+mj-lt"/>
+              <a:buAutoNum type="arabicPeriod"/>
+            </a:pPr>
+            <a:r>
+              <a:rPr lang="de-DE" dirty="0"/>
+              <a:t>Reflektion</a:t>
+            </a:r>
+          </a:p>
+          <a:p>
+            <a:pPr marL="514350" indent="-514350">
+              <a:buFont typeface="+mj-lt"/>
+              <a:buAutoNum type="arabicPeriod"/>
+            </a:pPr>
+            <a:r>
+              <a:rPr lang="de-DE" sz="3600" b="1" dirty="0" smtClean="0"/>
+              <a:t>Rückmeldung</a:t>
+            </a:r>
+            <a:endParaRPr lang="de-DE" sz="3600" b="1" dirty="0"/>
           </a:p>
         </p:txBody>
       </p:sp>
@@ -16093,7 +15724,7 @@
     </p:spTree>
     <p:extLst>
       <p:ext uri="{BB962C8B-B14F-4D97-AF65-F5344CB8AC3E}">
-        <p14:creationId xmlns:p14="http://schemas.microsoft.com/office/powerpoint/2010/main" val="2479122477"/>
+        <p14:creationId xmlns:p14="http://schemas.microsoft.com/office/powerpoint/2010/main" val="1749249379"/>
       </p:ext>
     </p:extLst>
   </p:cSld>
@@ -16103,6 +15734,13 @@
   <p:transition>
     <p:fade/>
   </p:transition>
+  <p:timing>
+    <p:tnLst>
+      <p:par>
+        <p:cTn id="1" dur="indefinite" restart="never" nodeType="tmRoot"/>
+      </p:par>
+    </p:tnLst>
+  </p:timing>
 </p:sld>
 </file>
 
@@ -16125,7 +15763,7 @@
       </p:grpSpPr>
       <p:sp>
         <p:nvSpPr>
-          <p:cNvPr id="2" name="Titel 1"/>
+          <p:cNvPr id="7" name="Titel 6"/>
           <p:cNvSpPr>
             <a:spLocks noGrp="1"/>
           </p:cNvSpPr>
@@ -16135,469 +15773,625 @@
         </p:nvSpPr>
         <p:spPr>
           <a:xfrm>
-            <a:off x="381000" y="230188"/>
-            <a:ext cx="8382000" cy="1163395"/>
+            <a:off x="381000" y="891995"/>
+            <a:ext cx="8382000" cy="664797"/>
           </a:xfrm>
         </p:spPr>
         <p:txBody>
-          <a:bodyPr>
-            <a:normAutofit/>
+          <a:bodyPr/>
+          <a:lstStyle/>
+          <a:p>
+            <a:r>
+              <a:rPr lang="de-DE" dirty="0" smtClean="0"/>
+              <a:t>8. Rückmeldung</a:t>
+            </a:r>
+            <a:endParaRPr lang="de-DE" dirty="0"/>
+          </a:p>
+        </p:txBody>
+      </p:sp>
+      <p:sp>
+        <p:nvSpPr>
+          <p:cNvPr id="8" name="Textplatzhalter 7"/>
+          <p:cNvSpPr>
+            <a:spLocks noGrp="1"/>
+          </p:cNvSpPr>
+          <p:nvPr>
+            <p:ph type="body" idx="1"/>
+          </p:nvPr>
+        </p:nvSpPr>
+        <p:spPr>
+          <a:xfrm>
+            <a:off x="381000" y="1757802"/>
+            <a:ext cx="4114800" cy="346249"/>
+          </a:xfrm>
+        </p:spPr>
+        <p:txBody>
+          <a:bodyPr/>
+          <a:lstStyle/>
+          <a:p>
+            <a:r>
+              <a:rPr lang="de-DE" dirty="0" smtClean="0"/>
+              <a:t>Vorteile</a:t>
+            </a:r>
+            <a:endParaRPr lang="de-DE" dirty="0"/>
+          </a:p>
+        </p:txBody>
+      </p:sp>
+      <p:sp>
+        <p:nvSpPr>
+          <p:cNvPr id="9" name="Inhaltsplatzhalter 8"/>
+          <p:cNvSpPr>
+            <a:spLocks noGrp="1"/>
+          </p:cNvSpPr>
+          <p:nvPr>
+            <p:ph sz="half" idx="2"/>
+          </p:nvPr>
+        </p:nvSpPr>
+        <p:spPr>
+          <a:xfrm>
+            <a:off x="380999" y="2174874"/>
+            <a:ext cx="4114800" cy="3150093"/>
+          </a:xfrm>
+        </p:spPr>
+        <p:txBody>
+          <a:bodyPr/>
+          <a:lstStyle/>
+          <a:p>
+            <a:r>
+              <a:rPr lang="de-DE" dirty="0" smtClean="0"/>
+              <a:t>Kombinationsvorlesung</a:t>
+            </a:r>
+          </a:p>
+          <a:p>
+            <a:r>
+              <a:rPr lang="de-DE" dirty="0" smtClean="0"/>
+              <a:t>Online-Sessions (kurze Absprachen)</a:t>
+            </a:r>
+          </a:p>
+          <a:p>
+            <a:r>
+              <a:rPr lang="de-DE" dirty="0" smtClean="0"/>
+              <a:t>Praktischer Ansatz festigt sich deutlicher (Klausur zu theoretisch)</a:t>
+            </a:r>
+          </a:p>
+          <a:p>
+            <a:r>
+              <a:rPr lang="de-DE" dirty="0" smtClean="0"/>
+              <a:t>Näher am betrieblichen Alltag</a:t>
+            </a:r>
+          </a:p>
+          <a:p>
+            <a:r>
+              <a:rPr lang="de-DE" dirty="0" smtClean="0"/>
+              <a:t>Gruppenbildung nicht nach Qualifikation</a:t>
+            </a:r>
+            <a:endParaRPr lang="de-DE" dirty="0"/>
+          </a:p>
+        </p:txBody>
+      </p:sp>
+      <p:sp>
+        <p:nvSpPr>
+          <p:cNvPr id="10" name="Textplatzhalter 9"/>
+          <p:cNvSpPr>
+            <a:spLocks noGrp="1"/>
+          </p:cNvSpPr>
+          <p:nvPr>
+            <p:ph type="body" sz="quarter" idx="3"/>
+          </p:nvPr>
+        </p:nvSpPr>
+        <p:spPr>
+          <a:xfrm>
+            <a:off x="4645981" y="1757802"/>
+            <a:ext cx="4117019" cy="346249"/>
+          </a:xfrm>
+        </p:spPr>
+        <p:txBody>
+          <a:bodyPr/>
+          <a:lstStyle/>
+          <a:p>
+            <a:r>
+              <a:rPr lang="de-DE" dirty="0" smtClean="0"/>
+              <a:t>Nachteile</a:t>
+            </a:r>
+            <a:endParaRPr lang="de-DE" dirty="0"/>
+          </a:p>
+        </p:txBody>
+      </p:sp>
+      <p:sp>
+        <p:nvSpPr>
+          <p:cNvPr id="11" name="Inhaltsplatzhalter 10"/>
+          <p:cNvSpPr>
+            <a:spLocks noGrp="1"/>
+          </p:cNvSpPr>
+          <p:nvPr>
+            <p:ph sz="quarter" idx="4"/>
+          </p:nvPr>
+        </p:nvSpPr>
+        <p:spPr>
+          <a:xfrm>
+            <a:off x="4645026" y="2174874"/>
+            <a:ext cx="4117974" cy="1026435"/>
+          </a:xfrm>
+        </p:spPr>
+        <p:txBody>
+          <a:bodyPr/>
+          <a:lstStyle/>
+          <a:p>
+            <a:r>
+              <a:rPr lang="de-DE" dirty="0" smtClean="0"/>
+              <a:t>Online-Sessions schlecht abschätzbar von der Dauer</a:t>
+            </a:r>
+          </a:p>
+          <a:p>
+            <a:endParaRPr lang="de-DE" dirty="0"/>
+          </a:p>
+        </p:txBody>
+      </p:sp>
+      <p:sp>
+        <p:nvSpPr>
+          <p:cNvPr id="4" name="Datumsplatzhalter 3"/>
+          <p:cNvSpPr>
+            <a:spLocks noGrp="1"/>
+          </p:cNvSpPr>
+          <p:nvPr>
+            <p:ph type="dt" sz="half" idx="4294967295"/>
+          </p:nvPr>
+        </p:nvSpPr>
+        <p:spPr>
+          <a:xfrm>
+            <a:off x="611560" y="6349999"/>
+            <a:ext cx="2057400" cy="365125"/>
+          </a:xfrm>
+        </p:spPr>
+        <p:txBody>
+          <a:bodyPr/>
+          <a:lstStyle/>
+          <a:p>
+            <a:r>
+              <a:rPr lang="de-DE" dirty="0" smtClean="0"/>
+              <a:t>30.01.2015</a:t>
+            </a:r>
+            <a:endParaRPr lang="de-DE" dirty="0"/>
+          </a:p>
+        </p:txBody>
+      </p:sp>
+      <p:sp>
+        <p:nvSpPr>
+          <p:cNvPr id="5" name="Fußzeilenplatzhalter 4"/>
+          <p:cNvSpPr>
+            <a:spLocks noGrp="1"/>
+          </p:cNvSpPr>
+          <p:nvPr>
+            <p:ph type="ftr" sz="quarter" idx="4294967295"/>
+          </p:nvPr>
+        </p:nvSpPr>
+        <p:spPr>
+          <a:xfrm>
+            <a:off x="3028950" y="6350000"/>
+            <a:ext cx="3086100" cy="365125"/>
+          </a:xfrm>
+        </p:spPr>
+        <p:txBody>
+          <a:bodyPr/>
+          <a:lstStyle/>
+          <a:p>
+            <a:r>
+              <a:rPr lang="de-DE" dirty="0" smtClean="0"/>
+              <a:t>Team Schwarz | IBT: Essential Blog</a:t>
+            </a:r>
+            <a:endParaRPr lang="de-DE" dirty="0"/>
+          </a:p>
+        </p:txBody>
+      </p:sp>
+      <p:sp>
+        <p:nvSpPr>
+          <p:cNvPr id="6" name="Foliennummernplatzhalter 5"/>
+          <p:cNvSpPr>
+            <a:spLocks noGrp="1"/>
+          </p:cNvSpPr>
+          <p:nvPr>
+            <p:ph type="sldNum" sz="quarter" idx="4294967295"/>
+          </p:nvPr>
+        </p:nvSpPr>
+        <p:spPr>
+          <a:xfrm>
+            <a:off x="6475040" y="6349999"/>
+            <a:ext cx="2057400" cy="365125"/>
+          </a:xfrm>
+        </p:spPr>
+        <p:txBody>
+          <a:bodyPr/>
+          <a:lstStyle/>
+          <a:p>
+            <a:fld id="{6C6BBD26-F43C-4AE7-B45C-5C0A14E952E7}" type="slidenum">
+              <a:rPr lang="de-DE" smtClean="0"/>
+              <a:pPr/>
+              <a:t>31</a:t>
+            </a:fld>
+            <a:endParaRPr lang="de-DE" dirty="0"/>
+          </a:p>
+        </p:txBody>
+      </p:sp>
+      <p:sp>
+        <p:nvSpPr>
+          <p:cNvPr id="12" name="Textplatzhalter 9"/>
+          <p:cNvSpPr txBox="1">
+            <a:spLocks/>
+          </p:cNvSpPr>
+          <p:nvPr/>
+        </p:nvSpPr>
+        <p:spPr>
+          <a:xfrm>
+            <a:off x="4644008" y="3284984"/>
+            <a:ext cx="4117019" cy="346249"/>
+          </a:xfrm>
+          <a:prstGeom prst="rect">
+            <a:avLst/>
+          </a:prstGeom>
+        </p:spPr>
+        <p:txBody>
+          <a:bodyPr vert="horz" lIns="0" tIns="0" rIns="0" bIns="0" rtlCol="0" anchor="b">
+            <a:spAutoFit/>
           </a:bodyPr>
-          <a:lstStyle/>
-          <a:p>
-            <a:pPr algn="l" defTabSz="914400">
+          <a:lstStyle>
+            <a:lvl1pPr marL="0" indent="0" algn="l" defTabSz="914363" rtl="0" eaLnBrk="1" latinLnBrk="0" hangingPunct="1">
               <a:lnSpc>
                 <a:spcPct val="90000"/>
               </a:lnSpc>
               <a:spcBef>
                 <a:spcPts val="0"/>
               </a:spcBef>
+              <a:buFontTx/>
               <a:buNone/>
-            </a:pPr>
-            <a:r>
-              <a:rPr lang="de-DE" sz="4800" b="0" i="0" spc="-150" smtClean="0">
-                <a:effectLst>
-                  <a:outerShdw blurRad="50800" dist="38100" dir="2700000" algn="tl">
-                    <a:prstClr val="black">
-                      <a:alpha val="40000"/>
-                    </a:prstClr>
-                  </a:outerShdw>
-                </a:effectLst>
-                <a:latin typeface="Calibri"/>
+              <a:defRPr sz="2500" b="1" kern="1200">
+                <a:solidFill>
+                  <a:schemeClr val="tx1"/>
+                </a:solidFill>
+                <a:latin typeface="+mn-lt"/>
                 <a:ea typeface="+mn-ea"/>
-                <a:cs typeface="Arial"/>
-              </a:rPr>
-              <a:t>PowerPoint-Vorlage</a:t>
-            </a:r>
-            <a:br>
-              <a:rPr lang="de-DE" sz="4800" b="0" i="0" spc="-150" smtClean="0">
-                <a:effectLst>
-                  <a:outerShdw blurRad="50800" dist="38100" dir="2700000" algn="tl">
-                    <a:prstClr val="black">
-                      <a:alpha val="40000"/>
-                    </a:prstClr>
-                  </a:outerShdw>
-                </a:effectLst>
-                <a:latin typeface="Calibri"/>
-                <a:ea typeface="+mn-ea"/>
-                <a:cs typeface="Arial"/>
-              </a:rPr>
-            </a:br>
-            <a:r>
-              <a:rPr lang="de-DE" sz="3600" b="0" i="0" spc="-150" smtClean="0">
-                <a:solidFill>
-                  <a:srgbClr val="1D4775"/>
-                </a:solidFill>
-                <a:effectLst>
-                  <a:outerShdw blurRad="50800" dist="38100" dir="2700000" algn="tl">
-                    <a:prstClr val="black">
-                      <a:alpha val="40000"/>
-                    </a:prstClr>
-                  </a:outerShdw>
-                </a:effectLst>
-                <a:latin typeface="Calibri"/>
-                <a:ea typeface="+mn-ea"/>
-                <a:cs typeface="Arial"/>
-              </a:rPr>
-              <a:t>Untertitelfarbe</a:t>
-            </a:r>
-            <a:endParaRPr lang="de-DE" sz="3600" b="0" i="0" spc="-150">
-              <a:solidFill>
-                <a:srgbClr val="1D4775"/>
-              </a:solidFill>
-              <a:effectLst>
-                <a:outerShdw blurRad="50800" dist="38100" dir="2700000" algn="tl">
-                  <a:prstClr val="black">
-                    <a:alpha val="40000"/>
-                  </a:prstClr>
-                </a:outerShdw>
-              </a:effectLst>
-              <a:latin typeface="Calibri"/>
-              <a:ea typeface="+mn-ea"/>
-              <a:cs typeface="Arial"/>
-            </a:endParaRPr>
-          </a:p>
-        </p:txBody>
-      </p:sp>
-      <p:sp>
-        <p:nvSpPr>
-          <p:cNvPr id="3" name="Textplatzhalter 2"/>
-          <p:cNvSpPr>
-            <a:spLocks noGrp="1"/>
-          </p:cNvSpPr>
-          <p:nvPr>
-            <p:ph type="body" sz="quarter" idx="10"/>
-          </p:nvPr>
-        </p:nvSpPr>
-        <p:spPr>
-          <a:xfrm>
-            <a:off x="381000" y="1905000"/>
-            <a:ext cx="8382000" cy="3502497"/>
-          </a:xfrm>
-        </p:spPr>
-        <p:txBody>
-          <a:bodyPr>
-            <a:normAutofit fontScale="92500"/>
-          </a:bodyPr>
-          <a:lstStyle/>
-          <a:p>
-            <a:pPr marL="393192" indent="-393192" algn="l" defTabSz="914400">
+                <a:cs typeface="+mn-cs"/>
+              </a:defRPr>
+            </a:lvl1pPr>
+            <a:lvl2pPr marL="457182" indent="0" algn="l" defTabSz="914363" rtl="0" eaLnBrk="1" latinLnBrk="0" hangingPunct="1">
               <a:lnSpc>
                 <a:spcPct val="90000"/>
               </a:lnSpc>
               <a:spcBef>
-                <a:spcPts val="672"/>
+                <a:spcPct val="20000"/>
               </a:spcBef>
-              <a:buClr>
-                <a:srgbClr val="000000"/>
-              </a:buClr>
               <a:buFontTx/>
-            </a:pPr>
-            <a:r>
-              <a:rPr lang="de-DE" sz="3400" b="0" i="0" smtClean="0">
+              <a:buNone/>
+              <a:defRPr sz="2000" b="1" kern="1200">
                 <a:solidFill>
-                  <a:srgbClr val="000000"/>
+                  <a:schemeClr val="tx1"/>
                 </a:solidFill>
-                <a:latin typeface="Calibri"/>
+                <a:latin typeface="+mn-lt"/>
                 <a:ea typeface="+mn-ea"/>
                 <a:cs typeface="+mn-cs"/>
-              </a:rPr>
-              <a:t>Beispiel für eine Folie mit einem Untertitel</a:t>
-            </a:r>
-          </a:p>
-          <a:p>
-            <a:pPr marL="914400" lvl="1" indent="-393192" algn="l" defTabSz="914400">
+              </a:defRPr>
+            </a:lvl2pPr>
+            <a:lvl3pPr marL="914363" indent="0" algn="l" defTabSz="914363" rtl="0" eaLnBrk="1" latinLnBrk="0" hangingPunct="1">
               <a:lnSpc>
                 <a:spcPct val="90000"/>
               </a:lnSpc>
               <a:spcBef>
-                <a:spcPts val="672"/>
+                <a:spcPct val="20000"/>
               </a:spcBef>
-              <a:buClr>
-                <a:srgbClr val="000000"/>
-              </a:buClr>
               <a:buFontTx/>
-            </a:pPr>
-            <a:r>
-              <a:rPr lang="de-DE" sz="2900" b="0" i="0" smtClean="0">
+              <a:buNone/>
+              <a:defRPr sz="1800" b="1" kern="1200">
                 <a:solidFill>
-                  <a:srgbClr val="000000"/>
+                  <a:schemeClr val="tx1"/>
                 </a:solidFill>
-                <a:latin typeface="Calibri"/>
+                <a:latin typeface="+mn-lt"/>
                 <a:ea typeface="+mn-ea"/>
                 <a:cs typeface="+mn-cs"/>
-              </a:rPr>
-              <a:t>Folientitel: Große Anfangsbuchstaben</a:t>
-            </a:r>
-          </a:p>
-          <a:p>
-            <a:pPr marL="914400" lvl="1" indent="-393192" algn="l" defTabSz="914400">
+              </a:defRPr>
+            </a:lvl3pPr>
+            <a:lvl4pPr marL="1371545" indent="0" algn="l" defTabSz="914363" rtl="0" eaLnBrk="1" latinLnBrk="0" hangingPunct="1">
               <a:lnSpc>
                 <a:spcPct val="90000"/>
               </a:lnSpc>
               <a:spcBef>
-                <a:spcPts val="672"/>
+                <a:spcPct val="20000"/>
               </a:spcBef>
-              <a:buClr>
-                <a:srgbClr val="000000"/>
-              </a:buClr>
               <a:buFontTx/>
-            </a:pPr>
-            <a:r>
-              <a:rPr lang="de-DE" sz="2900" b="0" i="0" smtClean="0">
+              <a:buNone/>
+              <a:defRPr sz="1600" b="1" kern="1200">
                 <a:solidFill>
-                  <a:srgbClr val="000000"/>
+                  <a:schemeClr val="tx1"/>
                 </a:solidFill>
-                <a:latin typeface="Calibri"/>
+                <a:latin typeface="+mn-lt"/>
                 <a:ea typeface="+mn-ea"/>
                 <a:cs typeface="+mn-cs"/>
-              </a:rPr>
-              <a:t>Untertitel: Ersten Buchstaben im Satz großschreiben</a:t>
-            </a:r>
-          </a:p>
-          <a:p>
-            <a:pPr marL="914400" lvl="1" indent="-393192" algn="l" defTabSz="914400">
+              </a:defRPr>
+            </a:lvl4pPr>
+            <a:lvl5pPr marL="1828727" indent="0" algn="l" defTabSz="914363" rtl="0" eaLnBrk="1" latinLnBrk="0" hangingPunct="1">
               <a:lnSpc>
                 <a:spcPct val="90000"/>
               </a:lnSpc>
               <a:spcBef>
-                <a:spcPts val="672"/>
+                <a:spcPct val="20000"/>
               </a:spcBef>
-              <a:buClr>
-                <a:srgbClr val="000000"/>
-              </a:buClr>
               <a:buFontTx/>
-            </a:pPr>
-            <a:r>
-              <a:rPr lang="de-DE" sz="2900" b="0" i="0" smtClean="0">
+              <a:buNone/>
+              <a:defRPr sz="1600" b="1" kern="1200">
                 <a:solidFill>
-                  <a:srgbClr val="000000"/>
+                  <a:schemeClr val="tx1"/>
                 </a:solidFill>
-                <a:latin typeface="Calibri"/>
+                <a:latin typeface="+mn-lt"/>
                 <a:ea typeface="+mn-ea"/>
                 <a:cs typeface="+mn-cs"/>
-              </a:rPr>
-              <a:t>Untertitel generell auf 36 Punkt oder kleiner festlegen, damit sie auf eine Zeile passen</a:t>
-            </a:r>
-          </a:p>
-          <a:p>
-            <a:pPr marL="914400" lvl="1" indent="-393192" algn="l" defTabSz="914400">
+              </a:defRPr>
+            </a:lvl5pPr>
+            <a:lvl6pPr marL="2285909" indent="0" algn="l" defTabSz="914363" rtl="0" eaLnBrk="1" latinLnBrk="0" hangingPunct="1">
+              <a:spcBef>
+                <a:spcPct val="20000"/>
+              </a:spcBef>
+              <a:buFont typeface="Arial" pitchFamily="34" charset="0"/>
+              <a:buNone/>
+              <a:defRPr sz="1600" b="1" kern="1200">
+                <a:solidFill>
+                  <a:schemeClr val="tx1"/>
+                </a:solidFill>
+                <a:latin typeface="+mn-lt"/>
+                <a:ea typeface="+mn-ea"/>
+                <a:cs typeface="+mn-cs"/>
+              </a:defRPr>
+            </a:lvl6pPr>
+            <a:lvl7pPr marL="2743090" indent="0" algn="l" defTabSz="914363" rtl="0" eaLnBrk="1" latinLnBrk="0" hangingPunct="1">
+              <a:spcBef>
+                <a:spcPct val="20000"/>
+              </a:spcBef>
+              <a:buFont typeface="Arial" pitchFamily="34" charset="0"/>
+              <a:buNone/>
+              <a:defRPr sz="1600" b="1" kern="1200">
+                <a:solidFill>
+                  <a:schemeClr val="tx1"/>
+                </a:solidFill>
+                <a:latin typeface="+mn-lt"/>
+                <a:ea typeface="+mn-ea"/>
+                <a:cs typeface="+mn-cs"/>
+              </a:defRPr>
+            </a:lvl7pPr>
+            <a:lvl8pPr marL="3200272" indent="0" algn="l" defTabSz="914363" rtl="0" eaLnBrk="1" latinLnBrk="0" hangingPunct="1">
+              <a:spcBef>
+                <a:spcPct val="20000"/>
+              </a:spcBef>
+              <a:buFont typeface="Arial" pitchFamily="34" charset="0"/>
+              <a:buNone/>
+              <a:defRPr sz="1600" b="1" kern="1200">
+                <a:solidFill>
+                  <a:schemeClr val="tx1"/>
+                </a:solidFill>
+                <a:latin typeface="+mn-lt"/>
+                <a:ea typeface="+mn-ea"/>
+                <a:cs typeface="+mn-cs"/>
+              </a:defRPr>
+            </a:lvl8pPr>
+            <a:lvl9pPr marL="3657454" indent="0" algn="l" defTabSz="914363" rtl="0" eaLnBrk="1" latinLnBrk="0" hangingPunct="1">
+              <a:spcBef>
+                <a:spcPct val="20000"/>
+              </a:spcBef>
+              <a:buFont typeface="Arial" pitchFamily="34" charset="0"/>
+              <a:buNone/>
+              <a:defRPr sz="1600" b="1" kern="1200">
+                <a:solidFill>
+                  <a:schemeClr val="tx1"/>
+                </a:solidFill>
+                <a:latin typeface="+mn-lt"/>
+                <a:ea typeface="+mn-ea"/>
+                <a:cs typeface="+mn-cs"/>
+              </a:defRPr>
+            </a:lvl9pPr>
+          </a:lstStyle>
+          <a:p>
+            <a:r>
+              <a:rPr lang="de-DE" dirty="0" smtClean="0"/>
+              <a:t>Verbesserung</a:t>
+            </a:r>
+            <a:endParaRPr lang="de-DE" dirty="0"/>
+          </a:p>
+        </p:txBody>
+      </p:sp>
+      <p:sp>
+        <p:nvSpPr>
+          <p:cNvPr id="13" name="Inhaltsplatzhalter 10"/>
+          <p:cNvSpPr txBox="1">
+            <a:spLocks/>
+          </p:cNvSpPr>
+          <p:nvPr/>
+        </p:nvSpPr>
+        <p:spPr>
+          <a:xfrm>
+            <a:off x="4650741" y="3698709"/>
+            <a:ext cx="4529771" cy="637097"/>
+          </a:xfrm>
+          <a:prstGeom prst="rect">
+            <a:avLst/>
+          </a:prstGeom>
+        </p:spPr>
+        <p:txBody>
+          <a:bodyPr vert="horz" lIns="0" tIns="0" rIns="0" bIns="0" rtlCol="0">
+            <a:spAutoFit/>
+          </a:bodyPr>
+          <a:lstStyle>
+            <a:lvl1pPr marL="296321" indent="-296321" algn="l" defTabSz="914363" rtl="0" eaLnBrk="1" latinLnBrk="0" hangingPunct="1">
               <a:lnSpc>
                 <a:spcPct val="90000"/>
               </a:lnSpc>
               <a:spcBef>
-                <a:spcPts val="672"/>
+                <a:spcPct val="20000"/>
               </a:spcBef>
-              <a:buClr>
-                <a:srgbClr val="000000"/>
-              </a:buClr>
               <a:buFontTx/>
-            </a:pPr>
-            <a:r>
-              <a:rPr lang="de-DE" sz="2900" b="0" i="0" smtClean="0">
+              <a:buBlip>
+                <a:blip r:embed="rId2"/>
+              </a:buBlip>
+              <a:defRPr sz="2300" kern="1200">
                 <a:solidFill>
-                  <a:srgbClr val="000000"/>
+                  <a:schemeClr val="tx1"/>
                 </a:solidFill>
-                <a:latin typeface="Calibri"/>
+                <a:latin typeface="+mn-lt"/>
                 <a:ea typeface="+mn-ea"/>
                 <a:cs typeface="+mn-cs"/>
-              </a:rPr>
-              <a:t>Die Untertitelfarbe wurde für diese Vorlage definiert, muss jedoch ausgewählt werden. In PowerPoint 2007 ist dies die vierte Schriftfarbe von links.</a:t>
-            </a:r>
-            <a:endParaRPr lang="de-DE" sz="2900" b="0" i="0">
-              <a:solidFill>
-                <a:srgbClr val="000000"/>
-              </a:solidFill>
-              <a:latin typeface="Calibri"/>
-              <a:ea typeface="+mn-ea"/>
-              <a:cs typeface="+mn-cs"/>
-            </a:endParaRPr>
-          </a:p>
-        </p:txBody>
-      </p:sp>
-    </p:spTree>
-  </p:cSld>
-  <p:clrMapOvr>
-    <a:masterClrMapping/>
-  </p:clrMapOvr>
-  <p:transition>
-    <p:fade/>
-  </p:transition>
-  <p:timing>
-    <p:tnLst>
-      <p:par>
-        <p:cTn id="1" dur="indefinite" restart="never" nodeType="tmRoot"/>
-      </p:par>
-    </p:tnLst>
-  </p:timing>
-</p:sld>
-</file>
-
-<file path=ppt/slides/slide32.xml><?xml version="1.0" encoding="utf-8"?>
-<p:sld xmlns:a="http://schemas.openxmlformats.org/drawingml/2006/main" xmlns:r="http://schemas.openxmlformats.org/officeDocument/2006/relationships" xmlns:p="http://schemas.openxmlformats.org/presentationml/2006/main">
-  <p:cSld>
-    <p:spTree>
-      <p:nvGrpSpPr>
-        <p:cNvPr id="1" name=""/>
-        <p:cNvGrpSpPr/>
-        <p:nvPr/>
-      </p:nvGrpSpPr>
-      <p:grpSpPr>
-        <a:xfrm>
-          <a:off x="0" y="0"/>
-          <a:ext cx="0" cy="0"/>
-          <a:chOff x="0" y="0"/>
-          <a:chExt cx="0" cy="0"/>
-        </a:xfrm>
-      </p:grpSpPr>
-      <p:sp>
-        <p:nvSpPr>
-          <p:cNvPr id="2" name="Titel 1"/>
-          <p:cNvSpPr>
-            <a:spLocks noGrp="1"/>
-          </p:cNvSpPr>
-          <p:nvPr>
-            <p:ph type="title"/>
-          </p:nvPr>
-        </p:nvSpPr>
-        <p:spPr/>
-        <p:txBody>
-          <a:bodyPr/>
-          <a:lstStyle/>
-          <a:p>
-            <a:pPr algn="l" defTabSz="914400">
+              </a:defRPr>
+            </a:lvl1pPr>
+            <a:lvl2pPr marL="570155" indent="-273833" algn="l" defTabSz="914363" rtl="0" eaLnBrk="1" latinLnBrk="0" hangingPunct="1">
               <a:lnSpc>
                 <a:spcPct val="90000"/>
               </a:lnSpc>
               <a:spcBef>
-                <a:spcPts val="0"/>
+                <a:spcPct val="20000"/>
               </a:spcBef>
-              <a:buNone/>
-            </a:pPr>
-            <a:r>
-              <a:rPr lang="de-DE" sz="4800" b="0" i="0" spc="-150" smtClean="0">
-                <a:effectLst>
-                  <a:outerShdw blurRad="50800" dist="38100" dir="2700000" algn="tl">
-                    <a:prstClr val="black">
-                      <a:alpha val="40000"/>
-                    </a:prstClr>
-                  </a:outerShdw>
-                </a:effectLst>
-                <a:latin typeface="Calibri"/>
+              <a:buFontTx/>
+              <a:buBlip>
+                <a:blip r:embed="rId3"/>
+              </a:buBlip>
+              <a:defRPr sz="2000" kern="1200">
+                <a:solidFill>
+                  <a:schemeClr val="tx1"/>
+                </a:solidFill>
+                <a:latin typeface="+mn-lt"/>
                 <a:ea typeface="+mn-ea"/>
-                <a:cs typeface="Arial"/>
-              </a:rPr>
-              <a:t>Beispiel für ein Balkendiagramm</a:t>
-            </a:r>
-            <a:endParaRPr lang="de-DE" sz="4800" b="0" i="0" spc="-150">
-              <a:effectLst>
-                <a:outerShdw blurRad="50800" dist="38100" dir="2700000" algn="tl">
-                  <a:prstClr val="black">
-                    <a:alpha val="40000"/>
-                  </a:prstClr>
-                </a:outerShdw>
-              </a:effectLst>
-              <a:latin typeface="Calibri"/>
-              <a:ea typeface="+mn-ea"/>
-              <a:cs typeface="Arial"/>
-            </a:endParaRPr>
-          </a:p>
-        </p:txBody>
-      </p:sp>
-      <p:graphicFrame>
-        <p:nvGraphicFramePr>
-          <p:cNvPr id="3" name="Inhaltsplatzhalter 2"/>
-          <p:cNvGraphicFramePr/>
-          <p:nvPr>
-            <p:extLst>
-              <p:ext uri="{D42A27DB-BD31-4B8C-83A1-F6EECF244321}">
-                <p14:modId xmlns:p14="http://schemas.microsoft.com/office/powerpoint/2010/main" val="3362911810"/>
-              </p:ext>
-            </p:extLst>
-          </p:nvPr>
-        </p:nvGraphicFramePr>
-        <p:xfrm>
-          <a:off x="381000" y="1182687"/>
-          <a:ext cx="8031428" cy="5270500"/>
-        </p:xfrm>
-        <a:graphic>
-          <a:graphicData uri="http://schemas.openxmlformats.org/drawingml/2006/chart">
-            <c:chart xmlns:c="http://schemas.openxmlformats.org/drawingml/2006/chart" xmlns:r="http://schemas.openxmlformats.org/officeDocument/2006/relationships" r:id="rId3"/>
-          </a:graphicData>
-        </a:graphic>
-      </p:graphicFrame>
-    </p:spTree>
-  </p:cSld>
-  <p:clrMapOvr>
-    <a:masterClrMapping/>
-  </p:clrMapOvr>
-  <p:transition>
-    <p:fade/>
-  </p:transition>
-  <p:timing>
-    <p:tnLst>
-      <p:par>
-        <p:cTn id="1" dur="indefinite" restart="never" nodeType="tmRoot"/>
-      </p:par>
-    </p:tnLst>
-  </p:timing>
-</p:sld>
-</file>
-
-<file path=ppt/slides/slide33.xml><?xml version="1.0" encoding="utf-8"?>
-<p:sld xmlns:a="http://schemas.openxmlformats.org/drawingml/2006/main" xmlns:r="http://schemas.openxmlformats.org/officeDocument/2006/relationships" xmlns:p="http://schemas.openxmlformats.org/presentationml/2006/main">
-  <p:cSld>
-    <p:spTree>
-      <p:nvGrpSpPr>
-        <p:cNvPr id="1" name=""/>
-        <p:cNvGrpSpPr/>
-        <p:nvPr/>
-      </p:nvGrpSpPr>
-      <p:grpSpPr>
-        <a:xfrm>
-          <a:off x="0" y="0"/>
-          <a:ext cx="0" cy="0"/>
-          <a:chOff x="0" y="0"/>
-          <a:chExt cx="0" cy="0"/>
-        </a:xfrm>
-      </p:grpSpPr>
-      <p:sp>
-        <p:nvSpPr>
-          <p:cNvPr id="3" name="Titel 2"/>
-          <p:cNvSpPr>
-            <a:spLocks noGrp="1"/>
-          </p:cNvSpPr>
-          <p:nvPr>
-            <p:ph type="title"/>
-          </p:nvPr>
-        </p:nvSpPr>
-        <p:spPr/>
-        <p:txBody>
-          <a:bodyPr/>
-          <a:lstStyle/>
-          <a:p>
-            <a:pPr algn="l" defTabSz="914400">
+                <a:cs typeface="+mn-cs"/>
+              </a:defRPr>
+            </a:lvl2pPr>
+            <a:lvl3pPr marL="821499" indent="-244730" algn="l" defTabSz="914363" rtl="0" eaLnBrk="1" latinLnBrk="0" hangingPunct="1">
               <a:lnSpc>
                 <a:spcPct val="90000"/>
               </a:lnSpc>
               <a:spcBef>
-                <a:spcPts val="0"/>
+                <a:spcPct val="20000"/>
               </a:spcBef>
-              <a:buNone/>
-            </a:pPr>
-            <a:r>
-              <a:rPr lang="de-DE" sz="4800" b="0" i="0" spc="-150" smtClean="0">
-                <a:effectLst>
-                  <a:outerShdw blurRad="50800" dist="38100" dir="2700000" algn="tl">
-                    <a:prstClr val="black">
-                      <a:alpha val="40000"/>
-                    </a:prstClr>
-                  </a:outerShdw>
-                </a:effectLst>
-                <a:latin typeface="Calibri"/>
+              <a:buFontTx/>
+              <a:buBlip>
+                <a:blip r:embed="rId3"/>
+              </a:buBlip>
+              <a:defRPr sz="1800" kern="1200">
+                <a:solidFill>
+                  <a:schemeClr val="tx1"/>
+                </a:solidFill>
+                <a:latin typeface="+mn-lt"/>
                 <a:ea typeface="+mn-ea"/>
-                <a:cs typeface="Arial"/>
-              </a:rPr>
-              <a:t>Beispiel für ein Kreisdiagramm</a:t>
-            </a:r>
-            <a:endParaRPr lang="de-DE" sz="4800" b="0" i="0" spc="-150">
-              <a:effectLst>
-                <a:outerShdw blurRad="50800" dist="38100" dir="2700000" algn="tl">
-                  <a:prstClr val="black">
-                    <a:alpha val="40000"/>
-                  </a:prstClr>
-                </a:outerShdw>
-              </a:effectLst>
-              <a:latin typeface="Calibri"/>
-              <a:ea typeface="+mn-ea"/>
-              <a:cs typeface="Arial"/>
-            </a:endParaRPr>
-          </a:p>
-        </p:txBody>
-      </p:sp>
-      <p:graphicFrame>
-        <p:nvGraphicFramePr>
-          <p:cNvPr id="5" name="Inhaltsplatzhalter 4"/>
-          <p:cNvGraphicFramePr/>
-          <p:nvPr>
-            <p:extLst>
-              <p:ext uri="{D42A27DB-BD31-4B8C-83A1-F6EECF244321}">
-                <p14:modId xmlns:p14="http://schemas.microsoft.com/office/powerpoint/2010/main" val="2032501331"/>
-              </p:ext>
-            </p:extLst>
-          </p:nvPr>
-        </p:nvGraphicFramePr>
-        <p:xfrm>
-          <a:off x="619125" y="1293813"/>
-          <a:ext cx="7762875" cy="4889499"/>
-        </p:xfrm>
-        <a:graphic>
-          <a:graphicData uri="http://schemas.openxmlformats.org/drawingml/2006/chart">
-            <c:chart xmlns:c="http://schemas.openxmlformats.org/drawingml/2006/chart" xmlns:r="http://schemas.openxmlformats.org/officeDocument/2006/relationships" r:id="rId3"/>
-          </a:graphicData>
-        </a:graphic>
-      </p:graphicFrame>
+                <a:cs typeface="+mn-cs"/>
+              </a:defRPr>
+            </a:lvl3pPr>
+            <a:lvl4pPr marL="1050354" indent="-236793" algn="l" defTabSz="914363" rtl="0" eaLnBrk="1" latinLnBrk="0" hangingPunct="1">
+              <a:lnSpc>
+                <a:spcPct val="90000"/>
+              </a:lnSpc>
+              <a:spcBef>
+                <a:spcPct val="20000"/>
+              </a:spcBef>
+              <a:buFontTx/>
+              <a:buBlip>
+                <a:blip r:embed="rId3"/>
+              </a:buBlip>
+              <a:defRPr sz="1700" kern="1200">
+                <a:solidFill>
+                  <a:schemeClr val="tx1"/>
+                </a:solidFill>
+                <a:latin typeface="+mn-lt"/>
+                <a:ea typeface="+mn-ea"/>
+                <a:cs typeface="+mn-cs"/>
+              </a:defRPr>
+            </a:lvl4pPr>
+            <a:lvl5pPr marL="1279210" indent="-220919" algn="l" defTabSz="914363" rtl="0" eaLnBrk="1" latinLnBrk="0" hangingPunct="1">
+              <a:lnSpc>
+                <a:spcPct val="90000"/>
+              </a:lnSpc>
+              <a:spcBef>
+                <a:spcPct val="20000"/>
+              </a:spcBef>
+              <a:buFontTx/>
+              <a:buBlip>
+                <a:blip r:embed="rId3"/>
+              </a:buBlip>
+              <a:defRPr sz="1700" kern="1200">
+                <a:solidFill>
+                  <a:schemeClr val="tx1"/>
+                </a:solidFill>
+                <a:latin typeface="+mn-lt"/>
+                <a:ea typeface="+mn-ea"/>
+                <a:cs typeface="+mn-cs"/>
+              </a:defRPr>
+            </a:lvl5pPr>
+            <a:lvl6pPr marL="2514499" indent="-228591" algn="l" defTabSz="914363" rtl="0" eaLnBrk="1" latinLnBrk="0" hangingPunct="1">
+              <a:spcBef>
+                <a:spcPct val="20000"/>
+              </a:spcBef>
+              <a:buFont typeface="Arial" pitchFamily="34" charset="0"/>
+              <a:buChar char="•"/>
+              <a:defRPr sz="1600" kern="1200">
+                <a:solidFill>
+                  <a:schemeClr val="tx1"/>
+                </a:solidFill>
+                <a:latin typeface="+mn-lt"/>
+                <a:ea typeface="+mn-ea"/>
+                <a:cs typeface="+mn-cs"/>
+              </a:defRPr>
+            </a:lvl6pPr>
+            <a:lvl7pPr marL="2971681" indent="-228591" algn="l" defTabSz="914363" rtl="0" eaLnBrk="1" latinLnBrk="0" hangingPunct="1">
+              <a:spcBef>
+                <a:spcPct val="20000"/>
+              </a:spcBef>
+              <a:buFont typeface="Arial" pitchFamily="34" charset="0"/>
+              <a:buChar char="•"/>
+              <a:defRPr sz="1600" kern="1200">
+                <a:solidFill>
+                  <a:schemeClr val="tx1"/>
+                </a:solidFill>
+                <a:latin typeface="+mn-lt"/>
+                <a:ea typeface="+mn-ea"/>
+                <a:cs typeface="+mn-cs"/>
+              </a:defRPr>
+            </a:lvl7pPr>
+            <a:lvl8pPr marL="3428863" indent="-228591" algn="l" defTabSz="914363" rtl="0" eaLnBrk="1" latinLnBrk="0" hangingPunct="1">
+              <a:spcBef>
+                <a:spcPct val="20000"/>
+              </a:spcBef>
+              <a:buFont typeface="Arial" pitchFamily="34" charset="0"/>
+              <a:buChar char="•"/>
+              <a:defRPr sz="1600" kern="1200">
+                <a:solidFill>
+                  <a:schemeClr val="tx1"/>
+                </a:solidFill>
+                <a:latin typeface="+mn-lt"/>
+                <a:ea typeface="+mn-ea"/>
+                <a:cs typeface="+mn-cs"/>
+              </a:defRPr>
+            </a:lvl8pPr>
+            <a:lvl9pPr marL="3886045" indent="-228591" algn="l" defTabSz="914363" rtl="0" eaLnBrk="1" latinLnBrk="0" hangingPunct="1">
+              <a:spcBef>
+                <a:spcPct val="20000"/>
+              </a:spcBef>
+              <a:buFont typeface="Arial" pitchFamily="34" charset="0"/>
+              <a:buChar char="•"/>
+              <a:defRPr sz="1600" kern="1200">
+                <a:solidFill>
+                  <a:schemeClr val="tx1"/>
+                </a:solidFill>
+                <a:latin typeface="+mn-lt"/>
+                <a:ea typeface="+mn-ea"/>
+                <a:cs typeface="+mn-cs"/>
+              </a:defRPr>
+            </a:lvl9pPr>
+          </a:lstStyle>
+          <a:p>
+            <a:r>
+              <a:rPr lang="de-DE" dirty="0" smtClean="0"/>
+              <a:t>Theorie freiwillig, Gruppen können sich entscheiden (2. Raum)</a:t>
+            </a:r>
+            <a:endParaRPr lang="de-DE" dirty="0"/>
+          </a:p>
+        </p:txBody>
+      </p:sp>
     </p:spTree>
+    <p:extLst>
+      <p:ext uri="{BB962C8B-B14F-4D97-AF65-F5344CB8AC3E}">
+        <p14:creationId xmlns:p14="http://schemas.microsoft.com/office/powerpoint/2010/main" val="1868705113"/>
+      </p:ext>
+    </p:extLst>
   </p:cSld>
   <p:clrMapOvr>
     <a:masterClrMapping/>
@@ -16673,7 +16467,7 @@
         <p:spPr>
           <a:xfrm>
             <a:off x="381000" y="1772816"/>
-            <a:ext cx="8382000" cy="4924425"/>
+            <a:ext cx="8382000" cy="5022914"/>
           </a:xfrm>
         </p:spPr>
         <p:txBody>
@@ -16738,15 +16532,26 @@
           <a:p>
             <a:r>
               <a:rPr lang="de-DE" dirty="0"/>
-              <a:t>Sebastian Ochtrup: Anwendungsentwickler bei </a:t>
-            </a:r>
-            <a:r>
-              <a:rPr lang="de-DE" dirty="0" err="1"/>
+              <a:t>Sebastian Ochtrup: </a:t>
+            </a:r>
+            <a:r>
+              <a:rPr lang="de-DE" dirty="0" smtClean="0"/>
+              <a:t>Systemintegrator bei</a:t>
+            </a:r>
+            <a:br>
+              <a:rPr lang="de-DE" dirty="0" smtClean="0"/>
+            </a:br>
+            <a:r>
+              <a:rPr lang="de-DE" dirty="0" err="1" smtClean="0"/>
               <a:t>d.velop</a:t>
             </a:r>
             <a:r>
+              <a:rPr lang="de-DE" dirty="0" smtClean="0"/>
+              <a:t> </a:t>
+            </a:r>
+            <a:r>
               <a:rPr lang="de-DE" dirty="0"/>
-              <a:t> AG, </a:t>
+              <a:t>AG, </a:t>
             </a:r>
             <a:r>
               <a:rPr lang="de-DE" dirty="0" err="1" smtClean="0"/>
@@ -16845,6 +16650,13 @@
   <p:transition>
     <p:fade/>
   </p:transition>
+  <p:timing>
+    <p:tnLst>
+      <p:par>
+        <p:cTn id="1" dur="indefinite" restart="never" nodeType="tmRoot"/>
+      </p:par>
+    </p:tnLst>
+  </p:timing>
 </p:sld>
 </file>
 
@@ -17078,6 +16890,13 @@
   <p:transition>
     <p:fade/>
   </p:transition>
+  <p:timing>
+    <p:tnLst>
+      <p:par>
+        <p:cTn id="1" dur="indefinite" restart="never" nodeType="tmRoot"/>
+      </p:par>
+    </p:tnLst>
+  </p:timing>
 </p:sld>
 </file>
 
@@ -17148,15 +16967,25 @@
           <a:p>
             <a:r>
               <a:rPr lang="de-DE" dirty="0"/>
-              <a:t>„Essential Blog“: </a:t>
-            </a:r>
+              <a:t>„Essential Blog</a:t>
+            </a:r>
+            <a:r>
+              <a:rPr lang="de-DE" dirty="0" smtClean="0"/>
+              <a:t>“</a:t>
+            </a:r>
+            <a:endParaRPr lang="de-DE" dirty="0"/>
           </a:p>
           <a:p>
             <a:pPr lvl="1"/>
             <a:r>
               <a:rPr lang="de-DE" dirty="0"/>
-              <a:t>Blog-Webseite mit rudimentären Funktionen</a:t>
-            </a:r>
+              <a:t>Blog-Webseite mit </a:t>
+            </a:r>
+            <a:r>
+              <a:rPr lang="de-DE" dirty="0" smtClean="0"/>
+              <a:t>grundlegenden Funktionen</a:t>
+            </a:r>
+            <a:endParaRPr lang="de-DE" dirty="0"/>
           </a:p>
           <a:p>
             <a:r>
@@ -17175,7 +17004,15 @@
             <a:pPr lvl="1"/>
             <a:r>
               <a:rPr lang="de-DE" dirty="0"/>
-              <a:t>beliebig erweiterbar</a:t>
+              <a:t>B</a:t>
+            </a:r>
+            <a:r>
+              <a:rPr lang="de-DE" dirty="0" smtClean="0"/>
+              <a:t>eliebig </a:t>
+            </a:r>
+            <a:r>
+              <a:rPr lang="de-DE" dirty="0"/>
+              <a:t>erweiterbar</a:t>
             </a:r>
           </a:p>
           <a:p>
@@ -17378,6 +17215,13 @@
   <p:transition>
     <p:fade/>
   </p:transition>
+  <p:timing>
+    <p:tnLst>
+      <p:par>
+        <p:cTn id="1" dur="indefinite" restart="never" nodeType="tmRoot"/>
+      </p:par>
+    </p:tnLst>
+  </p:timing>
 </p:sld>
 </file>
 
@@ -17611,6 +17455,13 @@
   <p:transition>
     <p:fade/>
   </p:transition>
+  <p:timing>
+    <p:tnLst>
+      <p:par>
+        <p:cTn id="1" dur="indefinite" restart="never" nodeType="tmRoot"/>
+      </p:par>
+    </p:tnLst>
+  </p:timing>
 </p:sld>
 </file>
 
@@ -17672,7 +17523,7 @@
         <p:spPr>
           <a:xfrm>
             <a:off x="381000" y="1772816"/>
-            <a:ext cx="8382000" cy="4502771"/>
+            <a:ext cx="8382000" cy="3939540"/>
           </a:xfrm>
         </p:spPr>
         <p:txBody>
@@ -17683,7 +17534,7 @@
               <a:buNone/>
             </a:pPr>
             <a:r>
-              <a:rPr lang="de-DE" sz="1800" b="1" dirty="0"/>
+              <a:rPr lang="de-DE" sz="2400" b="1" dirty="0"/>
               <a:t>Funktionen:</a:t>
             </a:r>
           </a:p>
@@ -17693,8 +17544,16 @@
               <a:buChar char="•"/>
             </a:pPr>
             <a:r>
-              <a:rPr lang="de-DE" sz="1600" dirty="0"/>
-              <a:t>beim Öffnen der Seite Anzeige der Beiträge, Kommentare aufklappbar</a:t>
+              <a:rPr lang="de-DE" sz="2000" dirty="0"/>
+              <a:t>B</a:t>
+            </a:r>
+            <a:r>
+              <a:rPr lang="de-DE" sz="2000" dirty="0" smtClean="0"/>
+              <a:t>eim </a:t>
+            </a:r>
+            <a:r>
+              <a:rPr lang="de-DE" sz="2000" dirty="0"/>
+              <a:t>Öffnen der Seite Anzeige der Beiträge, Kommentare aufklappbar</a:t>
             </a:r>
           </a:p>
           <a:p>
@@ -17703,7 +17562,7 @@
               <a:buChar char="•"/>
             </a:pPr>
             <a:r>
-              <a:rPr lang="de-DE" sz="1600" dirty="0"/>
+              <a:rPr lang="de-DE" sz="2000" dirty="0"/>
               <a:t>Erfassen von neuen Blog-Einträgen</a:t>
             </a:r>
           </a:p>
@@ -17713,7 +17572,7 @@
               <a:buChar char="•"/>
             </a:pPr>
             <a:r>
-              <a:rPr lang="de-DE" sz="1600" dirty="0"/>
+              <a:rPr lang="de-DE" sz="2000" dirty="0"/>
               <a:t>Kommentar-Funktion</a:t>
             </a:r>
           </a:p>
@@ -17723,7 +17582,7 @@
               <a:buChar char="•"/>
             </a:pPr>
             <a:r>
-              <a:rPr lang="de-DE" sz="1600" dirty="0"/>
+              <a:rPr lang="de-DE" sz="2000" dirty="0"/>
               <a:t>Speichern der Beiträge &amp; Kommentare in einer Datenbank</a:t>
             </a:r>
           </a:p>
@@ -17733,41 +17592,41 @@
               <a:buChar char="•"/>
             </a:pPr>
             <a:r>
-              <a:rPr lang="de-DE" sz="1600" dirty="0"/>
+              <a:rPr lang="de-DE" sz="2000" dirty="0"/>
               <a:t>Hitcounter</a:t>
             </a:r>
             <a:br>
-              <a:rPr lang="de-DE" sz="1600" dirty="0"/>
+              <a:rPr lang="de-DE" sz="2000" dirty="0"/>
             </a:br>
-            <a:endParaRPr lang="de-DE" sz="1600" dirty="0"/>
+            <a:endParaRPr lang="de-DE" sz="2000" dirty="0"/>
           </a:p>
           <a:p>
             <a:pPr marL="0" indent="0">
               <a:buNone/>
             </a:pPr>
             <a:r>
-              <a:rPr lang="de-DE" sz="1800" b="1" dirty="0" err="1"/>
-              <a:t>nice</a:t>
-            </a:r>
-            <a:r>
-              <a:rPr lang="de-DE" sz="1800" b="1" dirty="0"/>
+              <a:rPr lang="de-DE" sz="2400" b="1" dirty="0" smtClean="0"/>
+              <a:t>Nice </a:t>
+            </a:r>
+            <a:r>
+              <a:rPr lang="de-DE" sz="2400" b="1" dirty="0" err="1" smtClean="0"/>
+              <a:t>To</a:t>
+            </a:r>
+            <a:r>
+              <a:rPr lang="de-DE" sz="2400" b="1" dirty="0" smtClean="0"/>
               <a:t> </a:t>
             </a:r>
             <a:r>
-              <a:rPr lang="de-DE" sz="1800" b="1" dirty="0" err="1"/>
-              <a:t>to</a:t>
-            </a:r>
-            <a:r>
-              <a:rPr lang="de-DE" sz="1800" b="1" dirty="0"/>
+              <a:rPr lang="de-DE" sz="2400" b="1" dirty="0" err="1" smtClean="0"/>
+              <a:t>Have</a:t>
+            </a:r>
+            <a:r>
+              <a:rPr lang="de-DE" sz="2400" b="1" dirty="0" smtClean="0"/>
               <a:t> </a:t>
             </a:r>
             <a:r>
-              <a:rPr lang="de-DE" sz="1800" b="1" dirty="0" err="1"/>
-              <a:t>have</a:t>
-            </a:r>
-            <a:r>
-              <a:rPr lang="de-DE" sz="1800" b="1" dirty="0"/>
-              <a:t> (wenn die Zeit reicht):</a:t>
+              <a:rPr lang="de-DE" sz="2400" b="1" dirty="0"/>
+              <a:t>(wenn die Zeit reicht):</a:t>
             </a:r>
           </a:p>
           <a:p>
@@ -17776,7 +17635,7 @@
               <a:buChar char="•"/>
             </a:pPr>
             <a:r>
-              <a:rPr lang="de-DE" sz="1600" dirty="0"/>
+              <a:rPr lang="de-DE" sz="2000" dirty="0"/>
               <a:t>Sprachfiles hinterlegen: Switch zwischen Deutsch &amp; Englisch (nur harte Seiteninhalte) ermöglichen</a:t>
             </a:r>
           </a:p>
@@ -17786,67 +17645,13 @@
               <a:buChar char="•"/>
             </a:pPr>
             <a:r>
-              <a:rPr lang="de-DE" sz="1600" dirty="0"/>
+              <a:rPr lang="de-DE" sz="2000" dirty="0"/>
               <a:t>Einbinden von Bildern in die Beiträge</a:t>
             </a:r>
             <a:br>
-              <a:rPr lang="de-DE" sz="1600" dirty="0"/>
+              <a:rPr lang="de-DE" sz="2000" dirty="0"/>
             </a:br>
-            <a:endParaRPr lang="de-DE" sz="1600" dirty="0"/>
-          </a:p>
-          <a:p>
-            <a:pPr marL="0" indent="0">
-              <a:buNone/>
-            </a:pPr>
-            <a:r>
-              <a:rPr lang="de-DE" sz="1800" b="1" dirty="0"/>
-              <a:t>Abgrenzungskriterien:</a:t>
-            </a:r>
-          </a:p>
-          <a:p>
-            <a:pPr>
-              <a:buFont typeface="Arial" panose="020B0604020202020204" pitchFamily="34" charset="0"/>
-              <a:buChar char="•"/>
-            </a:pPr>
-            <a:r>
-              <a:rPr lang="de-DE" sz="1600" dirty="0"/>
-              <a:t>kein Editieren von Einträgen</a:t>
-            </a:r>
-          </a:p>
-          <a:p>
-            <a:pPr>
-              <a:buFont typeface="Arial" panose="020B0604020202020204" pitchFamily="34" charset="0"/>
-              <a:buChar char="•"/>
-            </a:pPr>
-            <a:r>
-              <a:rPr lang="de-DE" sz="1600" dirty="0"/>
-              <a:t>kein Löschen von Einträgen</a:t>
-            </a:r>
-          </a:p>
-          <a:p>
-            <a:pPr>
-              <a:buFont typeface="Arial" panose="020B0604020202020204" pitchFamily="34" charset="0"/>
-              <a:buChar char="•"/>
-            </a:pPr>
-            <a:r>
-              <a:rPr lang="de-DE" sz="1600" dirty="0"/>
-              <a:t>keine Benutzerverwaltung</a:t>
-            </a:r>
-          </a:p>
-          <a:p>
-            <a:pPr>
-              <a:buFont typeface="Arial" panose="020B0604020202020204" pitchFamily="34" charset="0"/>
-              <a:buChar char="•"/>
-            </a:pPr>
-            <a:r>
-              <a:rPr lang="de-DE" sz="1600" dirty="0"/>
-              <a:t>keine </a:t>
-            </a:r>
-            <a:r>
-              <a:rPr lang="de-DE" sz="1600" dirty="0" smtClean="0"/>
-              <a:t>Suchfunktion</a:t>
-            </a:r>
-            <a:endParaRPr lang="de-DE" sz="1600" dirty="0"/>
+            <a:endParaRPr lang="de-DE" sz="2000" dirty="0"/>
           </a:p>
         </p:txBody>
       </p:sp>
@@ -17933,6 +17738,13 @@
   <p:transition>
     <p:fade/>
   </p:transition>
+  <p:timing>
+    <p:tnLst>
+      <p:par>
+        <p:cTn id="1" dur="indefinite" restart="never" nodeType="tmRoot"/>
+      </p:par>
+    </p:tnLst>
+  </p:timing>
 </p:sld>
 </file>
 
@@ -17965,7 +17777,7 @@
         </p:nvSpPr>
         <p:spPr>
           <a:xfrm>
-            <a:off x="381000" y="908720"/>
+            <a:off x="381000" y="908721"/>
             <a:ext cx="8382000" cy="664797"/>
           </a:xfrm>
         </p:spPr>
@@ -17975,7 +17787,7 @@
           <a:p>
             <a:r>
               <a:rPr lang="de-DE" dirty="0" smtClean="0"/>
-              <a:t>Inhalt</a:t>
+              <a:t>3. Anforderungen</a:t>
             </a:r>
             <a:endParaRPr lang="de-DE" dirty="0"/>
           </a:p>
@@ -17993,93 +17805,64 @@
         </p:nvSpPr>
         <p:spPr>
           <a:xfrm>
-            <a:off x="381000" y="1847430"/>
-            <a:ext cx="8382000" cy="4302716"/>
+            <a:off x="381000" y="1772816"/>
+            <a:ext cx="8382000" cy="2363724"/>
           </a:xfrm>
         </p:spPr>
         <p:txBody>
           <a:bodyPr/>
           <a:lstStyle/>
           <a:p>
-            <a:pPr marL="514350" indent="-514350">
-              <a:buFont typeface="+mj-lt"/>
-              <a:buAutoNum type="arabicPeriod"/>
+            <a:pPr marL="0" indent="0">
+              <a:buNone/>
             </a:pPr>
             <a:r>
-              <a:rPr lang="de-DE" dirty="0"/>
-              <a:t>Das Team</a:t>
-            </a:r>
-          </a:p>
-          <a:p>
-            <a:pPr marL="514350" indent="-514350">
-              <a:buFont typeface="+mj-lt"/>
-              <a:buAutoNum type="arabicPeriod"/>
+              <a:rPr lang="de-DE" sz="2400" b="1" dirty="0"/>
+              <a:t>Abgrenzungskriterien:</a:t>
+            </a:r>
+          </a:p>
+          <a:p>
+            <a:pPr>
+              <a:buFont typeface="Arial" panose="020B0604020202020204" pitchFamily="34" charset="0"/>
+              <a:buChar char="•"/>
             </a:pPr>
             <a:r>
-              <a:rPr lang="de-DE" dirty="0"/>
-              <a:t>Unser Thema</a:t>
-            </a:r>
-          </a:p>
-          <a:p>
-            <a:pPr marL="514350" indent="-514350">
-              <a:buFont typeface="+mj-lt"/>
-              <a:buAutoNum type="arabicPeriod"/>
+              <a:rPr lang="de-DE" sz="2000" dirty="0"/>
+              <a:t>Kein Editieren von Einträgen</a:t>
+            </a:r>
+          </a:p>
+          <a:p>
+            <a:pPr>
+              <a:buFont typeface="Arial" panose="020B0604020202020204" pitchFamily="34" charset="0"/>
+              <a:buChar char="•"/>
             </a:pPr>
             <a:r>
-              <a:rPr lang="de-DE" dirty="0"/>
-              <a:t>Anforderungen</a:t>
-            </a:r>
-          </a:p>
-          <a:p>
-            <a:pPr marL="514350" indent="-514350">
-              <a:buFont typeface="+mj-lt"/>
-              <a:buAutoNum type="arabicPeriod"/>
+              <a:rPr lang="de-DE" sz="2000" dirty="0"/>
+              <a:t>Kein Löschen von Einträgen</a:t>
+            </a:r>
+          </a:p>
+          <a:p>
+            <a:pPr>
+              <a:buFont typeface="Arial" panose="020B0604020202020204" pitchFamily="34" charset="0"/>
+              <a:buChar char="•"/>
             </a:pPr>
             <a:r>
-              <a:rPr lang="de-DE" sz="3600" b="1" dirty="0"/>
-              <a:t>Vorgehen</a:t>
-            </a:r>
-          </a:p>
-          <a:p>
-            <a:pPr marL="514350" indent="-514350">
-              <a:buFont typeface="+mj-lt"/>
-              <a:buAutoNum type="arabicPeriod"/>
+              <a:rPr lang="de-DE" sz="2000" dirty="0"/>
+              <a:t>Keine Benutzerverwaltung</a:t>
+            </a:r>
+          </a:p>
+          <a:p>
+            <a:pPr>
+              <a:buFont typeface="Arial" panose="020B0604020202020204" pitchFamily="34" charset="0"/>
+              <a:buChar char="•"/>
             </a:pPr>
             <a:r>
-              <a:rPr lang="de-DE" dirty="0"/>
-              <a:t>Herausforderungen</a:t>
-            </a:r>
-          </a:p>
-          <a:p>
-            <a:pPr marL="514350" indent="-514350">
-              <a:buFont typeface="+mj-lt"/>
-              <a:buAutoNum type="arabicPeriod"/>
-            </a:pPr>
-            <a:r>
-              <a:rPr lang="de-DE" dirty="0"/>
-              <a:t>Ergebnis</a:t>
-            </a:r>
-          </a:p>
-          <a:p>
-            <a:pPr marL="514350" indent="-514350">
-              <a:buFont typeface="+mj-lt"/>
-              <a:buAutoNum type="arabicPeriod"/>
-            </a:pPr>
-            <a:r>
-              <a:rPr lang="de-DE" dirty="0"/>
-              <a:t>Reflektion</a:t>
-            </a:r>
-          </a:p>
-          <a:p>
-            <a:pPr marL="514350" indent="-514350">
-              <a:buFont typeface="+mj-lt"/>
-              <a:buAutoNum type="arabicPeriod"/>
-            </a:pPr>
-            <a:r>
-              <a:rPr lang="de-DE" dirty="0" smtClean="0"/>
-              <a:t>Rückmeldung</a:t>
-            </a:r>
-            <a:endParaRPr lang="de-DE" dirty="0"/>
+              <a:rPr lang="de-DE" sz="2000" dirty="0"/>
+              <a:t>Keine Suchfunktion</a:t>
+            </a:r>
+          </a:p>
+          <a:p>
+            <a:endParaRPr lang="de-DE" sz="4000" dirty="0"/>
           </a:p>
         </p:txBody>
       </p:sp>
@@ -18156,7 +17939,7 @@
     </p:spTree>
     <p:extLst>
       <p:ext uri="{BB962C8B-B14F-4D97-AF65-F5344CB8AC3E}">
-        <p14:creationId xmlns:p14="http://schemas.microsoft.com/office/powerpoint/2010/main" val="1788390056"/>
+        <p14:creationId xmlns:p14="http://schemas.microsoft.com/office/powerpoint/2010/main" val="444323131"/>
       </p:ext>
     </p:extLst>
   </p:cSld>

--- a/Notizen/Präsentation_EssentialBlog.pptx
+++ b/Notizen/Präsentation_EssentialBlog.pptx
@@ -3913,7 +3913,7 @@
               <a:pPr algn="r" defTabSz="914400">
                 <a:buNone/>
               </a:pPr>
-              <a:t>1/26/2015 8:08 PM</a:t>
+              <a:t>1/26/2015 9:34 PM</a:t>
             </a:fld>
             <a:endParaRPr lang="en-US" sz="1200" b="0" i="0">
               <a:latin typeface="Calibri"/>
@@ -9486,11 +9486,7 @@
           <a:p>
             <a:r>
               <a:rPr lang="de-DE" dirty="0" smtClean="0"/>
-              <a:t>Kick-Off </a:t>
-            </a:r>
-            <a:r>
-              <a:rPr lang="de-DE" dirty="0" smtClean="0"/>
-              <a:t>am 28.11.2014</a:t>
+              <a:t>Kick-Off am 28.11.2014</a:t>
             </a:r>
           </a:p>
           <a:p>
@@ -9502,15 +9498,7 @@
           <a:p>
             <a:r>
               <a:rPr lang="de-DE" dirty="0" smtClean="0"/>
-              <a:t>Vertikaler </a:t>
-            </a:r>
-            <a:r>
-              <a:rPr lang="de-DE" dirty="0" smtClean="0"/>
-              <a:t>Durchstich bis </a:t>
-            </a:r>
-            <a:r>
-              <a:rPr lang="de-DE" dirty="0" smtClean="0"/>
-              <a:t>zum </a:t>
+              <a:t>Vertikaler Durchstich bis zum </a:t>
             </a:r>
             <a:r>
               <a:rPr lang="de-DE" b="1" dirty="0" smtClean="0"/>
@@ -9789,7 +9777,7 @@
         </p:nvSpPr>
         <p:spPr>
           <a:xfrm>
-            <a:off x="467544" y="4653136"/>
+            <a:off x="377889" y="4161482"/>
             <a:ext cx="8208912" cy="1200329"/>
           </a:xfrm>
           <a:prstGeom prst="rect">
@@ -9857,15 +9845,7 @@
                   <a:srgbClr val="FF0000"/>
                 </a:solidFill>
               </a:rPr>
-              <a:t>Kick-Off </a:t>
-            </a:r>
-            <a:r>
-              <a:rPr lang="de-DE" sz="2000" b="1" dirty="0" smtClean="0">
-                <a:solidFill>
-                  <a:srgbClr val="FF0000"/>
-                </a:solidFill>
-              </a:rPr>
-              <a:t>(Alle)</a:t>
+              <a:t>Kick-Off (Alle)</a:t>
             </a:r>
             <a:endParaRPr lang="de-DE" sz="2000" b="1" dirty="0">
               <a:solidFill>
@@ -9897,11 +9877,7 @@
           <a:p>
             <a:r>
               <a:rPr lang="de-DE" dirty="0" smtClean="0"/>
-              <a:t>Kick-Off </a:t>
-            </a:r>
-            <a:r>
-              <a:rPr lang="de-DE" dirty="0" smtClean="0"/>
-              <a:t>–&gt; Prototyp</a:t>
+              <a:t>Kick-Off –&gt; Prototyp</a:t>
             </a:r>
             <a:endParaRPr lang="de-DE" dirty="0"/>
           </a:p>
@@ -10197,11 +10173,7 @@
           <a:p>
             <a:r>
               <a:rPr lang="de-DE" dirty="0" smtClean="0"/>
-              <a:t>Kick-Off </a:t>
-            </a:r>
-            <a:r>
-              <a:rPr lang="de-DE" dirty="0" smtClean="0"/>
-              <a:t>–&gt; Prototyp</a:t>
+              <a:t>Kick-Off –&gt; Prototyp</a:t>
             </a:r>
             <a:endParaRPr lang="de-DE" dirty="0"/>
           </a:p>
@@ -10345,7 +10317,7 @@
         </p:nvSpPr>
         <p:spPr>
           <a:xfrm>
-            <a:off x="467544" y="4653136"/>
+            <a:off x="381000" y="4325034"/>
             <a:ext cx="8208912" cy="646331"/>
           </a:xfrm>
           <a:prstGeom prst="rect">
@@ -10660,7 +10632,7 @@
         </p:nvSpPr>
         <p:spPr>
           <a:xfrm>
-            <a:off x="467544" y="4653136"/>
+            <a:off x="323528" y="4289963"/>
             <a:ext cx="8208912" cy="1200329"/>
           </a:xfrm>
           <a:prstGeom prst="rect">
@@ -10754,11 +10726,7 @@
           <a:p>
             <a:r>
               <a:rPr lang="de-DE" dirty="0" smtClean="0"/>
-              <a:t>Kick-Off </a:t>
-            </a:r>
-            <a:r>
-              <a:rPr lang="de-DE" dirty="0" smtClean="0"/>
-              <a:t>–&gt; Prototyp</a:t>
+              <a:t>Kick-Off –&gt; Prototyp</a:t>
             </a:r>
             <a:endParaRPr lang="de-DE" dirty="0"/>
           </a:p>
@@ -11013,7 +10981,7 @@
         </p:nvSpPr>
         <p:spPr>
           <a:xfrm>
-            <a:off x="467544" y="4797152"/>
+            <a:off x="381000" y="4303351"/>
             <a:ext cx="8208912" cy="923330"/>
           </a:xfrm>
           <a:prstGeom prst="rect">
@@ -11108,11 +11076,7 @@
           <a:p>
             <a:r>
               <a:rPr lang="de-DE" dirty="0" smtClean="0"/>
-              <a:t>Kick-Off </a:t>
-            </a:r>
-            <a:r>
-              <a:rPr lang="de-DE" dirty="0" smtClean="0"/>
-              <a:t>–&gt; Prototyp</a:t>
+              <a:t>Kick-Off –&gt; Prototyp</a:t>
             </a:r>
             <a:endParaRPr lang="de-DE" dirty="0"/>
           </a:p>
@@ -11367,7 +11331,7 @@
         </p:nvSpPr>
         <p:spPr>
           <a:xfrm>
-            <a:off x="467544" y="4797152"/>
+            <a:off x="312207" y="4253026"/>
             <a:ext cx="8208912" cy="1200329"/>
           </a:xfrm>
           <a:prstGeom prst="rect">
@@ -11397,15 +11361,7 @@
             </a:pPr>
             <a:r>
               <a:rPr lang="de-DE" dirty="0" smtClean="0"/>
-              <a:t> </a:t>
-            </a:r>
-            <a:r>
-              <a:rPr lang="de-DE" dirty="0" smtClean="0"/>
-              <a:t>JavaScript-Funktion </a:t>
-            </a:r>
-            <a:r>
-              <a:rPr lang="de-DE" dirty="0" smtClean="0"/>
-              <a:t>zum Anzeigen und Verstecken von Kommentaren implementiert</a:t>
+              <a:t> JavaScript-Funktion zum Anzeigen und Verstecken von Kommentaren implementiert</a:t>
             </a:r>
           </a:p>
           <a:p>
@@ -11458,23 +11414,7 @@
                   <a:srgbClr val="FF0000"/>
                 </a:solidFill>
               </a:rPr>
-              <a:t>Erstellung der </a:t>
-            </a:r>
-            <a:r>
-              <a:rPr lang="de-DE" sz="2000" b="1" dirty="0" smtClean="0">
-                <a:solidFill>
-                  <a:srgbClr val="FF0000"/>
-                </a:solidFill>
-              </a:rPr>
-              <a:t>JavaScript-Funktionen </a:t>
-            </a:r>
-            <a:r>
-              <a:rPr lang="de-DE" sz="2000" b="1" dirty="0" smtClean="0">
-                <a:solidFill>
-                  <a:srgbClr val="FF0000"/>
-                </a:solidFill>
-              </a:rPr>
-              <a:t>(Michael)</a:t>
+              <a:t>Erstellung der JavaScript-Funktionen (Michael)</a:t>
             </a:r>
             <a:endParaRPr lang="de-DE" sz="2000" b="1" dirty="0">
               <a:solidFill>
@@ -11506,11 +11446,7 @@
           <a:p>
             <a:r>
               <a:rPr lang="de-DE" dirty="0" smtClean="0"/>
-              <a:t>Kick-Off </a:t>
-            </a:r>
-            <a:r>
-              <a:rPr lang="de-DE" dirty="0" smtClean="0"/>
-              <a:t>–&gt; Prototyp</a:t>
+              <a:t>Kick-Off –&gt; Prototyp</a:t>
             </a:r>
             <a:endParaRPr lang="de-DE" dirty="0"/>
           </a:p>
@@ -11819,11 +11755,7 @@
           <a:p>
             <a:r>
               <a:rPr lang="de-DE" dirty="0" smtClean="0"/>
-              <a:t>Kick-Off </a:t>
-            </a:r>
-            <a:r>
-              <a:rPr lang="de-DE" dirty="0" smtClean="0"/>
-              <a:t>–&gt; Prototyp</a:t>
+              <a:t>Kick-Off –&gt; Prototyp</a:t>
             </a:r>
             <a:endParaRPr lang="de-DE" dirty="0"/>
           </a:p>
@@ -12144,7 +12076,7 @@
         </p:nvSpPr>
         <p:spPr>
           <a:xfrm>
-            <a:off x="467544" y="4725144"/>
+            <a:off x="381000" y="4253026"/>
             <a:ext cx="8208912" cy="923330"/>
           </a:xfrm>
           <a:prstGeom prst="rect">
@@ -12164,8 +12096,13 @@
             </a:pPr>
             <a:r>
               <a:rPr lang="de-DE" dirty="0" smtClean="0"/>
-              <a:t> Verbleibende PHP-Funktionen umsetzen</a:t>
-            </a:r>
+              <a:t> Verbleibende PHP-Funktionen </a:t>
+            </a:r>
+            <a:r>
+              <a:rPr lang="de-DE" dirty="0" smtClean="0"/>
+              <a:t>umgesetzt</a:t>
+            </a:r>
+            <a:endParaRPr lang="de-DE" dirty="0" smtClean="0"/>
           </a:p>
           <a:p>
             <a:pPr>
@@ -12174,8 +12111,13 @@
             </a:pPr>
             <a:r>
               <a:rPr lang="de-DE" dirty="0" smtClean="0"/>
-              <a:t> Design aufarbeiten</a:t>
-            </a:r>
+              <a:t> Design </a:t>
+            </a:r>
+            <a:r>
+              <a:rPr lang="de-DE" dirty="0" smtClean="0"/>
+              <a:t>aufgearbeitet</a:t>
+            </a:r>
+            <a:endParaRPr lang="de-DE" dirty="0" smtClean="0"/>
           </a:p>
           <a:p>
             <a:pPr>
@@ -12184,8 +12126,13 @@
             </a:pPr>
             <a:r>
               <a:rPr lang="de-DE" dirty="0" smtClean="0"/>
-              <a:t> Demo-Daten erstellen</a:t>
-            </a:r>
+              <a:t> Demo-Daten </a:t>
+            </a:r>
+            <a:r>
+              <a:rPr lang="de-DE" dirty="0" smtClean="0"/>
+              <a:t>erstellt</a:t>
+            </a:r>
+            <a:endParaRPr lang="de-DE" dirty="0" smtClean="0"/>
           </a:p>
         </p:txBody>
       </p:sp>
@@ -12360,7 +12307,6 @@
               <a:rPr lang="de-DE" dirty="0" smtClean="0"/>
               <a:t>Team </a:t>
             </a:r>
-            <a:endParaRPr lang="de-DE" dirty="0" smtClean="0"/>
           </a:p>
           <a:p>
             <a:pPr marL="514350" indent="-514350">
@@ -12369,11 +12315,7 @@
             </a:pPr>
             <a:r>
               <a:rPr lang="de-DE" dirty="0" smtClean="0"/>
-              <a:t>Unser </a:t>
-            </a:r>
-            <a:r>
-              <a:rPr lang="de-DE" dirty="0" smtClean="0"/>
-              <a:t>Thema </a:t>
+              <a:t>Unser Thema </a:t>
             </a:r>
             <a:endParaRPr lang="de-DE" dirty="0"/>
           </a:p>
@@ -12430,7 +12372,6 @@
               <a:rPr lang="de-DE" dirty="0" smtClean="0"/>
               <a:t>Reflektion </a:t>
             </a:r>
-            <a:endParaRPr lang="de-DE" dirty="0" smtClean="0"/>
           </a:p>
           <a:p>
             <a:pPr marL="514350" indent="-514350">
@@ -12693,7 +12634,7 @@
         </p:nvSpPr>
         <p:spPr>
           <a:xfrm>
-            <a:off x="467544" y="4725144"/>
+            <a:off x="362811" y="4325034"/>
             <a:ext cx="8208912" cy="923330"/>
           </a:xfrm>
           <a:prstGeom prst="rect">
@@ -13041,7 +12982,7 @@
         </p:nvSpPr>
         <p:spPr>
           <a:xfrm>
-            <a:off x="467544" y="5013176"/>
+            <a:off x="381000" y="4325034"/>
             <a:ext cx="8208912" cy="369332"/>
           </a:xfrm>
           <a:prstGeom prst="rect">
@@ -13057,15 +12998,15 @@
           <a:p>
             <a:r>
               <a:rPr lang="de-DE" dirty="0" smtClean="0"/>
-              <a:t>- Erstellung eines Skripts zur </a:t>
+              <a:t>- </a:t>
             </a:r>
             <a:r>
               <a:rPr lang="de-DE" dirty="0" smtClean="0"/>
-              <a:t>Befüllen der </a:t>
+              <a:t>Erstellen </a:t>
             </a:r>
             <a:r>
               <a:rPr lang="de-DE" dirty="0" smtClean="0"/>
-              <a:t>Datenbank</a:t>
+              <a:t>eines Skripts zur Befüllen der Datenbank</a:t>
             </a:r>
           </a:p>
         </p:txBody>
@@ -13098,15 +13039,7 @@
                   <a:srgbClr val="FF0000"/>
                 </a:solidFill>
               </a:rPr>
-              <a:t>Befüllen </a:t>
-            </a:r>
-            <a:r>
-              <a:rPr lang="de-DE" sz="2000" b="1" dirty="0" smtClean="0">
-                <a:solidFill>
-                  <a:srgbClr val="FF0000"/>
-                </a:solidFill>
-              </a:rPr>
-              <a:t>der Datenbank mit Demo-Daten (Nadine)</a:t>
+              <a:t>Befüllen der Datenbank mit Demo-Daten (Nadine)</a:t>
             </a:r>
             <a:endParaRPr lang="de-DE" sz="2000" b="1" dirty="0">
               <a:solidFill>
@@ -13449,23 +13382,7 @@
                   <a:srgbClr val="FF0000"/>
                 </a:solidFill>
               </a:rPr>
-              <a:t>Aufwand: </a:t>
-            </a:r>
-            <a:r>
-              <a:rPr lang="de-DE" b="1" dirty="0" smtClean="0">
-                <a:solidFill>
-                  <a:srgbClr val="FF0000"/>
-                </a:solidFill>
-              </a:rPr>
-              <a:t>40 </a:t>
-            </a:r>
-            <a:r>
-              <a:rPr lang="de-DE" b="1" dirty="0" smtClean="0">
-                <a:solidFill>
-                  <a:srgbClr val="FF0000"/>
-                </a:solidFill>
-              </a:rPr>
-              <a:t>Stunden</a:t>
+              <a:t>Aufwand: 40 Stunden</a:t>
             </a:r>
             <a:endParaRPr lang="de-DE" b="1" dirty="0">
               <a:solidFill>
@@ -14507,67 +14424,7 @@
                   </a:outerShdw>
                 </a:effectLst>
               </a:rPr>
-              <a:t>D</a:t>
-            </a:r>
-            <a:r>
-              <a:rPr lang="de-DE" sz="10000" b="1" i="1" spc="-642" dirty="0">
-                <a:ln w="11430"/>
-                <a:gradFill>
-                  <a:gsLst>
-                    <a:gs pos="0">
-                      <a:srgbClr val="0066FF"/>
-                    </a:gs>
-                    <a:gs pos="28000">
-                      <a:srgbClr val="2E59B0"/>
-                    </a:gs>
-                    <a:gs pos="62000">
-                      <a:srgbClr val="2B395F"/>
-                    </a:gs>
-                    <a:gs pos="88000">
-                      <a:srgbClr val="000000"/>
-                    </a:gs>
-                  </a:gsLst>
-                  <a:lin ang="5400000"/>
-                </a:gradFill>
-                <a:effectLst>
-                  <a:outerShdw blurRad="50800" dist="39000" dir="5460000" algn="tl">
-                    <a:srgbClr val="000000">
-                      <a:alpha val="38000"/>
-                    </a:srgbClr>
-                  </a:outerShdw>
-                </a:effectLst>
-              </a:rPr>
-              <a:t>e</a:t>
-            </a:r>
-            <a:r>
-              <a:rPr lang="de-DE" sz="10000" b="1" i="1" spc="-642" dirty="0">
-                <a:ln w="11430"/>
-                <a:gradFill>
-                  <a:gsLst>
-                    <a:gs pos="0">
-                      <a:srgbClr val="0066FF"/>
-                    </a:gs>
-                    <a:gs pos="28000">
-                      <a:srgbClr val="2E59B0"/>
-                    </a:gs>
-                    <a:gs pos="62000">
-                      <a:srgbClr val="2B395F"/>
-                    </a:gs>
-                    <a:gs pos="88000">
-                      <a:srgbClr val="000000"/>
-                    </a:gs>
-                  </a:gsLst>
-                  <a:lin ang="5400000"/>
-                </a:gradFill>
-                <a:effectLst>
-                  <a:outerShdw blurRad="50800" dist="39000" dir="5460000" algn="tl">
-                    <a:srgbClr val="000000">
-                      <a:alpha val="38000"/>
-                    </a:srgbClr>
-                  </a:outerShdw>
-                </a:effectLst>
-              </a:rPr>
-              <a:t>mo</a:t>
+              <a:t>Demo</a:t>
             </a:r>
             <a:r>
               <a:rPr lang="de-DE" sz="10000" b="1" i="1" spc="-640" dirty="0" smtClean="0">

--- a/Notizen/Präsentation_EssentialBlog.pptx
+++ b/Notizen/Präsentation_EssentialBlog.pptx
@@ -21,23 +21,23 @@
     <p:sldId id="275" r:id="rId13"/>
     <p:sldId id="283" r:id="rId14"/>
     <p:sldId id="293" r:id="rId15"/>
-    <p:sldId id="292" r:id="rId16"/>
-    <p:sldId id="294" r:id="rId17"/>
-    <p:sldId id="295" r:id="rId18"/>
-    <p:sldId id="296" r:id="rId19"/>
-    <p:sldId id="297" r:id="rId20"/>
-    <p:sldId id="298" r:id="rId21"/>
-    <p:sldId id="302" r:id="rId22"/>
-    <p:sldId id="299" r:id="rId23"/>
-    <p:sldId id="300" r:id="rId24"/>
-    <p:sldId id="301" r:id="rId25"/>
-    <p:sldId id="276" r:id="rId26"/>
-    <p:sldId id="284" r:id="rId27"/>
-    <p:sldId id="277" r:id="rId28"/>
-    <p:sldId id="285" r:id="rId29"/>
-    <p:sldId id="278" r:id="rId30"/>
-    <p:sldId id="304" r:id="rId31"/>
-    <p:sldId id="307" r:id="rId32"/>
+    <p:sldId id="307" r:id="rId16"/>
+    <p:sldId id="292" r:id="rId17"/>
+    <p:sldId id="294" r:id="rId18"/>
+    <p:sldId id="295" r:id="rId19"/>
+    <p:sldId id="296" r:id="rId20"/>
+    <p:sldId id="297" r:id="rId21"/>
+    <p:sldId id="298" r:id="rId22"/>
+    <p:sldId id="302" r:id="rId23"/>
+    <p:sldId id="299" r:id="rId24"/>
+    <p:sldId id="300" r:id="rId25"/>
+    <p:sldId id="301" r:id="rId26"/>
+    <p:sldId id="276" r:id="rId27"/>
+    <p:sldId id="284" r:id="rId28"/>
+    <p:sldId id="277" r:id="rId29"/>
+    <p:sldId id="285" r:id="rId30"/>
+    <p:sldId id="278" r:id="rId31"/>
+    <p:sldId id="304" r:id="rId32"/>
     <p:sldId id="279" r:id="rId33"/>
     <p:sldId id="306" r:id="rId34"/>
   </p:sldIdLst>
@@ -140,7 +140,7 @@
   </p:defaultTextStyle>
   <p:extLst>
     <p:ext uri="{EFAFB233-063F-42B5-8137-9DF3F51BA10A}">
-      <p15:sldGuideLst xmlns:p15="http://schemas.microsoft.com/office/powerpoint/2012/main">
+      <p15:sldGuideLst xmlns:p15="http://schemas.microsoft.com/office/powerpoint/2012/main" xmlns="">
         <p15:guide id="1" orient="horz" pos="2160">
           <p15:clr>
             <a:srgbClr val="A4A3A4"/>
@@ -1407,19 +1407,19 @@
     </dgm:pt>
   </dgm:ptLst>
   <dgm:cxnLst>
+    <dgm:cxn modelId="{8EB34A7C-5431-460D-B190-B4C58D4592D0}" type="presOf" srcId="{15B51F5D-36E0-4181-AA5F-212AFA53FC38}" destId="{7A01EBD5-9E50-49A4-8DAC-20B85A7668F5}" srcOrd="0" destOrd="0" presId="urn:microsoft.com/office/officeart/2005/8/layout/hierarchy4"/>
+    <dgm:cxn modelId="{DAFAB343-62E3-475F-B96C-56F34351E3D4}" type="presOf" srcId="{CC7F6CCA-F35F-46A3-9F83-AC7FEFB24D5B}" destId="{78D29DC7-FB7A-4C16-B791-9E0CA401820C}" srcOrd="0" destOrd="0" presId="urn:microsoft.com/office/officeart/2005/8/layout/hierarchy4"/>
+    <dgm:cxn modelId="{77F027A1-C739-4CD6-B272-4D217E922906}" type="presOf" srcId="{42434FFF-09B6-4AF4-B95D-F1FD38E6BDEF}" destId="{82BD8961-EFC8-4B04-9C18-666C0006E4E7}" srcOrd="0" destOrd="0" presId="urn:microsoft.com/office/officeart/2005/8/layout/hierarchy4"/>
+    <dgm:cxn modelId="{475D25C1-A672-4911-9ECC-D946BCDB0CFE}" srcId="{91A85F16-5E07-493E-A387-B7FA6B592146}" destId="{E221003B-7BCD-4B6E-B448-DFB764DFE205}" srcOrd="4" destOrd="0" parTransId="{777CFA6E-DC17-4641-B4F1-DAD2DE0047A0}" sibTransId="{FF800003-597F-4C17-B434-CD77B6E5504F}"/>
+    <dgm:cxn modelId="{A2C42033-BDF1-4F30-BE91-6B1974CD9C9B}" type="presOf" srcId="{78C2197C-62AA-45F6-9ECB-F23BA655EFCB}" destId="{626DBD90-D47A-4AF6-A56A-6A11A2533899}" srcOrd="0" destOrd="0" presId="urn:microsoft.com/office/officeart/2005/8/layout/hierarchy4"/>
+    <dgm:cxn modelId="{A0B1954B-7A00-403F-814F-06381C4451C3}" srcId="{91A85F16-5E07-493E-A387-B7FA6B592146}" destId="{15B51F5D-36E0-4181-AA5F-212AFA53FC38}" srcOrd="3" destOrd="0" parTransId="{7A0B0457-EEFB-41B4-851C-10DCC265E58D}" sibTransId="{0CFD2416-6D01-4571-8118-6E43E3EBBBFF}"/>
+    <dgm:cxn modelId="{44191267-DCEB-47C4-963B-4272847CD001}" type="presOf" srcId="{E221003B-7BCD-4B6E-B448-DFB764DFE205}" destId="{8978EF0D-6E73-4312-B512-C07F7D6F590D}" srcOrd="0" destOrd="0" presId="urn:microsoft.com/office/officeart/2005/8/layout/hierarchy4"/>
+    <dgm:cxn modelId="{9CD012C8-91AA-4029-8178-33DD3617FEE7}" type="presOf" srcId="{4FBD60DD-B178-40DF-9BEB-1417EFFBB46C}" destId="{FE343294-F044-47CF-BABF-285852571FB3}" srcOrd="0" destOrd="0" presId="urn:microsoft.com/office/officeart/2005/8/layout/hierarchy4"/>
+    <dgm:cxn modelId="{8AD69EAC-B46B-4FDD-8E2B-302CE3A3911E}" srcId="{42434FFF-09B6-4AF4-B95D-F1FD38E6BDEF}" destId="{91A85F16-5E07-493E-A387-B7FA6B592146}" srcOrd="0" destOrd="0" parTransId="{6726225E-0341-4980-8B8F-2EEDA5C709F3}" sibTransId="{1A42F6FE-8625-43BC-B3CB-1D7922B4D948}"/>
+    <dgm:cxn modelId="{A50D03EE-6EF4-49C2-83D8-6732D9418D73}" type="presOf" srcId="{91A85F16-5E07-493E-A387-B7FA6B592146}" destId="{5C9AFDC9-63CF-44D3-A7C2-223CA1565391}" srcOrd="0" destOrd="0" presId="urn:microsoft.com/office/officeart/2005/8/layout/hierarchy4"/>
     <dgm:cxn modelId="{033F5D87-82F0-45B8-9DC6-48AAAFF7849D}" srcId="{91A85F16-5E07-493E-A387-B7FA6B592146}" destId="{78C2197C-62AA-45F6-9ECB-F23BA655EFCB}" srcOrd="2" destOrd="0" parTransId="{1C98607B-A8EA-468A-897F-298483A5AFFA}" sibTransId="{A610E69E-CB76-49B9-AD2C-C801AFEA7E8C}"/>
-    <dgm:cxn modelId="{77F027A1-C739-4CD6-B272-4D217E922906}" type="presOf" srcId="{42434FFF-09B6-4AF4-B95D-F1FD38E6BDEF}" destId="{82BD8961-EFC8-4B04-9C18-666C0006E4E7}" srcOrd="0" destOrd="0" presId="urn:microsoft.com/office/officeart/2005/8/layout/hierarchy4"/>
-    <dgm:cxn modelId="{9CD012C8-91AA-4029-8178-33DD3617FEE7}" type="presOf" srcId="{4FBD60DD-B178-40DF-9BEB-1417EFFBB46C}" destId="{FE343294-F044-47CF-BABF-285852571FB3}" srcOrd="0" destOrd="0" presId="urn:microsoft.com/office/officeart/2005/8/layout/hierarchy4"/>
-    <dgm:cxn modelId="{475D25C1-A672-4911-9ECC-D946BCDB0CFE}" srcId="{91A85F16-5E07-493E-A387-B7FA6B592146}" destId="{E221003B-7BCD-4B6E-B448-DFB764DFE205}" srcOrd="4" destOrd="0" parTransId="{777CFA6E-DC17-4641-B4F1-DAD2DE0047A0}" sibTransId="{FF800003-597F-4C17-B434-CD77B6E5504F}"/>
-    <dgm:cxn modelId="{44191267-DCEB-47C4-963B-4272847CD001}" type="presOf" srcId="{E221003B-7BCD-4B6E-B448-DFB764DFE205}" destId="{8978EF0D-6E73-4312-B512-C07F7D6F590D}" srcOrd="0" destOrd="0" presId="urn:microsoft.com/office/officeart/2005/8/layout/hierarchy4"/>
     <dgm:cxn modelId="{7E6DC4D2-27B7-4A88-9184-B8851C817B41}" srcId="{91A85F16-5E07-493E-A387-B7FA6B592146}" destId="{CC7F6CCA-F35F-46A3-9F83-AC7FEFB24D5B}" srcOrd="0" destOrd="0" parTransId="{652FF422-66C0-456D-8985-6B86A63DDFE1}" sibTransId="{E478B1DB-F74D-48E0-9C4A-E782099C56B0}"/>
-    <dgm:cxn modelId="{A0B1954B-7A00-403F-814F-06381C4451C3}" srcId="{91A85F16-5E07-493E-A387-B7FA6B592146}" destId="{15B51F5D-36E0-4181-AA5F-212AFA53FC38}" srcOrd="3" destOrd="0" parTransId="{7A0B0457-EEFB-41B4-851C-10DCC265E58D}" sibTransId="{0CFD2416-6D01-4571-8118-6E43E3EBBBFF}"/>
-    <dgm:cxn modelId="{8EB34A7C-5431-460D-B190-B4C58D4592D0}" type="presOf" srcId="{15B51F5D-36E0-4181-AA5F-212AFA53FC38}" destId="{7A01EBD5-9E50-49A4-8DAC-20B85A7668F5}" srcOrd="0" destOrd="0" presId="urn:microsoft.com/office/officeart/2005/8/layout/hierarchy4"/>
-    <dgm:cxn modelId="{A2C42033-BDF1-4F30-BE91-6B1974CD9C9B}" type="presOf" srcId="{78C2197C-62AA-45F6-9ECB-F23BA655EFCB}" destId="{626DBD90-D47A-4AF6-A56A-6A11A2533899}" srcOrd="0" destOrd="0" presId="urn:microsoft.com/office/officeart/2005/8/layout/hierarchy4"/>
-    <dgm:cxn modelId="{8AD69EAC-B46B-4FDD-8E2B-302CE3A3911E}" srcId="{42434FFF-09B6-4AF4-B95D-F1FD38E6BDEF}" destId="{91A85F16-5E07-493E-A387-B7FA6B592146}" srcOrd="0" destOrd="0" parTransId="{6726225E-0341-4980-8B8F-2EEDA5C709F3}" sibTransId="{1A42F6FE-8625-43BC-B3CB-1D7922B4D948}"/>
     <dgm:cxn modelId="{9108667B-5172-45C5-98DE-8CCFA0492082}" srcId="{91A85F16-5E07-493E-A387-B7FA6B592146}" destId="{4FBD60DD-B178-40DF-9BEB-1417EFFBB46C}" srcOrd="1" destOrd="0" parTransId="{944A50E6-632F-422D-A1A6-45F91997E31A}" sibTransId="{CD9625B5-F386-44E8-97EF-31921E44CDFD}"/>
-    <dgm:cxn modelId="{A50D03EE-6EF4-49C2-83D8-6732D9418D73}" type="presOf" srcId="{91A85F16-5E07-493E-A387-B7FA6B592146}" destId="{5C9AFDC9-63CF-44D3-A7C2-223CA1565391}" srcOrd="0" destOrd="0" presId="urn:microsoft.com/office/officeart/2005/8/layout/hierarchy4"/>
-    <dgm:cxn modelId="{DAFAB343-62E3-475F-B96C-56F34351E3D4}" type="presOf" srcId="{CC7F6CCA-F35F-46A3-9F83-AC7FEFB24D5B}" destId="{78D29DC7-FB7A-4C16-B791-9E0CA401820C}" srcOrd="0" destOrd="0" presId="urn:microsoft.com/office/officeart/2005/8/layout/hierarchy4"/>
     <dgm:cxn modelId="{A2FD2697-1D00-4DC1-90F7-B1577A2BFD84}" type="presParOf" srcId="{82BD8961-EFC8-4B04-9C18-666C0006E4E7}" destId="{79C2CDB1-4F33-459A-BE08-A1A3E742F58F}" srcOrd="0" destOrd="0" presId="urn:microsoft.com/office/officeart/2005/8/layout/hierarchy4"/>
     <dgm:cxn modelId="{F447E14F-1CB2-49E8-AA39-3FCE76974213}" type="presParOf" srcId="{79C2CDB1-4F33-459A-BE08-A1A3E742F58F}" destId="{5C9AFDC9-63CF-44D3-A7C2-223CA1565391}" srcOrd="0" destOrd="0" presId="urn:microsoft.com/office/officeart/2005/8/layout/hierarchy4"/>
     <dgm:cxn modelId="{67992D5A-9954-4DAF-ADA7-5FE5877A732D}" type="presParOf" srcId="{79C2CDB1-4F33-459A-BE08-A1A3E742F58F}" destId="{5D8832EE-F85B-453F-889E-9C141929D9E4}" srcOrd="1" destOrd="0" presId="urn:microsoft.com/office/officeart/2005/8/layout/hierarchy4"/>
@@ -1448,14 +1448,14 @@
   <dgm:whole/>
   <dgm:extLst>
     <a:ext uri="http://schemas.microsoft.com/office/drawing/2008/diagram">
-      <dsp:dataModelExt xmlns:dsp="http://schemas.microsoft.com/office/drawing/2008/diagram" relId="rId7" minVer="http://schemas.openxmlformats.org/drawingml/2006/diagram"/>
+      <dsp:dataModelExt xmlns:dsp="http://schemas.microsoft.com/office/drawing/2008/diagram" xmlns="" relId="rId7" minVer="http://schemas.openxmlformats.org/drawingml/2006/diagram"/>
     </a:ext>
   </dgm:extLst>
 </dgm:dataModel>
 </file>
 
 <file path=ppt/diagrams/drawing1.xml><?xml version="1.0" encoding="utf-8"?>
-<dsp:drawing xmlns:dgm="http://schemas.openxmlformats.org/drawingml/2006/diagram" xmlns:dsp="http://schemas.microsoft.com/office/drawing/2008/diagram" xmlns:a="http://schemas.openxmlformats.org/drawingml/2006/main">
+<dsp:drawing xmlns:dgm="http://schemas.openxmlformats.org/drawingml/2006/diagram" xmlns:a="http://schemas.openxmlformats.org/drawingml/2006/main" xmlns:dsp="http://schemas.microsoft.com/office/drawing/2008/diagram">
   <dsp:spTree>
     <dsp:nvGrpSpPr>
       <dsp:cNvPr id="0" name=""/>
@@ -1537,8 +1537,8 @@
         </a:p>
       </dsp:txBody>
       <dsp:txXfrm>
-        <a:off x="59520" y="58574"/>
-        <a:ext cx="5976958" cy="1834508"/>
+        <a:off x="2446" y="1500"/>
+        <a:ext cx="6091106" cy="1948656"/>
       </dsp:txXfrm>
     </dsp:sp>
     <dsp:sp modelId="{78D29DC7-FB7A-4C16-B791-9E0CA401820C}">
@@ -1610,8 +1610,8 @@
         </a:p>
       </dsp:txBody>
       <dsp:txXfrm>
-        <a:off x="35880" y="2147277"/>
-        <a:ext cx="1074643" cy="1881788"/>
+        <a:off x="2446" y="2113843"/>
+        <a:ext cx="1141511" cy="1948656"/>
       </dsp:txXfrm>
     </dsp:sp>
     <dsp:sp modelId="{FE343294-F044-47CF-BABF-285852571FB3}">
@@ -1683,8 +1683,8 @@
         </a:p>
       </dsp:txBody>
       <dsp:txXfrm>
-        <a:off x="1273279" y="2147277"/>
-        <a:ext cx="1074643" cy="1881788"/>
+        <a:off x="1239845" y="2113843"/>
+        <a:ext cx="1141511" cy="1948656"/>
       </dsp:txXfrm>
     </dsp:sp>
     <dsp:sp modelId="{626DBD90-D47A-4AF6-A56A-6A11A2533899}">
@@ -1755,8 +1755,8 @@
         </a:p>
       </dsp:txBody>
       <dsp:txXfrm>
-        <a:off x="2510678" y="2147277"/>
-        <a:ext cx="1074643" cy="1881788"/>
+        <a:off x="2477244" y="2113843"/>
+        <a:ext cx="1141511" cy="1948656"/>
       </dsp:txXfrm>
     </dsp:sp>
     <dsp:sp modelId="{7A01EBD5-9E50-49A4-8DAC-20B85A7668F5}">
@@ -1827,8 +1827,8 @@
         </a:p>
       </dsp:txBody>
       <dsp:txXfrm>
-        <a:off x="3748076" y="2147277"/>
-        <a:ext cx="1074643" cy="1881788"/>
+        <a:off x="3714642" y="2113843"/>
+        <a:ext cx="1141511" cy="1948656"/>
       </dsp:txXfrm>
     </dsp:sp>
     <dsp:sp modelId="{8978EF0D-6E73-4312-B512-C07F7D6F590D}">
@@ -1899,8 +1899,8 @@
         </a:p>
       </dsp:txBody>
       <dsp:txXfrm>
-        <a:off x="4985475" y="2147277"/>
-        <a:ext cx="1074643" cy="1881788"/>
+        <a:off x="4952041" y="2113843"/>
+        <a:ext cx="1141511" cy="1948656"/>
       </dsp:txXfrm>
     </dsp:sp>
   </dsp:spTree>
@@ -3546,7 +3546,7 @@
             <a:fld id="{5AB3429A-4996-4E8A-9907-26EBCB65C05D}" type="datetimeFigureOut">
               <a:rPr lang="en-US" smtClean="0"/>
               <a:pPr/>
-              <a:t>1/26/2015</a:t>
+              <a:t>1/27/2015</a:t>
             </a:fld>
             <a:endParaRPr lang="en-US"/>
           </a:p>
@@ -3717,7 +3717,7 @@
     </p:spTree>
     <p:extLst>
       <p:ext uri="{BB962C8B-B14F-4D97-AF65-F5344CB8AC3E}">
-        <p14:creationId xmlns:p14="http://schemas.microsoft.com/office/powerpoint/2010/main" val="685702559"/>
+        <p14:creationId xmlns:p14="http://schemas.microsoft.com/office/powerpoint/2010/main" xmlns="" val="685702559"/>
       </p:ext>
     </p:extLst>
   </p:cSld>
@@ -3913,7 +3913,7 @@
               <a:pPr algn="r" defTabSz="914400">
                 <a:buNone/>
               </a:pPr>
-              <a:t>1/26/2015 9:34 PM</a:t>
+              <a:t>1/27/2015 7:23 PM</a:t>
             </a:fld>
             <a:endParaRPr lang="en-US" sz="1200" b="0" i="0">
               <a:latin typeface="Calibri"/>
@@ -4048,7 +4048,7 @@
     </p:spTree>
     <p:extLst>
       <p:ext uri="{BB962C8B-B14F-4D97-AF65-F5344CB8AC3E}">
-        <p14:creationId xmlns:p14="http://schemas.microsoft.com/office/powerpoint/2010/main" val="3303831938"/>
+        <p14:creationId xmlns:p14="http://schemas.microsoft.com/office/powerpoint/2010/main" xmlns="" val="3303831938"/>
       </p:ext>
     </p:extLst>
   </p:cSld>
@@ -4108,42 +4108,6 @@
               <a:buFontTx/>
               <a:buChar char="-"/>
             </a:pPr>
-            <a:r>
-              <a:rPr lang="de-DE" dirty="0" smtClean="0"/>
-              <a:t>Aufteilung nach technischen Aufgabenstellungen (</a:t>
-            </a:r>
-            <a:r>
-              <a:rPr lang="de-DE" b="1" dirty="0" smtClean="0"/>
-              <a:t>Experten</a:t>
-            </a:r>
-            <a:r>
-              <a:rPr lang="de-DE" dirty="0" smtClean="0"/>
-              <a:t>)</a:t>
-            </a:r>
-          </a:p>
-          <a:p>
-            <a:pPr>
-              <a:buFontTx/>
-              <a:buChar char="-"/>
-            </a:pPr>
-            <a:r>
-              <a:rPr lang="de-DE" baseline="0" dirty="0" smtClean="0"/>
-              <a:t> Bringt Vorteil der Spezialisierung</a:t>
-            </a:r>
-          </a:p>
-          <a:p>
-            <a:pPr>
-              <a:buFontTx/>
-              <a:buChar char="-"/>
-            </a:pPr>
-            <a:r>
-              <a:rPr lang="de-DE" baseline="0" dirty="0" smtClean="0"/>
-              <a:t>Allerdings Einarbeitung in alle technischen Aspekte durch </a:t>
-            </a:r>
-            <a:r>
-              <a:rPr lang="de-DE" b="1" baseline="0" dirty="0" smtClean="0"/>
-              <a:t>Querschnittsaufgaben</a:t>
-            </a:r>
             <a:endParaRPr lang="de-DE" b="1" dirty="0"/>
           </a:p>
         </p:txBody>
@@ -4166,7 +4130,7 @@
             <a:fld id="{E25655AF-C603-43CA-9AB9-46F21F484485}" type="slidenum">
               <a:rPr lang="en-US" smtClean="0"/>
               <a:pPr/>
-              <a:t>20</a:t>
+              <a:t>21</a:t>
             </a:fld>
             <a:endParaRPr lang="en-US"/>
           </a:p>
@@ -4175,7 +4139,7 @@
     </p:spTree>
     <p:extLst>
       <p:ext uri="{BB962C8B-B14F-4D97-AF65-F5344CB8AC3E}">
-        <p14:creationId xmlns:p14="http://schemas.microsoft.com/office/powerpoint/2010/main" val="3143107461"/>
+        <p14:creationId xmlns:p14="http://schemas.microsoft.com/office/powerpoint/2010/main" xmlns="" val="3143107461"/>
       </p:ext>
     </p:extLst>
   </p:cSld>
@@ -4235,42 +4199,6 @@
               <a:buFontTx/>
               <a:buChar char="-"/>
             </a:pPr>
-            <a:r>
-              <a:rPr lang="de-DE" dirty="0" smtClean="0"/>
-              <a:t>Aufteilung nach technischen Aufgabenstellungen (</a:t>
-            </a:r>
-            <a:r>
-              <a:rPr lang="de-DE" b="1" dirty="0" smtClean="0"/>
-              <a:t>Experten</a:t>
-            </a:r>
-            <a:r>
-              <a:rPr lang="de-DE" dirty="0" smtClean="0"/>
-              <a:t>)</a:t>
-            </a:r>
-          </a:p>
-          <a:p>
-            <a:pPr>
-              <a:buFontTx/>
-              <a:buChar char="-"/>
-            </a:pPr>
-            <a:r>
-              <a:rPr lang="de-DE" baseline="0" dirty="0" smtClean="0"/>
-              <a:t> Bringt Vorteil der Spezialisierung</a:t>
-            </a:r>
-          </a:p>
-          <a:p>
-            <a:pPr>
-              <a:buFontTx/>
-              <a:buChar char="-"/>
-            </a:pPr>
-            <a:r>
-              <a:rPr lang="de-DE" baseline="0" dirty="0" smtClean="0"/>
-              <a:t>Allerdings Einarbeitung in alle technischen Aspekte durch </a:t>
-            </a:r>
-            <a:r>
-              <a:rPr lang="de-DE" b="1" baseline="0" dirty="0" smtClean="0"/>
-              <a:t>Querschnittsaufgaben</a:t>
-            </a:r>
             <a:endParaRPr lang="de-DE" b="1" dirty="0"/>
           </a:p>
         </p:txBody>
@@ -4293,7 +4221,7 @@
             <a:fld id="{E25655AF-C603-43CA-9AB9-46F21F484485}" type="slidenum">
               <a:rPr lang="en-US" smtClean="0"/>
               <a:pPr/>
-              <a:t>21</a:t>
+              <a:t>22</a:t>
             </a:fld>
             <a:endParaRPr lang="en-US"/>
           </a:p>
@@ -4302,7 +4230,7 @@
     </p:spTree>
     <p:extLst>
       <p:ext uri="{BB962C8B-B14F-4D97-AF65-F5344CB8AC3E}">
-        <p14:creationId xmlns:p14="http://schemas.microsoft.com/office/powerpoint/2010/main" val="3340160494"/>
+        <p14:creationId xmlns:p14="http://schemas.microsoft.com/office/powerpoint/2010/main" xmlns="" val="3340160494"/>
       </p:ext>
     </p:extLst>
   </p:cSld>
@@ -4362,42 +4290,6 @@
               <a:buFontTx/>
               <a:buChar char="-"/>
             </a:pPr>
-            <a:r>
-              <a:rPr lang="de-DE" dirty="0" smtClean="0"/>
-              <a:t>Aufteilung nach technischen Aufgabenstellungen (</a:t>
-            </a:r>
-            <a:r>
-              <a:rPr lang="de-DE" b="1" dirty="0" smtClean="0"/>
-              <a:t>Experten</a:t>
-            </a:r>
-            <a:r>
-              <a:rPr lang="de-DE" dirty="0" smtClean="0"/>
-              <a:t>)</a:t>
-            </a:r>
-          </a:p>
-          <a:p>
-            <a:pPr>
-              <a:buFontTx/>
-              <a:buChar char="-"/>
-            </a:pPr>
-            <a:r>
-              <a:rPr lang="de-DE" baseline="0" dirty="0" smtClean="0"/>
-              <a:t> Bringt Vorteil der Spezialisierung</a:t>
-            </a:r>
-          </a:p>
-          <a:p>
-            <a:pPr>
-              <a:buFontTx/>
-              <a:buChar char="-"/>
-            </a:pPr>
-            <a:r>
-              <a:rPr lang="de-DE" baseline="0" dirty="0" smtClean="0"/>
-              <a:t>Allerdings Einarbeitung in alle technischen Aspekte durch </a:t>
-            </a:r>
-            <a:r>
-              <a:rPr lang="de-DE" b="1" baseline="0" dirty="0" smtClean="0"/>
-              <a:t>Querschnittsaufgaben</a:t>
-            </a:r>
             <a:endParaRPr lang="de-DE" b="1" dirty="0"/>
           </a:p>
         </p:txBody>
@@ -4420,7 +4312,7 @@
             <a:fld id="{E25655AF-C603-43CA-9AB9-46F21F484485}" type="slidenum">
               <a:rPr lang="en-US" smtClean="0"/>
               <a:pPr/>
-              <a:t>22</a:t>
+              <a:t>23</a:t>
             </a:fld>
             <a:endParaRPr lang="en-US"/>
           </a:p>
@@ -4429,7 +4321,7 @@
     </p:spTree>
     <p:extLst>
       <p:ext uri="{BB962C8B-B14F-4D97-AF65-F5344CB8AC3E}">
-        <p14:creationId xmlns:p14="http://schemas.microsoft.com/office/powerpoint/2010/main" val="3414368743"/>
+        <p14:creationId xmlns:p14="http://schemas.microsoft.com/office/powerpoint/2010/main" xmlns="" val="3414368743"/>
       </p:ext>
     </p:extLst>
   </p:cSld>
@@ -4487,44 +4379,8 @@
           <a:p>
             <a:pPr>
               <a:buFontTx/>
-              <a:buChar char="-"/>
+              <a:buNone/>
             </a:pPr>
-            <a:r>
-              <a:rPr lang="de-DE" dirty="0" smtClean="0"/>
-              <a:t>Aufteilung nach technischen Aufgabenstellungen (</a:t>
-            </a:r>
-            <a:r>
-              <a:rPr lang="de-DE" b="1" dirty="0" smtClean="0"/>
-              <a:t>Experten</a:t>
-            </a:r>
-            <a:r>
-              <a:rPr lang="de-DE" dirty="0" smtClean="0"/>
-              <a:t>)</a:t>
-            </a:r>
-          </a:p>
-          <a:p>
-            <a:pPr>
-              <a:buFontTx/>
-              <a:buChar char="-"/>
-            </a:pPr>
-            <a:r>
-              <a:rPr lang="de-DE" baseline="0" dirty="0" smtClean="0"/>
-              <a:t> Bringt Vorteil der Spezialisierung</a:t>
-            </a:r>
-          </a:p>
-          <a:p>
-            <a:pPr>
-              <a:buFontTx/>
-              <a:buChar char="-"/>
-            </a:pPr>
-            <a:r>
-              <a:rPr lang="de-DE" baseline="0" dirty="0" smtClean="0"/>
-              <a:t>Allerdings Einarbeitung in alle technischen Aspekte durch </a:t>
-            </a:r>
-            <a:r>
-              <a:rPr lang="de-DE" b="1" baseline="0" dirty="0" smtClean="0"/>
-              <a:t>Querschnittsaufgaben</a:t>
-            </a:r>
             <a:endParaRPr lang="de-DE" b="1" dirty="0"/>
           </a:p>
         </p:txBody>
@@ -4556,7 +4412,7 @@
     </p:spTree>
     <p:extLst>
       <p:ext uri="{BB962C8B-B14F-4D97-AF65-F5344CB8AC3E}">
-        <p14:creationId xmlns:p14="http://schemas.microsoft.com/office/powerpoint/2010/main" val="3541088177"/>
+        <p14:creationId xmlns:p14="http://schemas.microsoft.com/office/powerpoint/2010/main" xmlns="" val="3541088177"/>
       </p:ext>
     </p:extLst>
   </p:cSld>
@@ -4674,7 +4530,7 @@
             <a:fld id="{E25655AF-C603-43CA-9AB9-46F21F484485}" type="slidenum">
               <a:rPr lang="en-US" smtClean="0"/>
               <a:pPr/>
-              <a:t>13</a:t>
+              <a:t>14</a:t>
             </a:fld>
             <a:endParaRPr lang="en-US"/>
           </a:p>
@@ -4683,7 +4539,7 @@
     </p:spTree>
     <p:extLst>
       <p:ext uri="{BB962C8B-B14F-4D97-AF65-F5344CB8AC3E}">
-        <p14:creationId xmlns:p14="http://schemas.microsoft.com/office/powerpoint/2010/main" val="1688314071"/>
+        <p14:creationId xmlns:p14="http://schemas.microsoft.com/office/powerpoint/2010/main" xmlns="" val="1688314071"/>
       </p:ext>
     </p:extLst>
   </p:cSld>
@@ -4743,42 +4599,6 @@
               <a:buFontTx/>
               <a:buChar char="-"/>
             </a:pPr>
-            <a:r>
-              <a:rPr lang="de-DE" dirty="0" smtClean="0"/>
-              <a:t>Aufteilung nach technischen Aufgabenstellungen (</a:t>
-            </a:r>
-            <a:r>
-              <a:rPr lang="de-DE" b="1" dirty="0" smtClean="0"/>
-              <a:t>Experten</a:t>
-            </a:r>
-            <a:r>
-              <a:rPr lang="de-DE" dirty="0" smtClean="0"/>
-              <a:t>)</a:t>
-            </a:r>
-          </a:p>
-          <a:p>
-            <a:pPr>
-              <a:buFontTx/>
-              <a:buChar char="-"/>
-            </a:pPr>
-            <a:r>
-              <a:rPr lang="de-DE" baseline="0" dirty="0" smtClean="0"/>
-              <a:t> Bringt Vorteil der Spezialisierung</a:t>
-            </a:r>
-          </a:p>
-          <a:p>
-            <a:pPr>
-              <a:buFontTx/>
-              <a:buChar char="-"/>
-            </a:pPr>
-            <a:r>
-              <a:rPr lang="de-DE" baseline="0" dirty="0" smtClean="0"/>
-              <a:t>Allerdings Einarbeitung in alle technischen Aspekte durch </a:t>
-            </a:r>
-            <a:r>
-              <a:rPr lang="de-DE" b="1" baseline="0" dirty="0" smtClean="0"/>
-              <a:t>Querschnittsaufgaben</a:t>
-            </a:r>
             <a:endParaRPr lang="de-DE" b="1" dirty="0"/>
           </a:p>
         </p:txBody>
@@ -4801,7 +4621,7 @@
             <a:fld id="{E25655AF-C603-43CA-9AB9-46F21F484485}" type="slidenum">
               <a:rPr lang="en-US" smtClean="0"/>
               <a:pPr/>
-              <a:t>14</a:t>
+              <a:t>15</a:t>
             </a:fld>
             <a:endParaRPr lang="en-US"/>
           </a:p>
@@ -4810,7 +4630,7 @@
     </p:spTree>
     <p:extLst>
       <p:ext uri="{BB962C8B-B14F-4D97-AF65-F5344CB8AC3E}">
-        <p14:creationId xmlns:p14="http://schemas.microsoft.com/office/powerpoint/2010/main" val="3850646948"/>
+        <p14:creationId xmlns:p14="http://schemas.microsoft.com/office/powerpoint/2010/main" xmlns="" val="3850646948"/>
       </p:ext>
     </p:extLst>
   </p:cSld>
@@ -4870,42 +4690,6 @@
               <a:buFontTx/>
               <a:buChar char="-"/>
             </a:pPr>
-            <a:r>
-              <a:rPr lang="de-DE" dirty="0" smtClean="0"/>
-              <a:t>Aufteilung nach technischen Aufgabenstellungen (</a:t>
-            </a:r>
-            <a:r>
-              <a:rPr lang="de-DE" b="1" dirty="0" smtClean="0"/>
-              <a:t>Experten</a:t>
-            </a:r>
-            <a:r>
-              <a:rPr lang="de-DE" dirty="0" smtClean="0"/>
-              <a:t>)</a:t>
-            </a:r>
-          </a:p>
-          <a:p>
-            <a:pPr>
-              <a:buFontTx/>
-              <a:buChar char="-"/>
-            </a:pPr>
-            <a:r>
-              <a:rPr lang="de-DE" baseline="0" dirty="0" smtClean="0"/>
-              <a:t> Bringt Vorteil der Spezialisierung</a:t>
-            </a:r>
-          </a:p>
-          <a:p>
-            <a:pPr>
-              <a:buFontTx/>
-              <a:buChar char="-"/>
-            </a:pPr>
-            <a:r>
-              <a:rPr lang="de-DE" baseline="0" dirty="0" smtClean="0"/>
-              <a:t>Allerdings Einarbeitung in alle technischen Aspekte durch </a:t>
-            </a:r>
-            <a:r>
-              <a:rPr lang="de-DE" b="1" baseline="0" dirty="0" smtClean="0"/>
-              <a:t>Querschnittsaufgaben</a:t>
-            </a:r>
             <a:endParaRPr lang="de-DE" b="1" dirty="0"/>
           </a:p>
         </p:txBody>
@@ -4928,7 +4712,7 @@
             <a:fld id="{E25655AF-C603-43CA-9AB9-46F21F484485}" type="slidenum">
               <a:rPr lang="en-US" smtClean="0"/>
               <a:pPr/>
-              <a:t>15</a:t>
+              <a:t>16</a:t>
             </a:fld>
             <a:endParaRPr lang="en-US"/>
           </a:p>
@@ -4937,7 +4721,7 @@
     </p:spTree>
     <p:extLst>
       <p:ext uri="{BB962C8B-B14F-4D97-AF65-F5344CB8AC3E}">
-        <p14:creationId xmlns:p14="http://schemas.microsoft.com/office/powerpoint/2010/main" val="2719430136"/>
+        <p14:creationId xmlns:p14="http://schemas.microsoft.com/office/powerpoint/2010/main" xmlns="" val="2719430136"/>
       </p:ext>
     </p:extLst>
   </p:cSld>
@@ -4997,42 +4781,6 @@
               <a:buFontTx/>
               <a:buChar char="-"/>
             </a:pPr>
-            <a:r>
-              <a:rPr lang="de-DE" dirty="0" smtClean="0"/>
-              <a:t>Aufteilung nach technischen Aufgabenstellungen (</a:t>
-            </a:r>
-            <a:r>
-              <a:rPr lang="de-DE" b="1" dirty="0" smtClean="0"/>
-              <a:t>Experten</a:t>
-            </a:r>
-            <a:r>
-              <a:rPr lang="de-DE" dirty="0" smtClean="0"/>
-              <a:t>)</a:t>
-            </a:r>
-          </a:p>
-          <a:p>
-            <a:pPr>
-              <a:buFontTx/>
-              <a:buChar char="-"/>
-            </a:pPr>
-            <a:r>
-              <a:rPr lang="de-DE" baseline="0" dirty="0" smtClean="0"/>
-              <a:t> Bringt Vorteil der Spezialisierung</a:t>
-            </a:r>
-          </a:p>
-          <a:p>
-            <a:pPr>
-              <a:buFontTx/>
-              <a:buChar char="-"/>
-            </a:pPr>
-            <a:r>
-              <a:rPr lang="de-DE" baseline="0" dirty="0" smtClean="0"/>
-              <a:t>Allerdings Einarbeitung in alle technischen Aspekte durch </a:t>
-            </a:r>
-            <a:r>
-              <a:rPr lang="de-DE" b="1" baseline="0" dirty="0" smtClean="0"/>
-              <a:t>Querschnittsaufgaben</a:t>
-            </a:r>
             <a:endParaRPr lang="de-DE" b="1" dirty="0"/>
           </a:p>
         </p:txBody>
@@ -5055,7 +4803,7 @@
             <a:fld id="{E25655AF-C603-43CA-9AB9-46F21F484485}" type="slidenum">
               <a:rPr lang="en-US" smtClean="0"/>
               <a:pPr/>
-              <a:t>16</a:t>
+              <a:t>17</a:t>
             </a:fld>
             <a:endParaRPr lang="en-US"/>
           </a:p>
@@ -5064,7 +4812,7 @@
     </p:spTree>
     <p:extLst>
       <p:ext uri="{BB962C8B-B14F-4D97-AF65-F5344CB8AC3E}">
-        <p14:creationId xmlns:p14="http://schemas.microsoft.com/office/powerpoint/2010/main" val="974127883"/>
+        <p14:creationId xmlns:p14="http://schemas.microsoft.com/office/powerpoint/2010/main" xmlns="" val="974127883"/>
       </p:ext>
     </p:extLst>
   </p:cSld>
@@ -5124,42 +4872,6 @@
               <a:buFontTx/>
               <a:buChar char="-"/>
             </a:pPr>
-            <a:r>
-              <a:rPr lang="de-DE" dirty="0" smtClean="0"/>
-              <a:t>Aufteilung nach technischen Aufgabenstellungen (</a:t>
-            </a:r>
-            <a:r>
-              <a:rPr lang="de-DE" b="1" dirty="0" smtClean="0"/>
-              <a:t>Experten</a:t>
-            </a:r>
-            <a:r>
-              <a:rPr lang="de-DE" dirty="0" smtClean="0"/>
-              <a:t>)</a:t>
-            </a:r>
-          </a:p>
-          <a:p>
-            <a:pPr>
-              <a:buFontTx/>
-              <a:buChar char="-"/>
-            </a:pPr>
-            <a:r>
-              <a:rPr lang="de-DE" baseline="0" dirty="0" smtClean="0"/>
-              <a:t> Bringt Vorteil der Spezialisierung</a:t>
-            </a:r>
-          </a:p>
-          <a:p>
-            <a:pPr>
-              <a:buFontTx/>
-              <a:buChar char="-"/>
-            </a:pPr>
-            <a:r>
-              <a:rPr lang="de-DE" baseline="0" dirty="0" smtClean="0"/>
-              <a:t>Allerdings Einarbeitung in alle technischen Aspekte durch </a:t>
-            </a:r>
-            <a:r>
-              <a:rPr lang="de-DE" b="1" baseline="0" dirty="0" smtClean="0"/>
-              <a:t>Querschnittsaufgaben</a:t>
-            </a:r>
             <a:endParaRPr lang="de-DE" b="1" dirty="0"/>
           </a:p>
         </p:txBody>
@@ -5182,7 +4894,7 @@
             <a:fld id="{E25655AF-C603-43CA-9AB9-46F21F484485}" type="slidenum">
               <a:rPr lang="en-US" smtClean="0"/>
               <a:pPr/>
-              <a:t>17</a:t>
+              <a:t>18</a:t>
             </a:fld>
             <a:endParaRPr lang="en-US"/>
           </a:p>
@@ -5191,7 +4903,7 @@
     </p:spTree>
     <p:extLst>
       <p:ext uri="{BB962C8B-B14F-4D97-AF65-F5344CB8AC3E}">
-        <p14:creationId xmlns:p14="http://schemas.microsoft.com/office/powerpoint/2010/main" val="1184623129"/>
+        <p14:creationId xmlns:p14="http://schemas.microsoft.com/office/powerpoint/2010/main" xmlns="" val="1184623129"/>
       </p:ext>
     </p:extLst>
   </p:cSld>
@@ -5251,42 +4963,6 @@
               <a:buFontTx/>
               <a:buChar char="-"/>
             </a:pPr>
-            <a:r>
-              <a:rPr lang="de-DE" dirty="0" smtClean="0"/>
-              <a:t>Aufteilung nach technischen Aufgabenstellungen (</a:t>
-            </a:r>
-            <a:r>
-              <a:rPr lang="de-DE" b="1" dirty="0" smtClean="0"/>
-              <a:t>Experten</a:t>
-            </a:r>
-            <a:r>
-              <a:rPr lang="de-DE" dirty="0" smtClean="0"/>
-              <a:t>)</a:t>
-            </a:r>
-          </a:p>
-          <a:p>
-            <a:pPr>
-              <a:buFontTx/>
-              <a:buChar char="-"/>
-            </a:pPr>
-            <a:r>
-              <a:rPr lang="de-DE" baseline="0" dirty="0" smtClean="0"/>
-              <a:t> Bringt Vorteil der Spezialisierung</a:t>
-            </a:r>
-          </a:p>
-          <a:p>
-            <a:pPr>
-              <a:buFontTx/>
-              <a:buChar char="-"/>
-            </a:pPr>
-            <a:r>
-              <a:rPr lang="de-DE" baseline="0" dirty="0" smtClean="0"/>
-              <a:t>Allerdings Einarbeitung in alle technischen Aspekte durch </a:t>
-            </a:r>
-            <a:r>
-              <a:rPr lang="de-DE" b="1" baseline="0" dirty="0" smtClean="0"/>
-              <a:t>Querschnittsaufgaben</a:t>
-            </a:r>
             <a:endParaRPr lang="de-DE" b="1" dirty="0"/>
           </a:p>
         </p:txBody>
@@ -5309,7 +4985,7 @@
             <a:fld id="{E25655AF-C603-43CA-9AB9-46F21F484485}" type="slidenum">
               <a:rPr lang="en-US" smtClean="0"/>
               <a:pPr/>
-              <a:t>18</a:t>
+              <a:t>19</a:t>
             </a:fld>
             <a:endParaRPr lang="en-US"/>
           </a:p>
@@ -5318,7 +4994,7 @@
     </p:spTree>
     <p:extLst>
       <p:ext uri="{BB962C8B-B14F-4D97-AF65-F5344CB8AC3E}">
-        <p14:creationId xmlns:p14="http://schemas.microsoft.com/office/powerpoint/2010/main" val="142071806"/>
+        <p14:creationId xmlns:p14="http://schemas.microsoft.com/office/powerpoint/2010/main" xmlns="" val="142071806"/>
       </p:ext>
     </p:extLst>
   </p:cSld>
@@ -5378,42 +5054,6 @@
               <a:buFontTx/>
               <a:buChar char="-"/>
             </a:pPr>
-            <a:r>
-              <a:rPr lang="de-DE" dirty="0" smtClean="0"/>
-              <a:t>Aufteilung nach technischen Aufgabenstellungen (</a:t>
-            </a:r>
-            <a:r>
-              <a:rPr lang="de-DE" b="1" dirty="0" smtClean="0"/>
-              <a:t>Experten</a:t>
-            </a:r>
-            <a:r>
-              <a:rPr lang="de-DE" dirty="0" smtClean="0"/>
-              <a:t>)</a:t>
-            </a:r>
-          </a:p>
-          <a:p>
-            <a:pPr>
-              <a:buFontTx/>
-              <a:buChar char="-"/>
-            </a:pPr>
-            <a:r>
-              <a:rPr lang="de-DE" baseline="0" dirty="0" smtClean="0"/>
-              <a:t> Bringt Vorteil der Spezialisierung</a:t>
-            </a:r>
-          </a:p>
-          <a:p>
-            <a:pPr>
-              <a:buFontTx/>
-              <a:buChar char="-"/>
-            </a:pPr>
-            <a:r>
-              <a:rPr lang="de-DE" baseline="0" dirty="0" smtClean="0"/>
-              <a:t>Allerdings Einarbeitung in alle technischen Aspekte durch </a:t>
-            </a:r>
-            <a:r>
-              <a:rPr lang="de-DE" b="1" baseline="0" dirty="0" smtClean="0"/>
-              <a:t>Querschnittsaufgaben</a:t>
-            </a:r>
             <a:endParaRPr lang="de-DE" b="1" dirty="0"/>
           </a:p>
         </p:txBody>
@@ -5436,7 +5076,7 @@
             <a:fld id="{E25655AF-C603-43CA-9AB9-46F21F484485}" type="slidenum">
               <a:rPr lang="en-US" smtClean="0"/>
               <a:pPr/>
-              <a:t>19</a:t>
+              <a:t>20</a:t>
             </a:fld>
             <a:endParaRPr lang="en-US"/>
           </a:p>
@@ -5445,7 +5085,7 @@
     </p:spTree>
     <p:extLst>
       <p:ext uri="{BB962C8B-B14F-4D97-AF65-F5344CB8AC3E}">
-        <p14:creationId xmlns:p14="http://schemas.microsoft.com/office/powerpoint/2010/main" val="3476775119"/>
+        <p14:creationId xmlns:p14="http://schemas.microsoft.com/office/powerpoint/2010/main" xmlns="" val="3476775119"/>
       </p:ext>
     </p:extLst>
   </p:cSld>
@@ -9399,7 +9039,7 @@
     </p:spTree>
     <p:extLst>
       <p:ext uri="{BB962C8B-B14F-4D97-AF65-F5344CB8AC3E}">
-        <p14:creationId xmlns:p14="http://schemas.microsoft.com/office/powerpoint/2010/main" val="1788390056"/>
+        <p14:creationId xmlns:p14="http://schemas.microsoft.com/office/powerpoint/2010/main" xmlns="" val="1788390056"/>
       </p:ext>
     </p:extLst>
   </p:cSld>
@@ -9602,7 +9242,7 @@
     </p:spTree>
     <p:extLst>
       <p:ext uri="{BB962C8B-B14F-4D97-AF65-F5344CB8AC3E}">
-        <p14:creationId xmlns:p14="http://schemas.microsoft.com/office/powerpoint/2010/main" val="2261671502"/>
+        <p14:creationId xmlns:p14="http://schemas.microsoft.com/office/powerpoint/2010/main" xmlns="" val="2261671502"/>
       </p:ext>
     </p:extLst>
   </p:cSld>
@@ -9892,7 +9532,7 @@
         <p:spPr bwMode="auto">
           <a:xfrm>
             <a:off x="381000" y="3112396"/>
-            <a:ext cx="1166664" cy="561600"/>
+            <a:ext cx="835200" cy="561600"/>
           </a:xfrm>
           <a:prstGeom prst="rect">
             <a:avLst/>
@@ -9957,7 +9597,7 @@
     </p:spTree>
     <p:extLst>
       <p:ext uri="{BB962C8B-B14F-4D97-AF65-F5344CB8AC3E}">
-        <p14:creationId xmlns:p14="http://schemas.microsoft.com/office/powerpoint/2010/main" val="2261671502"/>
+        <p14:creationId xmlns:p14="http://schemas.microsoft.com/office/powerpoint/2010/main" xmlns="" val="2261671502"/>
       </p:ext>
     </p:extLst>
   </p:cSld>
@@ -9994,127 +9634,68 @@
           <a:chExt cx="0" cy="0"/>
         </a:xfrm>
       </p:grpSpPr>
-      <p:sp>
-        <p:nvSpPr>
-          <p:cNvPr id="2" name="Titel 1"/>
-          <p:cNvSpPr>
-            <a:spLocks noGrp="1"/>
-          </p:cNvSpPr>
-          <p:nvPr>
-            <p:ph type="title"/>
-          </p:nvPr>
-        </p:nvSpPr>
+      <p:pic>
+        <p:nvPicPr>
+          <p:cNvPr id="7" name="Inhaltsplatzhalter 6"/>
+          <p:cNvPicPr>
+            <a:picLocks noGrp="1" noChangeAspect="1"/>
+          </p:cNvPicPr>
+          <p:nvPr>
+            <p:ph sz="half" idx="2"/>
+          </p:nvPr>
+        </p:nvPicPr>
+        <p:blipFill>
+          <a:blip r:embed="rId2" cstate="print">
+            <a:extLst>
+              <a:ext uri="{28A0092B-C50C-407E-A947-70E740481C1C}">
+                <a14:useLocalDpi xmlns:a14="http://schemas.microsoft.com/office/drawing/2010/main" xmlns="" val="0"/>
+              </a:ext>
+            </a:extLst>
+          </a:blip>
+          <a:stretch>
+            <a:fillRect/>
+          </a:stretch>
+        </p:blipFill>
         <p:spPr>
-          <a:xfrm>
-            <a:off x="381000" y="908720"/>
-            <a:ext cx="8382000" cy="1329595"/>
+          <a:xfrm rot="5400000">
+            <a:off x="-616835" y="1515005"/>
+            <a:ext cx="5794712" cy="4346034"/>
           </a:xfrm>
         </p:spPr>
-        <p:txBody>
-          <a:bodyPr/>
-          <a:lstStyle/>
-          <a:p>
-            <a:r>
-              <a:rPr lang="de-DE" dirty="0" smtClean="0"/>
-              <a:t>Aufgabenverteilung</a:t>
-            </a:r>
-            <a:br>
-              <a:rPr lang="de-DE" dirty="0" smtClean="0"/>
-            </a:br>
-            <a:endParaRPr lang="de-DE" dirty="0"/>
-          </a:p>
-        </p:txBody>
-      </p:sp>
-      <p:sp>
-        <p:nvSpPr>
-          <p:cNvPr id="4" name="Datumsplatzhalter 3"/>
-          <p:cNvSpPr>
-            <a:spLocks noGrp="1"/>
-          </p:cNvSpPr>
-          <p:nvPr>
-            <p:ph type="dt" sz="half" idx="11"/>
-          </p:nvPr>
-        </p:nvSpPr>
-        <p:spPr/>
-        <p:txBody>
-          <a:bodyPr/>
-          <a:lstStyle/>
-          <a:p>
-            <a:r>
-              <a:rPr lang="de-DE" smtClean="0"/>
-              <a:t>30.01.2015</a:t>
-            </a:r>
-            <a:endParaRPr lang="de-DE"/>
-          </a:p>
-        </p:txBody>
-      </p:sp>
-      <p:sp>
-        <p:nvSpPr>
-          <p:cNvPr id="5" name="Fußzeilenplatzhalter 4"/>
-          <p:cNvSpPr>
-            <a:spLocks noGrp="1"/>
-          </p:cNvSpPr>
-          <p:nvPr>
-            <p:ph type="ftr" sz="quarter" idx="12"/>
-          </p:nvPr>
-        </p:nvSpPr>
-        <p:spPr/>
-        <p:txBody>
-          <a:bodyPr/>
-          <a:lstStyle/>
-          <a:p>
-            <a:r>
-              <a:rPr lang="de-DE" smtClean="0"/>
-              <a:t>Team Schwarz | IBT: Essential Blog</a:t>
-            </a:r>
-            <a:endParaRPr lang="de-DE"/>
-          </a:p>
-        </p:txBody>
-      </p:sp>
-      <p:sp>
-        <p:nvSpPr>
-          <p:cNvPr id="6" name="Foliennummernplatzhalter 5"/>
-          <p:cNvSpPr>
-            <a:spLocks noGrp="1"/>
-          </p:cNvSpPr>
-          <p:nvPr>
-            <p:ph type="sldNum" sz="quarter" idx="13"/>
-          </p:nvPr>
-        </p:nvSpPr>
-        <p:spPr/>
-        <p:txBody>
-          <a:bodyPr/>
-          <a:lstStyle/>
-          <a:p>
-            <a:fld id="{6C6BBD26-F43C-4AE7-B45C-5C0A14E952E7}" type="slidenum">
-              <a:rPr lang="de-DE" smtClean="0"/>
-              <a:pPr/>
-              <a:t>13</a:t>
-            </a:fld>
-            <a:endParaRPr lang="de-DE"/>
-          </a:p>
-        </p:txBody>
-      </p:sp>
-      <p:graphicFrame>
-        <p:nvGraphicFramePr>
-          <p:cNvPr id="8" name="Diagramm 7"/>
-          <p:cNvGraphicFramePr/>
-          <p:nvPr/>
-        </p:nvGraphicFramePr>
-        <p:xfrm>
-          <a:off x="1547664" y="1916832"/>
-          <a:ext cx="6096000" cy="4064000"/>
-        </p:xfrm>
-        <a:graphic>
-          <a:graphicData uri="http://schemas.openxmlformats.org/drawingml/2006/diagram">
-            <dgm:relIds xmlns:dgm="http://schemas.openxmlformats.org/drawingml/2006/diagram" xmlns:r="http://schemas.openxmlformats.org/officeDocument/2006/relationships" r:dm="rId3" r:lo="rId4" r:qs="rId5" r:cs="rId6"/>
-          </a:graphicData>
-        </a:graphic>
-      </p:graphicFrame>
+      </p:pic>
+      <p:pic>
+        <p:nvPicPr>
+          <p:cNvPr id="8" name="Inhaltsplatzhalter 7"/>
+          <p:cNvPicPr>
+            <a:picLocks noGrp="1" noChangeAspect="1"/>
+          </p:cNvPicPr>
+          <p:nvPr>
+            <p:ph sz="quarter" idx="4"/>
+          </p:nvPr>
+        </p:nvPicPr>
+        <p:blipFill>
+          <a:blip r:embed="rId3" cstate="print">
+            <a:extLst>
+              <a:ext uri="{28A0092B-C50C-407E-A947-70E740481C1C}">
+                <a14:useLocalDpi xmlns:a14="http://schemas.microsoft.com/office/drawing/2010/main" xmlns="" val="0"/>
+              </a:ext>
+            </a:extLst>
+          </a:blip>
+          <a:stretch>
+            <a:fillRect/>
+          </a:stretch>
+        </p:blipFill>
+        <p:spPr>
+          <a:xfrm rot="5400000">
+            <a:off x="3971265" y="1515600"/>
+            <a:ext cx="5793599" cy="4345200"/>
+          </a:xfrm>
+        </p:spPr>
+      </p:pic>
     </p:spTree>
     <p:extLst>
       <p:ext uri="{BB962C8B-B14F-4D97-AF65-F5344CB8AC3E}">
-        <p14:creationId xmlns:p14="http://schemas.microsoft.com/office/powerpoint/2010/main" val="2261671502"/>
+        <p14:creationId xmlns:p14="http://schemas.microsoft.com/office/powerpoint/2010/main" xmlns="" val="2065068097"/>
       </p:ext>
     </p:extLst>
   </p:cSld>
@@ -10164,7 +9745,7 @@
         <p:spPr>
           <a:xfrm>
             <a:off x="381000" y="908720"/>
-            <a:ext cx="8382000" cy="664797"/>
+            <a:ext cx="8382000" cy="1329595"/>
           </a:xfrm>
         </p:spPr>
         <p:txBody>
@@ -10173,8 +9754,11 @@
           <a:p>
             <a:r>
               <a:rPr lang="de-DE" dirty="0" smtClean="0"/>
-              <a:t>Kick-Off –&gt; Prototyp</a:t>
-            </a:r>
+              <a:t>Aufgabenverteilung</a:t>
+            </a:r>
+            <a:br>
+              <a:rPr lang="de-DE" dirty="0" smtClean="0"/>
+            </a:br>
             <a:endParaRPr lang="de-DE" dirty="0"/>
           </a:p>
         </p:txBody>
@@ -10244,6 +9828,160 @@
               <a:rPr lang="de-DE" smtClean="0"/>
               <a:pPr/>
               <a:t>14</a:t>
+            </a:fld>
+            <a:endParaRPr lang="de-DE"/>
+          </a:p>
+        </p:txBody>
+      </p:sp>
+      <p:graphicFrame>
+        <p:nvGraphicFramePr>
+          <p:cNvPr id="8" name="Diagramm 7"/>
+          <p:cNvGraphicFramePr/>
+          <p:nvPr/>
+        </p:nvGraphicFramePr>
+        <p:xfrm>
+          <a:off x="1547664" y="1916832"/>
+          <a:ext cx="6096000" cy="4064000"/>
+        </p:xfrm>
+        <a:graphic>
+          <a:graphicData uri="http://schemas.openxmlformats.org/drawingml/2006/diagram">
+            <dgm:relIds xmlns:dgm="http://schemas.openxmlformats.org/drawingml/2006/diagram" xmlns:r="http://schemas.openxmlformats.org/officeDocument/2006/relationships" r:dm="rId3" r:lo="rId4" r:qs="rId5" r:cs="rId6"/>
+          </a:graphicData>
+        </a:graphic>
+      </p:graphicFrame>
+    </p:spTree>
+    <p:extLst>
+      <p:ext uri="{BB962C8B-B14F-4D97-AF65-F5344CB8AC3E}">
+        <p14:creationId xmlns:p14="http://schemas.microsoft.com/office/powerpoint/2010/main" xmlns="" val="2261671502"/>
+      </p:ext>
+    </p:extLst>
+  </p:cSld>
+  <p:clrMapOvr>
+    <a:masterClrMapping/>
+  </p:clrMapOvr>
+  <p:transition>
+    <p:fade/>
+  </p:transition>
+  <p:timing>
+    <p:tnLst>
+      <p:par>
+        <p:cTn id="1" dur="indefinite" restart="never" nodeType="tmRoot"/>
+      </p:par>
+    </p:tnLst>
+  </p:timing>
+</p:sld>
+</file>
+
+<file path=ppt/slides/slide15.xml><?xml version="1.0" encoding="utf-8"?>
+<p:sld xmlns:a="http://schemas.openxmlformats.org/drawingml/2006/main" xmlns:r="http://schemas.openxmlformats.org/officeDocument/2006/relationships" xmlns:p="http://schemas.openxmlformats.org/presentationml/2006/main">
+  <p:cSld>
+    <p:spTree>
+      <p:nvGrpSpPr>
+        <p:cNvPr id="1" name=""/>
+        <p:cNvGrpSpPr/>
+        <p:nvPr/>
+      </p:nvGrpSpPr>
+      <p:grpSpPr>
+        <a:xfrm>
+          <a:off x="0" y="0"/>
+          <a:ext cx="0" cy="0"/>
+          <a:chOff x="0" y="0"/>
+          <a:chExt cx="0" cy="0"/>
+        </a:xfrm>
+      </p:grpSpPr>
+      <p:sp>
+        <p:nvSpPr>
+          <p:cNvPr id="2" name="Titel 1"/>
+          <p:cNvSpPr>
+            <a:spLocks noGrp="1"/>
+          </p:cNvSpPr>
+          <p:nvPr>
+            <p:ph type="title"/>
+          </p:nvPr>
+        </p:nvSpPr>
+        <p:spPr>
+          <a:xfrm>
+            <a:off x="381000" y="908720"/>
+            <a:ext cx="8382000" cy="664797"/>
+          </a:xfrm>
+        </p:spPr>
+        <p:txBody>
+          <a:bodyPr/>
+          <a:lstStyle/>
+          <a:p>
+            <a:r>
+              <a:rPr lang="de-DE" dirty="0" smtClean="0"/>
+              <a:t>Kick-Off –&gt; Prototyp</a:t>
+            </a:r>
+            <a:endParaRPr lang="de-DE" dirty="0"/>
+          </a:p>
+        </p:txBody>
+      </p:sp>
+      <p:sp>
+        <p:nvSpPr>
+          <p:cNvPr id="4" name="Datumsplatzhalter 3"/>
+          <p:cNvSpPr>
+            <a:spLocks noGrp="1"/>
+          </p:cNvSpPr>
+          <p:nvPr>
+            <p:ph type="dt" sz="half" idx="11"/>
+          </p:nvPr>
+        </p:nvSpPr>
+        <p:spPr/>
+        <p:txBody>
+          <a:bodyPr/>
+          <a:lstStyle/>
+          <a:p>
+            <a:r>
+              <a:rPr lang="de-DE" smtClean="0"/>
+              <a:t>30.01.2015</a:t>
+            </a:r>
+            <a:endParaRPr lang="de-DE"/>
+          </a:p>
+        </p:txBody>
+      </p:sp>
+      <p:sp>
+        <p:nvSpPr>
+          <p:cNvPr id="5" name="Fußzeilenplatzhalter 4"/>
+          <p:cNvSpPr>
+            <a:spLocks noGrp="1"/>
+          </p:cNvSpPr>
+          <p:nvPr>
+            <p:ph type="ftr" sz="quarter" idx="12"/>
+          </p:nvPr>
+        </p:nvSpPr>
+        <p:spPr/>
+        <p:txBody>
+          <a:bodyPr/>
+          <a:lstStyle/>
+          <a:p>
+            <a:r>
+              <a:rPr lang="de-DE" smtClean="0"/>
+              <a:t>Team Schwarz | IBT: Essential Blog</a:t>
+            </a:r>
+            <a:endParaRPr lang="de-DE"/>
+          </a:p>
+        </p:txBody>
+      </p:sp>
+      <p:sp>
+        <p:nvSpPr>
+          <p:cNvPr id="6" name="Foliennummernplatzhalter 5"/>
+          <p:cNvSpPr>
+            <a:spLocks noGrp="1"/>
+          </p:cNvSpPr>
+          <p:nvPr>
+            <p:ph type="sldNum" sz="quarter" idx="13"/>
+          </p:nvPr>
+        </p:nvSpPr>
+        <p:spPr/>
+        <p:txBody>
+          <a:bodyPr/>
+          <a:lstStyle/>
+          <a:p>
+            <a:fld id="{6C6BBD26-F43C-4AE7-B45C-5C0A14E952E7}" type="slidenum">
+              <a:rPr lang="de-DE" smtClean="0"/>
+              <a:pPr/>
+              <a:t>15</a:t>
             </a:fld>
             <a:endParaRPr lang="de-DE"/>
           </a:p>
@@ -10392,7 +10130,7 @@
         <p:spPr bwMode="auto">
           <a:xfrm>
             <a:off x="381000" y="3112396"/>
-            <a:ext cx="2647950" cy="561600"/>
+            <a:ext cx="1670400" cy="561600"/>
           </a:xfrm>
           <a:prstGeom prst="rect">
             <a:avLst/>
@@ -10457,7 +10195,7 @@
     </p:spTree>
     <p:extLst>
       <p:ext uri="{BB962C8B-B14F-4D97-AF65-F5344CB8AC3E}">
-        <p14:creationId xmlns:p14="http://schemas.microsoft.com/office/powerpoint/2010/main" val="2261671502"/>
+        <p14:creationId xmlns:p14="http://schemas.microsoft.com/office/powerpoint/2010/main" xmlns="" val="2261671502"/>
       </p:ext>
     </p:extLst>
   </p:cSld>
@@ -10477,7 +10215,7 @@
 </p:sld>
 </file>
 
-<file path=ppt/slides/slide15.xml><?xml version="1.0" encoding="utf-8"?>
+<file path=ppt/slides/slide16.xml><?xml version="1.0" encoding="utf-8"?>
 <p:sld xmlns:a="http://schemas.openxmlformats.org/drawingml/2006/main" xmlns:r="http://schemas.openxmlformats.org/officeDocument/2006/relationships" xmlns:p="http://schemas.openxmlformats.org/presentationml/2006/main">
   <p:cSld>
     <p:spTree>
@@ -10558,7 +10296,7 @@
             <a:fld id="{6C6BBD26-F43C-4AE7-B45C-5C0A14E952E7}" type="slidenum">
               <a:rPr lang="de-DE" smtClean="0"/>
               <a:pPr/>
-              <a:t>15</a:t>
+              <a:t>16</a:t>
             </a:fld>
             <a:endParaRPr lang="de-DE"/>
           </a:p>
@@ -10654,7 +10392,15 @@
           <a:p>
             <a:r>
               <a:rPr lang="de-DE" dirty="0" smtClean="0"/>
-              <a:t>- Erstellung von Funktionen zum reinen Lesen aus der Datenbank (Kategorie Filter, Sortiermöglichkeit, Anzahl der angezeigten Artikel)</a:t>
+              <a:t>- Erstellung von Funktionen zum reinen Lesen aus der Datenbank (Kategorie </a:t>
+            </a:r>
+            <a:r>
+              <a:rPr lang="de-DE" dirty="0" smtClean="0"/>
+              <a:t>Filter, Sortiermöglichkeit</a:t>
+            </a:r>
+            <a:r>
+              <a:rPr lang="de-DE" dirty="0" smtClean="0"/>
+              <a:t>, Anzahl der angezeigten Artikel)</a:t>
             </a:r>
           </a:p>
           <a:p>
@@ -10741,7 +10487,7 @@
         <p:spPr bwMode="auto">
           <a:xfrm>
             <a:off x="381000" y="3112396"/>
-            <a:ext cx="3110880" cy="561600"/>
+            <a:ext cx="2505600" cy="561600"/>
           </a:xfrm>
           <a:prstGeom prst="rect">
             <a:avLst/>
@@ -10806,7 +10552,7 @@
     </p:spTree>
     <p:extLst>
       <p:ext uri="{BB962C8B-B14F-4D97-AF65-F5344CB8AC3E}">
-        <p14:creationId xmlns:p14="http://schemas.microsoft.com/office/powerpoint/2010/main" val="2261671502"/>
+        <p14:creationId xmlns:p14="http://schemas.microsoft.com/office/powerpoint/2010/main" xmlns="" val="2261671502"/>
       </p:ext>
     </p:extLst>
   </p:cSld>
@@ -10826,7 +10572,7 @@
 </p:sld>
 </file>
 
-<file path=ppt/slides/slide16.xml><?xml version="1.0" encoding="utf-8"?>
+<file path=ppt/slides/slide17.xml><?xml version="1.0" encoding="utf-8"?>
 <p:sld xmlns:a="http://schemas.openxmlformats.org/drawingml/2006/main" xmlns:r="http://schemas.openxmlformats.org/officeDocument/2006/relationships" xmlns:p="http://schemas.openxmlformats.org/presentationml/2006/main">
   <p:cSld>
     <p:spTree>
@@ -10907,7 +10653,7 @@
             <a:fld id="{6C6BBD26-F43C-4AE7-B45C-5C0A14E952E7}" type="slidenum">
               <a:rPr lang="de-DE" smtClean="0"/>
               <a:pPr/>
-              <a:t>16</a:t>
+              <a:t>17</a:t>
             </a:fld>
             <a:endParaRPr lang="de-DE"/>
           </a:p>
@@ -11011,7 +10757,15 @@
             </a:pPr>
             <a:r>
               <a:rPr lang="de-DE" dirty="0" smtClean="0"/>
-              <a:t> Änderungen am Design der Website (Anordnung von Kategorien, Überschrift, Filter, Neu, Schriftart, Größe)</a:t>
+              <a:t> Änderungen am Design der Website (Anordnung von Kategorien, Überschrift, </a:t>
+            </a:r>
+            <a:r>
+              <a:rPr lang="de-DE" dirty="0" smtClean="0"/>
+              <a:t>Filter, Schriftart</a:t>
+            </a:r>
+            <a:r>
+              <a:rPr lang="de-DE" dirty="0" smtClean="0"/>
+              <a:t>, Größe)</a:t>
             </a:r>
           </a:p>
         </p:txBody>
@@ -11091,7 +10845,7 @@
         <p:spPr bwMode="auto">
           <a:xfrm>
             <a:off x="381000" y="3112396"/>
-            <a:ext cx="4263008" cy="561600"/>
+            <a:ext cx="3340800" cy="561600"/>
           </a:xfrm>
           <a:prstGeom prst="rect">
             <a:avLst/>
@@ -11156,7 +10910,7 @@
     </p:spTree>
     <p:extLst>
       <p:ext uri="{BB962C8B-B14F-4D97-AF65-F5344CB8AC3E}">
-        <p14:creationId xmlns:p14="http://schemas.microsoft.com/office/powerpoint/2010/main" val="2261671502"/>
+        <p14:creationId xmlns:p14="http://schemas.microsoft.com/office/powerpoint/2010/main" xmlns="" val="2261671502"/>
       </p:ext>
     </p:extLst>
   </p:cSld>
@@ -11176,7 +10930,7 @@
 </p:sld>
 </file>
 
-<file path=ppt/slides/slide17.xml><?xml version="1.0" encoding="utf-8"?>
+<file path=ppt/slides/slide18.xml><?xml version="1.0" encoding="utf-8"?>
 <p:sld xmlns:a="http://schemas.openxmlformats.org/drawingml/2006/main" xmlns:r="http://schemas.openxmlformats.org/officeDocument/2006/relationships" xmlns:p="http://schemas.openxmlformats.org/presentationml/2006/main">
   <p:cSld>
     <p:spTree>
@@ -11257,7 +11011,7 @@
             <a:fld id="{6C6BBD26-F43C-4AE7-B45C-5C0A14E952E7}" type="slidenum">
               <a:rPr lang="de-DE" smtClean="0"/>
               <a:pPr/>
-              <a:t>17</a:t>
+              <a:t>18</a:t>
             </a:fld>
             <a:endParaRPr lang="de-DE"/>
           </a:p>
@@ -11461,7 +11215,7 @@
         <p:spPr bwMode="auto">
           <a:xfrm>
             <a:off x="381000" y="3112396"/>
-            <a:ext cx="5199112" cy="561600"/>
+            <a:ext cx="4176000" cy="561600"/>
           </a:xfrm>
           <a:prstGeom prst="rect">
             <a:avLst/>
@@ -11526,7 +11280,7 @@
     </p:spTree>
     <p:extLst>
       <p:ext uri="{BB962C8B-B14F-4D97-AF65-F5344CB8AC3E}">
-        <p14:creationId xmlns:p14="http://schemas.microsoft.com/office/powerpoint/2010/main" val="2261671502"/>
+        <p14:creationId xmlns:p14="http://schemas.microsoft.com/office/powerpoint/2010/main" xmlns="" val="2261671502"/>
       </p:ext>
     </p:extLst>
   </p:cSld>
@@ -11546,7 +11300,7 @@
 </p:sld>
 </file>
 
-<file path=ppt/slides/slide18.xml><?xml version="1.0" encoding="utf-8"?>
+<file path=ppt/slides/slide19.xml><?xml version="1.0" encoding="utf-8"?>
 <p:sld xmlns:a="http://schemas.openxmlformats.org/drawingml/2006/main" xmlns:r="http://schemas.openxmlformats.org/officeDocument/2006/relationships" xmlns:p="http://schemas.openxmlformats.org/presentationml/2006/main">
   <p:cSld>
     <p:spTree>
@@ -11627,7 +11381,7 @@
             <a:fld id="{6C6BBD26-F43C-4AE7-B45C-5C0A14E952E7}" type="slidenum">
               <a:rPr lang="de-DE" smtClean="0"/>
               <a:pPr/>
-              <a:t>18</a:t>
+              <a:t>19</a:t>
             </a:fld>
             <a:endParaRPr lang="de-DE"/>
           </a:p>
@@ -11707,9 +11461,7 @@
           <a:prstGeom prst="rect">
             <a:avLst/>
           </a:prstGeom>
-          <a:solidFill>
-            <a:schemeClr val="bg1"/>
-          </a:solidFill>
+          <a:noFill/>
         </p:spPr>
         <p:txBody>
           <a:bodyPr wrap="square" rtlCol="0">
@@ -11770,7 +11522,7 @@
         <p:spPr bwMode="auto">
           <a:xfrm>
             <a:off x="381000" y="3112396"/>
-            <a:ext cx="5343128" cy="561600"/>
+            <a:ext cx="5011200" cy="561600"/>
           </a:xfrm>
           <a:prstGeom prst="rect">
             <a:avLst/>
@@ -11835,7 +11587,7 @@
     </p:spTree>
     <p:extLst>
       <p:ext uri="{BB962C8B-B14F-4D97-AF65-F5344CB8AC3E}">
-        <p14:creationId xmlns:p14="http://schemas.microsoft.com/office/powerpoint/2010/main" val="2261671502"/>
+        <p14:creationId xmlns:p14="http://schemas.microsoft.com/office/powerpoint/2010/main" xmlns="" val="2261671502"/>
       </p:ext>
     </p:extLst>
   </p:cSld>
@@ -11855,7 +11607,7 @@
 </p:sld>
 </file>
 
-<file path=ppt/slides/slide19.xml><?xml version="1.0" encoding="utf-8"?>
+<file path=ppt/slides/slide2.xml><?xml version="1.0" encoding="utf-8"?>
 <p:sld xmlns:a="http://schemas.openxmlformats.org/drawingml/2006/main" xmlns:r="http://schemas.openxmlformats.org/officeDocument/2006/relationships" xmlns:p="http://schemas.openxmlformats.org/presentationml/2006/main">
   <p:cSld>
     <p:spTree>
@@ -11874,6 +11626,145 @@
       </p:grpSpPr>
       <p:sp>
         <p:nvSpPr>
+          <p:cNvPr id="2" name="Titel 1"/>
+          <p:cNvSpPr>
+            <a:spLocks noGrp="1"/>
+          </p:cNvSpPr>
+          <p:nvPr>
+            <p:ph type="title"/>
+          </p:nvPr>
+        </p:nvSpPr>
+        <p:spPr>
+          <a:xfrm>
+            <a:off x="381000" y="908720"/>
+            <a:ext cx="8382000" cy="664797"/>
+          </a:xfrm>
+        </p:spPr>
+        <p:txBody>
+          <a:bodyPr/>
+          <a:lstStyle/>
+          <a:p>
+            <a:r>
+              <a:rPr lang="de-DE" dirty="0" smtClean="0"/>
+              <a:t>Inhalt</a:t>
+            </a:r>
+            <a:endParaRPr lang="de-DE" dirty="0"/>
+          </a:p>
+        </p:txBody>
+      </p:sp>
+      <p:sp>
+        <p:nvSpPr>
+          <p:cNvPr id="3" name="Textplatzhalter 2"/>
+          <p:cNvSpPr>
+            <a:spLocks noGrp="1"/>
+          </p:cNvSpPr>
+          <p:nvPr>
+            <p:ph type="body" sz="quarter" idx="10"/>
+          </p:nvPr>
+        </p:nvSpPr>
+        <p:spPr>
+          <a:xfrm>
+            <a:off x="381000" y="1847430"/>
+            <a:ext cx="8382000" cy="4235006"/>
+          </a:xfrm>
+        </p:spPr>
+        <p:txBody>
+          <a:bodyPr/>
+          <a:lstStyle/>
+          <a:p>
+            <a:pPr marL="514350" indent="-514350">
+              <a:buFont typeface="+mj-lt"/>
+              <a:buAutoNum type="arabicPeriod"/>
+            </a:pPr>
+            <a:r>
+              <a:rPr lang="de-DE" dirty="0"/>
+              <a:t>Das </a:t>
+            </a:r>
+            <a:r>
+              <a:rPr lang="de-DE" dirty="0" smtClean="0"/>
+              <a:t>Team </a:t>
+            </a:r>
+          </a:p>
+          <a:p>
+            <a:pPr marL="514350" indent="-514350">
+              <a:buFont typeface="+mj-lt"/>
+              <a:buAutoNum type="arabicPeriod"/>
+            </a:pPr>
+            <a:r>
+              <a:rPr lang="de-DE" dirty="0" smtClean="0"/>
+              <a:t>Unser Thema </a:t>
+            </a:r>
+            <a:endParaRPr lang="de-DE" dirty="0"/>
+          </a:p>
+          <a:p>
+            <a:pPr marL="514350" indent="-514350">
+              <a:buFont typeface="+mj-lt"/>
+              <a:buAutoNum type="arabicPeriod"/>
+            </a:pPr>
+            <a:r>
+              <a:rPr lang="de-DE" dirty="0" smtClean="0"/>
+              <a:t>Anforderungen </a:t>
+            </a:r>
+            <a:endParaRPr lang="de-DE" dirty="0"/>
+          </a:p>
+          <a:p>
+            <a:pPr marL="514350" indent="-514350">
+              <a:buFont typeface="+mj-lt"/>
+              <a:buAutoNum type="arabicPeriod"/>
+            </a:pPr>
+            <a:r>
+              <a:rPr lang="de-DE" dirty="0" smtClean="0"/>
+              <a:t>Vorgehen</a:t>
+            </a:r>
+            <a:endParaRPr lang="de-DE" dirty="0"/>
+          </a:p>
+          <a:p>
+            <a:pPr marL="514350" indent="-514350">
+              <a:buFont typeface="+mj-lt"/>
+              <a:buAutoNum type="arabicPeriod"/>
+            </a:pPr>
+            <a:r>
+              <a:rPr lang="de-DE" dirty="0" smtClean="0"/>
+              <a:t>Herausforderungen</a:t>
+            </a:r>
+            <a:endParaRPr lang="de-DE" dirty="0"/>
+          </a:p>
+          <a:p>
+            <a:pPr marL="514350" indent="-514350">
+              <a:buFont typeface="+mj-lt"/>
+              <a:buAutoNum type="arabicPeriod"/>
+            </a:pPr>
+            <a:r>
+              <a:rPr lang="de-DE" dirty="0" smtClean="0"/>
+              <a:t>Ergebnis</a:t>
+            </a:r>
+            <a:endParaRPr lang="de-DE" dirty="0"/>
+          </a:p>
+          <a:p>
+            <a:pPr marL="514350" indent="-514350">
+              <a:buFont typeface="+mj-lt"/>
+              <a:buAutoNum type="arabicPeriod"/>
+            </a:pPr>
+            <a:r>
+              <a:rPr lang="de-DE" dirty="0" smtClean="0"/>
+              <a:t>Reflektion </a:t>
+            </a:r>
+          </a:p>
+          <a:p>
+            <a:pPr marL="514350" indent="-514350">
+              <a:buFont typeface="+mj-lt"/>
+              <a:buAutoNum type="arabicPeriod"/>
+            </a:pPr>
+            <a:r>
+              <a:rPr lang="de-DE" dirty="0" smtClean="0"/>
+              <a:t>Rückmeldung</a:t>
+            </a:r>
+            <a:endParaRPr lang="de-DE" dirty="0"/>
+          </a:p>
+        </p:txBody>
+      </p:sp>
+      <p:sp>
+        <p:nvSpPr>
           <p:cNvPr id="4" name="Datumsplatzhalter 3"/>
           <p:cNvSpPr>
             <a:spLocks noGrp="1"/>
@@ -11936,7 +11827,117 @@
             <a:fld id="{6C6BBD26-F43C-4AE7-B45C-5C0A14E952E7}" type="slidenum">
               <a:rPr lang="de-DE" smtClean="0"/>
               <a:pPr/>
-              <a:t>19</a:t>
+              <a:t>2</a:t>
+            </a:fld>
+            <a:endParaRPr lang="de-DE"/>
+          </a:p>
+        </p:txBody>
+      </p:sp>
+    </p:spTree>
+    <p:extLst>
+      <p:ext uri="{BB962C8B-B14F-4D97-AF65-F5344CB8AC3E}">
+        <p14:creationId xmlns:p14="http://schemas.microsoft.com/office/powerpoint/2010/main" xmlns="" val="176972638"/>
+      </p:ext>
+    </p:extLst>
+  </p:cSld>
+  <p:clrMapOvr>
+    <a:masterClrMapping/>
+  </p:clrMapOvr>
+  <p:transition>
+    <p:fade/>
+  </p:transition>
+  <p:timing>
+    <p:tnLst>
+      <p:par>
+        <p:cTn id="1" dur="indefinite" restart="never" nodeType="tmRoot"/>
+      </p:par>
+    </p:tnLst>
+  </p:timing>
+</p:sld>
+</file>
+
+<file path=ppt/slides/slide20.xml><?xml version="1.0" encoding="utf-8"?>
+<p:sld xmlns:a="http://schemas.openxmlformats.org/drawingml/2006/main" xmlns:r="http://schemas.openxmlformats.org/officeDocument/2006/relationships" xmlns:p="http://schemas.openxmlformats.org/presentationml/2006/main">
+  <p:cSld>
+    <p:spTree>
+      <p:nvGrpSpPr>
+        <p:cNvPr id="1" name=""/>
+        <p:cNvGrpSpPr/>
+        <p:nvPr/>
+      </p:nvGrpSpPr>
+      <p:grpSpPr>
+        <a:xfrm>
+          <a:off x="0" y="0"/>
+          <a:ext cx="0" cy="0"/>
+          <a:chOff x="0" y="0"/>
+          <a:chExt cx="0" cy="0"/>
+        </a:xfrm>
+      </p:grpSpPr>
+      <p:sp>
+        <p:nvSpPr>
+          <p:cNvPr id="4" name="Datumsplatzhalter 3"/>
+          <p:cNvSpPr>
+            <a:spLocks noGrp="1"/>
+          </p:cNvSpPr>
+          <p:nvPr>
+            <p:ph type="dt" sz="half" idx="11"/>
+          </p:nvPr>
+        </p:nvSpPr>
+        <p:spPr/>
+        <p:txBody>
+          <a:bodyPr/>
+          <a:lstStyle/>
+          <a:p>
+            <a:r>
+              <a:rPr lang="de-DE" smtClean="0"/>
+              <a:t>30.01.2015</a:t>
+            </a:r>
+            <a:endParaRPr lang="de-DE"/>
+          </a:p>
+        </p:txBody>
+      </p:sp>
+      <p:sp>
+        <p:nvSpPr>
+          <p:cNvPr id="5" name="Fußzeilenplatzhalter 4"/>
+          <p:cNvSpPr>
+            <a:spLocks noGrp="1"/>
+          </p:cNvSpPr>
+          <p:nvPr>
+            <p:ph type="ftr" sz="quarter" idx="12"/>
+          </p:nvPr>
+        </p:nvSpPr>
+        <p:spPr/>
+        <p:txBody>
+          <a:bodyPr/>
+          <a:lstStyle/>
+          <a:p>
+            <a:r>
+              <a:rPr lang="de-DE" smtClean="0"/>
+              <a:t>Team Schwarz | IBT: Essential Blog</a:t>
+            </a:r>
+            <a:endParaRPr lang="de-DE"/>
+          </a:p>
+        </p:txBody>
+      </p:sp>
+      <p:sp>
+        <p:nvSpPr>
+          <p:cNvPr id="6" name="Foliennummernplatzhalter 5"/>
+          <p:cNvSpPr>
+            <a:spLocks noGrp="1"/>
+          </p:cNvSpPr>
+          <p:nvPr>
+            <p:ph type="sldNum" sz="quarter" idx="13"/>
+          </p:nvPr>
+        </p:nvSpPr>
+        <p:spPr/>
+        <p:txBody>
+          <a:bodyPr/>
+          <a:lstStyle/>
+          <a:p>
+            <a:fld id="{6C6BBD26-F43C-4AE7-B45C-5C0A14E952E7}" type="slidenum">
+              <a:rPr lang="de-DE" smtClean="0"/>
+              <a:pPr/>
+              <a:t>20</a:t>
             </a:fld>
             <a:endParaRPr lang="de-DE"/>
           </a:p>
@@ -12100,7 +12101,7 @@
             </a:r>
             <a:r>
               <a:rPr lang="de-DE" dirty="0" smtClean="0"/>
-              <a:t>umgesetzt</a:t>
+              <a:t>umsetzen</a:t>
             </a:r>
             <a:endParaRPr lang="de-DE" dirty="0" smtClean="0"/>
           </a:p>
@@ -12115,7 +12116,7 @@
             </a:r>
             <a:r>
               <a:rPr lang="de-DE" dirty="0" smtClean="0"/>
-              <a:t>aufgearbeitet</a:t>
+              <a:t>aufarbeiten</a:t>
             </a:r>
             <a:endParaRPr lang="de-DE" dirty="0" smtClean="0"/>
           </a:p>
@@ -12130,7 +12131,7 @@
             </a:r>
             <a:r>
               <a:rPr lang="de-DE" dirty="0" smtClean="0"/>
-              <a:t>erstellt</a:t>
+              <a:t>erstellen</a:t>
             </a:r>
             <a:endParaRPr lang="de-DE" dirty="0" smtClean="0"/>
           </a:p>
@@ -12145,7 +12146,7 @@
         <p:spPr bwMode="auto">
           <a:xfrm>
             <a:off x="381000" y="3112396"/>
-            <a:ext cx="5631160" cy="561600"/>
+            <a:ext cx="5846400" cy="561600"/>
           </a:xfrm>
           <a:prstGeom prst="rect">
             <a:avLst/>
@@ -12210,7 +12211,7 @@
     </p:spTree>
     <p:extLst>
       <p:ext uri="{BB962C8B-B14F-4D97-AF65-F5344CB8AC3E}">
-        <p14:creationId xmlns:p14="http://schemas.microsoft.com/office/powerpoint/2010/main" val="2261671502"/>
+        <p14:creationId xmlns:p14="http://schemas.microsoft.com/office/powerpoint/2010/main" xmlns="" val="2261671502"/>
       </p:ext>
     </p:extLst>
   </p:cSld>
@@ -12230,7 +12231,7 @@
 </p:sld>
 </file>
 
-<file path=ppt/slides/slide2.xml><?xml version="1.0" encoding="utf-8"?>
+<file path=ppt/slides/slide21.xml><?xml version="1.0" encoding="utf-8"?>
 <p:sld xmlns:a="http://schemas.openxmlformats.org/drawingml/2006/main" xmlns:r="http://schemas.openxmlformats.org/officeDocument/2006/relationships" xmlns:p="http://schemas.openxmlformats.org/presentationml/2006/main">
   <p:cSld>
     <p:spTree>
@@ -12249,145 +12250,6 @@
       </p:grpSpPr>
       <p:sp>
         <p:nvSpPr>
-          <p:cNvPr id="2" name="Titel 1"/>
-          <p:cNvSpPr>
-            <a:spLocks noGrp="1"/>
-          </p:cNvSpPr>
-          <p:nvPr>
-            <p:ph type="title"/>
-          </p:nvPr>
-        </p:nvSpPr>
-        <p:spPr>
-          <a:xfrm>
-            <a:off x="381000" y="908720"/>
-            <a:ext cx="8382000" cy="664797"/>
-          </a:xfrm>
-        </p:spPr>
-        <p:txBody>
-          <a:bodyPr/>
-          <a:lstStyle/>
-          <a:p>
-            <a:r>
-              <a:rPr lang="de-DE" dirty="0" smtClean="0"/>
-              <a:t>Inhalt</a:t>
-            </a:r>
-            <a:endParaRPr lang="de-DE" dirty="0"/>
-          </a:p>
-        </p:txBody>
-      </p:sp>
-      <p:sp>
-        <p:nvSpPr>
-          <p:cNvPr id="3" name="Textplatzhalter 2"/>
-          <p:cNvSpPr>
-            <a:spLocks noGrp="1"/>
-          </p:cNvSpPr>
-          <p:nvPr>
-            <p:ph type="body" sz="quarter" idx="10"/>
-          </p:nvPr>
-        </p:nvSpPr>
-        <p:spPr>
-          <a:xfrm>
-            <a:off x="381000" y="1847430"/>
-            <a:ext cx="8382000" cy="4235006"/>
-          </a:xfrm>
-        </p:spPr>
-        <p:txBody>
-          <a:bodyPr/>
-          <a:lstStyle/>
-          <a:p>
-            <a:pPr marL="514350" indent="-514350">
-              <a:buFont typeface="+mj-lt"/>
-              <a:buAutoNum type="arabicPeriod"/>
-            </a:pPr>
-            <a:r>
-              <a:rPr lang="de-DE" dirty="0"/>
-              <a:t>Das </a:t>
-            </a:r>
-            <a:r>
-              <a:rPr lang="de-DE" dirty="0" smtClean="0"/>
-              <a:t>Team </a:t>
-            </a:r>
-          </a:p>
-          <a:p>
-            <a:pPr marL="514350" indent="-514350">
-              <a:buFont typeface="+mj-lt"/>
-              <a:buAutoNum type="arabicPeriod"/>
-            </a:pPr>
-            <a:r>
-              <a:rPr lang="de-DE" dirty="0" smtClean="0"/>
-              <a:t>Unser Thema </a:t>
-            </a:r>
-            <a:endParaRPr lang="de-DE" dirty="0"/>
-          </a:p>
-          <a:p>
-            <a:pPr marL="514350" indent="-514350">
-              <a:buFont typeface="+mj-lt"/>
-              <a:buAutoNum type="arabicPeriod"/>
-            </a:pPr>
-            <a:r>
-              <a:rPr lang="de-DE" dirty="0" smtClean="0"/>
-              <a:t>Anforderungen </a:t>
-            </a:r>
-            <a:endParaRPr lang="de-DE" dirty="0"/>
-          </a:p>
-          <a:p>
-            <a:pPr marL="514350" indent="-514350">
-              <a:buFont typeface="+mj-lt"/>
-              <a:buAutoNum type="arabicPeriod"/>
-            </a:pPr>
-            <a:r>
-              <a:rPr lang="de-DE" dirty="0" smtClean="0"/>
-              <a:t>Vorgehen</a:t>
-            </a:r>
-            <a:endParaRPr lang="de-DE" dirty="0"/>
-          </a:p>
-          <a:p>
-            <a:pPr marL="514350" indent="-514350">
-              <a:buFont typeface="+mj-lt"/>
-              <a:buAutoNum type="arabicPeriod"/>
-            </a:pPr>
-            <a:r>
-              <a:rPr lang="de-DE" dirty="0" smtClean="0"/>
-              <a:t>Herausforderungen</a:t>
-            </a:r>
-            <a:endParaRPr lang="de-DE" dirty="0"/>
-          </a:p>
-          <a:p>
-            <a:pPr marL="514350" indent="-514350">
-              <a:buFont typeface="+mj-lt"/>
-              <a:buAutoNum type="arabicPeriod"/>
-            </a:pPr>
-            <a:r>
-              <a:rPr lang="de-DE" dirty="0" smtClean="0"/>
-              <a:t>Ergebnis</a:t>
-            </a:r>
-            <a:endParaRPr lang="de-DE" dirty="0"/>
-          </a:p>
-          <a:p>
-            <a:pPr marL="514350" indent="-514350">
-              <a:buFont typeface="+mj-lt"/>
-              <a:buAutoNum type="arabicPeriod"/>
-            </a:pPr>
-            <a:r>
-              <a:rPr lang="de-DE" dirty="0" smtClean="0"/>
-              <a:t>Reflektion </a:t>
-            </a:r>
-          </a:p>
-          <a:p>
-            <a:pPr marL="514350" indent="-514350">
-              <a:buFont typeface="+mj-lt"/>
-              <a:buAutoNum type="arabicPeriod"/>
-            </a:pPr>
-            <a:r>
-              <a:rPr lang="de-DE" dirty="0" smtClean="0"/>
-              <a:t>Rückmeldung</a:t>
-            </a:r>
-            <a:endParaRPr lang="de-DE" dirty="0"/>
-          </a:p>
-        </p:txBody>
-      </p:sp>
-      <p:sp>
-        <p:nvSpPr>
           <p:cNvPr id="4" name="Datumsplatzhalter 3"/>
           <p:cNvSpPr>
             <a:spLocks noGrp="1"/>
@@ -12450,117 +12312,7 @@
             <a:fld id="{6C6BBD26-F43C-4AE7-B45C-5C0A14E952E7}" type="slidenum">
               <a:rPr lang="de-DE" smtClean="0"/>
               <a:pPr/>
-              <a:t>2</a:t>
-            </a:fld>
-            <a:endParaRPr lang="de-DE"/>
-          </a:p>
-        </p:txBody>
-      </p:sp>
-    </p:spTree>
-    <p:extLst>
-      <p:ext uri="{BB962C8B-B14F-4D97-AF65-F5344CB8AC3E}">
-        <p14:creationId xmlns:p14="http://schemas.microsoft.com/office/powerpoint/2010/main" val="176972638"/>
-      </p:ext>
-    </p:extLst>
-  </p:cSld>
-  <p:clrMapOvr>
-    <a:masterClrMapping/>
-  </p:clrMapOvr>
-  <p:transition>
-    <p:fade/>
-  </p:transition>
-  <p:timing>
-    <p:tnLst>
-      <p:par>
-        <p:cTn id="1" dur="indefinite" restart="never" nodeType="tmRoot"/>
-      </p:par>
-    </p:tnLst>
-  </p:timing>
-</p:sld>
-</file>
-
-<file path=ppt/slides/slide20.xml><?xml version="1.0" encoding="utf-8"?>
-<p:sld xmlns:a="http://schemas.openxmlformats.org/drawingml/2006/main" xmlns:r="http://schemas.openxmlformats.org/officeDocument/2006/relationships" xmlns:p="http://schemas.openxmlformats.org/presentationml/2006/main">
-  <p:cSld>
-    <p:spTree>
-      <p:nvGrpSpPr>
-        <p:cNvPr id="1" name=""/>
-        <p:cNvGrpSpPr/>
-        <p:nvPr/>
-      </p:nvGrpSpPr>
-      <p:grpSpPr>
-        <a:xfrm>
-          <a:off x="0" y="0"/>
-          <a:ext cx="0" cy="0"/>
-          <a:chOff x="0" y="0"/>
-          <a:chExt cx="0" cy="0"/>
-        </a:xfrm>
-      </p:grpSpPr>
-      <p:sp>
-        <p:nvSpPr>
-          <p:cNvPr id="4" name="Datumsplatzhalter 3"/>
-          <p:cNvSpPr>
-            <a:spLocks noGrp="1"/>
-          </p:cNvSpPr>
-          <p:nvPr>
-            <p:ph type="dt" sz="half" idx="11"/>
-          </p:nvPr>
-        </p:nvSpPr>
-        <p:spPr/>
-        <p:txBody>
-          <a:bodyPr/>
-          <a:lstStyle/>
-          <a:p>
-            <a:r>
-              <a:rPr lang="de-DE" smtClean="0"/>
-              <a:t>30.01.2015</a:t>
-            </a:r>
-            <a:endParaRPr lang="de-DE"/>
-          </a:p>
-        </p:txBody>
-      </p:sp>
-      <p:sp>
-        <p:nvSpPr>
-          <p:cNvPr id="5" name="Fußzeilenplatzhalter 4"/>
-          <p:cNvSpPr>
-            <a:spLocks noGrp="1"/>
-          </p:cNvSpPr>
-          <p:nvPr>
-            <p:ph type="ftr" sz="quarter" idx="12"/>
-          </p:nvPr>
-        </p:nvSpPr>
-        <p:spPr/>
-        <p:txBody>
-          <a:bodyPr/>
-          <a:lstStyle/>
-          <a:p>
-            <a:r>
-              <a:rPr lang="de-DE" smtClean="0"/>
-              <a:t>Team Schwarz | IBT: Essential Blog</a:t>
-            </a:r>
-            <a:endParaRPr lang="de-DE"/>
-          </a:p>
-        </p:txBody>
-      </p:sp>
-      <p:sp>
-        <p:nvSpPr>
-          <p:cNvPr id="6" name="Foliennummernplatzhalter 5"/>
-          <p:cNvSpPr>
-            <a:spLocks noGrp="1"/>
-          </p:cNvSpPr>
-          <p:nvPr>
-            <p:ph type="sldNum" sz="quarter" idx="13"/>
-          </p:nvPr>
-        </p:nvSpPr>
-        <p:spPr/>
-        <p:txBody>
-          <a:bodyPr/>
-          <a:lstStyle/>
-          <a:p>
-            <a:fld id="{6C6BBD26-F43C-4AE7-B45C-5C0A14E952E7}" type="slidenum">
-              <a:rPr lang="de-DE" smtClean="0"/>
-              <a:pPr/>
-              <a:t>20</a:t>
+              <a:t>21</a:t>
             </a:fld>
             <a:endParaRPr lang="de-DE"/>
           </a:p>
@@ -12662,8 +12414,29 @@
             </a:r>
             <a:r>
               <a:rPr lang="de-DE" dirty="0" smtClean="0"/>
-              <a:t>-Funktion, Auswahl und Vorauswahl bereits bestehender Kategorien, Gültigkeitsprüfungen bei Speicherung) </a:t>
-            </a:r>
+              <a:t>-Funktion, </a:t>
+            </a:r>
+            <a:r>
+              <a:rPr lang="de-DE" dirty="0" smtClean="0"/>
+              <a:t>Auswahl bereits </a:t>
+            </a:r>
+            <a:r>
+              <a:rPr lang="de-DE" dirty="0" smtClean="0"/>
+              <a:t>bestehender Kategorien, </a:t>
+            </a:r>
+            <a:r>
+              <a:rPr lang="de-DE" dirty="0" smtClean="0"/>
+              <a:t>Feldprüfung bei </a:t>
+            </a:r>
+            <a:r>
+              <a:rPr lang="de-DE" dirty="0" smtClean="0"/>
+              <a:t>Speicherung</a:t>
+            </a:r>
+            <a:r>
+              <a:rPr lang="de-DE" dirty="0" smtClean="0"/>
+              <a:t>)</a:t>
+            </a:r>
+            <a:endParaRPr lang="de-DE" dirty="0" smtClean="0"/>
           </a:p>
         </p:txBody>
       </p:sp>
@@ -12742,7 +12515,7 @@
         <p:spPr bwMode="auto">
           <a:xfrm>
             <a:off x="381000" y="3112396"/>
-            <a:ext cx="6999312" cy="561600"/>
+            <a:ext cx="6681600" cy="561600"/>
           </a:xfrm>
           <a:prstGeom prst="rect">
             <a:avLst/>
@@ -12807,7 +12580,7 @@
     </p:spTree>
     <p:extLst>
       <p:ext uri="{BB962C8B-B14F-4D97-AF65-F5344CB8AC3E}">
-        <p14:creationId xmlns:p14="http://schemas.microsoft.com/office/powerpoint/2010/main" val="2261671502"/>
+        <p14:creationId xmlns:p14="http://schemas.microsoft.com/office/powerpoint/2010/main" xmlns="" val="2261671502"/>
       </p:ext>
     </p:extLst>
   </p:cSld>
@@ -12827,7 +12600,7 @@
 </p:sld>
 </file>
 
-<file path=ppt/slides/slide21.xml><?xml version="1.0" encoding="utf-8"?>
+<file path=ppt/slides/slide22.xml><?xml version="1.0" encoding="utf-8"?>
 <p:sld xmlns:a="http://schemas.openxmlformats.org/drawingml/2006/main" xmlns:r="http://schemas.openxmlformats.org/officeDocument/2006/relationships" xmlns:p="http://schemas.openxmlformats.org/presentationml/2006/main">
   <p:cSld>
     <p:spTree>
@@ -12908,7 +12681,7 @@
             <a:fld id="{6C6BBD26-F43C-4AE7-B45C-5C0A14E952E7}" type="slidenum">
               <a:rPr lang="de-DE" smtClean="0"/>
               <a:pPr/>
-              <a:t>21</a:t>
+              <a:t>22</a:t>
             </a:fld>
             <a:endParaRPr lang="de-DE"/>
           </a:p>
@@ -12998,15 +12771,7 @@
           <a:p>
             <a:r>
               <a:rPr lang="de-DE" dirty="0" smtClean="0"/>
-              <a:t>- </a:t>
-            </a:r>
-            <a:r>
-              <a:rPr lang="de-DE" dirty="0" smtClean="0"/>
-              <a:t>Erstellen </a:t>
-            </a:r>
-            <a:r>
-              <a:rPr lang="de-DE" dirty="0" smtClean="0"/>
-              <a:t>eines Skripts zur Befüllen der Datenbank</a:t>
+              <a:t>- Erstellen eines Skripts zur Befüllen der Datenbank</a:t>
             </a:r>
           </a:p>
         </p:txBody>
@@ -13086,7 +12851,7 @@
         <p:spPr bwMode="auto">
           <a:xfrm>
             <a:off x="381000" y="3112396"/>
-            <a:ext cx="7647384" cy="561600"/>
+            <a:ext cx="7516800" cy="561600"/>
           </a:xfrm>
           <a:prstGeom prst="rect">
             <a:avLst/>
@@ -13151,251 +12916,7 @@
     </p:spTree>
     <p:extLst>
       <p:ext uri="{BB962C8B-B14F-4D97-AF65-F5344CB8AC3E}">
-        <p14:creationId xmlns:p14="http://schemas.microsoft.com/office/powerpoint/2010/main" val="2261671502"/>
-      </p:ext>
-    </p:extLst>
-  </p:cSld>
-  <p:clrMapOvr>
-    <a:masterClrMapping/>
-  </p:clrMapOvr>
-  <p:transition>
-    <p:fade/>
-  </p:transition>
-  <p:timing>
-    <p:tnLst>
-      <p:par>
-        <p:cTn id="1" dur="indefinite" restart="never" nodeType="tmRoot"/>
-      </p:par>
-    </p:tnLst>
-  </p:timing>
-</p:sld>
-</file>
-
-<file path=ppt/slides/slide22.xml><?xml version="1.0" encoding="utf-8"?>
-<p:sld xmlns:a="http://schemas.openxmlformats.org/drawingml/2006/main" xmlns:r="http://schemas.openxmlformats.org/officeDocument/2006/relationships" xmlns:p="http://schemas.openxmlformats.org/presentationml/2006/main">
-  <p:cSld>
-    <p:spTree>
-      <p:nvGrpSpPr>
-        <p:cNvPr id="1" name=""/>
-        <p:cNvGrpSpPr/>
-        <p:nvPr/>
-      </p:nvGrpSpPr>
-      <p:grpSpPr>
-        <a:xfrm>
-          <a:off x="0" y="0"/>
-          <a:ext cx="0" cy="0"/>
-          <a:chOff x="0" y="0"/>
-          <a:chExt cx="0" cy="0"/>
-        </a:xfrm>
-      </p:grpSpPr>
-      <p:sp>
-        <p:nvSpPr>
-          <p:cNvPr id="4" name="Datumsplatzhalter 3"/>
-          <p:cNvSpPr>
-            <a:spLocks noGrp="1"/>
-          </p:cNvSpPr>
-          <p:nvPr>
-            <p:ph type="dt" sz="half" idx="11"/>
-          </p:nvPr>
-        </p:nvSpPr>
-        <p:spPr/>
-        <p:txBody>
-          <a:bodyPr/>
-          <a:lstStyle/>
-          <a:p>
-            <a:r>
-              <a:rPr lang="de-DE" smtClean="0"/>
-              <a:t>30.01.2015</a:t>
-            </a:r>
-            <a:endParaRPr lang="de-DE"/>
-          </a:p>
-        </p:txBody>
-      </p:sp>
-      <p:sp>
-        <p:nvSpPr>
-          <p:cNvPr id="5" name="Fußzeilenplatzhalter 4"/>
-          <p:cNvSpPr>
-            <a:spLocks noGrp="1"/>
-          </p:cNvSpPr>
-          <p:nvPr>
-            <p:ph type="ftr" sz="quarter" idx="12"/>
-          </p:nvPr>
-        </p:nvSpPr>
-        <p:spPr/>
-        <p:txBody>
-          <a:bodyPr/>
-          <a:lstStyle/>
-          <a:p>
-            <a:r>
-              <a:rPr lang="de-DE" smtClean="0"/>
-              <a:t>Team Schwarz | IBT: Essential Blog</a:t>
-            </a:r>
-            <a:endParaRPr lang="de-DE"/>
-          </a:p>
-        </p:txBody>
-      </p:sp>
-      <p:sp>
-        <p:nvSpPr>
-          <p:cNvPr id="6" name="Foliennummernplatzhalter 5"/>
-          <p:cNvSpPr>
-            <a:spLocks noGrp="1"/>
-          </p:cNvSpPr>
-          <p:nvPr>
-            <p:ph type="sldNum" sz="quarter" idx="13"/>
-          </p:nvPr>
-        </p:nvSpPr>
-        <p:spPr/>
-        <p:txBody>
-          <a:bodyPr/>
-          <a:lstStyle/>
-          <a:p>
-            <a:fld id="{6C6BBD26-F43C-4AE7-B45C-5C0A14E952E7}" type="slidenum">
-              <a:rPr lang="de-DE" smtClean="0"/>
-              <a:pPr/>
-              <a:t>22</a:t>
-            </a:fld>
-            <a:endParaRPr lang="de-DE"/>
-          </a:p>
-        </p:txBody>
-      </p:sp>
-      <p:sp>
-        <p:nvSpPr>
-          <p:cNvPr id="9" name="Pfeil nach rechts 8"/>
-          <p:cNvSpPr/>
-          <p:nvPr/>
-        </p:nvSpPr>
-        <p:spPr bwMode="auto">
-          <a:xfrm>
-            <a:off x="395536" y="2852936"/>
-            <a:ext cx="8352928" cy="1080120"/>
-          </a:xfrm>
-          <a:prstGeom prst="rightArrow">
-            <a:avLst/>
-          </a:prstGeom>
-          <a:solidFill>
-            <a:srgbClr val="FF0000"/>
-          </a:solidFill>
-          <a:ln>
-            <a:solidFill>
-              <a:srgbClr val="FF0000"/>
-            </a:solidFill>
-            <a:headEnd type="none" w="med" len="med"/>
-            <a:tailEnd type="none" w="med" len="med"/>
-          </a:ln>
-        </p:spPr>
-        <p:style>
-          <a:lnRef idx="2">
-            <a:schemeClr val="accent2">
-              <a:shade val="50000"/>
-            </a:schemeClr>
-          </a:lnRef>
-          <a:fillRef idx="1">
-            <a:schemeClr val="accent2"/>
-          </a:fillRef>
-          <a:effectRef idx="0">
-            <a:schemeClr val="accent2"/>
-          </a:effectRef>
-          <a:fontRef idx="minor">
-            <a:schemeClr val="lt1"/>
-          </a:fontRef>
-        </p:style>
-        <p:txBody>
-          <a:bodyPr vert="horz" wrap="square" lIns="91436" tIns="45718" rIns="91436" bIns="45718" numCol="1" rtlCol="0" anchor="ctr" anchorCtr="0" compatLnSpc="1">
-            <a:prstTxWarp prst="textNoShape">
-              <a:avLst/>
-            </a:prstTxWarp>
-          </a:bodyPr>
-          <a:lstStyle/>
-          <a:p>
-            <a:pPr algn="ctr" defTabSz="914099" fontAlgn="base">
-              <a:spcBef>
-                <a:spcPct val="0"/>
-              </a:spcBef>
-              <a:spcAft>
-                <a:spcPct val="0"/>
-              </a:spcAft>
-            </a:pPr>
-            <a:endParaRPr lang="de-DE" sz="2300" dirty="0" smtClean="0">
-              <a:solidFill>
-                <a:schemeClr val="tx1"/>
-              </a:solidFill>
-              <a:latin typeface="Segoe" pitchFamily="34" charset="0"/>
-            </a:endParaRPr>
-          </a:p>
-        </p:txBody>
-      </p:sp>
-      <p:sp>
-        <p:nvSpPr>
-          <p:cNvPr id="13" name="Titel 1"/>
-          <p:cNvSpPr>
-            <a:spLocks noGrp="1"/>
-          </p:cNvSpPr>
-          <p:nvPr>
-            <p:ph type="title"/>
-          </p:nvPr>
-        </p:nvSpPr>
-        <p:spPr>
-          <a:xfrm>
-            <a:off x="381000" y="908720"/>
-            <a:ext cx="8382000" cy="664797"/>
-          </a:xfrm>
-        </p:spPr>
-        <p:txBody>
-          <a:bodyPr/>
-          <a:lstStyle/>
-          <a:p>
-            <a:r>
-              <a:rPr lang="de-DE" dirty="0" smtClean="0"/>
-              <a:t>Vertikaler Prototyp -&gt; Finale Version</a:t>
-            </a:r>
-            <a:endParaRPr lang="de-DE" dirty="0"/>
-          </a:p>
-        </p:txBody>
-      </p:sp>
-      <p:sp>
-        <p:nvSpPr>
-          <p:cNvPr id="12" name="Textfeld 11"/>
-          <p:cNvSpPr txBox="1"/>
-          <p:nvPr/>
-        </p:nvSpPr>
-        <p:spPr>
-          <a:xfrm>
-            <a:off x="5724128" y="2708920"/>
-            <a:ext cx="2448272" cy="369332"/>
-          </a:xfrm>
-          <a:prstGeom prst="rect">
-            <a:avLst/>
-          </a:prstGeom>
-          <a:solidFill>
-            <a:schemeClr val="bg1"/>
-          </a:solidFill>
-        </p:spPr>
-        <p:txBody>
-          <a:bodyPr wrap="square" rtlCol="0">
-            <a:spAutoFit/>
-          </a:bodyPr>
-          <a:lstStyle/>
-          <a:p>
-            <a:r>
-              <a:rPr lang="de-DE" b="1" dirty="0" smtClean="0">
-                <a:solidFill>
-                  <a:srgbClr val="FF0000"/>
-                </a:solidFill>
-              </a:rPr>
-              <a:t>Aufwand: 40 Stunden</a:t>
-            </a:r>
-            <a:endParaRPr lang="de-DE" b="1" dirty="0">
-              <a:solidFill>
-                <a:srgbClr val="FF0000"/>
-              </a:solidFill>
-            </a:endParaRPr>
-          </a:p>
-        </p:txBody>
-      </p:sp>
-    </p:spTree>
-    <p:extLst>
-      <p:ext uri="{BB962C8B-B14F-4D97-AF65-F5344CB8AC3E}">
-        <p14:creationId xmlns:p14="http://schemas.microsoft.com/office/powerpoint/2010/main" val="2261671502"/>
+        <p14:creationId xmlns:p14="http://schemas.microsoft.com/office/powerpoint/2010/main" xmlns="" val="2261671502"/>
       </p:ext>
     </p:extLst>
   </p:cSld>
@@ -13434,7 +12955,143 @@
       </p:grpSpPr>
       <p:sp>
         <p:nvSpPr>
-          <p:cNvPr id="2" name="Titel 1"/>
+          <p:cNvPr id="4" name="Datumsplatzhalter 3"/>
+          <p:cNvSpPr>
+            <a:spLocks noGrp="1"/>
+          </p:cNvSpPr>
+          <p:nvPr>
+            <p:ph type="dt" sz="half" idx="11"/>
+          </p:nvPr>
+        </p:nvSpPr>
+        <p:spPr/>
+        <p:txBody>
+          <a:bodyPr/>
+          <a:lstStyle/>
+          <a:p>
+            <a:r>
+              <a:rPr lang="de-DE" smtClean="0"/>
+              <a:t>30.01.2015</a:t>
+            </a:r>
+            <a:endParaRPr lang="de-DE"/>
+          </a:p>
+        </p:txBody>
+      </p:sp>
+      <p:sp>
+        <p:nvSpPr>
+          <p:cNvPr id="5" name="Fußzeilenplatzhalter 4"/>
+          <p:cNvSpPr>
+            <a:spLocks noGrp="1"/>
+          </p:cNvSpPr>
+          <p:nvPr>
+            <p:ph type="ftr" sz="quarter" idx="12"/>
+          </p:nvPr>
+        </p:nvSpPr>
+        <p:spPr/>
+        <p:txBody>
+          <a:bodyPr/>
+          <a:lstStyle/>
+          <a:p>
+            <a:r>
+              <a:rPr lang="de-DE" smtClean="0"/>
+              <a:t>Team Schwarz | IBT: Essential Blog</a:t>
+            </a:r>
+            <a:endParaRPr lang="de-DE"/>
+          </a:p>
+        </p:txBody>
+      </p:sp>
+      <p:sp>
+        <p:nvSpPr>
+          <p:cNvPr id="6" name="Foliennummernplatzhalter 5"/>
+          <p:cNvSpPr>
+            <a:spLocks noGrp="1"/>
+          </p:cNvSpPr>
+          <p:nvPr>
+            <p:ph type="sldNum" sz="quarter" idx="13"/>
+          </p:nvPr>
+        </p:nvSpPr>
+        <p:spPr/>
+        <p:txBody>
+          <a:bodyPr/>
+          <a:lstStyle/>
+          <a:p>
+            <a:fld id="{6C6BBD26-F43C-4AE7-B45C-5C0A14E952E7}" type="slidenum">
+              <a:rPr lang="de-DE" smtClean="0"/>
+              <a:pPr/>
+              <a:t>23</a:t>
+            </a:fld>
+            <a:endParaRPr lang="de-DE"/>
+          </a:p>
+        </p:txBody>
+      </p:sp>
+      <p:sp>
+        <p:nvSpPr>
+          <p:cNvPr id="9" name="Pfeil nach rechts 8"/>
+          <p:cNvSpPr/>
+          <p:nvPr/>
+        </p:nvSpPr>
+        <p:spPr bwMode="auto">
+          <a:xfrm>
+            <a:off x="395536" y="2852936"/>
+            <a:ext cx="8352928" cy="1080120"/>
+          </a:xfrm>
+          <a:prstGeom prst="rightArrow">
+            <a:avLst/>
+          </a:prstGeom>
+          <a:solidFill>
+            <a:srgbClr val="FF0000"/>
+          </a:solidFill>
+          <a:ln>
+            <a:solidFill>
+              <a:srgbClr val="FF0000"/>
+            </a:solidFill>
+            <a:headEnd type="none" w="med" len="med"/>
+            <a:tailEnd type="none" w="med" len="med"/>
+          </a:ln>
+        </p:spPr>
+        <p:style>
+          <a:lnRef idx="2">
+            <a:schemeClr val="accent2">
+              <a:shade val="50000"/>
+            </a:schemeClr>
+          </a:lnRef>
+          <a:fillRef idx="1">
+            <a:schemeClr val="accent2"/>
+          </a:fillRef>
+          <a:effectRef idx="0">
+            <a:schemeClr val="accent2"/>
+          </a:effectRef>
+          <a:fontRef idx="minor">
+            <a:schemeClr val="lt1"/>
+          </a:fontRef>
+        </p:style>
+        <p:txBody>
+          <a:bodyPr vert="horz" wrap="square" lIns="91436" tIns="45718" rIns="91436" bIns="45718" numCol="1" rtlCol="0" anchor="ctr" anchorCtr="0" compatLnSpc="1">
+            <a:prstTxWarp prst="textNoShape">
+              <a:avLst/>
+            </a:prstTxWarp>
+          </a:bodyPr>
+          <a:lstStyle/>
+          <a:p>
+            <a:pPr algn="ctr" defTabSz="914099" fontAlgn="base">
+              <a:spcBef>
+                <a:spcPct val="0"/>
+              </a:spcBef>
+              <a:spcAft>
+                <a:spcPct val="0"/>
+              </a:spcAft>
+            </a:pPr>
+            <a:endParaRPr lang="de-DE" sz="2300" dirty="0" smtClean="0">
+              <a:solidFill>
+                <a:schemeClr val="tx1"/>
+              </a:solidFill>
+              <a:latin typeface="Segoe" pitchFamily="34" charset="0"/>
+            </a:endParaRPr>
+          </a:p>
+        </p:txBody>
+      </p:sp>
+      <p:sp>
+        <p:nvSpPr>
+          <p:cNvPr id="13" name="Titel 1"/>
           <p:cNvSpPr>
             <a:spLocks noGrp="1"/>
           </p:cNvSpPr>
@@ -13454,7 +13111,7 @@
           <a:p>
             <a:r>
               <a:rPr lang="de-DE" dirty="0" smtClean="0"/>
-              <a:t>Inhalt</a:t>
+              <a:t>Vertikaler Prototyp -&gt; Finale Version</a:t>
             </a:r>
             <a:endParaRPr lang="de-DE" dirty="0"/>
           </a:p>
@@ -13462,180 +13119,46 @@
       </p:sp>
       <p:sp>
         <p:nvSpPr>
-          <p:cNvPr id="3" name="Textplatzhalter 2"/>
-          <p:cNvSpPr>
-            <a:spLocks noGrp="1"/>
-          </p:cNvSpPr>
-          <p:nvPr>
-            <p:ph type="body" sz="quarter" idx="10"/>
-          </p:nvPr>
+          <p:cNvPr id="12" name="Textfeld 11"/>
+          <p:cNvSpPr txBox="1"/>
+          <p:nvPr/>
         </p:nvSpPr>
         <p:spPr>
           <a:xfrm>
-            <a:off x="381000" y="1847430"/>
-            <a:ext cx="8382000" cy="4302716"/>
+            <a:off x="5724128" y="2708920"/>
+            <a:ext cx="2448272" cy="369332"/>
           </a:xfrm>
+          <a:prstGeom prst="rect">
+            <a:avLst/>
+          </a:prstGeom>
+          <a:noFill/>
         </p:spPr>
         <p:txBody>
-          <a:bodyPr/>
-          <a:lstStyle/>
-          <a:p>
-            <a:pPr marL="514350" indent="-514350">
-              <a:buFont typeface="+mj-lt"/>
-              <a:buAutoNum type="arabicPeriod"/>
-            </a:pPr>
-            <a:r>
-              <a:rPr lang="de-DE" dirty="0"/>
-              <a:t>Das Team</a:t>
-            </a:r>
-          </a:p>
-          <a:p>
-            <a:pPr marL="514350" indent="-514350">
-              <a:buFont typeface="+mj-lt"/>
-              <a:buAutoNum type="arabicPeriod"/>
-            </a:pPr>
-            <a:r>
-              <a:rPr lang="de-DE" dirty="0"/>
-              <a:t>Unser Thema</a:t>
-            </a:r>
-          </a:p>
-          <a:p>
-            <a:pPr marL="514350" indent="-514350">
-              <a:buFont typeface="+mj-lt"/>
-              <a:buAutoNum type="arabicPeriod"/>
-            </a:pPr>
-            <a:r>
-              <a:rPr lang="de-DE" dirty="0"/>
-              <a:t>Anforderungen</a:t>
-            </a:r>
-          </a:p>
-          <a:p>
-            <a:pPr marL="514350" indent="-514350">
-              <a:buFont typeface="+mj-lt"/>
-              <a:buAutoNum type="arabicPeriod"/>
-            </a:pPr>
-            <a:r>
-              <a:rPr lang="de-DE" dirty="0"/>
-              <a:t>Vorgehen</a:t>
-            </a:r>
-          </a:p>
-          <a:p>
-            <a:pPr marL="514350" indent="-514350">
-              <a:buFont typeface="+mj-lt"/>
-              <a:buAutoNum type="arabicPeriod"/>
-            </a:pPr>
-            <a:r>
-              <a:rPr lang="de-DE" sz="3600" b="1" dirty="0"/>
-              <a:t>Herausforderungen</a:t>
-            </a:r>
-          </a:p>
-          <a:p>
-            <a:pPr marL="514350" indent="-514350">
-              <a:buFont typeface="+mj-lt"/>
-              <a:buAutoNum type="arabicPeriod"/>
-            </a:pPr>
-            <a:r>
-              <a:rPr lang="de-DE" dirty="0"/>
-              <a:t>Ergebnis</a:t>
-            </a:r>
-          </a:p>
-          <a:p>
-            <a:pPr marL="514350" indent="-514350">
-              <a:buFont typeface="+mj-lt"/>
-              <a:buAutoNum type="arabicPeriod"/>
-            </a:pPr>
-            <a:r>
-              <a:rPr lang="de-DE" dirty="0"/>
-              <a:t>Reflektion</a:t>
-            </a:r>
-          </a:p>
-          <a:p>
-            <a:pPr marL="514350" indent="-514350">
-              <a:buFont typeface="+mj-lt"/>
-              <a:buAutoNum type="arabicPeriod"/>
-            </a:pPr>
-            <a:r>
-              <a:rPr lang="de-DE" dirty="0" smtClean="0"/>
-              <a:t>Rückmeldung</a:t>
-            </a:r>
-            <a:endParaRPr lang="de-DE" dirty="0"/>
-          </a:p>
-        </p:txBody>
-      </p:sp>
-      <p:sp>
-        <p:nvSpPr>
-          <p:cNvPr id="4" name="Datumsplatzhalter 3"/>
-          <p:cNvSpPr>
-            <a:spLocks noGrp="1"/>
-          </p:cNvSpPr>
-          <p:nvPr>
-            <p:ph type="dt" sz="half" idx="11"/>
-          </p:nvPr>
-        </p:nvSpPr>
-        <p:spPr/>
-        <p:txBody>
-          <a:bodyPr/>
-          <a:lstStyle/>
-          <a:p>
-            <a:r>
-              <a:rPr lang="de-DE" smtClean="0"/>
-              <a:t>30.01.2015</a:t>
-            </a:r>
-            <a:endParaRPr lang="de-DE"/>
-          </a:p>
-        </p:txBody>
-      </p:sp>
-      <p:sp>
-        <p:nvSpPr>
-          <p:cNvPr id="5" name="Fußzeilenplatzhalter 4"/>
-          <p:cNvSpPr>
-            <a:spLocks noGrp="1"/>
-          </p:cNvSpPr>
-          <p:nvPr>
-            <p:ph type="ftr" sz="quarter" idx="12"/>
-          </p:nvPr>
-        </p:nvSpPr>
-        <p:spPr/>
-        <p:txBody>
-          <a:bodyPr/>
-          <a:lstStyle/>
-          <a:p>
-            <a:r>
-              <a:rPr lang="de-DE" smtClean="0"/>
-              <a:t>Team Schwarz | IBT: Essential Blog</a:t>
-            </a:r>
-            <a:endParaRPr lang="de-DE"/>
-          </a:p>
-        </p:txBody>
-      </p:sp>
-      <p:sp>
-        <p:nvSpPr>
-          <p:cNvPr id="6" name="Foliennummernplatzhalter 5"/>
-          <p:cNvSpPr>
-            <a:spLocks noGrp="1"/>
-          </p:cNvSpPr>
-          <p:nvPr>
-            <p:ph type="sldNum" sz="quarter" idx="13"/>
-          </p:nvPr>
-        </p:nvSpPr>
-        <p:spPr/>
-        <p:txBody>
-          <a:bodyPr/>
-          <a:lstStyle/>
-          <a:p>
-            <a:fld id="{6C6BBD26-F43C-4AE7-B45C-5C0A14E952E7}" type="slidenum">
-              <a:rPr lang="de-DE" smtClean="0"/>
-              <a:pPr/>
-              <a:t>23</a:t>
-            </a:fld>
-            <a:endParaRPr lang="de-DE"/>
+          <a:bodyPr wrap="square" rtlCol="0">
+            <a:spAutoFit/>
+          </a:bodyPr>
+          <a:lstStyle/>
+          <a:p>
+            <a:r>
+              <a:rPr lang="de-DE" b="1" dirty="0" smtClean="0">
+                <a:solidFill>
+                  <a:srgbClr val="FF0000"/>
+                </a:solidFill>
+              </a:rPr>
+              <a:t>Aufwand: 40 Stunden</a:t>
+            </a:r>
+            <a:endParaRPr lang="de-DE" b="1" dirty="0">
+              <a:solidFill>
+                <a:srgbClr val="FF0000"/>
+              </a:solidFill>
+            </a:endParaRPr>
           </a:p>
         </p:txBody>
       </p:sp>
     </p:spTree>
     <p:extLst>
       <p:ext uri="{BB962C8B-B14F-4D97-AF65-F5344CB8AC3E}">
-        <p14:creationId xmlns:p14="http://schemas.microsoft.com/office/powerpoint/2010/main" val="707580364"/>
+        <p14:creationId xmlns:p14="http://schemas.microsoft.com/office/powerpoint/2010/main" xmlns="" val="2261671502"/>
       </p:ext>
     </p:extLst>
   </p:cSld>
@@ -13694,7 +13217,7 @@
           <a:p>
             <a:r>
               <a:rPr lang="de-DE" dirty="0" smtClean="0"/>
-              <a:t>5. Herausforderungen</a:t>
+              <a:t>Inhalt</a:t>
             </a:r>
             <a:endParaRPr lang="de-DE" dirty="0"/>
           </a:p>
@@ -13712,48 +13235,93 @@
         </p:nvSpPr>
         <p:spPr>
           <a:xfrm>
-            <a:off x="381000" y="1772816"/>
-            <a:ext cx="8382000" cy="3151632"/>
+            <a:off x="381000" y="1847430"/>
+            <a:ext cx="8382000" cy="4302716"/>
           </a:xfrm>
         </p:spPr>
         <p:txBody>
           <a:bodyPr/>
           <a:lstStyle/>
           <a:p>
+            <a:pPr marL="514350" indent="-514350">
+              <a:buFont typeface="+mj-lt"/>
+              <a:buAutoNum type="arabicPeriod"/>
+            </a:pPr>
+            <a:r>
+              <a:rPr lang="de-DE" dirty="0"/>
+              <a:t>Das Team</a:t>
+            </a:r>
+          </a:p>
+          <a:p>
+            <a:pPr marL="514350" indent="-514350">
+              <a:buFont typeface="+mj-lt"/>
+              <a:buAutoNum type="arabicPeriod"/>
+            </a:pPr>
+            <a:r>
+              <a:rPr lang="de-DE" dirty="0"/>
+              <a:t>Unser Thema</a:t>
+            </a:r>
+          </a:p>
+          <a:p>
+            <a:pPr marL="514350" indent="-514350">
+              <a:buFont typeface="+mj-lt"/>
+              <a:buAutoNum type="arabicPeriod"/>
+            </a:pPr>
+            <a:r>
+              <a:rPr lang="de-DE" dirty="0"/>
+              <a:t>Anforderungen</a:t>
+            </a:r>
+          </a:p>
+          <a:p>
+            <a:pPr marL="514350" indent="-514350">
+              <a:buFont typeface="+mj-lt"/>
+              <a:buAutoNum type="arabicPeriod"/>
+            </a:pPr>
+            <a:r>
+              <a:rPr lang="de-DE" dirty="0"/>
+              <a:t>Vorgehen</a:t>
+            </a:r>
+          </a:p>
+          <a:p>
+            <a:pPr marL="514350" indent="-514350">
+              <a:buFont typeface="+mj-lt"/>
+              <a:buAutoNum type="arabicPeriod"/>
+            </a:pPr>
+            <a:r>
+              <a:rPr lang="de-DE" sz="3600" b="1" dirty="0"/>
+              <a:t>Herausforderungen</a:t>
+            </a:r>
+          </a:p>
+          <a:p>
+            <a:pPr marL="514350" indent="-514350">
+              <a:buFont typeface="+mj-lt"/>
+              <a:buAutoNum type="arabicPeriod"/>
+            </a:pPr>
+            <a:r>
+              <a:rPr lang="de-DE" dirty="0"/>
+              <a:t>Ergebnis</a:t>
+            </a:r>
+          </a:p>
+          <a:p>
+            <a:pPr marL="514350" indent="-514350">
+              <a:buFont typeface="+mj-lt"/>
+              <a:buAutoNum type="arabicPeriod"/>
+            </a:pPr>
+            <a:r>
+              <a:rPr lang="de-DE" dirty="0"/>
+              <a:t>Reflektion</a:t>
+            </a:r>
+          </a:p>
+          <a:p>
+            <a:pPr marL="514350" indent="-514350">
+              <a:buFont typeface="+mj-lt"/>
+              <a:buAutoNum type="arabicPeriod"/>
+            </a:pPr>
             <a:r>
               <a:rPr lang="de-DE" dirty="0" smtClean="0"/>
-              <a:t>PHP zu Anfang komplex</a:t>
-            </a:r>
-          </a:p>
-          <a:p>
-            <a:r>
-              <a:rPr lang="de-DE" dirty="0" smtClean="0"/>
-              <a:t>Interaktion zwischen PHP &amp; MySQL umständlich</a:t>
-            </a:r>
-          </a:p>
-          <a:p>
-            <a:r>
-              <a:rPr lang="de-DE" dirty="0"/>
-              <a:t>Client-Server-Interaktion umständlich</a:t>
-            </a:r>
-          </a:p>
-          <a:p>
-            <a:r>
-              <a:rPr lang="de-DE" dirty="0" smtClean="0"/>
-              <a:t>CSS bietet viele Möglichkeiten</a:t>
-            </a:r>
-          </a:p>
-          <a:p>
-            <a:r>
-              <a:rPr lang="de-DE" dirty="0" smtClean="0"/>
-              <a:t>Browser mit unterschiedlichem Verhalten</a:t>
-            </a:r>
-          </a:p>
-          <a:p>
-            <a:r>
-              <a:rPr lang="de-DE" dirty="0" smtClean="0"/>
-              <a:t>Internetquellen nicht eindeutig (JavaScript)</a:t>
-            </a:r>
+              <a:t>Rückmeldung</a:t>
+            </a:r>
+            <a:endParaRPr lang="de-DE" dirty="0"/>
           </a:p>
         </p:txBody>
       </p:sp>
@@ -13830,7 +13398,7 @@
     </p:spTree>
     <p:extLst>
       <p:ext uri="{BB962C8B-B14F-4D97-AF65-F5344CB8AC3E}">
-        <p14:creationId xmlns:p14="http://schemas.microsoft.com/office/powerpoint/2010/main" val="1320074621"/>
+        <p14:creationId xmlns:p14="http://schemas.microsoft.com/office/powerpoint/2010/main" xmlns="" val="707580364"/>
       </p:ext>
     </p:extLst>
   </p:cSld>
@@ -13889,7 +13457,7 @@
           <a:p>
             <a:r>
               <a:rPr lang="de-DE" dirty="0" smtClean="0"/>
-              <a:t>Inhalt</a:t>
+              <a:t>5. Herausforderungen</a:t>
             </a:r>
             <a:endParaRPr lang="de-DE" dirty="0"/>
           </a:p>
@@ -13907,93 +13475,68 @@
         </p:nvSpPr>
         <p:spPr>
           <a:xfrm>
-            <a:off x="381000" y="1847430"/>
-            <a:ext cx="8382000" cy="4302716"/>
+            <a:off x="381000" y="1772816"/>
+            <a:ext cx="8382000" cy="3594830"/>
           </a:xfrm>
         </p:spPr>
         <p:txBody>
           <a:bodyPr/>
           <a:lstStyle/>
           <a:p>
-            <a:pPr marL="514350" indent="-514350">
-              <a:buFont typeface="+mj-lt"/>
-              <a:buAutoNum type="arabicPeriod"/>
-            </a:pPr>
+            <a:r>
+              <a:rPr lang="de-DE" dirty="0" smtClean="0"/>
+              <a:t>PHP zu Anfang komplex</a:t>
+            </a:r>
+          </a:p>
+          <a:p>
+            <a:r>
+              <a:rPr lang="de-DE" dirty="0" smtClean="0"/>
+              <a:t>Interaktion zwischen PHP &amp; MySQL umständlich</a:t>
+            </a:r>
+          </a:p>
+          <a:p>
             <a:r>
               <a:rPr lang="de-DE" dirty="0"/>
-              <a:t>Das Team</a:t>
-            </a:r>
-          </a:p>
-          <a:p>
-            <a:pPr marL="514350" indent="-514350">
-              <a:buFont typeface="+mj-lt"/>
-              <a:buAutoNum type="arabicPeriod"/>
-            </a:pPr>
-            <a:r>
-              <a:rPr lang="de-DE" dirty="0"/>
-              <a:t>Unser Thema</a:t>
-            </a:r>
-          </a:p>
-          <a:p>
-            <a:pPr marL="514350" indent="-514350">
-              <a:buFont typeface="+mj-lt"/>
-              <a:buAutoNum type="arabicPeriod"/>
-            </a:pPr>
-            <a:r>
-              <a:rPr lang="de-DE" dirty="0"/>
-              <a:t>Anforderungen</a:t>
-            </a:r>
-          </a:p>
-          <a:p>
-            <a:pPr marL="514350" indent="-514350">
-              <a:buFont typeface="+mj-lt"/>
-              <a:buAutoNum type="arabicPeriod"/>
-            </a:pPr>
-            <a:r>
-              <a:rPr lang="de-DE" dirty="0"/>
-              <a:t>Vorgehen</a:t>
-            </a:r>
-          </a:p>
-          <a:p>
-            <a:pPr marL="514350" indent="-514350">
-              <a:buFont typeface="+mj-lt"/>
-              <a:buAutoNum type="arabicPeriod"/>
-            </a:pPr>
-            <a:r>
-              <a:rPr lang="de-DE" dirty="0"/>
-              <a:t>Herausforderungen</a:t>
-            </a:r>
-          </a:p>
-          <a:p>
-            <a:pPr marL="514350" indent="-514350">
-              <a:buFont typeface="+mj-lt"/>
-              <a:buAutoNum type="arabicPeriod"/>
-            </a:pPr>
-            <a:r>
-              <a:rPr lang="de-DE" sz="3600" b="1" dirty="0"/>
-              <a:t>Ergebnis</a:t>
-            </a:r>
-          </a:p>
-          <a:p>
-            <a:pPr marL="514350" indent="-514350">
-              <a:buFont typeface="+mj-lt"/>
-              <a:buAutoNum type="arabicPeriod"/>
-            </a:pPr>
-            <a:r>
-              <a:rPr lang="de-DE" dirty="0"/>
-              <a:t>Reflektion</a:t>
-            </a:r>
-          </a:p>
-          <a:p>
-            <a:pPr marL="514350" indent="-514350">
-              <a:buFont typeface="+mj-lt"/>
-              <a:buAutoNum type="arabicPeriod"/>
-            </a:pPr>
+              <a:t>Client-Server-Interaktion umständlich</a:t>
+            </a:r>
+          </a:p>
+          <a:p>
             <a:r>
               <a:rPr lang="de-DE" dirty="0" smtClean="0"/>
-              <a:t>Rückmeldung</a:t>
-            </a:r>
-            <a:endParaRPr lang="de-DE" dirty="0"/>
+              <a:t>CSS bietet viele Möglichkeiten</a:t>
+            </a:r>
+          </a:p>
+          <a:p>
+            <a:r>
+              <a:rPr lang="de-DE" dirty="0" smtClean="0"/>
+              <a:t>Browser mit unterschiedlichem Verhalten</a:t>
+            </a:r>
+          </a:p>
+          <a:p>
+            <a:r>
+              <a:rPr lang="de-DE" dirty="0" smtClean="0"/>
+              <a:t>Internetquellen nicht </a:t>
+            </a:r>
+            <a:r>
+              <a:rPr lang="de-DE" dirty="0" smtClean="0"/>
+              <a:t>eindeutig</a:t>
+            </a:r>
+            <a:br>
+              <a:rPr lang="de-DE" dirty="0" smtClean="0"/>
+            </a:br>
+            <a:r>
+              <a:rPr lang="de-DE" dirty="0" smtClean="0"/>
+              <a:t>(Unterscheidung JavaScript &amp; </a:t>
+            </a:r>
+            <a:r>
+              <a:rPr lang="de-DE" dirty="0" err="1" smtClean="0"/>
+              <a:t>jQuery</a:t>
+            </a:r>
+            <a:r>
+              <a:rPr lang="de-DE" dirty="0" smtClean="0"/>
+              <a:t>)</a:t>
+            </a:r>
+            <a:endParaRPr lang="de-DE" dirty="0" smtClean="0"/>
           </a:p>
         </p:txBody>
       </p:sp>
@@ -14070,7 +13613,7 @@
     </p:spTree>
     <p:extLst>
       <p:ext uri="{BB962C8B-B14F-4D97-AF65-F5344CB8AC3E}">
-        <p14:creationId xmlns:p14="http://schemas.microsoft.com/office/powerpoint/2010/main" val="1031461879"/>
+        <p14:creationId xmlns:p14="http://schemas.microsoft.com/office/powerpoint/2010/main" xmlns="" val="1320074621"/>
       </p:ext>
     </p:extLst>
   </p:cSld>
@@ -14129,7 +13672,109 @@
           <a:p>
             <a:r>
               <a:rPr lang="de-DE" dirty="0" smtClean="0"/>
-              <a:t>6. Ergebnis</a:t>
+              <a:t>Inhalt</a:t>
+            </a:r>
+            <a:endParaRPr lang="de-DE" dirty="0"/>
+          </a:p>
+        </p:txBody>
+      </p:sp>
+      <p:sp>
+        <p:nvSpPr>
+          <p:cNvPr id="3" name="Textplatzhalter 2"/>
+          <p:cNvSpPr>
+            <a:spLocks noGrp="1"/>
+          </p:cNvSpPr>
+          <p:nvPr>
+            <p:ph type="body" sz="quarter" idx="10"/>
+          </p:nvPr>
+        </p:nvSpPr>
+        <p:spPr>
+          <a:xfrm>
+            <a:off x="381000" y="1847430"/>
+            <a:ext cx="8382000" cy="4302716"/>
+          </a:xfrm>
+        </p:spPr>
+        <p:txBody>
+          <a:bodyPr/>
+          <a:lstStyle/>
+          <a:p>
+            <a:pPr marL="514350" indent="-514350">
+              <a:buFont typeface="+mj-lt"/>
+              <a:buAutoNum type="arabicPeriod"/>
+            </a:pPr>
+            <a:r>
+              <a:rPr lang="de-DE" dirty="0"/>
+              <a:t>Das Team</a:t>
+            </a:r>
+          </a:p>
+          <a:p>
+            <a:pPr marL="514350" indent="-514350">
+              <a:buFont typeface="+mj-lt"/>
+              <a:buAutoNum type="arabicPeriod"/>
+            </a:pPr>
+            <a:r>
+              <a:rPr lang="de-DE" dirty="0"/>
+              <a:t>Unser Thema</a:t>
+            </a:r>
+          </a:p>
+          <a:p>
+            <a:pPr marL="514350" indent="-514350">
+              <a:buFont typeface="+mj-lt"/>
+              <a:buAutoNum type="arabicPeriod"/>
+            </a:pPr>
+            <a:r>
+              <a:rPr lang="de-DE" dirty="0"/>
+              <a:t>Anforderungen</a:t>
+            </a:r>
+          </a:p>
+          <a:p>
+            <a:pPr marL="514350" indent="-514350">
+              <a:buFont typeface="+mj-lt"/>
+              <a:buAutoNum type="arabicPeriod"/>
+            </a:pPr>
+            <a:r>
+              <a:rPr lang="de-DE" dirty="0"/>
+              <a:t>Vorgehen</a:t>
+            </a:r>
+          </a:p>
+          <a:p>
+            <a:pPr marL="514350" indent="-514350">
+              <a:buFont typeface="+mj-lt"/>
+              <a:buAutoNum type="arabicPeriod"/>
+            </a:pPr>
+            <a:r>
+              <a:rPr lang="de-DE" dirty="0"/>
+              <a:t>Herausforderungen</a:t>
+            </a:r>
+          </a:p>
+          <a:p>
+            <a:pPr marL="514350" indent="-514350">
+              <a:buFont typeface="+mj-lt"/>
+              <a:buAutoNum type="arabicPeriod"/>
+            </a:pPr>
+            <a:r>
+              <a:rPr lang="de-DE" sz="3600" b="1" dirty="0"/>
+              <a:t>Ergebnis</a:t>
+            </a:r>
+          </a:p>
+          <a:p>
+            <a:pPr marL="514350" indent="-514350">
+              <a:buFont typeface="+mj-lt"/>
+              <a:buAutoNum type="arabicPeriod"/>
+            </a:pPr>
+            <a:r>
+              <a:rPr lang="de-DE" dirty="0"/>
+              <a:t>Reflektion</a:t>
+            </a:r>
+          </a:p>
+          <a:p>
+            <a:pPr marL="514350" indent="-514350">
+              <a:buFont typeface="+mj-lt"/>
+              <a:buAutoNum type="arabicPeriod"/>
+            </a:pPr>
+            <a:r>
+              <a:rPr lang="de-DE" dirty="0" smtClean="0"/>
+              <a:t>Rückmeldung</a:t>
             </a:r>
             <a:endParaRPr lang="de-DE" dirty="0"/>
           </a:p>
@@ -14200,6 +13845,144 @@
               <a:rPr lang="de-DE" smtClean="0"/>
               <a:pPr/>
               <a:t>26</a:t>
+            </a:fld>
+            <a:endParaRPr lang="de-DE"/>
+          </a:p>
+        </p:txBody>
+      </p:sp>
+    </p:spTree>
+    <p:extLst>
+      <p:ext uri="{BB962C8B-B14F-4D97-AF65-F5344CB8AC3E}">
+        <p14:creationId xmlns:p14="http://schemas.microsoft.com/office/powerpoint/2010/main" xmlns="" val="1031461879"/>
+      </p:ext>
+    </p:extLst>
+  </p:cSld>
+  <p:clrMapOvr>
+    <a:masterClrMapping/>
+  </p:clrMapOvr>
+  <p:transition>
+    <p:fade/>
+  </p:transition>
+  <p:timing>
+    <p:tnLst>
+      <p:par>
+        <p:cTn id="1" dur="indefinite" restart="never" nodeType="tmRoot"/>
+      </p:par>
+    </p:tnLst>
+  </p:timing>
+</p:sld>
+</file>
+
+<file path=ppt/slides/slide27.xml><?xml version="1.0" encoding="utf-8"?>
+<p:sld xmlns:a="http://schemas.openxmlformats.org/drawingml/2006/main" xmlns:r="http://schemas.openxmlformats.org/officeDocument/2006/relationships" xmlns:p="http://schemas.openxmlformats.org/presentationml/2006/main">
+  <p:cSld>
+    <p:spTree>
+      <p:nvGrpSpPr>
+        <p:cNvPr id="1" name=""/>
+        <p:cNvGrpSpPr/>
+        <p:nvPr/>
+      </p:nvGrpSpPr>
+      <p:grpSpPr>
+        <a:xfrm>
+          <a:off x="0" y="0"/>
+          <a:ext cx="0" cy="0"/>
+          <a:chOff x="0" y="0"/>
+          <a:chExt cx="0" cy="0"/>
+        </a:xfrm>
+      </p:grpSpPr>
+      <p:sp>
+        <p:nvSpPr>
+          <p:cNvPr id="2" name="Titel 1"/>
+          <p:cNvSpPr>
+            <a:spLocks noGrp="1"/>
+          </p:cNvSpPr>
+          <p:nvPr>
+            <p:ph type="title"/>
+          </p:nvPr>
+        </p:nvSpPr>
+        <p:spPr>
+          <a:xfrm>
+            <a:off x="381000" y="908720"/>
+            <a:ext cx="8382000" cy="664797"/>
+          </a:xfrm>
+        </p:spPr>
+        <p:txBody>
+          <a:bodyPr/>
+          <a:lstStyle/>
+          <a:p>
+            <a:r>
+              <a:rPr lang="de-DE" dirty="0" smtClean="0"/>
+              <a:t>6. Ergebnis</a:t>
+            </a:r>
+            <a:endParaRPr lang="de-DE" dirty="0"/>
+          </a:p>
+        </p:txBody>
+      </p:sp>
+      <p:sp>
+        <p:nvSpPr>
+          <p:cNvPr id="4" name="Datumsplatzhalter 3"/>
+          <p:cNvSpPr>
+            <a:spLocks noGrp="1"/>
+          </p:cNvSpPr>
+          <p:nvPr>
+            <p:ph type="dt" sz="half" idx="11"/>
+          </p:nvPr>
+        </p:nvSpPr>
+        <p:spPr/>
+        <p:txBody>
+          <a:bodyPr/>
+          <a:lstStyle/>
+          <a:p>
+            <a:r>
+              <a:rPr lang="de-DE" smtClean="0"/>
+              <a:t>30.01.2015</a:t>
+            </a:r>
+            <a:endParaRPr lang="de-DE"/>
+          </a:p>
+        </p:txBody>
+      </p:sp>
+      <p:sp>
+        <p:nvSpPr>
+          <p:cNvPr id="5" name="Fußzeilenplatzhalter 4"/>
+          <p:cNvSpPr>
+            <a:spLocks noGrp="1"/>
+          </p:cNvSpPr>
+          <p:nvPr>
+            <p:ph type="ftr" sz="quarter" idx="12"/>
+          </p:nvPr>
+        </p:nvSpPr>
+        <p:spPr/>
+        <p:txBody>
+          <a:bodyPr/>
+          <a:lstStyle/>
+          <a:p>
+            <a:r>
+              <a:rPr lang="de-DE" smtClean="0"/>
+              <a:t>Team Schwarz | IBT: Essential Blog</a:t>
+            </a:r>
+            <a:endParaRPr lang="de-DE"/>
+          </a:p>
+        </p:txBody>
+      </p:sp>
+      <p:sp>
+        <p:nvSpPr>
+          <p:cNvPr id="6" name="Foliennummernplatzhalter 5"/>
+          <p:cNvSpPr>
+            <a:spLocks noGrp="1"/>
+          </p:cNvSpPr>
+          <p:nvPr>
+            <p:ph type="sldNum" sz="quarter" idx="13"/>
+          </p:nvPr>
+        </p:nvSpPr>
+        <p:spPr/>
+        <p:txBody>
+          <a:bodyPr/>
+          <a:lstStyle/>
+          <a:p>
+            <a:fld id="{6C6BBD26-F43C-4AE7-B45C-5C0A14E952E7}" type="slidenum">
+              <a:rPr lang="de-DE" smtClean="0"/>
+              <a:pPr/>
+              <a:t>27</a:t>
             </a:fld>
             <a:endParaRPr lang="de-DE"/>
           </a:p>
@@ -14461,247 +14244,7 @@
     </p:spTree>
     <p:extLst>
       <p:ext uri="{BB962C8B-B14F-4D97-AF65-F5344CB8AC3E}">
-        <p14:creationId xmlns:p14="http://schemas.microsoft.com/office/powerpoint/2010/main" val="1798433020"/>
-      </p:ext>
-    </p:extLst>
-  </p:cSld>
-  <p:clrMapOvr>
-    <a:masterClrMapping/>
-  </p:clrMapOvr>
-  <p:transition>
-    <p:fade/>
-  </p:transition>
-  <p:timing>
-    <p:tnLst>
-      <p:par>
-        <p:cTn id="1" dur="indefinite" restart="never" nodeType="tmRoot"/>
-      </p:par>
-    </p:tnLst>
-  </p:timing>
-</p:sld>
-</file>
-
-<file path=ppt/slides/slide27.xml><?xml version="1.0" encoding="utf-8"?>
-<p:sld xmlns:a="http://schemas.openxmlformats.org/drawingml/2006/main" xmlns:r="http://schemas.openxmlformats.org/officeDocument/2006/relationships" xmlns:p="http://schemas.openxmlformats.org/presentationml/2006/main">
-  <p:cSld>
-    <p:spTree>
-      <p:nvGrpSpPr>
-        <p:cNvPr id="1" name=""/>
-        <p:cNvGrpSpPr/>
-        <p:nvPr/>
-      </p:nvGrpSpPr>
-      <p:grpSpPr>
-        <a:xfrm>
-          <a:off x="0" y="0"/>
-          <a:ext cx="0" cy="0"/>
-          <a:chOff x="0" y="0"/>
-          <a:chExt cx="0" cy="0"/>
-        </a:xfrm>
-      </p:grpSpPr>
-      <p:sp>
-        <p:nvSpPr>
-          <p:cNvPr id="2" name="Titel 1"/>
-          <p:cNvSpPr>
-            <a:spLocks noGrp="1"/>
-          </p:cNvSpPr>
-          <p:nvPr>
-            <p:ph type="title"/>
-          </p:nvPr>
-        </p:nvSpPr>
-        <p:spPr>
-          <a:xfrm>
-            <a:off x="381000" y="908720"/>
-            <a:ext cx="8382000" cy="664797"/>
-          </a:xfrm>
-        </p:spPr>
-        <p:txBody>
-          <a:bodyPr/>
-          <a:lstStyle/>
-          <a:p>
-            <a:r>
-              <a:rPr lang="de-DE" dirty="0" smtClean="0"/>
-              <a:t>Inhalt</a:t>
-            </a:r>
-            <a:endParaRPr lang="de-DE" dirty="0"/>
-          </a:p>
-        </p:txBody>
-      </p:sp>
-      <p:sp>
-        <p:nvSpPr>
-          <p:cNvPr id="3" name="Textplatzhalter 2"/>
-          <p:cNvSpPr>
-            <a:spLocks noGrp="1"/>
-          </p:cNvSpPr>
-          <p:nvPr>
-            <p:ph type="body" sz="quarter" idx="10"/>
-          </p:nvPr>
-        </p:nvSpPr>
-        <p:spPr>
-          <a:xfrm>
-            <a:off x="381000" y="1847430"/>
-            <a:ext cx="8382000" cy="4302716"/>
-          </a:xfrm>
-        </p:spPr>
-        <p:txBody>
-          <a:bodyPr/>
-          <a:lstStyle/>
-          <a:p>
-            <a:pPr marL="514350" indent="-514350">
-              <a:buFont typeface="+mj-lt"/>
-              <a:buAutoNum type="arabicPeriod"/>
-            </a:pPr>
-            <a:r>
-              <a:rPr lang="de-DE" dirty="0"/>
-              <a:t>Das Team</a:t>
-            </a:r>
-          </a:p>
-          <a:p>
-            <a:pPr marL="514350" indent="-514350">
-              <a:buFont typeface="+mj-lt"/>
-              <a:buAutoNum type="arabicPeriod"/>
-            </a:pPr>
-            <a:r>
-              <a:rPr lang="de-DE" dirty="0"/>
-              <a:t>Unser Thema</a:t>
-            </a:r>
-          </a:p>
-          <a:p>
-            <a:pPr marL="514350" indent="-514350">
-              <a:buFont typeface="+mj-lt"/>
-              <a:buAutoNum type="arabicPeriod"/>
-            </a:pPr>
-            <a:r>
-              <a:rPr lang="de-DE" dirty="0"/>
-              <a:t>Anforderungen</a:t>
-            </a:r>
-          </a:p>
-          <a:p>
-            <a:pPr marL="514350" indent="-514350">
-              <a:buFont typeface="+mj-lt"/>
-              <a:buAutoNum type="arabicPeriod"/>
-            </a:pPr>
-            <a:r>
-              <a:rPr lang="de-DE" dirty="0"/>
-              <a:t>Vorgehen</a:t>
-            </a:r>
-          </a:p>
-          <a:p>
-            <a:pPr marL="514350" indent="-514350">
-              <a:buFont typeface="+mj-lt"/>
-              <a:buAutoNum type="arabicPeriod"/>
-            </a:pPr>
-            <a:r>
-              <a:rPr lang="de-DE" dirty="0"/>
-              <a:t>Herausforderungen</a:t>
-            </a:r>
-          </a:p>
-          <a:p>
-            <a:pPr marL="514350" indent="-514350">
-              <a:buFont typeface="+mj-lt"/>
-              <a:buAutoNum type="arabicPeriod"/>
-            </a:pPr>
-            <a:r>
-              <a:rPr lang="de-DE" dirty="0"/>
-              <a:t>Ergebnis</a:t>
-            </a:r>
-          </a:p>
-          <a:p>
-            <a:pPr marL="514350" indent="-514350">
-              <a:buFont typeface="+mj-lt"/>
-              <a:buAutoNum type="arabicPeriod"/>
-            </a:pPr>
-            <a:r>
-              <a:rPr lang="de-DE" sz="3600" b="1" dirty="0"/>
-              <a:t>Reflektion</a:t>
-            </a:r>
-          </a:p>
-          <a:p>
-            <a:pPr marL="514350" indent="-514350">
-              <a:buFont typeface="+mj-lt"/>
-              <a:buAutoNum type="arabicPeriod"/>
-            </a:pPr>
-            <a:r>
-              <a:rPr lang="de-DE" dirty="0" smtClean="0"/>
-              <a:t>Rückmeldung</a:t>
-            </a:r>
-            <a:endParaRPr lang="de-DE" dirty="0"/>
-          </a:p>
-        </p:txBody>
-      </p:sp>
-      <p:sp>
-        <p:nvSpPr>
-          <p:cNvPr id="4" name="Datumsplatzhalter 3"/>
-          <p:cNvSpPr>
-            <a:spLocks noGrp="1"/>
-          </p:cNvSpPr>
-          <p:nvPr>
-            <p:ph type="dt" sz="half" idx="11"/>
-          </p:nvPr>
-        </p:nvSpPr>
-        <p:spPr/>
-        <p:txBody>
-          <a:bodyPr/>
-          <a:lstStyle/>
-          <a:p>
-            <a:r>
-              <a:rPr lang="de-DE" smtClean="0"/>
-              <a:t>30.01.2015</a:t>
-            </a:r>
-            <a:endParaRPr lang="de-DE"/>
-          </a:p>
-        </p:txBody>
-      </p:sp>
-      <p:sp>
-        <p:nvSpPr>
-          <p:cNvPr id="5" name="Fußzeilenplatzhalter 4"/>
-          <p:cNvSpPr>
-            <a:spLocks noGrp="1"/>
-          </p:cNvSpPr>
-          <p:nvPr>
-            <p:ph type="ftr" sz="quarter" idx="12"/>
-          </p:nvPr>
-        </p:nvSpPr>
-        <p:spPr/>
-        <p:txBody>
-          <a:bodyPr/>
-          <a:lstStyle/>
-          <a:p>
-            <a:r>
-              <a:rPr lang="de-DE" smtClean="0"/>
-              <a:t>Team Schwarz | IBT: Essential Blog</a:t>
-            </a:r>
-            <a:endParaRPr lang="de-DE"/>
-          </a:p>
-        </p:txBody>
-      </p:sp>
-      <p:sp>
-        <p:nvSpPr>
-          <p:cNvPr id="6" name="Foliennummernplatzhalter 5"/>
-          <p:cNvSpPr>
-            <a:spLocks noGrp="1"/>
-          </p:cNvSpPr>
-          <p:nvPr>
-            <p:ph type="sldNum" sz="quarter" idx="13"/>
-          </p:nvPr>
-        </p:nvSpPr>
-        <p:spPr/>
-        <p:txBody>
-          <a:bodyPr/>
-          <a:lstStyle/>
-          <a:p>
-            <a:fld id="{6C6BBD26-F43C-4AE7-B45C-5C0A14E952E7}" type="slidenum">
-              <a:rPr lang="de-DE" smtClean="0"/>
-              <a:pPr/>
-              <a:t>27</a:t>
-            </a:fld>
-            <a:endParaRPr lang="de-DE"/>
-          </a:p>
-        </p:txBody>
-      </p:sp>
-    </p:spTree>
-    <p:extLst>
-      <p:ext uri="{BB962C8B-B14F-4D97-AF65-F5344CB8AC3E}">
-        <p14:creationId xmlns:p14="http://schemas.microsoft.com/office/powerpoint/2010/main" val="5548756"/>
+        <p14:creationId xmlns:p14="http://schemas.microsoft.com/office/powerpoint/2010/main" xmlns="" val="1798433020"/>
       </p:ext>
     </p:extLst>
   </p:cSld>
@@ -14750,8 +14293,8 @@
         </p:nvSpPr>
         <p:spPr>
           <a:xfrm>
-            <a:off x="381000" y="845279"/>
-            <a:ext cx="8382000" cy="1329595"/>
+            <a:off x="381000" y="908720"/>
+            <a:ext cx="8382000" cy="664797"/>
           </a:xfrm>
         </p:spPr>
         <p:txBody>
@@ -14760,7 +14303,7 @@
           <a:p>
             <a:r>
               <a:rPr lang="de-DE" dirty="0" smtClean="0"/>
-              <a:t>7. Reflektion</a:t>
+              <a:t>Inhalt</a:t>
             </a:r>
             <a:endParaRPr lang="de-DE" dirty="0"/>
           </a:p>
@@ -14773,201 +14316,144 @@
             <a:spLocks noGrp="1"/>
           </p:cNvSpPr>
           <p:nvPr>
-            <p:ph type="body" idx="1"/>
+            <p:ph type="body" sz="quarter" idx="10"/>
           </p:nvPr>
         </p:nvSpPr>
         <p:spPr>
           <a:xfrm>
-            <a:off x="381000" y="1605453"/>
-            <a:ext cx="4114800" cy="498598"/>
+            <a:off x="381000" y="1847430"/>
+            <a:ext cx="8382000" cy="4302716"/>
           </a:xfrm>
         </p:spPr>
         <p:txBody>
           <a:bodyPr/>
           <a:lstStyle/>
           <a:p>
-            <a:pPr algn="ctr"/>
-            <a:r>
-              <a:rPr lang="de-DE" sz="3600" dirty="0" smtClean="0">
-                <a:sym typeface="Wingdings" panose="05000000000000000000" pitchFamily="2" charset="2"/>
-              </a:rPr>
-              <a:t></a:t>
-            </a:r>
-            <a:endParaRPr lang="de-DE" sz="3600" dirty="0"/>
-          </a:p>
-        </p:txBody>
-      </p:sp>
-      <p:sp>
-        <p:nvSpPr>
-          <p:cNvPr id="7" name="Inhaltsplatzhalter 6"/>
-          <p:cNvSpPr>
-            <a:spLocks noGrp="1"/>
-          </p:cNvSpPr>
-          <p:nvPr>
-            <p:ph sz="half" idx="2"/>
-          </p:nvPr>
-        </p:nvSpPr>
-        <p:spPr>
-          <a:xfrm>
-            <a:off x="380999" y="2174874"/>
-            <a:ext cx="4114800" cy="3447098"/>
-          </a:xfrm>
-        </p:spPr>
+            <a:pPr marL="514350" indent="-514350">
+              <a:buFont typeface="+mj-lt"/>
+              <a:buAutoNum type="arabicPeriod"/>
+            </a:pPr>
+            <a:r>
+              <a:rPr lang="de-DE" dirty="0"/>
+              <a:t>Das Team</a:t>
+            </a:r>
+          </a:p>
+          <a:p>
+            <a:pPr marL="514350" indent="-514350">
+              <a:buFont typeface="+mj-lt"/>
+              <a:buAutoNum type="arabicPeriod"/>
+            </a:pPr>
+            <a:r>
+              <a:rPr lang="de-DE" dirty="0"/>
+              <a:t>Unser Thema</a:t>
+            </a:r>
+          </a:p>
+          <a:p>
+            <a:pPr marL="514350" indent="-514350">
+              <a:buFont typeface="+mj-lt"/>
+              <a:buAutoNum type="arabicPeriod"/>
+            </a:pPr>
+            <a:r>
+              <a:rPr lang="de-DE" dirty="0"/>
+              <a:t>Anforderungen</a:t>
+            </a:r>
+          </a:p>
+          <a:p>
+            <a:pPr marL="514350" indent="-514350">
+              <a:buFont typeface="+mj-lt"/>
+              <a:buAutoNum type="arabicPeriod"/>
+            </a:pPr>
+            <a:r>
+              <a:rPr lang="de-DE" dirty="0"/>
+              <a:t>Vorgehen</a:t>
+            </a:r>
+          </a:p>
+          <a:p>
+            <a:pPr marL="514350" indent="-514350">
+              <a:buFont typeface="+mj-lt"/>
+              <a:buAutoNum type="arabicPeriod"/>
+            </a:pPr>
+            <a:r>
+              <a:rPr lang="de-DE" dirty="0"/>
+              <a:t>Herausforderungen</a:t>
+            </a:r>
+          </a:p>
+          <a:p>
+            <a:pPr marL="514350" indent="-514350">
+              <a:buFont typeface="+mj-lt"/>
+              <a:buAutoNum type="arabicPeriod"/>
+            </a:pPr>
+            <a:r>
+              <a:rPr lang="de-DE" dirty="0"/>
+              <a:t>Ergebnis</a:t>
+            </a:r>
+          </a:p>
+          <a:p>
+            <a:pPr marL="514350" indent="-514350">
+              <a:buFont typeface="+mj-lt"/>
+              <a:buAutoNum type="arabicPeriod"/>
+            </a:pPr>
+            <a:r>
+              <a:rPr lang="de-DE" sz="3600" b="1" dirty="0"/>
+              <a:t>Reflektion</a:t>
+            </a:r>
+          </a:p>
+          <a:p>
+            <a:pPr marL="514350" indent="-514350">
+              <a:buFont typeface="+mj-lt"/>
+              <a:buAutoNum type="arabicPeriod"/>
+            </a:pPr>
+            <a:r>
+              <a:rPr lang="de-DE" dirty="0" smtClean="0"/>
+              <a:t>Rückmeldung</a:t>
+            </a:r>
+            <a:endParaRPr lang="de-DE" dirty="0"/>
+          </a:p>
+        </p:txBody>
+      </p:sp>
+      <p:sp>
+        <p:nvSpPr>
+          <p:cNvPr id="4" name="Datumsplatzhalter 3"/>
+          <p:cNvSpPr>
+            <a:spLocks noGrp="1"/>
+          </p:cNvSpPr>
+          <p:nvPr>
+            <p:ph type="dt" sz="half" idx="11"/>
+          </p:nvPr>
+        </p:nvSpPr>
+        <p:spPr/>
         <p:txBody>
           <a:bodyPr/>
           <a:lstStyle/>
           <a:p>
             <a:r>
-              <a:rPr lang="de-DE" dirty="0" smtClean="0"/>
-              <a:t>Aufgabenverteilung von Anfang an</a:t>
-            </a:r>
-          </a:p>
-          <a:p>
-            <a:r>
-              <a:rPr lang="de-DE" dirty="0" smtClean="0"/>
-              <a:t>Alle wurden Spezialisten</a:t>
-            </a:r>
-          </a:p>
-          <a:p>
-            <a:pPr lvl="1"/>
-            <a:r>
-              <a:rPr lang="de-DE" dirty="0" smtClean="0"/>
-              <a:t>Querschnitt am Ende brachte die Weite</a:t>
-            </a:r>
-          </a:p>
-          <a:p>
-            <a:r>
-              <a:rPr lang="de-DE" dirty="0" smtClean="0"/>
-              <a:t>Allgemeine Entscheidungen zusammen getroffen</a:t>
-            </a:r>
-          </a:p>
-          <a:p>
-            <a:r>
-              <a:rPr lang="de-DE" dirty="0" smtClean="0"/>
-              <a:t>Termine gesetzt und eingehalten</a:t>
-            </a:r>
-          </a:p>
-          <a:p>
-            <a:r>
-              <a:rPr lang="de-DE" dirty="0" smtClean="0"/>
-              <a:t>Am Anfang: „Zettel &amp; Stift“</a:t>
-            </a:r>
-            <a:endParaRPr lang="de-DE" dirty="0"/>
-          </a:p>
-        </p:txBody>
-      </p:sp>
-      <p:sp>
-        <p:nvSpPr>
-          <p:cNvPr id="8" name="Textplatzhalter 7"/>
-          <p:cNvSpPr>
-            <a:spLocks noGrp="1"/>
-          </p:cNvSpPr>
-          <p:nvPr>
-            <p:ph type="body" sz="quarter" idx="3"/>
-          </p:nvPr>
-        </p:nvSpPr>
-        <p:spPr>
-          <a:xfrm>
-            <a:off x="4645981" y="1605453"/>
-            <a:ext cx="4117019" cy="498598"/>
-          </a:xfrm>
-        </p:spPr>
+              <a:rPr lang="de-DE" smtClean="0"/>
+              <a:t>30.01.2015</a:t>
+            </a:r>
+            <a:endParaRPr lang="de-DE"/>
+          </a:p>
+        </p:txBody>
+      </p:sp>
+      <p:sp>
+        <p:nvSpPr>
+          <p:cNvPr id="5" name="Fußzeilenplatzhalter 4"/>
+          <p:cNvSpPr>
+            <a:spLocks noGrp="1"/>
+          </p:cNvSpPr>
+          <p:nvPr>
+            <p:ph type="ftr" sz="quarter" idx="12"/>
+          </p:nvPr>
+        </p:nvSpPr>
+        <p:spPr/>
         <p:txBody>
           <a:bodyPr/>
           <a:lstStyle/>
           <a:p>
-            <a:pPr algn="ctr"/>
-            <a:r>
-              <a:rPr lang="de-DE" sz="3600" dirty="0" smtClean="0">
-                <a:sym typeface="Wingdings" panose="05000000000000000000" pitchFamily="2" charset="2"/>
-              </a:rPr>
-              <a:t></a:t>
-            </a:r>
-            <a:endParaRPr lang="de-DE" sz="3600" dirty="0"/>
-          </a:p>
-        </p:txBody>
-      </p:sp>
-      <p:sp>
-        <p:nvSpPr>
-          <p:cNvPr id="9" name="Inhaltsplatzhalter 8"/>
-          <p:cNvSpPr>
-            <a:spLocks noGrp="1"/>
-          </p:cNvSpPr>
-          <p:nvPr>
-            <p:ph sz="quarter" idx="4"/>
-          </p:nvPr>
-        </p:nvSpPr>
-        <p:spPr>
-          <a:xfrm>
-            <a:off x="4645026" y="2174874"/>
-            <a:ext cx="4117974" cy="637097"/>
-          </a:xfrm>
-        </p:spPr>
-        <p:txBody>
-          <a:bodyPr/>
-          <a:lstStyle/>
-          <a:p>
-            <a:r>
-              <a:rPr lang="de-DE" dirty="0" smtClean="0"/>
-              <a:t>Aufgabenzuweisung zu technisch</a:t>
-            </a:r>
-            <a:endParaRPr lang="de-DE" dirty="0"/>
-          </a:p>
-        </p:txBody>
-      </p:sp>
-      <p:sp>
-        <p:nvSpPr>
-          <p:cNvPr id="4" name="Datumsplatzhalter 3"/>
-          <p:cNvSpPr>
-            <a:spLocks noGrp="1"/>
-          </p:cNvSpPr>
-          <p:nvPr>
-            <p:ph type="dt" sz="half" idx="4294967295"/>
-          </p:nvPr>
-        </p:nvSpPr>
-        <p:spPr>
-          <a:xfrm>
-            <a:off x="642392" y="6356349"/>
-            <a:ext cx="2057400" cy="365125"/>
-          </a:xfrm>
-        </p:spPr>
-        <p:txBody>
-          <a:bodyPr/>
-          <a:lstStyle/>
-          <a:p>
-            <a:r>
-              <a:rPr lang="de-DE" dirty="0" smtClean="0"/>
-              <a:t>30.01.2015</a:t>
-            </a:r>
-            <a:endParaRPr lang="de-DE" dirty="0"/>
-          </a:p>
-        </p:txBody>
-      </p:sp>
-      <p:sp>
-        <p:nvSpPr>
-          <p:cNvPr id="5" name="Fußzeilenplatzhalter 4"/>
-          <p:cNvSpPr>
-            <a:spLocks noGrp="1"/>
-          </p:cNvSpPr>
-          <p:nvPr>
-            <p:ph type="ftr" sz="quarter" idx="4294967295"/>
-          </p:nvPr>
-        </p:nvSpPr>
-        <p:spPr>
-          <a:xfrm>
-            <a:off x="3028950" y="6356350"/>
-            <a:ext cx="3086100" cy="365125"/>
-          </a:xfrm>
-        </p:spPr>
-        <p:txBody>
-          <a:bodyPr/>
-          <a:lstStyle/>
-          <a:p>
-            <a:r>
-              <a:rPr lang="de-DE" dirty="0" smtClean="0"/>
+            <a:r>
+              <a:rPr lang="de-DE" smtClean="0"/>
               <a:t>Team Schwarz | IBT: Essential Blog</a:t>
             </a:r>
-            <a:endParaRPr lang="de-DE" dirty="0"/>
+            <a:endParaRPr lang="de-DE"/>
           </a:p>
         </p:txBody>
       </p:sp>
@@ -14978,15 +14464,10 @@
             <a:spLocks noGrp="1"/>
           </p:cNvSpPr>
           <p:nvPr>
-            <p:ph type="sldNum" sz="quarter" idx="4294967295"/>
-          </p:nvPr>
-        </p:nvSpPr>
-        <p:spPr>
-          <a:xfrm>
-            <a:off x="6444208" y="6356349"/>
-            <a:ext cx="2057400" cy="365125"/>
-          </a:xfrm>
-        </p:spPr>
+            <p:ph type="sldNum" sz="quarter" idx="13"/>
+          </p:nvPr>
+        </p:nvSpPr>
+        <p:spPr/>
         <p:txBody>
           <a:bodyPr/>
           <a:lstStyle/>
@@ -14996,14 +14477,14 @@
               <a:pPr/>
               <a:t>28</a:t>
             </a:fld>
-            <a:endParaRPr lang="de-DE" dirty="0"/>
+            <a:endParaRPr lang="de-DE"/>
           </a:p>
         </p:txBody>
       </p:sp>
     </p:spTree>
     <p:extLst>
       <p:ext uri="{BB962C8B-B14F-4D97-AF65-F5344CB8AC3E}">
-        <p14:creationId xmlns:p14="http://schemas.microsoft.com/office/powerpoint/2010/main" val="973054360"/>
+        <p14:creationId xmlns:p14="http://schemas.microsoft.com/office/powerpoint/2010/main" xmlns="" val="5548756"/>
       </p:ext>
     </p:extLst>
   </p:cSld>
@@ -15040,68 +14521,290 @@
           <a:chExt cx="0" cy="0"/>
         </a:xfrm>
       </p:grpSpPr>
-      <p:pic>
-        <p:nvPicPr>
-          <p:cNvPr id="7" name="Inhaltsplatzhalter 6"/>
-          <p:cNvPicPr>
-            <a:picLocks noGrp="1" noChangeAspect="1"/>
-          </p:cNvPicPr>
-          <p:nvPr>
-            <p:ph sz="half" idx="2"/>
-          </p:nvPr>
-        </p:nvPicPr>
-        <p:blipFill>
-          <a:blip r:embed="rId2" cstate="print">
-            <a:extLst>
-              <a:ext uri="{28A0092B-C50C-407E-A947-70E740481C1C}">
-                <a14:useLocalDpi xmlns:a14="http://schemas.microsoft.com/office/drawing/2010/main" val="0"/>
-              </a:ext>
-            </a:extLst>
-          </a:blip>
-          <a:stretch>
-            <a:fillRect/>
-          </a:stretch>
-        </p:blipFill>
+      <p:sp>
+        <p:nvSpPr>
+          <p:cNvPr id="2" name="Titel 1"/>
+          <p:cNvSpPr>
+            <a:spLocks noGrp="1"/>
+          </p:cNvSpPr>
+          <p:nvPr>
+            <p:ph type="title"/>
+          </p:nvPr>
+        </p:nvSpPr>
         <p:spPr>
-          <a:xfrm rot="5400000">
-            <a:off x="-616835" y="1515005"/>
-            <a:ext cx="5794712" cy="4346034"/>
+          <a:xfrm>
+            <a:off x="381000" y="845279"/>
+            <a:ext cx="8382000" cy="1329595"/>
           </a:xfrm>
         </p:spPr>
-      </p:pic>
-      <p:pic>
-        <p:nvPicPr>
-          <p:cNvPr id="8" name="Inhaltsplatzhalter 7"/>
-          <p:cNvPicPr>
-            <a:picLocks noGrp="1" noChangeAspect="1"/>
-          </p:cNvPicPr>
-          <p:nvPr>
-            <p:ph sz="quarter" idx="4"/>
-          </p:nvPr>
-        </p:nvPicPr>
-        <p:blipFill>
-          <a:blip r:embed="rId3" cstate="print">
-            <a:extLst>
-              <a:ext uri="{28A0092B-C50C-407E-A947-70E740481C1C}">
-                <a14:useLocalDpi xmlns:a14="http://schemas.microsoft.com/office/drawing/2010/main" val="0"/>
-              </a:ext>
-            </a:extLst>
-          </a:blip>
-          <a:stretch>
-            <a:fillRect/>
-          </a:stretch>
-        </p:blipFill>
+        <p:txBody>
+          <a:bodyPr/>
+          <a:lstStyle/>
+          <a:p>
+            <a:r>
+              <a:rPr lang="de-DE" dirty="0" smtClean="0"/>
+              <a:t>7. Reflektion</a:t>
+            </a:r>
+            <a:endParaRPr lang="de-DE" dirty="0"/>
+          </a:p>
+        </p:txBody>
+      </p:sp>
+      <p:sp>
+        <p:nvSpPr>
+          <p:cNvPr id="3" name="Textplatzhalter 2"/>
+          <p:cNvSpPr>
+            <a:spLocks noGrp="1"/>
+          </p:cNvSpPr>
+          <p:nvPr>
+            <p:ph type="body" idx="1"/>
+          </p:nvPr>
+        </p:nvSpPr>
         <p:spPr>
-          <a:xfrm rot="5400000">
-            <a:off x="4020850" y="1565683"/>
-            <a:ext cx="5736930" cy="4302698"/>
+          <a:xfrm>
+            <a:off x="381000" y="1605453"/>
+            <a:ext cx="4114800" cy="498598"/>
           </a:xfrm>
         </p:spPr>
-      </p:pic>
+        <p:txBody>
+          <a:bodyPr/>
+          <a:lstStyle/>
+          <a:p>
+            <a:pPr algn="ctr"/>
+            <a:r>
+              <a:rPr lang="de-DE" sz="3600" dirty="0" smtClean="0">
+                <a:sym typeface="Wingdings" panose="05000000000000000000" pitchFamily="2" charset="2"/>
+              </a:rPr>
+              <a:t></a:t>
+            </a:r>
+            <a:endParaRPr lang="de-DE" sz="3600" dirty="0"/>
+          </a:p>
+        </p:txBody>
+      </p:sp>
+      <p:sp>
+        <p:nvSpPr>
+          <p:cNvPr id="7" name="Inhaltsplatzhalter 6"/>
+          <p:cNvSpPr>
+            <a:spLocks noGrp="1"/>
+          </p:cNvSpPr>
+          <p:nvPr>
+            <p:ph sz="half" idx="2"/>
+          </p:nvPr>
+        </p:nvSpPr>
+        <p:spPr>
+          <a:xfrm>
+            <a:off x="380999" y="2174874"/>
+            <a:ext cx="4114800" cy="3447098"/>
+          </a:xfrm>
+        </p:spPr>
+        <p:txBody>
+          <a:bodyPr/>
+          <a:lstStyle/>
+          <a:p>
+            <a:r>
+              <a:rPr lang="de-DE" dirty="0" smtClean="0"/>
+              <a:t>Aufgabenverteilung von Anfang </a:t>
+            </a:r>
+            <a:r>
+              <a:rPr lang="de-DE" dirty="0" smtClean="0"/>
+              <a:t>an</a:t>
+            </a:r>
+          </a:p>
+          <a:p>
+            <a:r>
+              <a:rPr lang="de-DE" dirty="0" smtClean="0"/>
+              <a:t>Allgemeine Entscheidungen zusammen </a:t>
+            </a:r>
+            <a:r>
+              <a:rPr lang="de-DE" dirty="0" smtClean="0"/>
+              <a:t>getroffen</a:t>
+            </a:r>
+            <a:endParaRPr lang="de-DE" dirty="0" smtClean="0"/>
+          </a:p>
+          <a:p>
+            <a:r>
+              <a:rPr lang="de-DE" dirty="0" smtClean="0"/>
+              <a:t>Termine gesetzt und </a:t>
+            </a:r>
+            <a:r>
+              <a:rPr lang="de-DE" dirty="0" smtClean="0"/>
+              <a:t>eingehalten</a:t>
+            </a:r>
+            <a:endParaRPr lang="de-DE" dirty="0" smtClean="0"/>
+          </a:p>
+          <a:p>
+            <a:r>
+              <a:rPr lang="de-DE" dirty="0" smtClean="0"/>
+              <a:t>Alle wurden Spezialisten</a:t>
+            </a:r>
+          </a:p>
+          <a:p>
+            <a:pPr lvl="1"/>
+            <a:r>
+              <a:rPr lang="de-DE" dirty="0" smtClean="0"/>
+              <a:t>Querschnitt am Ende brachte die Weite</a:t>
+            </a:r>
+          </a:p>
+          <a:p>
+            <a:r>
+              <a:rPr lang="de-DE" dirty="0" smtClean="0"/>
+              <a:t>Am </a:t>
+            </a:r>
+            <a:r>
+              <a:rPr lang="de-DE" dirty="0" smtClean="0"/>
+              <a:t>Anfang: „Zettel &amp; Stift“</a:t>
+            </a:r>
+            <a:endParaRPr lang="de-DE" dirty="0"/>
+          </a:p>
+        </p:txBody>
+      </p:sp>
+      <p:sp>
+        <p:nvSpPr>
+          <p:cNvPr id="8" name="Textplatzhalter 7"/>
+          <p:cNvSpPr>
+            <a:spLocks noGrp="1"/>
+          </p:cNvSpPr>
+          <p:nvPr>
+            <p:ph type="body" sz="quarter" idx="3"/>
+          </p:nvPr>
+        </p:nvSpPr>
+        <p:spPr>
+          <a:xfrm>
+            <a:off x="4645981" y="1605453"/>
+            <a:ext cx="4117019" cy="498598"/>
+          </a:xfrm>
+        </p:spPr>
+        <p:txBody>
+          <a:bodyPr/>
+          <a:lstStyle/>
+          <a:p>
+            <a:pPr algn="ctr"/>
+            <a:r>
+              <a:rPr lang="de-DE" sz="3600" dirty="0" smtClean="0">
+                <a:sym typeface="Wingdings" panose="05000000000000000000" pitchFamily="2" charset="2"/>
+              </a:rPr>
+              <a:t></a:t>
+            </a:r>
+            <a:endParaRPr lang="de-DE" sz="3600" dirty="0"/>
+          </a:p>
+        </p:txBody>
+      </p:sp>
+      <p:sp>
+        <p:nvSpPr>
+          <p:cNvPr id="9" name="Inhaltsplatzhalter 8"/>
+          <p:cNvSpPr>
+            <a:spLocks noGrp="1"/>
+          </p:cNvSpPr>
+          <p:nvPr>
+            <p:ph sz="quarter" idx="4"/>
+          </p:nvPr>
+        </p:nvSpPr>
+        <p:spPr>
+          <a:xfrm>
+            <a:off x="4645026" y="2174874"/>
+            <a:ext cx="4117974" cy="637097"/>
+          </a:xfrm>
+        </p:spPr>
+        <p:txBody>
+          <a:bodyPr/>
+          <a:lstStyle/>
+          <a:p>
+            <a:r>
+              <a:rPr lang="de-DE" dirty="0" smtClean="0"/>
+              <a:t>Aufgabenzuweisung zu technisch</a:t>
+            </a:r>
+            <a:endParaRPr lang="de-DE" dirty="0"/>
+          </a:p>
+        </p:txBody>
+      </p:sp>
+      <p:sp>
+        <p:nvSpPr>
+          <p:cNvPr id="4" name="Datumsplatzhalter 3"/>
+          <p:cNvSpPr>
+            <a:spLocks noGrp="1"/>
+          </p:cNvSpPr>
+          <p:nvPr>
+            <p:ph type="dt" sz="half" idx="4294967295"/>
+          </p:nvPr>
+        </p:nvSpPr>
+        <p:spPr>
+          <a:xfrm>
+            <a:off x="642392" y="6356349"/>
+            <a:ext cx="2057400" cy="365125"/>
+          </a:xfrm>
+        </p:spPr>
+        <p:txBody>
+          <a:bodyPr/>
+          <a:lstStyle/>
+          <a:p>
+            <a:r>
+              <a:rPr lang="de-DE" dirty="0" smtClean="0"/>
+              <a:t>30.01.2015</a:t>
+            </a:r>
+            <a:endParaRPr lang="de-DE" dirty="0"/>
+          </a:p>
+        </p:txBody>
+      </p:sp>
+      <p:sp>
+        <p:nvSpPr>
+          <p:cNvPr id="5" name="Fußzeilenplatzhalter 4"/>
+          <p:cNvSpPr>
+            <a:spLocks noGrp="1"/>
+          </p:cNvSpPr>
+          <p:nvPr>
+            <p:ph type="ftr" sz="quarter" idx="4294967295"/>
+          </p:nvPr>
+        </p:nvSpPr>
+        <p:spPr>
+          <a:xfrm>
+            <a:off x="3028950" y="6356350"/>
+            <a:ext cx="3086100" cy="365125"/>
+          </a:xfrm>
+        </p:spPr>
+        <p:txBody>
+          <a:bodyPr/>
+          <a:lstStyle/>
+          <a:p>
+            <a:r>
+              <a:rPr lang="de-DE" dirty="0" smtClean="0"/>
+              <a:t>Team Schwarz | IBT: Essential Blog</a:t>
+            </a:r>
+            <a:endParaRPr lang="de-DE" dirty="0"/>
+          </a:p>
+        </p:txBody>
+      </p:sp>
+      <p:sp>
+        <p:nvSpPr>
+          <p:cNvPr id="6" name="Foliennummernplatzhalter 5"/>
+          <p:cNvSpPr>
+            <a:spLocks noGrp="1"/>
+          </p:cNvSpPr>
+          <p:nvPr>
+            <p:ph type="sldNum" sz="quarter" idx="4294967295"/>
+          </p:nvPr>
+        </p:nvSpPr>
+        <p:spPr>
+          <a:xfrm>
+            <a:off x="6444208" y="6356349"/>
+            <a:ext cx="2057400" cy="365125"/>
+          </a:xfrm>
+        </p:spPr>
+        <p:txBody>
+          <a:bodyPr/>
+          <a:lstStyle/>
+          <a:p>
+            <a:fld id="{6C6BBD26-F43C-4AE7-B45C-5C0A14E952E7}" type="slidenum">
+              <a:rPr lang="de-DE" smtClean="0"/>
+              <a:pPr/>
+              <a:t>29</a:t>
+            </a:fld>
+            <a:endParaRPr lang="de-DE" dirty="0"/>
+          </a:p>
+        </p:txBody>
+      </p:sp>
     </p:spTree>
     <p:extLst>
       <p:ext uri="{BB962C8B-B14F-4D97-AF65-F5344CB8AC3E}">
-        <p14:creationId xmlns:p14="http://schemas.microsoft.com/office/powerpoint/2010/main" val="2065068097"/>
+        <p14:creationId xmlns:p14="http://schemas.microsoft.com/office/powerpoint/2010/main" xmlns="" val="973054360"/>
       </p:ext>
     </p:extLst>
   </p:cSld>
@@ -15341,7 +15044,7 @@
     </p:spTree>
     <p:extLst>
       <p:ext uri="{BB962C8B-B14F-4D97-AF65-F5344CB8AC3E}">
-        <p14:creationId xmlns:p14="http://schemas.microsoft.com/office/powerpoint/2010/main" val="1027063275"/>
+        <p14:creationId xmlns:p14="http://schemas.microsoft.com/office/powerpoint/2010/main" xmlns="" val="1027063275"/>
       </p:ext>
     </p:extLst>
   </p:cSld>
@@ -15581,7 +15284,7 @@
     </p:spTree>
     <p:extLst>
       <p:ext uri="{BB962C8B-B14F-4D97-AF65-F5344CB8AC3E}">
-        <p14:creationId xmlns:p14="http://schemas.microsoft.com/office/powerpoint/2010/main" val="1749249379"/>
+        <p14:creationId xmlns:p14="http://schemas.microsoft.com/office/powerpoint/2010/main" xmlns="" val="1749249379"/>
       </p:ext>
     </p:extLst>
   </p:cSld>
@@ -15687,7 +15390,7 @@
         <p:spPr>
           <a:xfrm>
             <a:off x="380999" y="2174874"/>
-            <a:ext cx="4114800" cy="3150093"/>
+            <a:ext cx="4114800" cy="2831544"/>
           </a:xfrm>
         </p:spPr>
         <p:txBody>
@@ -15702,25 +15405,54 @@
           <a:p>
             <a:r>
               <a:rPr lang="de-DE" dirty="0" smtClean="0"/>
-              <a:t>Online-Sessions (kurze Absprachen)</a:t>
-            </a:r>
-          </a:p>
-          <a:p>
+              <a:t>Praktischer Ansatz festigt sich </a:t>
+            </a:r>
             <a:r>
               <a:rPr lang="de-DE" dirty="0" smtClean="0"/>
-              <a:t>Praktischer Ansatz festigt sich deutlicher (Klausur zu theoretisch)</a:t>
-            </a:r>
-          </a:p>
-          <a:p>
+              <a:t>besser (Klausur </a:t>
+            </a:r>
             <a:r>
               <a:rPr lang="de-DE" dirty="0" smtClean="0"/>
-              <a:t>Näher am betrieblichen Alltag</a:t>
-            </a:r>
-          </a:p>
-          <a:p>
+              <a:t>zu theoretisch</a:t>
+            </a:r>
             <a:r>
               <a:rPr lang="de-DE" dirty="0" smtClean="0"/>
-              <a:t>Gruppenbildung nicht nach Qualifikation</a:t>
+              <a:t>)</a:t>
+            </a:r>
+          </a:p>
+          <a:p>
+            <a:r>
+              <a:rPr lang="de-DE" dirty="0" smtClean="0"/>
+              <a:t>Näher am betrieblichen </a:t>
+            </a:r>
+            <a:r>
+              <a:rPr lang="de-DE" dirty="0" smtClean="0"/>
+              <a:t>Alltag</a:t>
+            </a:r>
+            <a:endParaRPr lang="de-DE" dirty="0" smtClean="0"/>
+          </a:p>
+          <a:p>
+            <a:r>
+              <a:rPr lang="de-DE" dirty="0" smtClean="0"/>
+              <a:t>Online-Sessions </a:t>
+            </a:r>
+            <a:r>
+              <a:rPr lang="de-DE" dirty="0" smtClean="0"/>
+              <a:t>(Kurze </a:t>
+            </a:r>
+            <a:r>
+              <a:rPr lang="de-DE" dirty="0" smtClean="0"/>
+              <a:t>Absprachen)</a:t>
+            </a:r>
+          </a:p>
+          <a:p>
+            <a:r>
+              <a:rPr lang="de-DE" dirty="0" smtClean="0"/>
+              <a:t>Gruppenbildung </a:t>
+            </a:r>
+            <a:r>
+              <a:rPr lang="de-DE" dirty="0" smtClean="0"/>
+              <a:t>nicht nach Qualifikation</a:t>
             </a:r>
             <a:endParaRPr lang="de-DE" dirty="0"/>
           </a:p>
@@ -15776,8 +15508,9 @@
           <a:p>
             <a:r>
               <a:rPr lang="de-DE" dirty="0" smtClean="0"/>
-              <a:t>Online-Sessions schlecht abschätzbar von der Dauer</a:t>
-            </a:r>
+              <a:t>Dauer der Online-Sessions schwer abschätzbar</a:t>
+            </a:r>
+            <a:endParaRPr lang="de-DE" dirty="0" smtClean="0"/>
           </a:p>
           <a:p>
             <a:endParaRPr lang="de-DE" dirty="0"/>
@@ -15879,7 +15612,7 @@
         </p:nvSpPr>
         <p:spPr>
           <a:xfrm>
-            <a:off x="4644008" y="3284984"/>
+            <a:off x="4644008" y="3933056"/>
             <a:ext cx="4117019" cy="346249"/>
           </a:xfrm>
           <a:prstGeom prst="rect">
@@ -16061,7 +15794,7 @@
         </p:nvSpPr>
         <p:spPr>
           <a:xfrm>
-            <a:off x="4650741" y="3698709"/>
+            <a:off x="4614229" y="4365104"/>
             <a:ext cx="4529771" cy="637097"/>
           </a:xfrm>
           <a:prstGeom prst="rect">
@@ -16237,7 +15970,11 @@
           <a:p>
             <a:r>
               <a:rPr lang="de-DE" dirty="0" smtClean="0"/>
-              <a:t>Theorie freiwillig, Gruppen können sich entscheiden (2. Raum)</a:t>
+              <a:t>Wahlmöglichkeit zwischen Theorie oder Gruppenarbeit (2</a:t>
+            </a:r>
+            <a:r>
+              <a:rPr lang="de-DE" dirty="0" smtClean="0"/>
+              <a:t>. Raum)</a:t>
             </a:r>
             <a:endParaRPr lang="de-DE" dirty="0"/>
           </a:p>
@@ -16246,7 +15983,7 @@
     </p:spTree>
     <p:extLst>
       <p:ext uri="{BB962C8B-B14F-4D97-AF65-F5344CB8AC3E}">
-        <p14:creationId xmlns:p14="http://schemas.microsoft.com/office/powerpoint/2010/main" val="1868705113"/>
+        <p14:creationId xmlns:p14="http://schemas.microsoft.com/office/powerpoint/2010/main" xmlns="" val="1868705113"/>
       </p:ext>
     </p:extLst>
   </p:cSld>
@@ -16355,8 +16092,12 @@
           </a:p>
           <a:p>
             <a:r>
+              <a:rPr lang="de-DE" dirty="0" smtClean="0"/>
+              <a:t>Lukas </a:t>
+            </a:r>
+            <a:r>
               <a:rPr lang="de-DE" dirty="0"/>
-              <a:t> Lukas Huwe: Anwendungsentwickler bei </a:t>
+              <a:t>Huwe: Anwendungsentwickler bei </a:t>
             </a:r>
             <a:r>
               <a:rPr lang="de-DE" dirty="0" err="1"/>
@@ -16497,7 +16238,7 @@
     </p:spTree>
     <p:extLst>
       <p:ext uri="{BB962C8B-B14F-4D97-AF65-F5344CB8AC3E}">
-        <p14:creationId xmlns:p14="http://schemas.microsoft.com/office/powerpoint/2010/main" val="493528735"/>
+        <p14:creationId xmlns:p14="http://schemas.microsoft.com/office/powerpoint/2010/main" xmlns="" val="493528735"/>
       </p:ext>
     </p:extLst>
   </p:cSld>
@@ -16737,7 +16478,7 @@
     </p:spTree>
     <p:extLst>
       <p:ext uri="{BB962C8B-B14F-4D97-AF65-F5344CB8AC3E}">
-        <p14:creationId xmlns:p14="http://schemas.microsoft.com/office/powerpoint/2010/main" val="4010490588"/>
+        <p14:creationId xmlns:p14="http://schemas.microsoft.com/office/powerpoint/2010/main" xmlns="" val="4010490588"/>
       </p:ext>
     </p:extLst>
   </p:cSld>
@@ -16960,7 +16701,7 @@
           <p:nvPr>
             <p:extLst>
               <p:ext uri="{D42A27DB-BD31-4B8C-83A1-F6EECF244321}">
-                <p14:modId xmlns:p14="http://schemas.microsoft.com/office/powerpoint/2010/main" val="2095885831"/>
+                <p14:modId xmlns:p14="http://schemas.microsoft.com/office/powerpoint/2010/main" xmlns="" val="2095885831"/>
               </p:ext>
             </p:extLst>
           </p:nvPr>
@@ -17062,7 +16803,7 @@
     </p:spTree>
     <p:extLst>
       <p:ext uri="{BB962C8B-B14F-4D97-AF65-F5344CB8AC3E}">
-        <p14:creationId xmlns:p14="http://schemas.microsoft.com/office/powerpoint/2010/main" val="4283785290"/>
+        <p14:creationId xmlns:p14="http://schemas.microsoft.com/office/powerpoint/2010/main" xmlns="" val="4283785290"/>
       </p:ext>
     </p:extLst>
   </p:cSld>
@@ -17302,7 +17043,7 @@
     </p:spTree>
     <p:extLst>
       <p:ext uri="{BB962C8B-B14F-4D97-AF65-F5344CB8AC3E}">
-        <p14:creationId xmlns:p14="http://schemas.microsoft.com/office/powerpoint/2010/main" val="963295622"/>
+        <p14:creationId xmlns:p14="http://schemas.microsoft.com/office/powerpoint/2010/main" xmlns="" val="963295622"/>
       </p:ext>
     </p:extLst>
   </p:cSld>
@@ -17585,7 +17326,7 @@
     </p:spTree>
     <p:extLst>
       <p:ext uri="{BB962C8B-B14F-4D97-AF65-F5344CB8AC3E}">
-        <p14:creationId xmlns:p14="http://schemas.microsoft.com/office/powerpoint/2010/main" val="1102019178"/>
+        <p14:creationId xmlns:p14="http://schemas.microsoft.com/office/powerpoint/2010/main" xmlns="" val="1102019178"/>
       </p:ext>
     </p:extLst>
   </p:cSld>
@@ -17796,7 +17537,7 @@
     </p:spTree>
     <p:extLst>
       <p:ext uri="{BB962C8B-B14F-4D97-AF65-F5344CB8AC3E}">
-        <p14:creationId xmlns:p14="http://schemas.microsoft.com/office/powerpoint/2010/main" val="444323131"/>
+        <p14:creationId xmlns:p14="http://schemas.microsoft.com/office/powerpoint/2010/main" xmlns="" val="444323131"/>
       </p:ext>
     </p:extLst>
   </p:cSld>
